--- a/apuntes/CursoNivelatorio/Logica.pptx
+++ b/apuntes/CursoNivelatorio/Logica.pptx
@@ -1,39 +1,39 @@
 
 <file path=ppt/presentation.xml><?xml version="1.0" encoding="utf-8"?>
-<p:presentation xmlns:a="http://schemas.openxmlformats.org/drawingml/2006/main" xmlns:r="http://schemas.openxmlformats.org/officeDocument/2006/relationships" xmlns:mc="http://schemas.openxmlformats.org/markup-compatibility/2006" xmlns:mv="urn:schemas-microsoft-com:mac:vml" xmlns:p="http://schemas.openxmlformats.org/presentationml/2006/main" xmlns:c="http://schemas.openxmlformats.org/drawingml/2006/chart" xmlns:dgm="http://schemas.openxmlformats.org/drawingml/2006/diagram" xmlns:o="urn:schemas-microsoft-com:office:office" xmlns:v="urn:schemas-microsoft-com:vml" xmlns:pvml="urn:schemas-microsoft-com:office:powerpoint" xmlns:com="http://schemas.openxmlformats.org/drawingml/2006/compatibility" xmlns:p14="http://schemas.microsoft.com/office/powerpoint/2010/main" xmlns:p15="http://schemas.microsoft.com/office/powerpoint/2012/main" autoCompressPictures="0" strictFirstAndLastChars="0" saveSubsetFonts="1">
+<p:presentation xmlns:a="http://schemas.openxmlformats.org/drawingml/2006/main" xmlns:r="http://schemas.openxmlformats.org/officeDocument/2006/relationships" xmlns:p="http://schemas.openxmlformats.org/presentationml/2006/main" strictFirstAndLastChars="0" saveSubsetFonts="1" autoCompressPictures="0">
   <p:sldMasterIdLst>
-    <p:sldMasterId id="2147483659" r:id="rId3"/>
+    <p:sldMasterId id="2147483659" r:id="rId1"/>
   </p:sldMasterIdLst>
   <p:notesMasterIdLst>
-    <p:notesMasterId r:id="rId4"/>
+    <p:notesMasterId r:id="rId23"/>
   </p:notesMasterIdLst>
   <p:sldIdLst>
-    <p:sldId id="256" r:id="rId5"/>
-    <p:sldId id="257" r:id="rId6"/>
-    <p:sldId id="258" r:id="rId7"/>
-    <p:sldId id="259" r:id="rId8"/>
-    <p:sldId id="260" r:id="rId9"/>
-    <p:sldId id="261" r:id="rId10"/>
-    <p:sldId id="262" r:id="rId11"/>
-    <p:sldId id="263" r:id="rId12"/>
-    <p:sldId id="264" r:id="rId13"/>
-    <p:sldId id="265" r:id="rId14"/>
-    <p:sldId id="266" r:id="rId15"/>
-    <p:sldId id="267" r:id="rId16"/>
-    <p:sldId id="268" r:id="rId17"/>
-    <p:sldId id="269" r:id="rId18"/>
-    <p:sldId id="270" r:id="rId19"/>
-    <p:sldId id="271" r:id="rId20"/>
-    <p:sldId id="272" r:id="rId21"/>
-    <p:sldId id="273" r:id="rId22"/>
-    <p:sldId id="274" r:id="rId23"/>
-    <p:sldId id="275" r:id="rId24"/>
-    <p:sldId id="276" r:id="rId25"/>
+    <p:sldId id="256" r:id="rId2"/>
+    <p:sldId id="257" r:id="rId3"/>
+    <p:sldId id="258" r:id="rId4"/>
+    <p:sldId id="259" r:id="rId5"/>
+    <p:sldId id="260" r:id="rId6"/>
+    <p:sldId id="261" r:id="rId7"/>
+    <p:sldId id="262" r:id="rId8"/>
+    <p:sldId id="263" r:id="rId9"/>
+    <p:sldId id="264" r:id="rId10"/>
+    <p:sldId id="265" r:id="rId11"/>
+    <p:sldId id="266" r:id="rId12"/>
+    <p:sldId id="267" r:id="rId13"/>
+    <p:sldId id="268" r:id="rId14"/>
+    <p:sldId id="269" r:id="rId15"/>
+    <p:sldId id="270" r:id="rId16"/>
+    <p:sldId id="271" r:id="rId17"/>
+    <p:sldId id="272" r:id="rId18"/>
+    <p:sldId id="273" r:id="rId19"/>
+    <p:sldId id="274" r:id="rId20"/>
+    <p:sldId id="275" r:id="rId21"/>
+    <p:sldId id="276" r:id="rId22"/>
   </p:sldIdLst>
-  <p:sldSz cy="5143500" cx="9144000"/>
+  <p:sldSz cx="9144000" cy="5143500" type="screen16x9"/>
   <p:notesSz cx="6858000" cy="9144000"/>
   <p:defaultTextStyle>
-    <a:defPPr lvl="0" marR="0" rtl="0" algn="l">
+    <a:defPPr marR="0" lvl="0" algn="l" rtl="0">
       <a:lnSpc>
         <a:spcPct val="100000"/>
       </a:lnSpc>
@@ -44,7 +44,7 @@
         <a:spcPts val="0"/>
       </a:spcAft>
     </a:defPPr>
-    <a:lvl1pPr lvl="0" marR="0" rtl="0" algn="l">
+    <a:lvl1pPr marR="0" lvl="0" algn="l" rtl="0">
       <a:lnSpc>
         <a:spcPct val="100000"/>
       </a:lnSpc>
@@ -55,7 +55,7 @@
         <a:spcPts val="0"/>
       </a:spcAft>
       <a:buNone/>
-      <a:defRPr b="0" i="0" sz="1400" u="none" cap="none" strike="noStrike">
+      <a:defRPr sz="1400" b="0" i="0" u="none" strike="noStrike" cap="none">
         <a:solidFill>
           <a:srgbClr val="000000"/>
         </a:solidFill>
@@ -65,7 +65,7 @@
         <a:sym typeface="Arial"/>
       </a:defRPr>
     </a:lvl1pPr>
-    <a:lvl2pPr lvl="1" marR="0" rtl="0" algn="l">
+    <a:lvl2pPr marR="0" lvl="1" algn="l" rtl="0">
       <a:lnSpc>
         <a:spcPct val="100000"/>
       </a:lnSpc>
@@ -76,7 +76,7 @@
         <a:spcPts val="0"/>
       </a:spcAft>
       <a:buNone/>
-      <a:defRPr b="0" i="0" sz="1400" u="none" cap="none" strike="noStrike">
+      <a:defRPr sz="1400" b="0" i="0" u="none" strike="noStrike" cap="none">
         <a:solidFill>
           <a:srgbClr val="000000"/>
         </a:solidFill>
@@ -86,7 +86,7 @@
         <a:sym typeface="Arial"/>
       </a:defRPr>
     </a:lvl2pPr>
-    <a:lvl3pPr lvl="2" marR="0" rtl="0" algn="l">
+    <a:lvl3pPr marR="0" lvl="2" algn="l" rtl="0">
       <a:lnSpc>
         <a:spcPct val="100000"/>
       </a:lnSpc>
@@ -97,7 +97,7 @@
         <a:spcPts val="0"/>
       </a:spcAft>
       <a:buNone/>
-      <a:defRPr b="0" i="0" sz="1400" u="none" cap="none" strike="noStrike">
+      <a:defRPr sz="1400" b="0" i="0" u="none" strike="noStrike" cap="none">
         <a:solidFill>
           <a:srgbClr val="000000"/>
         </a:solidFill>
@@ -107,7 +107,7 @@
         <a:sym typeface="Arial"/>
       </a:defRPr>
     </a:lvl3pPr>
-    <a:lvl4pPr lvl="3" marR="0" rtl="0" algn="l">
+    <a:lvl4pPr marR="0" lvl="3" algn="l" rtl="0">
       <a:lnSpc>
         <a:spcPct val="100000"/>
       </a:lnSpc>
@@ -118,7 +118,7 @@
         <a:spcPts val="0"/>
       </a:spcAft>
       <a:buNone/>
-      <a:defRPr b="0" i="0" sz="1400" u="none" cap="none" strike="noStrike">
+      <a:defRPr sz="1400" b="0" i="0" u="none" strike="noStrike" cap="none">
         <a:solidFill>
           <a:srgbClr val="000000"/>
         </a:solidFill>
@@ -128,7 +128,7 @@
         <a:sym typeface="Arial"/>
       </a:defRPr>
     </a:lvl4pPr>
-    <a:lvl5pPr lvl="4" marR="0" rtl="0" algn="l">
+    <a:lvl5pPr marR="0" lvl="4" algn="l" rtl="0">
       <a:lnSpc>
         <a:spcPct val="100000"/>
       </a:lnSpc>
@@ -139,7 +139,7 @@
         <a:spcPts val="0"/>
       </a:spcAft>
       <a:buNone/>
-      <a:defRPr b="0" i="0" sz="1400" u="none" cap="none" strike="noStrike">
+      <a:defRPr sz="1400" b="0" i="0" u="none" strike="noStrike" cap="none">
         <a:solidFill>
           <a:srgbClr val="000000"/>
         </a:solidFill>
@@ -149,7 +149,7 @@
         <a:sym typeface="Arial"/>
       </a:defRPr>
     </a:lvl5pPr>
-    <a:lvl6pPr lvl="5" marR="0" rtl="0" algn="l">
+    <a:lvl6pPr marR="0" lvl="5" algn="l" rtl="0">
       <a:lnSpc>
         <a:spcPct val="100000"/>
       </a:lnSpc>
@@ -160,7 +160,7 @@
         <a:spcPts val="0"/>
       </a:spcAft>
       <a:buNone/>
-      <a:defRPr b="0" i="0" sz="1400" u="none" cap="none" strike="noStrike">
+      <a:defRPr sz="1400" b="0" i="0" u="none" strike="noStrike" cap="none">
         <a:solidFill>
           <a:srgbClr val="000000"/>
         </a:solidFill>
@@ -170,7 +170,7 @@
         <a:sym typeface="Arial"/>
       </a:defRPr>
     </a:lvl6pPr>
-    <a:lvl7pPr lvl="6" marR="0" rtl="0" algn="l">
+    <a:lvl7pPr marR="0" lvl="6" algn="l" rtl="0">
       <a:lnSpc>
         <a:spcPct val="100000"/>
       </a:lnSpc>
@@ -181,7 +181,7 @@
         <a:spcPts val="0"/>
       </a:spcAft>
       <a:buNone/>
-      <a:defRPr b="0" i="0" sz="1400" u="none" cap="none" strike="noStrike">
+      <a:defRPr sz="1400" b="0" i="0" u="none" strike="noStrike" cap="none">
         <a:solidFill>
           <a:srgbClr val="000000"/>
         </a:solidFill>
@@ -191,7 +191,7 @@
         <a:sym typeface="Arial"/>
       </a:defRPr>
     </a:lvl7pPr>
-    <a:lvl8pPr lvl="7" marR="0" rtl="0" algn="l">
+    <a:lvl8pPr marR="0" lvl="7" algn="l" rtl="0">
       <a:lnSpc>
         <a:spcPct val="100000"/>
       </a:lnSpc>
@@ -202,7 +202,7 @@
         <a:spcPts val="0"/>
       </a:spcAft>
       <a:buNone/>
-      <a:defRPr b="0" i="0" sz="1400" u="none" cap="none" strike="noStrike">
+      <a:defRPr sz="1400" b="0" i="0" u="none" strike="noStrike" cap="none">
         <a:solidFill>
           <a:srgbClr val="000000"/>
         </a:solidFill>
@@ -212,7 +212,7 @@
         <a:sym typeface="Arial"/>
       </a:defRPr>
     </a:lvl8pPr>
-    <a:lvl9pPr lvl="8" marR="0" rtl="0" algn="l">
+    <a:lvl9pPr marR="0" lvl="8" algn="l" rtl="0">
       <a:lnSpc>
         <a:spcPct val="100000"/>
       </a:lnSpc>
@@ -223,7 +223,7 @@
         <a:spcPts val="0"/>
       </a:spcAft>
       <a:buNone/>
-      <a:defRPr b="0" i="0" sz="1400" u="none" cap="none" strike="noStrike">
+      <a:defRPr sz="1400" b="0" i="0" u="none" strike="noStrike" cap="none">
         <a:solidFill>
           <a:srgbClr val="000000"/>
         </a:solidFill>
@@ -238,11 +238,16 @@
 </file>
 
 <file path=ppt/notesMasters/notesMaster1.xml><?xml version="1.0" encoding="utf-8"?>
-<p:notesMaster xmlns:a="http://schemas.openxmlformats.org/drawingml/2006/main" xmlns:r="http://schemas.openxmlformats.org/officeDocument/2006/relationships" xmlns:mc="http://schemas.openxmlformats.org/markup-compatibility/2006" xmlns:mv="urn:schemas-microsoft-com:mac:vml" xmlns:p="http://schemas.openxmlformats.org/presentationml/2006/main" xmlns:c="http://schemas.openxmlformats.org/drawingml/2006/chart" xmlns:dgm="http://schemas.openxmlformats.org/drawingml/2006/diagram" xmlns:o="urn:schemas-microsoft-com:office:office" xmlns:v="urn:schemas-microsoft-com:vml" xmlns:pvml="urn:schemas-microsoft-com:office:powerpoint" xmlns:com="http://schemas.openxmlformats.org/drawingml/2006/compatibility" xmlns:p14="http://schemas.microsoft.com/office/powerpoint/2010/main" xmlns:p15="http://schemas.microsoft.com/office/powerpoint/2012/main">
+<p:notesMaster xmlns:a="http://schemas.openxmlformats.org/drawingml/2006/main" xmlns:r="http://schemas.openxmlformats.org/officeDocument/2006/relationships" xmlns:p="http://schemas.openxmlformats.org/presentationml/2006/main">
   <p:cSld>
+    <p:bg>
+      <p:bgRef idx="1001">
+        <a:schemeClr val="bg1"/>
+      </p:bgRef>
+    </p:bg>
     <p:spTree>
       <p:nvGrpSpPr>
-        <p:cNvPr id="2" name="Shape 2"/>
+        <p:cNvPr id="1" name="Shape 2"/>
         <p:cNvGrpSpPr/>
         <p:nvPr/>
       </p:nvGrpSpPr>
@@ -257,9 +262,11 @@
       <p:sp>
         <p:nvSpPr>
           <p:cNvPr id="3" name="Shape 3"/>
-          <p:cNvSpPr/>
+          <p:cNvSpPr>
+            <a:spLocks noGrp="1" noRot="1" noChangeAspect="1"/>
+          </p:cNvSpPr>
           <p:nvPr>
-            <p:ph idx="2" type="sldImg"/>
+            <p:ph type="sldImg" idx="2"/>
           </p:nvPr>
         </p:nvSpPr>
         <p:spPr>
@@ -268,8 +275,13 @@
             <a:ext cx="6096075" cy="3429000"/>
           </a:xfrm>
           <a:custGeom>
+            <a:avLst/>
+            <a:gdLst/>
+            <a:ahLst/>
+            <a:cxnLst/>
+            <a:rect l="0" t="0" r="0" b="0"/>
             <a:pathLst>
-              <a:path extrusionOk="0" h="120000" w="120000">
+              <a:path w="120000" h="120000" extrusionOk="0">
                 <a:moveTo>
                   <a:pt x="0" y="0"/>
                 </a:moveTo>
@@ -287,23 +299,25 @@
             </a:pathLst>
           </a:custGeom>
           <a:noFill/>
-          <a:ln cap="flat" cmpd="sng" w="9525">
+          <a:ln w="9525" cap="flat" cmpd="sng">
             <a:solidFill>
               <a:srgbClr val="000000"/>
             </a:solidFill>
             <a:prstDash val="solid"/>
             <a:round/>
-            <a:headEnd len="med" w="med" type="none"/>
-            <a:tailEnd len="med" w="med" type="none"/>
+            <a:headEnd type="none" w="med" len="med"/>
+            <a:tailEnd type="none" w="med" len="med"/>
           </a:ln>
         </p:spPr>
       </p:sp>
       <p:sp>
         <p:nvSpPr>
           <p:cNvPr id="4" name="Shape 4"/>
-          <p:cNvSpPr txBox="1"/>
+          <p:cNvSpPr txBox="1">
+            <a:spLocks noGrp="1"/>
+          </p:cNvSpPr>
           <p:nvPr>
-            <p:ph idx="1" type="body"/>
+            <p:ph type="body" idx="1"/>
           </p:nvPr>
         </p:nvSpPr>
         <p:spPr>
@@ -320,7 +334,7 @@
           </a:ln>
         </p:spPr>
         <p:txBody>
-          <a:bodyPr anchorCtr="0" anchor="t" bIns="91425" lIns="91425" rIns="91425" wrap="square" tIns="91425"/>
+          <a:bodyPr wrap="square" lIns="91425" tIns="91425" rIns="91425" bIns="91425" anchor="t" anchorCtr="0"/>
           <a:lstStyle>
             <a:lvl1pPr lvl="0">
               <a:spcBef>
@@ -386,21 +400,115 @@
               <a:defRPr sz="1100"/>
             </a:lvl9pPr>
           </a:lstStyle>
-          <a:p/>
+          <a:p>
+            <a:endParaRPr/>
+          </a:p>
         </p:txBody>
       </p:sp>
     </p:spTree>
   </p:cSld>
-  <p:clrMap accent1="accent1" accent2="accent2" accent3="accent3" accent4="accent4" accent5="accent5" accent6="accent6" bg1="lt1" bg2="dk2" tx1="dk1" tx2="lt2" folHlink="folHlink" hlink="hlink"/>
+  <p:clrMap bg1="lt1" tx1="dk1" bg2="dk2" tx2="lt2" accent1="accent1" accent2="accent2" accent3="accent3" accent4="accent4" accent5="accent5" accent6="accent6" hlink="hlink" folHlink="folHlink"/>
+  <p:notesStyle>
+    <a:lvl1pPr marL="0" algn="l" defTabSz="914400" rtl="0" eaLnBrk="1" latinLnBrk="0" hangingPunct="1">
+      <a:defRPr sz="1200" kern="1200">
+        <a:solidFill>
+          <a:schemeClr val="tx1"/>
+        </a:solidFill>
+        <a:latin typeface="+mn-lt"/>
+        <a:ea typeface="+mn-ea"/>
+        <a:cs typeface="+mn-cs"/>
+      </a:defRPr>
+    </a:lvl1pPr>
+    <a:lvl2pPr marL="457200" algn="l" defTabSz="914400" rtl="0" eaLnBrk="1" latinLnBrk="0" hangingPunct="1">
+      <a:defRPr sz="1200" kern="1200">
+        <a:solidFill>
+          <a:schemeClr val="tx1"/>
+        </a:solidFill>
+        <a:latin typeface="+mn-lt"/>
+        <a:ea typeface="+mn-ea"/>
+        <a:cs typeface="+mn-cs"/>
+      </a:defRPr>
+    </a:lvl2pPr>
+    <a:lvl3pPr marL="914400" algn="l" defTabSz="914400" rtl="0" eaLnBrk="1" latinLnBrk="0" hangingPunct="1">
+      <a:defRPr sz="1200" kern="1200">
+        <a:solidFill>
+          <a:schemeClr val="tx1"/>
+        </a:solidFill>
+        <a:latin typeface="+mn-lt"/>
+        <a:ea typeface="+mn-ea"/>
+        <a:cs typeface="+mn-cs"/>
+      </a:defRPr>
+    </a:lvl3pPr>
+    <a:lvl4pPr marL="1371600" algn="l" defTabSz="914400" rtl="0" eaLnBrk="1" latinLnBrk="0" hangingPunct="1">
+      <a:defRPr sz="1200" kern="1200">
+        <a:solidFill>
+          <a:schemeClr val="tx1"/>
+        </a:solidFill>
+        <a:latin typeface="+mn-lt"/>
+        <a:ea typeface="+mn-ea"/>
+        <a:cs typeface="+mn-cs"/>
+      </a:defRPr>
+    </a:lvl4pPr>
+    <a:lvl5pPr marL="1828800" algn="l" defTabSz="914400" rtl="0" eaLnBrk="1" latinLnBrk="0" hangingPunct="1">
+      <a:defRPr sz="1200" kern="1200">
+        <a:solidFill>
+          <a:schemeClr val="tx1"/>
+        </a:solidFill>
+        <a:latin typeface="+mn-lt"/>
+        <a:ea typeface="+mn-ea"/>
+        <a:cs typeface="+mn-cs"/>
+      </a:defRPr>
+    </a:lvl5pPr>
+    <a:lvl6pPr marL="2286000" algn="l" defTabSz="914400" rtl="0" eaLnBrk="1" latinLnBrk="0" hangingPunct="1">
+      <a:defRPr sz="1200" kern="1200">
+        <a:solidFill>
+          <a:schemeClr val="tx1"/>
+        </a:solidFill>
+        <a:latin typeface="+mn-lt"/>
+        <a:ea typeface="+mn-ea"/>
+        <a:cs typeface="+mn-cs"/>
+      </a:defRPr>
+    </a:lvl6pPr>
+    <a:lvl7pPr marL="2743200" algn="l" defTabSz="914400" rtl="0" eaLnBrk="1" latinLnBrk="0" hangingPunct="1">
+      <a:defRPr sz="1200" kern="1200">
+        <a:solidFill>
+          <a:schemeClr val="tx1"/>
+        </a:solidFill>
+        <a:latin typeface="+mn-lt"/>
+        <a:ea typeface="+mn-ea"/>
+        <a:cs typeface="+mn-cs"/>
+      </a:defRPr>
+    </a:lvl7pPr>
+    <a:lvl8pPr marL="3200400" algn="l" defTabSz="914400" rtl="0" eaLnBrk="1" latinLnBrk="0" hangingPunct="1">
+      <a:defRPr sz="1200" kern="1200">
+        <a:solidFill>
+          <a:schemeClr val="tx1"/>
+        </a:solidFill>
+        <a:latin typeface="+mn-lt"/>
+        <a:ea typeface="+mn-ea"/>
+        <a:cs typeface="+mn-cs"/>
+      </a:defRPr>
+    </a:lvl8pPr>
+    <a:lvl9pPr marL="3657600" algn="l" defTabSz="914400" rtl="0" eaLnBrk="1" latinLnBrk="0" hangingPunct="1">
+      <a:defRPr sz="1200" kern="1200">
+        <a:solidFill>
+          <a:schemeClr val="tx1"/>
+        </a:solidFill>
+        <a:latin typeface="+mn-lt"/>
+        <a:ea typeface="+mn-ea"/>
+        <a:cs typeface="+mn-cs"/>
+      </a:defRPr>
+    </a:lvl9pPr>
+  </p:notesStyle>
 </p:notesMaster>
 </file>
 
 <file path=ppt/notesSlides/notesSlide1.xml><?xml version="1.0" encoding="utf-8"?>
-<p:notes xmlns:a="http://schemas.openxmlformats.org/drawingml/2006/main" xmlns:r="http://schemas.openxmlformats.org/officeDocument/2006/relationships" xmlns:mc="http://schemas.openxmlformats.org/markup-compatibility/2006" xmlns:mv="urn:schemas-microsoft-com:mac:vml" xmlns:p="http://schemas.openxmlformats.org/presentationml/2006/main" xmlns:c="http://schemas.openxmlformats.org/drawingml/2006/chart" xmlns:dgm="http://schemas.openxmlformats.org/drawingml/2006/diagram" xmlns:o="urn:schemas-microsoft-com:office:office" xmlns:v="urn:schemas-microsoft-com:vml" xmlns:pvml="urn:schemas-microsoft-com:office:powerpoint" xmlns:com="http://schemas.openxmlformats.org/drawingml/2006/compatibility" xmlns:p14="http://schemas.microsoft.com/office/powerpoint/2010/main" xmlns:p15="http://schemas.microsoft.com/office/powerpoint/2012/main" showMasterPhAnim="0" showMasterSp="0">
+<p:notes xmlns:a="http://schemas.openxmlformats.org/drawingml/2006/main" xmlns:r="http://schemas.openxmlformats.org/officeDocument/2006/relationships" xmlns:p="http://schemas.openxmlformats.org/presentationml/2006/main" showMasterSp="0" showMasterPhAnim="0">
   <p:cSld>
     <p:spTree>
       <p:nvGrpSpPr>
-        <p:cNvPr id="50" name="Shape 50"/>
+        <p:cNvPr id="1" name="Shape 50"/>
         <p:cNvGrpSpPr/>
         <p:nvPr/>
       </p:nvGrpSpPr>
@@ -415,9 +523,11 @@
       <p:sp>
         <p:nvSpPr>
           <p:cNvPr id="51" name="Shape 51"/>
-          <p:cNvSpPr/>
+          <p:cNvSpPr>
+            <a:spLocks noGrp="1" noRot="1" noChangeAspect="1"/>
+          </p:cNvSpPr>
           <p:nvPr>
-            <p:ph idx="2" type="sldImg"/>
+            <p:ph type="sldImg" idx="2"/>
           </p:nvPr>
         </p:nvSpPr>
         <p:spPr>
@@ -426,8 +536,13 @@
             <a:ext cx="6096075" cy="3429000"/>
           </a:xfrm>
           <a:custGeom>
+            <a:avLst/>
+            <a:gdLst/>
+            <a:ahLst/>
+            <a:cxnLst/>
+            <a:rect l="0" t="0" r="0" b="0"/>
             <a:pathLst>
-              <a:path extrusionOk="0" h="120000" w="120000">
+              <a:path w="120000" h="120000" extrusionOk="0">
                 <a:moveTo>
                   <a:pt x="0" y="0"/>
                 </a:moveTo>
@@ -449,9 +564,11 @@
       <p:sp>
         <p:nvSpPr>
           <p:cNvPr id="52" name="Shape 52"/>
-          <p:cNvSpPr txBox="1"/>
+          <p:cNvSpPr txBox="1">
+            <a:spLocks noGrp="1"/>
+          </p:cNvSpPr>
           <p:nvPr>
-            <p:ph idx="1" type="body"/>
+            <p:ph type="body" idx="1"/>
           </p:nvPr>
         </p:nvSpPr>
         <p:spPr>
@@ -464,7 +581,7 @@
           </a:prstGeom>
         </p:spPr>
         <p:txBody>
-          <a:bodyPr anchorCtr="0" anchor="t" bIns="91425" lIns="91425" rIns="91425" wrap="square" tIns="91425">
+          <a:bodyPr wrap="square" lIns="91425" tIns="91425" rIns="91425" bIns="91425" anchor="t" anchorCtr="0">
             <a:noAutofit/>
           </a:bodyPr>
           <a:lstStyle/>
@@ -475,9 +592,6 @@
               </a:spcBef>
               <a:buNone/>
             </a:pPr>
-            <a:r>
-              <a:t/>
-            </a:r>
             <a:endParaRPr/>
           </a:p>
         </p:txBody>
@@ -491,11 +605,11 @@
 </file>
 
 <file path=ppt/notesSlides/notesSlide10.xml><?xml version="1.0" encoding="utf-8"?>
-<p:notes xmlns:a="http://schemas.openxmlformats.org/drawingml/2006/main" xmlns:r="http://schemas.openxmlformats.org/officeDocument/2006/relationships" xmlns:mc="http://schemas.openxmlformats.org/markup-compatibility/2006" xmlns:mv="urn:schemas-microsoft-com:mac:vml" xmlns:p="http://schemas.openxmlformats.org/presentationml/2006/main" xmlns:c="http://schemas.openxmlformats.org/drawingml/2006/chart" xmlns:dgm="http://schemas.openxmlformats.org/drawingml/2006/diagram" xmlns:o="urn:schemas-microsoft-com:office:office" xmlns:v="urn:schemas-microsoft-com:vml" xmlns:pvml="urn:schemas-microsoft-com:office:powerpoint" xmlns:com="http://schemas.openxmlformats.org/drawingml/2006/compatibility" xmlns:p14="http://schemas.microsoft.com/office/powerpoint/2010/main" xmlns:p15="http://schemas.microsoft.com/office/powerpoint/2012/main" showMasterPhAnim="0" showMasterSp="0">
+<p:notes xmlns:a="http://schemas.openxmlformats.org/drawingml/2006/main" xmlns:r="http://schemas.openxmlformats.org/officeDocument/2006/relationships" xmlns:p="http://schemas.openxmlformats.org/presentationml/2006/main" showMasterSp="0" showMasterPhAnim="0">
   <p:cSld>
     <p:spTree>
       <p:nvGrpSpPr>
-        <p:cNvPr id="104" name="Shape 104"/>
+        <p:cNvPr id="1" name="Shape 104"/>
         <p:cNvGrpSpPr/>
         <p:nvPr/>
       </p:nvGrpSpPr>
@@ -510,9 +624,11 @@
       <p:sp>
         <p:nvSpPr>
           <p:cNvPr id="105" name="Shape 105"/>
-          <p:cNvSpPr/>
+          <p:cNvSpPr>
+            <a:spLocks noGrp="1" noRot="1" noChangeAspect="1"/>
+          </p:cNvSpPr>
           <p:nvPr>
-            <p:ph idx="2" type="sldImg"/>
+            <p:ph type="sldImg" idx="2"/>
           </p:nvPr>
         </p:nvSpPr>
         <p:spPr>
@@ -521,8 +637,13 @@
             <a:ext cx="6096000" cy="3429000"/>
           </a:xfrm>
           <a:custGeom>
+            <a:avLst/>
+            <a:gdLst/>
+            <a:ahLst/>
+            <a:cxnLst/>
+            <a:rect l="0" t="0" r="0" b="0"/>
             <a:pathLst>
-              <a:path extrusionOk="0" h="120000" w="120000">
+              <a:path w="120000" h="120000" extrusionOk="0">
                 <a:moveTo>
                   <a:pt x="0" y="0"/>
                 </a:moveTo>
@@ -544,9 +665,11 @@
       <p:sp>
         <p:nvSpPr>
           <p:cNvPr id="106" name="Shape 106"/>
-          <p:cNvSpPr txBox="1"/>
+          <p:cNvSpPr txBox="1">
+            <a:spLocks noGrp="1"/>
+          </p:cNvSpPr>
           <p:nvPr>
-            <p:ph idx="1" type="body"/>
+            <p:ph type="body" idx="1"/>
           </p:nvPr>
         </p:nvSpPr>
         <p:spPr>
@@ -559,7 +682,7 @@
           </a:prstGeom>
         </p:spPr>
         <p:txBody>
-          <a:bodyPr anchorCtr="0" anchor="t" bIns="91425" lIns="91425" rIns="91425" wrap="square" tIns="91425">
+          <a:bodyPr wrap="square" lIns="91425" tIns="91425" rIns="91425" bIns="91425" anchor="t" anchorCtr="0">
             <a:noAutofit/>
           </a:bodyPr>
           <a:lstStyle/>
@@ -570,9 +693,6 @@
               </a:spcBef>
               <a:buNone/>
             </a:pPr>
-            <a:r>
-              <a:t/>
-            </a:r>
             <a:endParaRPr/>
           </a:p>
         </p:txBody>
@@ -586,11 +706,11 @@
 </file>
 
 <file path=ppt/notesSlides/notesSlide11.xml><?xml version="1.0" encoding="utf-8"?>
-<p:notes xmlns:a="http://schemas.openxmlformats.org/drawingml/2006/main" xmlns:r="http://schemas.openxmlformats.org/officeDocument/2006/relationships" xmlns:mc="http://schemas.openxmlformats.org/markup-compatibility/2006" xmlns:mv="urn:schemas-microsoft-com:mac:vml" xmlns:p="http://schemas.openxmlformats.org/presentationml/2006/main" xmlns:c="http://schemas.openxmlformats.org/drawingml/2006/chart" xmlns:dgm="http://schemas.openxmlformats.org/drawingml/2006/diagram" xmlns:o="urn:schemas-microsoft-com:office:office" xmlns:v="urn:schemas-microsoft-com:vml" xmlns:pvml="urn:schemas-microsoft-com:office:powerpoint" xmlns:com="http://schemas.openxmlformats.org/drawingml/2006/compatibility" xmlns:p14="http://schemas.microsoft.com/office/powerpoint/2010/main" xmlns:p15="http://schemas.microsoft.com/office/powerpoint/2012/main" showMasterPhAnim="0" showMasterSp="0">
+<p:notes xmlns:a="http://schemas.openxmlformats.org/drawingml/2006/main" xmlns:r="http://schemas.openxmlformats.org/officeDocument/2006/relationships" xmlns:p="http://schemas.openxmlformats.org/presentationml/2006/main" showMasterSp="0" showMasterPhAnim="0">
   <p:cSld>
     <p:spTree>
       <p:nvGrpSpPr>
-        <p:cNvPr id="110" name="Shape 110"/>
+        <p:cNvPr id="1" name="Shape 110"/>
         <p:cNvGrpSpPr/>
         <p:nvPr/>
       </p:nvGrpSpPr>
@@ -605,9 +725,11 @@
       <p:sp>
         <p:nvSpPr>
           <p:cNvPr id="111" name="Shape 111"/>
-          <p:cNvSpPr/>
+          <p:cNvSpPr>
+            <a:spLocks noGrp="1" noRot="1" noChangeAspect="1"/>
+          </p:cNvSpPr>
           <p:nvPr>
-            <p:ph idx="2" type="sldImg"/>
+            <p:ph type="sldImg" idx="2"/>
           </p:nvPr>
         </p:nvSpPr>
         <p:spPr>
@@ -616,8 +738,13 @@
             <a:ext cx="6096000" cy="3429000"/>
           </a:xfrm>
           <a:custGeom>
+            <a:avLst/>
+            <a:gdLst/>
+            <a:ahLst/>
+            <a:cxnLst/>
+            <a:rect l="0" t="0" r="0" b="0"/>
             <a:pathLst>
-              <a:path extrusionOk="0" h="120000" w="120000">
+              <a:path w="120000" h="120000" extrusionOk="0">
                 <a:moveTo>
                   <a:pt x="0" y="0"/>
                 </a:moveTo>
@@ -639,9 +766,11 @@
       <p:sp>
         <p:nvSpPr>
           <p:cNvPr id="112" name="Shape 112"/>
-          <p:cNvSpPr txBox="1"/>
+          <p:cNvSpPr txBox="1">
+            <a:spLocks noGrp="1"/>
+          </p:cNvSpPr>
           <p:nvPr>
-            <p:ph idx="1" type="body"/>
+            <p:ph type="body" idx="1"/>
           </p:nvPr>
         </p:nvSpPr>
         <p:spPr>
@@ -654,7 +783,7 @@
           </a:prstGeom>
         </p:spPr>
         <p:txBody>
-          <a:bodyPr anchorCtr="0" anchor="t" bIns="91425" lIns="91425" rIns="91425" wrap="square" tIns="91425">
+          <a:bodyPr wrap="square" lIns="91425" tIns="91425" rIns="91425" bIns="91425" anchor="t" anchorCtr="0">
             <a:noAutofit/>
           </a:bodyPr>
           <a:lstStyle/>
@@ -665,9 +794,6 @@
               </a:spcBef>
               <a:buNone/>
             </a:pPr>
-            <a:r>
-              <a:t/>
-            </a:r>
             <a:endParaRPr/>
           </a:p>
         </p:txBody>
@@ -681,11 +807,11 @@
 </file>
 
 <file path=ppt/notesSlides/notesSlide12.xml><?xml version="1.0" encoding="utf-8"?>
-<p:notes xmlns:a="http://schemas.openxmlformats.org/drawingml/2006/main" xmlns:r="http://schemas.openxmlformats.org/officeDocument/2006/relationships" xmlns:mc="http://schemas.openxmlformats.org/markup-compatibility/2006" xmlns:mv="urn:schemas-microsoft-com:mac:vml" xmlns:p="http://schemas.openxmlformats.org/presentationml/2006/main" xmlns:c="http://schemas.openxmlformats.org/drawingml/2006/chart" xmlns:dgm="http://schemas.openxmlformats.org/drawingml/2006/diagram" xmlns:o="urn:schemas-microsoft-com:office:office" xmlns:v="urn:schemas-microsoft-com:vml" xmlns:pvml="urn:schemas-microsoft-com:office:powerpoint" xmlns:com="http://schemas.openxmlformats.org/drawingml/2006/compatibility" xmlns:p14="http://schemas.microsoft.com/office/powerpoint/2010/main" xmlns:p15="http://schemas.microsoft.com/office/powerpoint/2012/main" showMasterPhAnim="0" showMasterSp="0">
+<p:notes xmlns:a="http://schemas.openxmlformats.org/drawingml/2006/main" xmlns:r="http://schemas.openxmlformats.org/officeDocument/2006/relationships" xmlns:p="http://schemas.openxmlformats.org/presentationml/2006/main" showMasterSp="0" showMasterPhAnim="0">
   <p:cSld>
     <p:spTree>
       <p:nvGrpSpPr>
-        <p:cNvPr id="116" name="Shape 116"/>
+        <p:cNvPr id="1" name="Shape 116"/>
         <p:cNvGrpSpPr/>
         <p:nvPr/>
       </p:nvGrpSpPr>
@@ -700,9 +826,11 @@
       <p:sp>
         <p:nvSpPr>
           <p:cNvPr id="117" name="Shape 117"/>
-          <p:cNvSpPr/>
+          <p:cNvSpPr>
+            <a:spLocks noGrp="1" noRot="1" noChangeAspect="1"/>
+          </p:cNvSpPr>
           <p:nvPr>
-            <p:ph idx="2" type="sldImg"/>
+            <p:ph type="sldImg" idx="2"/>
           </p:nvPr>
         </p:nvSpPr>
         <p:spPr>
@@ -711,8 +839,13 @@
             <a:ext cx="6096000" cy="3429000"/>
           </a:xfrm>
           <a:custGeom>
+            <a:avLst/>
+            <a:gdLst/>
+            <a:ahLst/>
+            <a:cxnLst/>
+            <a:rect l="0" t="0" r="0" b="0"/>
             <a:pathLst>
-              <a:path extrusionOk="0" h="120000" w="120000">
+              <a:path w="120000" h="120000" extrusionOk="0">
                 <a:moveTo>
                   <a:pt x="0" y="0"/>
                 </a:moveTo>
@@ -734,9 +867,11 @@
       <p:sp>
         <p:nvSpPr>
           <p:cNvPr id="118" name="Shape 118"/>
-          <p:cNvSpPr txBox="1"/>
+          <p:cNvSpPr txBox="1">
+            <a:spLocks noGrp="1"/>
+          </p:cNvSpPr>
           <p:nvPr>
-            <p:ph idx="1" type="body"/>
+            <p:ph type="body" idx="1"/>
           </p:nvPr>
         </p:nvSpPr>
         <p:spPr>
@@ -749,7 +884,7 @@
           </a:prstGeom>
         </p:spPr>
         <p:txBody>
-          <a:bodyPr anchorCtr="0" anchor="t" bIns="91425" lIns="91425" rIns="91425" wrap="square" tIns="91425">
+          <a:bodyPr wrap="square" lIns="91425" tIns="91425" rIns="91425" bIns="91425" anchor="t" anchorCtr="0">
             <a:noAutofit/>
           </a:bodyPr>
           <a:lstStyle/>
@@ -760,9 +895,6 @@
               </a:spcBef>
               <a:buNone/>
             </a:pPr>
-            <a:r>
-              <a:t/>
-            </a:r>
             <a:endParaRPr/>
           </a:p>
         </p:txBody>
@@ -776,11 +908,11 @@
 </file>
 
 <file path=ppt/notesSlides/notesSlide13.xml><?xml version="1.0" encoding="utf-8"?>
-<p:notes xmlns:a="http://schemas.openxmlformats.org/drawingml/2006/main" xmlns:r="http://schemas.openxmlformats.org/officeDocument/2006/relationships" xmlns:mc="http://schemas.openxmlformats.org/markup-compatibility/2006" xmlns:mv="urn:schemas-microsoft-com:mac:vml" xmlns:p="http://schemas.openxmlformats.org/presentationml/2006/main" xmlns:c="http://schemas.openxmlformats.org/drawingml/2006/chart" xmlns:dgm="http://schemas.openxmlformats.org/drawingml/2006/diagram" xmlns:o="urn:schemas-microsoft-com:office:office" xmlns:v="urn:schemas-microsoft-com:vml" xmlns:pvml="urn:schemas-microsoft-com:office:powerpoint" xmlns:com="http://schemas.openxmlformats.org/drawingml/2006/compatibility" xmlns:p14="http://schemas.microsoft.com/office/powerpoint/2010/main" xmlns:p15="http://schemas.microsoft.com/office/powerpoint/2012/main" showMasterPhAnim="0" showMasterSp="0">
+<p:notes xmlns:a="http://schemas.openxmlformats.org/drawingml/2006/main" xmlns:r="http://schemas.openxmlformats.org/officeDocument/2006/relationships" xmlns:p="http://schemas.openxmlformats.org/presentationml/2006/main" showMasterSp="0" showMasterPhAnim="0">
   <p:cSld>
     <p:spTree>
       <p:nvGrpSpPr>
-        <p:cNvPr id="122" name="Shape 122"/>
+        <p:cNvPr id="1" name="Shape 122"/>
         <p:cNvGrpSpPr/>
         <p:nvPr/>
       </p:nvGrpSpPr>
@@ -795,9 +927,11 @@
       <p:sp>
         <p:nvSpPr>
           <p:cNvPr id="123" name="Shape 123"/>
-          <p:cNvSpPr/>
+          <p:cNvSpPr>
+            <a:spLocks noGrp="1" noRot="1" noChangeAspect="1"/>
+          </p:cNvSpPr>
           <p:nvPr>
-            <p:ph idx="2" type="sldImg"/>
+            <p:ph type="sldImg" idx="2"/>
           </p:nvPr>
         </p:nvSpPr>
         <p:spPr>
@@ -806,8 +940,13 @@
             <a:ext cx="6096000" cy="3429000"/>
           </a:xfrm>
           <a:custGeom>
+            <a:avLst/>
+            <a:gdLst/>
+            <a:ahLst/>
+            <a:cxnLst/>
+            <a:rect l="0" t="0" r="0" b="0"/>
             <a:pathLst>
-              <a:path extrusionOk="0" h="120000" w="120000">
+              <a:path w="120000" h="120000" extrusionOk="0">
                 <a:moveTo>
                   <a:pt x="0" y="0"/>
                 </a:moveTo>
@@ -829,9 +968,11 @@
       <p:sp>
         <p:nvSpPr>
           <p:cNvPr id="124" name="Shape 124"/>
-          <p:cNvSpPr txBox="1"/>
+          <p:cNvSpPr txBox="1">
+            <a:spLocks noGrp="1"/>
+          </p:cNvSpPr>
           <p:nvPr>
-            <p:ph idx="1" type="body"/>
+            <p:ph type="body" idx="1"/>
           </p:nvPr>
         </p:nvSpPr>
         <p:spPr>
@@ -844,7 +985,7 @@
           </a:prstGeom>
         </p:spPr>
         <p:txBody>
-          <a:bodyPr anchorCtr="0" anchor="t" bIns="91425" lIns="91425" rIns="91425" wrap="square" tIns="91425">
+          <a:bodyPr wrap="square" lIns="91425" tIns="91425" rIns="91425" bIns="91425" anchor="t" anchorCtr="0">
             <a:noAutofit/>
           </a:bodyPr>
           <a:lstStyle/>
@@ -855,9 +996,6 @@
               </a:spcBef>
               <a:buNone/>
             </a:pPr>
-            <a:r>
-              <a:t/>
-            </a:r>
             <a:endParaRPr/>
           </a:p>
         </p:txBody>
@@ -871,11 +1009,11 @@
 </file>
 
 <file path=ppt/notesSlides/notesSlide14.xml><?xml version="1.0" encoding="utf-8"?>
-<p:notes xmlns:a="http://schemas.openxmlformats.org/drawingml/2006/main" xmlns:r="http://schemas.openxmlformats.org/officeDocument/2006/relationships" xmlns:mc="http://schemas.openxmlformats.org/markup-compatibility/2006" xmlns:mv="urn:schemas-microsoft-com:mac:vml" xmlns:p="http://schemas.openxmlformats.org/presentationml/2006/main" xmlns:c="http://schemas.openxmlformats.org/drawingml/2006/chart" xmlns:dgm="http://schemas.openxmlformats.org/drawingml/2006/diagram" xmlns:o="urn:schemas-microsoft-com:office:office" xmlns:v="urn:schemas-microsoft-com:vml" xmlns:pvml="urn:schemas-microsoft-com:office:powerpoint" xmlns:com="http://schemas.openxmlformats.org/drawingml/2006/compatibility" xmlns:p14="http://schemas.microsoft.com/office/powerpoint/2010/main" xmlns:p15="http://schemas.microsoft.com/office/powerpoint/2012/main" showMasterPhAnim="0" showMasterSp="0">
+<p:notes xmlns:a="http://schemas.openxmlformats.org/drawingml/2006/main" xmlns:r="http://schemas.openxmlformats.org/officeDocument/2006/relationships" xmlns:p="http://schemas.openxmlformats.org/presentationml/2006/main" showMasterSp="0" showMasterPhAnim="0">
   <p:cSld>
     <p:spTree>
       <p:nvGrpSpPr>
-        <p:cNvPr id="128" name="Shape 128"/>
+        <p:cNvPr id="1" name="Shape 128"/>
         <p:cNvGrpSpPr/>
         <p:nvPr/>
       </p:nvGrpSpPr>
@@ -890,9 +1028,11 @@
       <p:sp>
         <p:nvSpPr>
           <p:cNvPr id="129" name="Shape 129"/>
-          <p:cNvSpPr/>
+          <p:cNvSpPr>
+            <a:spLocks noGrp="1" noRot="1" noChangeAspect="1"/>
+          </p:cNvSpPr>
           <p:nvPr>
-            <p:ph idx="2" type="sldImg"/>
+            <p:ph type="sldImg" idx="2"/>
           </p:nvPr>
         </p:nvSpPr>
         <p:spPr>
@@ -901,8 +1041,13 @@
             <a:ext cx="6096000" cy="3429000"/>
           </a:xfrm>
           <a:custGeom>
+            <a:avLst/>
+            <a:gdLst/>
+            <a:ahLst/>
+            <a:cxnLst/>
+            <a:rect l="0" t="0" r="0" b="0"/>
             <a:pathLst>
-              <a:path extrusionOk="0" h="120000" w="120000">
+              <a:path w="120000" h="120000" extrusionOk="0">
                 <a:moveTo>
                   <a:pt x="0" y="0"/>
                 </a:moveTo>
@@ -924,9 +1069,11 @@
       <p:sp>
         <p:nvSpPr>
           <p:cNvPr id="130" name="Shape 130"/>
-          <p:cNvSpPr txBox="1"/>
+          <p:cNvSpPr txBox="1">
+            <a:spLocks noGrp="1"/>
+          </p:cNvSpPr>
           <p:nvPr>
-            <p:ph idx="1" type="body"/>
+            <p:ph type="body" idx="1"/>
           </p:nvPr>
         </p:nvSpPr>
         <p:spPr>
@@ -939,7 +1086,7 @@
           </a:prstGeom>
         </p:spPr>
         <p:txBody>
-          <a:bodyPr anchorCtr="0" anchor="t" bIns="91425" lIns="91425" rIns="91425" wrap="square" tIns="91425">
+          <a:bodyPr wrap="square" lIns="91425" tIns="91425" rIns="91425" bIns="91425" anchor="t" anchorCtr="0">
             <a:noAutofit/>
           </a:bodyPr>
           <a:lstStyle/>
@@ -950,9 +1097,6 @@
               </a:spcBef>
               <a:buNone/>
             </a:pPr>
-            <a:r>
-              <a:t/>
-            </a:r>
             <a:endParaRPr/>
           </a:p>
         </p:txBody>
@@ -966,11 +1110,11 @@
 </file>
 
 <file path=ppt/notesSlides/notesSlide15.xml><?xml version="1.0" encoding="utf-8"?>
-<p:notes xmlns:a="http://schemas.openxmlformats.org/drawingml/2006/main" xmlns:r="http://schemas.openxmlformats.org/officeDocument/2006/relationships" xmlns:mc="http://schemas.openxmlformats.org/markup-compatibility/2006" xmlns:mv="urn:schemas-microsoft-com:mac:vml" xmlns:p="http://schemas.openxmlformats.org/presentationml/2006/main" xmlns:c="http://schemas.openxmlformats.org/drawingml/2006/chart" xmlns:dgm="http://schemas.openxmlformats.org/drawingml/2006/diagram" xmlns:o="urn:schemas-microsoft-com:office:office" xmlns:v="urn:schemas-microsoft-com:vml" xmlns:pvml="urn:schemas-microsoft-com:office:powerpoint" xmlns:com="http://schemas.openxmlformats.org/drawingml/2006/compatibility" xmlns:p14="http://schemas.microsoft.com/office/powerpoint/2010/main" xmlns:p15="http://schemas.microsoft.com/office/powerpoint/2012/main" showMasterPhAnim="0" showMasterSp="0">
+<p:notes xmlns:a="http://schemas.openxmlformats.org/drawingml/2006/main" xmlns:r="http://schemas.openxmlformats.org/officeDocument/2006/relationships" xmlns:p="http://schemas.openxmlformats.org/presentationml/2006/main" showMasterSp="0" showMasterPhAnim="0">
   <p:cSld>
     <p:spTree>
       <p:nvGrpSpPr>
-        <p:cNvPr id="134" name="Shape 134"/>
+        <p:cNvPr id="1" name="Shape 134"/>
         <p:cNvGrpSpPr/>
         <p:nvPr/>
       </p:nvGrpSpPr>
@@ -985,19 +1129,26 @@
       <p:sp>
         <p:nvSpPr>
           <p:cNvPr id="135" name="Shape 135"/>
-          <p:cNvSpPr/>
+          <p:cNvSpPr>
+            <a:spLocks noGrp="1" noRot="1" noChangeAspect="1"/>
+          </p:cNvSpPr>
           <p:nvPr>
-            <p:ph idx="2" type="sldImg"/>
+            <p:ph type="sldImg" idx="2"/>
           </p:nvPr>
         </p:nvSpPr>
         <p:spPr>
           <a:xfrm>
-            <a:off x="381300" y="685800"/>
+            <a:off x="381000" y="685800"/>
             <a:ext cx="6096000" cy="3429000"/>
           </a:xfrm>
           <a:custGeom>
+            <a:avLst/>
+            <a:gdLst/>
+            <a:ahLst/>
+            <a:cxnLst/>
+            <a:rect l="0" t="0" r="0" b="0"/>
             <a:pathLst>
-              <a:path extrusionOk="0" h="120000" w="120000">
+              <a:path w="120000" h="120000" extrusionOk="0">
                 <a:moveTo>
                   <a:pt x="0" y="0"/>
                 </a:moveTo>
@@ -1019,9 +1170,11 @@
       <p:sp>
         <p:nvSpPr>
           <p:cNvPr id="136" name="Shape 136"/>
-          <p:cNvSpPr txBox="1"/>
+          <p:cNvSpPr txBox="1">
+            <a:spLocks noGrp="1"/>
+          </p:cNvSpPr>
           <p:nvPr>
-            <p:ph idx="1" type="body"/>
+            <p:ph type="body" idx="1"/>
           </p:nvPr>
         </p:nvSpPr>
         <p:spPr>
@@ -1034,7 +1187,7 @@
           </a:prstGeom>
         </p:spPr>
         <p:txBody>
-          <a:bodyPr anchorCtr="0" anchor="t" bIns="91425" lIns="91425" rIns="91425" wrap="square" tIns="91425">
+          <a:bodyPr wrap="square" lIns="91425" tIns="91425" rIns="91425" bIns="91425" anchor="t" anchorCtr="0">
             <a:noAutofit/>
           </a:bodyPr>
           <a:lstStyle/>
@@ -1045,9 +1198,6 @@
               </a:spcBef>
               <a:buNone/>
             </a:pPr>
-            <a:r>
-              <a:t/>
-            </a:r>
             <a:endParaRPr/>
           </a:p>
         </p:txBody>
@@ -1061,11 +1211,11 @@
 </file>
 
 <file path=ppt/notesSlides/notesSlide16.xml><?xml version="1.0" encoding="utf-8"?>
-<p:notes xmlns:a="http://schemas.openxmlformats.org/drawingml/2006/main" xmlns:r="http://schemas.openxmlformats.org/officeDocument/2006/relationships" xmlns:mc="http://schemas.openxmlformats.org/markup-compatibility/2006" xmlns:mv="urn:schemas-microsoft-com:mac:vml" xmlns:p="http://schemas.openxmlformats.org/presentationml/2006/main" xmlns:c="http://schemas.openxmlformats.org/drawingml/2006/chart" xmlns:dgm="http://schemas.openxmlformats.org/drawingml/2006/diagram" xmlns:o="urn:schemas-microsoft-com:office:office" xmlns:v="urn:schemas-microsoft-com:vml" xmlns:pvml="urn:schemas-microsoft-com:office:powerpoint" xmlns:com="http://schemas.openxmlformats.org/drawingml/2006/compatibility" xmlns:p14="http://schemas.microsoft.com/office/powerpoint/2010/main" xmlns:p15="http://schemas.microsoft.com/office/powerpoint/2012/main" showMasterPhAnim="0" showMasterSp="0">
+<p:notes xmlns:a="http://schemas.openxmlformats.org/drawingml/2006/main" xmlns:r="http://schemas.openxmlformats.org/officeDocument/2006/relationships" xmlns:p="http://schemas.openxmlformats.org/presentationml/2006/main" showMasterSp="0" showMasterPhAnim="0">
   <p:cSld>
     <p:spTree>
       <p:nvGrpSpPr>
-        <p:cNvPr id="140" name="Shape 140"/>
+        <p:cNvPr id="1" name="Shape 140"/>
         <p:cNvGrpSpPr/>
         <p:nvPr/>
       </p:nvGrpSpPr>
@@ -1080,9 +1230,11 @@
       <p:sp>
         <p:nvSpPr>
           <p:cNvPr id="141" name="Shape 141"/>
-          <p:cNvSpPr/>
+          <p:cNvSpPr>
+            <a:spLocks noGrp="1" noRot="1" noChangeAspect="1"/>
+          </p:cNvSpPr>
           <p:nvPr>
-            <p:ph idx="2" type="sldImg"/>
+            <p:ph type="sldImg" idx="2"/>
           </p:nvPr>
         </p:nvSpPr>
         <p:spPr>
@@ -1091,8 +1243,13 @@
             <a:ext cx="6096000" cy="3429000"/>
           </a:xfrm>
           <a:custGeom>
+            <a:avLst/>
+            <a:gdLst/>
+            <a:ahLst/>
+            <a:cxnLst/>
+            <a:rect l="0" t="0" r="0" b="0"/>
             <a:pathLst>
-              <a:path extrusionOk="0" h="120000" w="120000">
+              <a:path w="120000" h="120000" extrusionOk="0">
                 <a:moveTo>
                   <a:pt x="0" y="0"/>
                 </a:moveTo>
@@ -1114,9 +1271,11 @@
       <p:sp>
         <p:nvSpPr>
           <p:cNvPr id="142" name="Shape 142"/>
-          <p:cNvSpPr txBox="1"/>
+          <p:cNvSpPr txBox="1">
+            <a:spLocks noGrp="1"/>
+          </p:cNvSpPr>
           <p:nvPr>
-            <p:ph idx="1" type="body"/>
+            <p:ph type="body" idx="1"/>
           </p:nvPr>
         </p:nvSpPr>
         <p:spPr>
@@ -1129,7 +1288,7 @@
           </a:prstGeom>
         </p:spPr>
         <p:txBody>
-          <a:bodyPr anchorCtr="0" anchor="t" bIns="91425" lIns="91425" rIns="91425" wrap="square" tIns="91425">
+          <a:bodyPr wrap="square" lIns="91425" tIns="91425" rIns="91425" bIns="91425" anchor="t" anchorCtr="0">
             <a:noAutofit/>
           </a:bodyPr>
           <a:lstStyle/>
@@ -1140,9 +1299,6 @@
               </a:spcBef>
               <a:buNone/>
             </a:pPr>
-            <a:r>
-              <a:t/>
-            </a:r>
             <a:endParaRPr/>
           </a:p>
         </p:txBody>
@@ -1156,11 +1312,11 @@
 </file>
 
 <file path=ppt/notesSlides/notesSlide17.xml><?xml version="1.0" encoding="utf-8"?>
-<p:notes xmlns:a="http://schemas.openxmlformats.org/drawingml/2006/main" xmlns:r="http://schemas.openxmlformats.org/officeDocument/2006/relationships" xmlns:mc="http://schemas.openxmlformats.org/markup-compatibility/2006" xmlns:mv="urn:schemas-microsoft-com:mac:vml" xmlns:p="http://schemas.openxmlformats.org/presentationml/2006/main" xmlns:c="http://schemas.openxmlformats.org/drawingml/2006/chart" xmlns:dgm="http://schemas.openxmlformats.org/drawingml/2006/diagram" xmlns:o="urn:schemas-microsoft-com:office:office" xmlns:v="urn:schemas-microsoft-com:vml" xmlns:pvml="urn:schemas-microsoft-com:office:powerpoint" xmlns:com="http://schemas.openxmlformats.org/drawingml/2006/compatibility" xmlns:p14="http://schemas.microsoft.com/office/powerpoint/2010/main" xmlns:p15="http://schemas.microsoft.com/office/powerpoint/2012/main" showMasterPhAnim="0" showMasterSp="0">
+<p:notes xmlns:a="http://schemas.openxmlformats.org/drawingml/2006/main" xmlns:r="http://schemas.openxmlformats.org/officeDocument/2006/relationships" xmlns:p="http://schemas.openxmlformats.org/presentationml/2006/main" showMasterSp="0" showMasterPhAnim="0">
   <p:cSld>
     <p:spTree>
       <p:nvGrpSpPr>
-        <p:cNvPr id="146" name="Shape 146"/>
+        <p:cNvPr id="1" name="Shape 146"/>
         <p:cNvGrpSpPr/>
         <p:nvPr/>
       </p:nvGrpSpPr>
@@ -1175,19 +1331,26 @@
       <p:sp>
         <p:nvSpPr>
           <p:cNvPr id="147" name="Shape 147"/>
-          <p:cNvSpPr/>
+          <p:cNvSpPr>
+            <a:spLocks noGrp="1" noRot="1" noChangeAspect="1"/>
+          </p:cNvSpPr>
           <p:nvPr>
-            <p:ph idx="2" type="sldImg"/>
+            <p:ph type="sldImg" idx="2"/>
           </p:nvPr>
         </p:nvSpPr>
         <p:spPr>
           <a:xfrm>
-            <a:off x="381300" y="685800"/>
+            <a:off x="381000" y="685800"/>
             <a:ext cx="6096000" cy="3429000"/>
           </a:xfrm>
           <a:custGeom>
+            <a:avLst/>
+            <a:gdLst/>
+            <a:ahLst/>
+            <a:cxnLst/>
+            <a:rect l="0" t="0" r="0" b="0"/>
             <a:pathLst>
-              <a:path extrusionOk="0" h="120000" w="120000">
+              <a:path w="120000" h="120000" extrusionOk="0">
                 <a:moveTo>
                   <a:pt x="0" y="0"/>
                 </a:moveTo>
@@ -1209,9 +1372,11 @@
       <p:sp>
         <p:nvSpPr>
           <p:cNvPr id="148" name="Shape 148"/>
-          <p:cNvSpPr txBox="1"/>
+          <p:cNvSpPr txBox="1">
+            <a:spLocks noGrp="1"/>
+          </p:cNvSpPr>
           <p:nvPr>
-            <p:ph idx="1" type="body"/>
+            <p:ph type="body" idx="1"/>
           </p:nvPr>
         </p:nvSpPr>
         <p:spPr>
@@ -1224,7 +1389,7 @@
           </a:prstGeom>
         </p:spPr>
         <p:txBody>
-          <a:bodyPr anchorCtr="0" anchor="t" bIns="91425" lIns="91425" rIns="91425" wrap="square" tIns="91425">
+          <a:bodyPr wrap="square" lIns="91425" tIns="91425" rIns="91425" bIns="91425" anchor="t" anchorCtr="0">
             <a:noAutofit/>
           </a:bodyPr>
           <a:lstStyle/>
@@ -1235,9 +1400,6 @@
               </a:spcBef>
               <a:buNone/>
             </a:pPr>
-            <a:r>
-              <a:t/>
-            </a:r>
             <a:endParaRPr/>
           </a:p>
         </p:txBody>
@@ -1251,11 +1413,11 @@
 </file>
 
 <file path=ppt/notesSlides/notesSlide18.xml><?xml version="1.0" encoding="utf-8"?>
-<p:notes xmlns:a="http://schemas.openxmlformats.org/drawingml/2006/main" xmlns:r="http://schemas.openxmlformats.org/officeDocument/2006/relationships" xmlns:mc="http://schemas.openxmlformats.org/markup-compatibility/2006" xmlns:mv="urn:schemas-microsoft-com:mac:vml" xmlns:p="http://schemas.openxmlformats.org/presentationml/2006/main" xmlns:c="http://schemas.openxmlformats.org/drawingml/2006/chart" xmlns:dgm="http://schemas.openxmlformats.org/drawingml/2006/diagram" xmlns:o="urn:schemas-microsoft-com:office:office" xmlns:v="urn:schemas-microsoft-com:vml" xmlns:pvml="urn:schemas-microsoft-com:office:powerpoint" xmlns:com="http://schemas.openxmlformats.org/drawingml/2006/compatibility" xmlns:p14="http://schemas.microsoft.com/office/powerpoint/2010/main" xmlns:p15="http://schemas.microsoft.com/office/powerpoint/2012/main" showMasterPhAnim="0" showMasterSp="0">
+<p:notes xmlns:a="http://schemas.openxmlformats.org/drawingml/2006/main" xmlns:r="http://schemas.openxmlformats.org/officeDocument/2006/relationships" xmlns:p="http://schemas.openxmlformats.org/presentationml/2006/main" showMasterSp="0" showMasterPhAnim="0">
   <p:cSld>
     <p:spTree>
       <p:nvGrpSpPr>
-        <p:cNvPr id="152" name="Shape 152"/>
+        <p:cNvPr id="1" name="Shape 152"/>
         <p:cNvGrpSpPr/>
         <p:nvPr/>
       </p:nvGrpSpPr>
@@ -1270,9 +1432,11 @@
       <p:sp>
         <p:nvSpPr>
           <p:cNvPr id="153" name="Shape 153"/>
-          <p:cNvSpPr/>
+          <p:cNvSpPr>
+            <a:spLocks noGrp="1" noRot="1" noChangeAspect="1"/>
+          </p:cNvSpPr>
           <p:nvPr>
-            <p:ph idx="2" type="sldImg"/>
+            <p:ph type="sldImg" idx="2"/>
           </p:nvPr>
         </p:nvSpPr>
         <p:spPr>
@@ -1281,8 +1445,13 @@
             <a:ext cx="6096000" cy="3429000"/>
           </a:xfrm>
           <a:custGeom>
+            <a:avLst/>
+            <a:gdLst/>
+            <a:ahLst/>
+            <a:cxnLst/>
+            <a:rect l="0" t="0" r="0" b="0"/>
             <a:pathLst>
-              <a:path extrusionOk="0" h="120000" w="120000">
+              <a:path w="120000" h="120000" extrusionOk="0">
                 <a:moveTo>
                   <a:pt x="0" y="0"/>
                 </a:moveTo>
@@ -1304,9 +1473,11 @@
       <p:sp>
         <p:nvSpPr>
           <p:cNvPr id="154" name="Shape 154"/>
-          <p:cNvSpPr txBox="1"/>
+          <p:cNvSpPr txBox="1">
+            <a:spLocks noGrp="1"/>
+          </p:cNvSpPr>
           <p:nvPr>
-            <p:ph idx="1" type="body"/>
+            <p:ph type="body" idx="1"/>
           </p:nvPr>
         </p:nvSpPr>
         <p:spPr>
@@ -1319,7 +1490,7 @@
           </a:prstGeom>
         </p:spPr>
         <p:txBody>
-          <a:bodyPr anchorCtr="0" anchor="t" bIns="91425" lIns="91425" rIns="91425" wrap="square" tIns="91425">
+          <a:bodyPr wrap="square" lIns="91425" tIns="91425" rIns="91425" bIns="91425" anchor="t" anchorCtr="0">
             <a:noAutofit/>
           </a:bodyPr>
           <a:lstStyle/>
@@ -1330,9 +1501,6 @@
               </a:spcBef>
               <a:buNone/>
             </a:pPr>
-            <a:r>
-              <a:t/>
-            </a:r>
             <a:endParaRPr/>
           </a:p>
         </p:txBody>
@@ -1346,11 +1514,11 @@
 </file>
 
 <file path=ppt/notesSlides/notesSlide19.xml><?xml version="1.0" encoding="utf-8"?>
-<p:notes xmlns:a="http://schemas.openxmlformats.org/drawingml/2006/main" xmlns:r="http://schemas.openxmlformats.org/officeDocument/2006/relationships" xmlns:mc="http://schemas.openxmlformats.org/markup-compatibility/2006" xmlns:mv="urn:schemas-microsoft-com:mac:vml" xmlns:p="http://schemas.openxmlformats.org/presentationml/2006/main" xmlns:c="http://schemas.openxmlformats.org/drawingml/2006/chart" xmlns:dgm="http://schemas.openxmlformats.org/drawingml/2006/diagram" xmlns:o="urn:schemas-microsoft-com:office:office" xmlns:v="urn:schemas-microsoft-com:vml" xmlns:pvml="urn:schemas-microsoft-com:office:powerpoint" xmlns:com="http://schemas.openxmlformats.org/drawingml/2006/compatibility" xmlns:p14="http://schemas.microsoft.com/office/powerpoint/2010/main" xmlns:p15="http://schemas.microsoft.com/office/powerpoint/2012/main" showMasterPhAnim="0" showMasterSp="0">
+<p:notes xmlns:a="http://schemas.openxmlformats.org/drawingml/2006/main" xmlns:r="http://schemas.openxmlformats.org/officeDocument/2006/relationships" xmlns:p="http://schemas.openxmlformats.org/presentationml/2006/main" showMasterSp="0" showMasterPhAnim="0">
   <p:cSld>
     <p:spTree>
       <p:nvGrpSpPr>
-        <p:cNvPr id="158" name="Shape 158"/>
+        <p:cNvPr id="1" name="Shape 158"/>
         <p:cNvGrpSpPr/>
         <p:nvPr/>
       </p:nvGrpSpPr>
@@ -1365,9 +1533,11 @@
       <p:sp>
         <p:nvSpPr>
           <p:cNvPr id="159" name="Shape 159"/>
-          <p:cNvSpPr/>
+          <p:cNvSpPr>
+            <a:spLocks noGrp="1" noRot="1" noChangeAspect="1"/>
+          </p:cNvSpPr>
           <p:nvPr>
-            <p:ph idx="2" type="sldImg"/>
+            <p:ph type="sldImg" idx="2"/>
           </p:nvPr>
         </p:nvSpPr>
         <p:spPr>
@@ -1376,8 +1546,13 @@
             <a:ext cx="6096000" cy="3429000"/>
           </a:xfrm>
           <a:custGeom>
+            <a:avLst/>
+            <a:gdLst/>
+            <a:ahLst/>
+            <a:cxnLst/>
+            <a:rect l="0" t="0" r="0" b="0"/>
             <a:pathLst>
-              <a:path extrusionOk="0" h="120000" w="120000">
+              <a:path w="120000" h="120000" extrusionOk="0">
                 <a:moveTo>
                   <a:pt x="0" y="0"/>
                 </a:moveTo>
@@ -1399,9 +1574,11 @@
       <p:sp>
         <p:nvSpPr>
           <p:cNvPr id="160" name="Shape 160"/>
-          <p:cNvSpPr txBox="1"/>
+          <p:cNvSpPr txBox="1">
+            <a:spLocks noGrp="1"/>
+          </p:cNvSpPr>
           <p:nvPr>
-            <p:ph idx="1" type="body"/>
+            <p:ph type="body" idx="1"/>
           </p:nvPr>
         </p:nvSpPr>
         <p:spPr>
@@ -1414,7 +1591,7 @@
           </a:prstGeom>
         </p:spPr>
         <p:txBody>
-          <a:bodyPr anchorCtr="0" anchor="t" bIns="91425" lIns="91425" rIns="91425" wrap="square" tIns="91425">
+          <a:bodyPr wrap="square" lIns="91425" tIns="91425" rIns="91425" bIns="91425" anchor="t" anchorCtr="0">
             <a:noAutofit/>
           </a:bodyPr>
           <a:lstStyle/>
@@ -1425,9 +1602,6 @@
               </a:spcBef>
               <a:buNone/>
             </a:pPr>
-            <a:r>
-              <a:t/>
-            </a:r>
             <a:endParaRPr/>
           </a:p>
         </p:txBody>
@@ -1441,11 +1615,11 @@
 </file>
 
 <file path=ppt/notesSlides/notesSlide2.xml><?xml version="1.0" encoding="utf-8"?>
-<p:notes xmlns:a="http://schemas.openxmlformats.org/drawingml/2006/main" xmlns:r="http://schemas.openxmlformats.org/officeDocument/2006/relationships" xmlns:mc="http://schemas.openxmlformats.org/markup-compatibility/2006" xmlns:mv="urn:schemas-microsoft-com:mac:vml" xmlns:p="http://schemas.openxmlformats.org/presentationml/2006/main" xmlns:c="http://schemas.openxmlformats.org/drawingml/2006/chart" xmlns:dgm="http://schemas.openxmlformats.org/drawingml/2006/diagram" xmlns:o="urn:schemas-microsoft-com:office:office" xmlns:v="urn:schemas-microsoft-com:vml" xmlns:pvml="urn:schemas-microsoft-com:office:powerpoint" xmlns:com="http://schemas.openxmlformats.org/drawingml/2006/compatibility" xmlns:p14="http://schemas.microsoft.com/office/powerpoint/2010/main" xmlns:p15="http://schemas.microsoft.com/office/powerpoint/2012/main" showMasterPhAnim="0" showMasterSp="0">
+<p:notes xmlns:a="http://schemas.openxmlformats.org/drawingml/2006/main" xmlns:r="http://schemas.openxmlformats.org/officeDocument/2006/relationships" xmlns:p="http://schemas.openxmlformats.org/presentationml/2006/main" showMasterSp="0" showMasterPhAnim="0">
   <p:cSld>
     <p:spTree>
       <p:nvGrpSpPr>
-        <p:cNvPr id="56" name="Shape 56"/>
+        <p:cNvPr id="1" name="Shape 56"/>
         <p:cNvGrpSpPr/>
         <p:nvPr/>
       </p:nvGrpSpPr>
@@ -1460,9 +1634,11 @@
       <p:sp>
         <p:nvSpPr>
           <p:cNvPr id="57" name="Shape 57"/>
-          <p:cNvSpPr/>
+          <p:cNvSpPr>
+            <a:spLocks noGrp="1" noRot="1" noChangeAspect="1"/>
+          </p:cNvSpPr>
           <p:nvPr>
-            <p:ph idx="2" type="sldImg"/>
+            <p:ph type="sldImg" idx="2"/>
           </p:nvPr>
         </p:nvSpPr>
         <p:spPr>
@@ -1471,8 +1647,13 @@
             <a:ext cx="6096000" cy="3429000"/>
           </a:xfrm>
           <a:custGeom>
+            <a:avLst/>
+            <a:gdLst/>
+            <a:ahLst/>
+            <a:cxnLst/>
+            <a:rect l="0" t="0" r="0" b="0"/>
             <a:pathLst>
-              <a:path extrusionOk="0" h="120000" w="120000">
+              <a:path w="120000" h="120000" extrusionOk="0">
                 <a:moveTo>
                   <a:pt x="0" y="0"/>
                 </a:moveTo>
@@ -1494,9 +1675,11 @@
       <p:sp>
         <p:nvSpPr>
           <p:cNvPr id="58" name="Shape 58"/>
-          <p:cNvSpPr txBox="1"/>
+          <p:cNvSpPr txBox="1">
+            <a:spLocks noGrp="1"/>
+          </p:cNvSpPr>
           <p:nvPr>
-            <p:ph idx="1" type="body"/>
+            <p:ph type="body" idx="1"/>
           </p:nvPr>
         </p:nvSpPr>
         <p:spPr>
@@ -1509,7 +1692,7 @@
           </a:prstGeom>
         </p:spPr>
         <p:txBody>
-          <a:bodyPr anchorCtr="0" anchor="t" bIns="91425" lIns="91425" rIns="91425" wrap="square" tIns="91425">
+          <a:bodyPr wrap="square" lIns="91425" tIns="91425" rIns="91425" bIns="91425" anchor="t" anchorCtr="0">
             <a:noAutofit/>
           </a:bodyPr>
           <a:lstStyle/>
@@ -1520,9 +1703,6 @@
               </a:spcBef>
               <a:buNone/>
             </a:pPr>
-            <a:r>
-              <a:t/>
-            </a:r>
             <a:endParaRPr/>
           </a:p>
         </p:txBody>
@@ -1536,11 +1716,11 @@
 </file>
 
 <file path=ppt/notesSlides/notesSlide20.xml><?xml version="1.0" encoding="utf-8"?>
-<p:notes xmlns:a="http://schemas.openxmlformats.org/drawingml/2006/main" xmlns:r="http://schemas.openxmlformats.org/officeDocument/2006/relationships" xmlns:mc="http://schemas.openxmlformats.org/markup-compatibility/2006" xmlns:mv="urn:schemas-microsoft-com:mac:vml" xmlns:p="http://schemas.openxmlformats.org/presentationml/2006/main" xmlns:c="http://schemas.openxmlformats.org/drawingml/2006/chart" xmlns:dgm="http://schemas.openxmlformats.org/drawingml/2006/diagram" xmlns:o="urn:schemas-microsoft-com:office:office" xmlns:v="urn:schemas-microsoft-com:vml" xmlns:pvml="urn:schemas-microsoft-com:office:powerpoint" xmlns:com="http://schemas.openxmlformats.org/drawingml/2006/compatibility" xmlns:p14="http://schemas.microsoft.com/office/powerpoint/2010/main" xmlns:p15="http://schemas.microsoft.com/office/powerpoint/2012/main" showMasterPhAnim="0" showMasterSp="0">
+<p:notes xmlns:a="http://schemas.openxmlformats.org/drawingml/2006/main" xmlns:r="http://schemas.openxmlformats.org/officeDocument/2006/relationships" xmlns:p="http://schemas.openxmlformats.org/presentationml/2006/main" showMasterSp="0" showMasterPhAnim="0">
   <p:cSld>
     <p:spTree>
       <p:nvGrpSpPr>
-        <p:cNvPr id="164" name="Shape 164"/>
+        <p:cNvPr id="1" name="Shape 164"/>
         <p:cNvGrpSpPr/>
         <p:nvPr/>
       </p:nvGrpSpPr>
@@ -1555,19 +1735,26 @@
       <p:sp>
         <p:nvSpPr>
           <p:cNvPr id="165" name="Shape 165"/>
-          <p:cNvSpPr/>
+          <p:cNvSpPr>
+            <a:spLocks noGrp="1" noRot="1" noChangeAspect="1"/>
+          </p:cNvSpPr>
           <p:nvPr>
-            <p:ph idx="2" type="sldImg"/>
+            <p:ph type="sldImg" idx="2"/>
           </p:nvPr>
         </p:nvSpPr>
         <p:spPr>
           <a:xfrm>
-            <a:off x="381300" y="685800"/>
+            <a:off x="381000" y="685800"/>
             <a:ext cx="6096000" cy="3429000"/>
           </a:xfrm>
           <a:custGeom>
+            <a:avLst/>
+            <a:gdLst/>
+            <a:ahLst/>
+            <a:cxnLst/>
+            <a:rect l="0" t="0" r="0" b="0"/>
             <a:pathLst>
-              <a:path extrusionOk="0" h="120000" w="120000">
+              <a:path w="120000" h="120000" extrusionOk="0">
                 <a:moveTo>
                   <a:pt x="0" y="0"/>
                 </a:moveTo>
@@ -1589,9 +1776,11 @@
       <p:sp>
         <p:nvSpPr>
           <p:cNvPr id="166" name="Shape 166"/>
-          <p:cNvSpPr txBox="1"/>
+          <p:cNvSpPr txBox="1">
+            <a:spLocks noGrp="1"/>
+          </p:cNvSpPr>
           <p:nvPr>
-            <p:ph idx="1" type="body"/>
+            <p:ph type="body" idx="1"/>
           </p:nvPr>
         </p:nvSpPr>
         <p:spPr>
@@ -1604,7 +1793,7 @@
           </a:prstGeom>
         </p:spPr>
         <p:txBody>
-          <a:bodyPr anchorCtr="0" anchor="t" bIns="91425" lIns="91425" rIns="91425" wrap="square" tIns="91425">
+          <a:bodyPr wrap="square" lIns="91425" tIns="91425" rIns="91425" bIns="91425" anchor="t" anchorCtr="0">
             <a:noAutofit/>
           </a:bodyPr>
           <a:lstStyle/>
@@ -1615,9 +1804,6 @@
               </a:spcBef>
               <a:buNone/>
             </a:pPr>
-            <a:r>
-              <a:t/>
-            </a:r>
             <a:endParaRPr/>
           </a:p>
         </p:txBody>
@@ -1631,11 +1817,11 @@
 </file>
 
 <file path=ppt/notesSlides/notesSlide21.xml><?xml version="1.0" encoding="utf-8"?>
-<p:notes xmlns:a="http://schemas.openxmlformats.org/drawingml/2006/main" xmlns:r="http://schemas.openxmlformats.org/officeDocument/2006/relationships" xmlns:mc="http://schemas.openxmlformats.org/markup-compatibility/2006" xmlns:mv="urn:schemas-microsoft-com:mac:vml" xmlns:p="http://schemas.openxmlformats.org/presentationml/2006/main" xmlns:c="http://schemas.openxmlformats.org/drawingml/2006/chart" xmlns:dgm="http://schemas.openxmlformats.org/drawingml/2006/diagram" xmlns:o="urn:schemas-microsoft-com:office:office" xmlns:v="urn:schemas-microsoft-com:vml" xmlns:pvml="urn:schemas-microsoft-com:office:powerpoint" xmlns:com="http://schemas.openxmlformats.org/drawingml/2006/compatibility" xmlns:p14="http://schemas.microsoft.com/office/powerpoint/2010/main" xmlns:p15="http://schemas.microsoft.com/office/powerpoint/2012/main" showMasterPhAnim="0" showMasterSp="0">
+<p:notes xmlns:a="http://schemas.openxmlformats.org/drawingml/2006/main" xmlns:r="http://schemas.openxmlformats.org/officeDocument/2006/relationships" xmlns:p="http://schemas.openxmlformats.org/presentationml/2006/main" showMasterSp="0" showMasterPhAnim="0">
   <p:cSld>
     <p:spTree>
       <p:nvGrpSpPr>
-        <p:cNvPr id="170" name="Shape 170"/>
+        <p:cNvPr id="1" name="Shape 170"/>
         <p:cNvGrpSpPr/>
         <p:nvPr/>
       </p:nvGrpSpPr>
@@ -1650,9 +1836,11 @@
       <p:sp>
         <p:nvSpPr>
           <p:cNvPr id="171" name="Shape 171"/>
-          <p:cNvSpPr/>
+          <p:cNvSpPr>
+            <a:spLocks noGrp="1" noRot="1" noChangeAspect="1"/>
+          </p:cNvSpPr>
           <p:nvPr>
-            <p:ph idx="2" type="sldImg"/>
+            <p:ph type="sldImg" idx="2"/>
           </p:nvPr>
         </p:nvSpPr>
         <p:spPr>
@@ -1661,8 +1849,13 @@
             <a:ext cx="6096000" cy="3429000"/>
           </a:xfrm>
           <a:custGeom>
+            <a:avLst/>
+            <a:gdLst/>
+            <a:ahLst/>
+            <a:cxnLst/>
+            <a:rect l="0" t="0" r="0" b="0"/>
             <a:pathLst>
-              <a:path extrusionOk="0" h="120000" w="120000">
+              <a:path w="120000" h="120000" extrusionOk="0">
                 <a:moveTo>
                   <a:pt x="0" y="0"/>
                 </a:moveTo>
@@ -1684,9 +1877,11 @@
       <p:sp>
         <p:nvSpPr>
           <p:cNvPr id="172" name="Shape 172"/>
-          <p:cNvSpPr txBox="1"/>
+          <p:cNvSpPr txBox="1">
+            <a:spLocks noGrp="1"/>
+          </p:cNvSpPr>
           <p:nvPr>
-            <p:ph idx="1" type="body"/>
+            <p:ph type="body" idx="1"/>
           </p:nvPr>
         </p:nvSpPr>
         <p:spPr>
@@ -1699,7 +1894,7 @@
           </a:prstGeom>
         </p:spPr>
         <p:txBody>
-          <a:bodyPr anchorCtr="0" anchor="t" bIns="91425" lIns="91425" rIns="91425" wrap="square" tIns="91425">
+          <a:bodyPr wrap="square" lIns="91425" tIns="91425" rIns="91425" bIns="91425" anchor="t" anchorCtr="0">
             <a:noAutofit/>
           </a:bodyPr>
           <a:lstStyle/>
@@ -1710,9 +1905,6 @@
               </a:spcBef>
               <a:buNone/>
             </a:pPr>
-            <a:r>
-              <a:t/>
-            </a:r>
             <a:endParaRPr/>
           </a:p>
         </p:txBody>
@@ -1726,11 +1918,11 @@
 </file>
 
 <file path=ppt/notesSlides/notesSlide3.xml><?xml version="1.0" encoding="utf-8"?>
-<p:notes xmlns:a="http://schemas.openxmlformats.org/drawingml/2006/main" xmlns:r="http://schemas.openxmlformats.org/officeDocument/2006/relationships" xmlns:mc="http://schemas.openxmlformats.org/markup-compatibility/2006" xmlns:mv="urn:schemas-microsoft-com:mac:vml" xmlns:p="http://schemas.openxmlformats.org/presentationml/2006/main" xmlns:c="http://schemas.openxmlformats.org/drawingml/2006/chart" xmlns:dgm="http://schemas.openxmlformats.org/drawingml/2006/diagram" xmlns:o="urn:schemas-microsoft-com:office:office" xmlns:v="urn:schemas-microsoft-com:vml" xmlns:pvml="urn:schemas-microsoft-com:office:powerpoint" xmlns:com="http://schemas.openxmlformats.org/drawingml/2006/compatibility" xmlns:p14="http://schemas.microsoft.com/office/powerpoint/2010/main" xmlns:p15="http://schemas.microsoft.com/office/powerpoint/2012/main" showMasterPhAnim="0" showMasterSp="0">
+<p:notes xmlns:a="http://schemas.openxmlformats.org/drawingml/2006/main" xmlns:r="http://schemas.openxmlformats.org/officeDocument/2006/relationships" xmlns:p="http://schemas.openxmlformats.org/presentationml/2006/main" showMasterSp="0" showMasterPhAnim="0">
   <p:cSld>
     <p:spTree>
       <p:nvGrpSpPr>
-        <p:cNvPr id="62" name="Shape 62"/>
+        <p:cNvPr id="1" name="Shape 62"/>
         <p:cNvGrpSpPr/>
         <p:nvPr/>
       </p:nvGrpSpPr>
@@ -1745,9 +1937,11 @@
       <p:sp>
         <p:nvSpPr>
           <p:cNvPr id="63" name="Shape 63"/>
-          <p:cNvSpPr/>
+          <p:cNvSpPr>
+            <a:spLocks noGrp="1" noRot="1" noChangeAspect="1"/>
+          </p:cNvSpPr>
           <p:nvPr>
-            <p:ph idx="2" type="sldImg"/>
+            <p:ph type="sldImg" idx="2"/>
           </p:nvPr>
         </p:nvSpPr>
         <p:spPr>
@@ -1756,8 +1950,13 @@
             <a:ext cx="6096000" cy="3429000"/>
           </a:xfrm>
           <a:custGeom>
+            <a:avLst/>
+            <a:gdLst/>
+            <a:ahLst/>
+            <a:cxnLst/>
+            <a:rect l="0" t="0" r="0" b="0"/>
             <a:pathLst>
-              <a:path extrusionOk="0" h="120000" w="120000">
+              <a:path w="120000" h="120000" extrusionOk="0">
                 <a:moveTo>
                   <a:pt x="0" y="0"/>
                 </a:moveTo>
@@ -1779,9 +1978,11 @@
       <p:sp>
         <p:nvSpPr>
           <p:cNvPr id="64" name="Shape 64"/>
-          <p:cNvSpPr txBox="1"/>
+          <p:cNvSpPr txBox="1">
+            <a:spLocks noGrp="1"/>
+          </p:cNvSpPr>
           <p:nvPr>
-            <p:ph idx="1" type="body"/>
+            <p:ph type="body" idx="1"/>
           </p:nvPr>
         </p:nvSpPr>
         <p:spPr>
@@ -1794,7 +1995,7 @@
           </a:prstGeom>
         </p:spPr>
         <p:txBody>
-          <a:bodyPr anchorCtr="0" anchor="t" bIns="91425" lIns="91425" rIns="91425" wrap="square" tIns="91425">
+          <a:bodyPr wrap="square" lIns="91425" tIns="91425" rIns="91425" bIns="91425" anchor="t" anchorCtr="0">
             <a:noAutofit/>
           </a:bodyPr>
           <a:lstStyle/>
@@ -1805,9 +2006,6 @@
               </a:spcBef>
               <a:buNone/>
             </a:pPr>
-            <a:r>
-              <a:t/>
-            </a:r>
             <a:endParaRPr/>
           </a:p>
         </p:txBody>
@@ -1821,11 +2019,11 @@
 </file>
 
 <file path=ppt/notesSlides/notesSlide4.xml><?xml version="1.0" encoding="utf-8"?>
-<p:notes xmlns:a="http://schemas.openxmlformats.org/drawingml/2006/main" xmlns:r="http://schemas.openxmlformats.org/officeDocument/2006/relationships" xmlns:mc="http://schemas.openxmlformats.org/markup-compatibility/2006" xmlns:mv="urn:schemas-microsoft-com:mac:vml" xmlns:p="http://schemas.openxmlformats.org/presentationml/2006/main" xmlns:c="http://schemas.openxmlformats.org/drawingml/2006/chart" xmlns:dgm="http://schemas.openxmlformats.org/drawingml/2006/diagram" xmlns:o="urn:schemas-microsoft-com:office:office" xmlns:v="urn:schemas-microsoft-com:vml" xmlns:pvml="urn:schemas-microsoft-com:office:powerpoint" xmlns:com="http://schemas.openxmlformats.org/drawingml/2006/compatibility" xmlns:p14="http://schemas.microsoft.com/office/powerpoint/2010/main" xmlns:p15="http://schemas.microsoft.com/office/powerpoint/2012/main" showMasterPhAnim="0" showMasterSp="0">
+<p:notes xmlns:a="http://schemas.openxmlformats.org/drawingml/2006/main" xmlns:r="http://schemas.openxmlformats.org/officeDocument/2006/relationships" xmlns:p="http://schemas.openxmlformats.org/presentationml/2006/main" showMasterSp="0" showMasterPhAnim="0">
   <p:cSld>
     <p:spTree>
       <p:nvGrpSpPr>
-        <p:cNvPr id="68" name="Shape 68"/>
+        <p:cNvPr id="1" name="Shape 68"/>
         <p:cNvGrpSpPr/>
         <p:nvPr/>
       </p:nvGrpSpPr>
@@ -1840,9 +2038,11 @@
       <p:sp>
         <p:nvSpPr>
           <p:cNvPr id="69" name="Shape 69"/>
-          <p:cNvSpPr/>
+          <p:cNvSpPr>
+            <a:spLocks noGrp="1" noRot="1" noChangeAspect="1"/>
+          </p:cNvSpPr>
           <p:nvPr>
-            <p:ph idx="2" type="sldImg"/>
+            <p:ph type="sldImg" idx="2"/>
           </p:nvPr>
         </p:nvSpPr>
         <p:spPr>
@@ -1851,8 +2051,13 @@
             <a:ext cx="6096000" cy="3429000"/>
           </a:xfrm>
           <a:custGeom>
+            <a:avLst/>
+            <a:gdLst/>
+            <a:ahLst/>
+            <a:cxnLst/>
+            <a:rect l="0" t="0" r="0" b="0"/>
             <a:pathLst>
-              <a:path extrusionOk="0" h="120000" w="120000">
+              <a:path w="120000" h="120000" extrusionOk="0">
                 <a:moveTo>
                   <a:pt x="0" y="0"/>
                 </a:moveTo>
@@ -1874,9 +2079,11 @@
       <p:sp>
         <p:nvSpPr>
           <p:cNvPr id="70" name="Shape 70"/>
-          <p:cNvSpPr txBox="1"/>
+          <p:cNvSpPr txBox="1">
+            <a:spLocks noGrp="1"/>
+          </p:cNvSpPr>
           <p:nvPr>
-            <p:ph idx="1" type="body"/>
+            <p:ph type="body" idx="1"/>
           </p:nvPr>
         </p:nvSpPr>
         <p:spPr>
@@ -1889,7 +2096,7 @@
           </a:prstGeom>
         </p:spPr>
         <p:txBody>
-          <a:bodyPr anchorCtr="0" anchor="t" bIns="91425" lIns="91425" rIns="91425" wrap="square" tIns="91425">
+          <a:bodyPr wrap="square" lIns="91425" tIns="91425" rIns="91425" bIns="91425" anchor="t" anchorCtr="0">
             <a:noAutofit/>
           </a:bodyPr>
           <a:lstStyle/>
@@ -1900,9 +2107,6 @@
               </a:spcBef>
               <a:buNone/>
             </a:pPr>
-            <a:r>
-              <a:t/>
-            </a:r>
             <a:endParaRPr/>
           </a:p>
         </p:txBody>
@@ -1916,11 +2120,11 @@
 </file>
 
 <file path=ppt/notesSlides/notesSlide5.xml><?xml version="1.0" encoding="utf-8"?>
-<p:notes xmlns:a="http://schemas.openxmlformats.org/drawingml/2006/main" xmlns:r="http://schemas.openxmlformats.org/officeDocument/2006/relationships" xmlns:mc="http://schemas.openxmlformats.org/markup-compatibility/2006" xmlns:mv="urn:schemas-microsoft-com:mac:vml" xmlns:p="http://schemas.openxmlformats.org/presentationml/2006/main" xmlns:c="http://schemas.openxmlformats.org/drawingml/2006/chart" xmlns:dgm="http://schemas.openxmlformats.org/drawingml/2006/diagram" xmlns:o="urn:schemas-microsoft-com:office:office" xmlns:v="urn:schemas-microsoft-com:vml" xmlns:pvml="urn:schemas-microsoft-com:office:powerpoint" xmlns:com="http://schemas.openxmlformats.org/drawingml/2006/compatibility" xmlns:p14="http://schemas.microsoft.com/office/powerpoint/2010/main" xmlns:p15="http://schemas.microsoft.com/office/powerpoint/2012/main" showMasterPhAnim="0" showMasterSp="0">
+<p:notes xmlns:a="http://schemas.openxmlformats.org/drawingml/2006/main" xmlns:r="http://schemas.openxmlformats.org/officeDocument/2006/relationships" xmlns:p="http://schemas.openxmlformats.org/presentationml/2006/main" showMasterSp="0" showMasterPhAnim="0">
   <p:cSld>
     <p:spTree>
       <p:nvGrpSpPr>
-        <p:cNvPr id="74" name="Shape 74"/>
+        <p:cNvPr id="1" name="Shape 74"/>
         <p:cNvGrpSpPr/>
         <p:nvPr/>
       </p:nvGrpSpPr>
@@ -1935,9 +2139,11 @@
       <p:sp>
         <p:nvSpPr>
           <p:cNvPr id="75" name="Shape 75"/>
-          <p:cNvSpPr/>
+          <p:cNvSpPr>
+            <a:spLocks noGrp="1" noRot="1" noChangeAspect="1"/>
+          </p:cNvSpPr>
           <p:nvPr>
-            <p:ph idx="2" type="sldImg"/>
+            <p:ph type="sldImg" idx="2"/>
           </p:nvPr>
         </p:nvSpPr>
         <p:spPr>
@@ -1946,8 +2152,13 @@
             <a:ext cx="6096000" cy="3429000"/>
           </a:xfrm>
           <a:custGeom>
+            <a:avLst/>
+            <a:gdLst/>
+            <a:ahLst/>
+            <a:cxnLst/>
+            <a:rect l="0" t="0" r="0" b="0"/>
             <a:pathLst>
-              <a:path extrusionOk="0" h="120000" w="120000">
+              <a:path w="120000" h="120000" extrusionOk="0">
                 <a:moveTo>
                   <a:pt x="0" y="0"/>
                 </a:moveTo>
@@ -1969,9 +2180,11 @@
       <p:sp>
         <p:nvSpPr>
           <p:cNvPr id="76" name="Shape 76"/>
-          <p:cNvSpPr txBox="1"/>
+          <p:cNvSpPr txBox="1">
+            <a:spLocks noGrp="1"/>
+          </p:cNvSpPr>
           <p:nvPr>
-            <p:ph idx="1" type="body"/>
+            <p:ph type="body" idx="1"/>
           </p:nvPr>
         </p:nvSpPr>
         <p:spPr>
@@ -1984,7 +2197,7 @@
           </a:prstGeom>
         </p:spPr>
         <p:txBody>
-          <a:bodyPr anchorCtr="0" anchor="t" bIns="91425" lIns="91425" rIns="91425" wrap="square" tIns="91425">
+          <a:bodyPr wrap="square" lIns="91425" tIns="91425" rIns="91425" bIns="91425" anchor="t" anchorCtr="0">
             <a:noAutofit/>
           </a:bodyPr>
           <a:lstStyle/>
@@ -1995,9 +2208,6 @@
               </a:spcBef>
               <a:buNone/>
             </a:pPr>
-            <a:r>
-              <a:t/>
-            </a:r>
             <a:endParaRPr/>
           </a:p>
         </p:txBody>
@@ -2011,11 +2221,11 @@
 </file>
 
 <file path=ppt/notesSlides/notesSlide6.xml><?xml version="1.0" encoding="utf-8"?>
-<p:notes xmlns:a="http://schemas.openxmlformats.org/drawingml/2006/main" xmlns:r="http://schemas.openxmlformats.org/officeDocument/2006/relationships" xmlns:mc="http://schemas.openxmlformats.org/markup-compatibility/2006" xmlns:mv="urn:schemas-microsoft-com:mac:vml" xmlns:p="http://schemas.openxmlformats.org/presentationml/2006/main" xmlns:c="http://schemas.openxmlformats.org/drawingml/2006/chart" xmlns:dgm="http://schemas.openxmlformats.org/drawingml/2006/diagram" xmlns:o="urn:schemas-microsoft-com:office:office" xmlns:v="urn:schemas-microsoft-com:vml" xmlns:pvml="urn:schemas-microsoft-com:office:powerpoint" xmlns:com="http://schemas.openxmlformats.org/drawingml/2006/compatibility" xmlns:p14="http://schemas.microsoft.com/office/powerpoint/2010/main" xmlns:p15="http://schemas.microsoft.com/office/powerpoint/2012/main" showMasterPhAnim="0" showMasterSp="0">
+<p:notes xmlns:a="http://schemas.openxmlformats.org/drawingml/2006/main" xmlns:r="http://schemas.openxmlformats.org/officeDocument/2006/relationships" xmlns:p="http://schemas.openxmlformats.org/presentationml/2006/main" showMasterSp="0" showMasterPhAnim="0">
   <p:cSld>
     <p:spTree>
       <p:nvGrpSpPr>
-        <p:cNvPr id="80" name="Shape 80"/>
+        <p:cNvPr id="1" name="Shape 80"/>
         <p:cNvGrpSpPr/>
         <p:nvPr/>
       </p:nvGrpSpPr>
@@ -2030,9 +2240,11 @@
       <p:sp>
         <p:nvSpPr>
           <p:cNvPr id="81" name="Shape 81"/>
-          <p:cNvSpPr/>
+          <p:cNvSpPr>
+            <a:spLocks noGrp="1" noRot="1" noChangeAspect="1"/>
+          </p:cNvSpPr>
           <p:nvPr>
-            <p:ph idx="2" type="sldImg"/>
+            <p:ph type="sldImg" idx="2"/>
           </p:nvPr>
         </p:nvSpPr>
         <p:spPr>
@@ -2041,8 +2253,13 @@
             <a:ext cx="6096000" cy="3429000"/>
           </a:xfrm>
           <a:custGeom>
+            <a:avLst/>
+            <a:gdLst/>
+            <a:ahLst/>
+            <a:cxnLst/>
+            <a:rect l="0" t="0" r="0" b="0"/>
             <a:pathLst>
-              <a:path extrusionOk="0" h="120000" w="120000">
+              <a:path w="120000" h="120000" extrusionOk="0">
                 <a:moveTo>
                   <a:pt x="0" y="0"/>
                 </a:moveTo>
@@ -2064,9 +2281,11 @@
       <p:sp>
         <p:nvSpPr>
           <p:cNvPr id="82" name="Shape 82"/>
-          <p:cNvSpPr txBox="1"/>
+          <p:cNvSpPr txBox="1">
+            <a:spLocks noGrp="1"/>
+          </p:cNvSpPr>
           <p:nvPr>
-            <p:ph idx="1" type="body"/>
+            <p:ph type="body" idx="1"/>
           </p:nvPr>
         </p:nvSpPr>
         <p:spPr>
@@ -2079,7 +2298,7 @@
           </a:prstGeom>
         </p:spPr>
         <p:txBody>
-          <a:bodyPr anchorCtr="0" anchor="t" bIns="91425" lIns="91425" rIns="91425" wrap="square" tIns="91425">
+          <a:bodyPr wrap="square" lIns="91425" tIns="91425" rIns="91425" bIns="91425" anchor="t" anchorCtr="0">
             <a:noAutofit/>
           </a:bodyPr>
           <a:lstStyle/>
@@ -2090,9 +2309,6 @@
               </a:spcBef>
               <a:buNone/>
             </a:pPr>
-            <a:r>
-              <a:t/>
-            </a:r>
             <a:endParaRPr/>
           </a:p>
         </p:txBody>
@@ -2106,11 +2322,11 @@
 </file>
 
 <file path=ppt/notesSlides/notesSlide7.xml><?xml version="1.0" encoding="utf-8"?>
-<p:notes xmlns:a="http://schemas.openxmlformats.org/drawingml/2006/main" xmlns:r="http://schemas.openxmlformats.org/officeDocument/2006/relationships" xmlns:mc="http://schemas.openxmlformats.org/markup-compatibility/2006" xmlns:mv="urn:schemas-microsoft-com:mac:vml" xmlns:p="http://schemas.openxmlformats.org/presentationml/2006/main" xmlns:c="http://schemas.openxmlformats.org/drawingml/2006/chart" xmlns:dgm="http://schemas.openxmlformats.org/drawingml/2006/diagram" xmlns:o="urn:schemas-microsoft-com:office:office" xmlns:v="urn:schemas-microsoft-com:vml" xmlns:pvml="urn:schemas-microsoft-com:office:powerpoint" xmlns:com="http://schemas.openxmlformats.org/drawingml/2006/compatibility" xmlns:p14="http://schemas.microsoft.com/office/powerpoint/2010/main" xmlns:p15="http://schemas.microsoft.com/office/powerpoint/2012/main" showMasterPhAnim="0" showMasterSp="0">
+<p:notes xmlns:a="http://schemas.openxmlformats.org/drawingml/2006/main" xmlns:r="http://schemas.openxmlformats.org/officeDocument/2006/relationships" xmlns:p="http://schemas.openxmlformats.org/presentationml/2006/main" showMasterSp="0" showMasterPhAnim="0">
   <p:cSld>
     <p:spTree>
       <p:nvGrpSpPr>
-        <p:cNvPr id="86" name="Shape 86"/>
+        <p:cNvPr id="1" name="Shape 86"/>
         <p:cNvGrpSpPr/>
         <p:nvPr/>
       </p:nvGrpSpPr>
@@ -2125,19 +2341,26 @@
       <p:sp>
         <p:nvSpPr>
           <p:cNvPr id="87" name="Shape 87"/>
-          <p:cNvSpPr/>
+          <p:cNvSpPr>
+            <a:spLocks noGrp="1" noRot="1" noChangeAspect="1"/>
+          </p:cNvSpPr>
           <p:nvPr>
-            <p:ph idx="2" type="sldImg"/>
+            <p:ph type="sldImg" idx="2"/>
           </p:nvPr>
         </p:nvSpPr>
         <p:spPr>
           <a:xfrm>
-            <a:off x="381300" y="685800"/>
+            <a:off x="381000" y="685800"/>
             <a:ext cx="6096000" cy="3429000"/>
           </a:xfrm>
           <a:custGeom>
+            <a:avLst/>
+            <a:gdLst/>
+            <a:ahLst/>
+            <a:cxnLst/>
+            <a:rect l="0" t="0" r="0" b="0"/>
             <a:pathLst>
-              <a:path extrusionOk="0" h="120000" w="120000">
+              <a:path w="120000" h="120000" extrusionOk="0">
                 <a:moveTo>
                   <a:pt x="0" y="0"/>
                 </a:moveTo>
@@ -2159,9 +2382,11 @@
       <p:sp>
         <p:nvSpPr>
           <p:cNvPr id="88" name="Shape 88"/>
-          <p:cNvSpPr txBox="1"/>
+          <p:cNvSpPr txBox="1">
+            <a:spLocks noGrp="1"/>
+          </p:cNvSpPr>
           <p:nvPr>
-            <p:ph idx="1" type="body"/>
+            <p:ph type="body" idx="1"/>
           </p:nvPr>
         </p:nvSpPr>
         <p:spPr>
@@ -2174,7 +2399,7 @@
           </a:prstGeom>
         </p:spPr>
         <p:txBody>
-          <a:bodyPr anchorCtr="0" anchor="t" bIns="91425" lIns="91425" rIns="91425" wrap="square" tIns="91425">
+          <a:bodyPr wrap="square" lIns="91425" tIns="91425" rIns="91425" bIns="91425" anchor="t" anchorCtr="0">
             <a:noAutofit/>
           </a:bodyPr>
           <a:lstStyle/>
@@ -2185,9 +2410,6 @@
               </a:spcBef>
               <a:buNone/>
             </a:pPr>
-            <a:r>
-              <a:t/>
-            </a:r>
             <a:endParaRPr/>
           </a:p>
         </p:txBody>
@@ -2201,11 +2423,11 @@
 </file>
 
 <file path=ppt/notesSlides/notesSlide8.xml><?xml version="1.0" encoding="utf-8"?>
-<p:notes xmlns:a="http://schemas.openxmlformats.org/drawingml/2006/main" xmlns:r="http://schemas.openxmlformats.org/officeDocument/2006/relationships" xmlns:mc="http://schemas.openxmlformats.org/markup-compatibility/2006" xmlns:mv="urn:schemas-microsoft-com:mac:vml" xmlns:p="http://schemas.openxmlformats.org/presentationml/2006/main" xmlns:c="http://schemas.openxmlformats.org/drawingml/2006/chart" xmlns:dgm="http://schemas.openxmlformats.org/drawingml/2006/diagram" xmlns:o="urn:schemas-microsoft-com:office:office" xmlns:v="urn:schemas-microsoft-com:vml" xmlns:pvml="urn:schemas-microsoft-com:office:powerpoint" xmlns:com="http://schemas.openxmlformats.org/drawingml/2006/compatibility" xmlns:p14="http://schemas.microsoft.com/office/powerpoint/2010/main" xmlns:p15="http://schemas.microsoft.com/office/powerpoint/2012/main" showMasterPhAnim="0" showMasterSp="0">
+<p:notes xmlns:a="http://schemas.openxmlformats.org/drawingml/2006/main" xmlns:r="http://schemas.openxmlformats.org/officeDocument/2006/relationships" xmlns:p="http://schemas.openxmlformats.org/presentationml/2006/main" showMasterSp="0" showMasterPhAnim="0">
   <p:cSld>
     <p:spTree>
       <p:nvGrpSpPr>
-        <p:cNvPr id="92" name="Shape 92"/>
+        <p:cNvPr id="1" name="Shape 92"/>
         <p:cNvGrpSpPr/>
         <p:nvPr/>
       </p:nvGrpSpPr>
@@ -2220,9 +2442,11 @@
       <p:sp>
         <p:nvSpPr>
           <p:cNvPr id="93" name="Shape 93"/>
-          <p:cNvSpPr/>
+          <p:cNvSpPr>
+            <a:spLocks noGrp="1" noRot="1" noChangeAspect="1"/>
+          </p:cNvSpPr>
           <p:nvPr>
-            <p:ph idx="2" type="sldImg"/>
+            <p:ph type="sldImg" idx="2"/>
           </p:nvPr>
         </p:nvSpPr>
         <p:spPr>
@@ -2231,8 +2455,13 @@
             <a:ext cx="6096000" cy="3429000"/>
           </a:xfrm>
           <a:custGeom>
+            <a:avLst/>
+            <a:gdLst/>
+            <a:ahLst/>
+            <a:cxnLst/>
+            <a:rect l="0" t="0" r="0" b="0"/>
             <a:pathLst>
-              <a:path extrusionOk="0" h="120000" w="120000">
+              <a:path w="120000" h="120000" extrusionOk="0">
                 <a:moveTo>
                   <a:pt x="0" y="0"/>
                 </a:moveTo>
@@ -2254,9 +2483,11 @@
       <p:sp>
         <p:nvSpPr>
           <p:cNvPr id="94" name="Shape 94"/>
-          <p:cNvSpPr txBox="1"/>
+          <p:cNvSpPr txBox="1">
+            <a:spLocks noGrp="1"/>
+          </p:cNvSpPr>
           <p:nvPr>
-            <p:ph idx="1" type="body"/>
+            <p:ph type="body" idx="1"/>
           </p:nvPr>
         </p:nvSpPr>
         <p:spPr>
@@ -2269,7 +2500,7 @@
           </a:prstGeom>
         </p:spPr>
         <p:txBody>
-          <a:bodyPr anchorCtr="0" anchor="t" bIns="91425" lIns="91425" rIns="91425" wrap="square" tIns="91425">
+          <a:bodyPr wrap="square" lIns="91425" tIns="91425" rIns="91425" bIns="91425" anchor="t" anchorCtr="0">
             <a:noAutofit/>
           </a:bodyPr>
           <a:lstStyle/>
@@ -2280,9 +2511,6 @@
               </a:spcBef>
               <a:buNone/>
             </a:pPr>
-            <a:r>
-              <a:t/>
-            </a:r>
             <a:endParaRPr/>
           </a:p>
         </p:txBody>
@@ -2296,11 +2524,11 @@
 </file>
 
 <file path=ppt/notesSlides/notesSlide9.xml><?xml version="1.0" encoding="utf-8"?>
-<p:notes xmlns:a="http://schemas.openxmlformats.org/drawingml/2006/main" xmlns:r="http://schemas.openxmlformats.org/officeDocument/2006/relationships" xmlns:mc="http://schemas.openxmlformats.org/markup-compatibility/2006" xmlns:mv="urn:schemas-microsoft-com:mac:vml" xmlns:p="http://schemas.openxmlformats.org/presentationml/2006/main" xmlns:c="http://schemas.openxmlformats.org/drawingml/2006/chart" xmlns:dgm="http://schemas.openxmlformats.org/drawingml/2006/diagram" xmlns:o="urn:schemas-microsoft-com:office:office" xmlns:v="urn:schemas-microsoft-com:vml" xmlns:pvml="urn:schemas-microsoft-com:office:powerpoint" xmlns:com="http://schemas.openxmlformats.org/drawingml/2006/compatibility" xmlns:p14="http://schemas.microsoft.com/office/powerpoint/2010/main" xmlns:p15="http://schemas.microsoft.com/office/powerpoint/2012/main" showMasterPhAnim="0" showMasterSp="0">
+<p:notes xmlns:a="http://schemas.openxmlformats.org/drawingml/2006/main" xmlns:r="http://schemas.openxmlformats.org/officeDocument/2006/relationships" xmlns:p="http://schemas.openxmlformats.org/presentationml/2006/main" showMasterSp="0" showMasterPhAnim="0">
   <p:cSld>
     <p:spTree>
       <p:nvGrpSpPr>
-        <p:cNvPr id="98" name="Shape 98"/>
+        <p:cNvPr id="1" name="Shape 98"/>
         <p:cNvGrpSpPr/>
         <p:nvPr/>
       </p:nvGrpSpPr>
@@ -2315,9 +2543,11 @@
       <p:sp>
         <p:nvSpPr>
           <p:cNvPr id="99" name="Shape 99"/>
-          <p:cNvSpPr/>
+          <p:cNvSpPr>
+            <a:spLocks noGrp="1" noRot="1" noChangeAspect="1"/>
+          </p:cNvSpPr>
           <p:nvPr>
-            <p:ph idx="2" type="sldImg"/>
+            <p:ph type="sldImg" idx="2"/>
           </p:nvPr>
         </p:nvSpPr>
         <p:spPr>
@@ -2326,8 +2556,13 @@
             <a:ext cx="6096000" cy="3429000"/>
           </a:xfrm>
           <a:custGeom>
+            <a:avLst/>
+            <a:gdLst/>
+            <a:ahLst/>
+            <a:cxnLst/>
+            <a:rect l="0" t="0" r="0" b="0"/>
             <a:pathLst>
-              <a:path extrusionOk="0" h="120000" w="120000">
+              <a:path w="120000" h="120000" extrusionOk="0">
                 <a:moveTo>
                   <a:pt x="0" y="0"/>
                 </a:moveTo>
@@ -2349,9 +2584,11 @@
       <p:sp>
         <p:nvSpPr>
           <p:cNvPr id="100" name="Shape 100"/>
-          <p:cNvSpPr txBox="1"/>
+          <p:cNvSpPr txBox="1">
+            <a:spLocks noGrp="1"/>
+          </p:cNvSpPr>
           <p:nvPr>
-            <p:ph idx="1" type="body"/>
+            <p:ph type="body" idx="1"/>
           </p:nvPr>
         </p:nvSpPr>
         <p:spPr>
@@ -2364,7 +2601,7 @@
           </a:prstGeom>
         </p:spPr>
         <p:txBody>
-          <a:bodyPr anchorCtr="0" anchor="t" bIns="91425" lIns="91425" rIns="91425" wrap="square" tIns="91425">
+          <a:bodyPr wrap="square" lIns="91425" tIns="91425" rIns="91425" bIns="91425" anchor="t" anchorCtr="0">
             <a:noAutofit/>
           </a:bodyPr>
           <a:lstStyle/>
@@ -2375,9 +2612,6 @@
               </a:spcBef>
               <a:buNone/>
             </a:pPr>
-            <a:r>
-              <a:t/>
-            </a:r>
             <a:endParaRPr/>
           </a:p>
         </p:txBody>
@@ -2391,11 +2625,11 @@
 </file>
 
 <file path=ppt/slideLayouts/slideLayout1.xml><?xml version="1.0" encoding="utf-8"?>
-<p:sldLayout xmlns:a="http://schemas.openxmlformats.org/drawingml/2006/main" xmlns:r="http://schemas.openxmlformats.org/officeDocument/2006/relationships" xmlns:mc="http://schemas.openxmlformats.org/markup-compatibility/2006" xmlns:mv="urn:schemas-microsoft-com:mac:vml" xmlns:p="http://schemas.openxmlformats.org/presentationml/2006/main" xmlns:c="http://schemas.openxmlformats.org/drawingml/2006/chart" xmlns:dgm="http://schemas.openxmlformats.org/drawingml/2006/diagram" xmlns:o="urn:schemas-microsoft-com:office:office" xmlns:v="urn:schemas-microsoft-com:vml" xmlns:pvml="urn:schemas-microsoft-com:office:powerpoint" xmlns:com="http://schemas.openxmlformats.org/drawingml/2006/compatibility" xmlns:p14="http://schemas.microsoft.com/office/powerpoint/2010/main" xmlns:p15="http://schemas.microsoft.com/office/powerpoint/2012/main" type="title">
+<p:sldLayout xmlns:a="http://schemas.openxmlformats.org/drawingml/2006/main" xmlns:r="http://schemas.openxmlformats.org/officeDocument/2006/relationships" xmlns:p="http://schemas.openxmlformats.org/presentationml/2006/main" type="title">
   <p:cSld name="Title slide">
     <p:spTree>
       <p:nvGrpSpPr>
-        <p:cNvPr id="9" name="Shape 9"/>
+        <p:cNvPr id="1" name="Shape 9"/>
         <p:cNvGrpSpPr/>
         <p:nvPr/>
       </p:nvGrpSpPr>
@@ -2410,7 +2644,9 @@
       <p:sp>
         <p:nvSpPr>
           <p:cNvPr id="10" name="Shape 10"/>
-          <p:cNvSpPr txBox="1"/>
+          <p:cNvSpPr txBox="1">
+            <a:spLocks noGrp="1"/>
+          </p:cNvSpPr>
           <p:nvPr>
             <p:ph type="ctrTitle"/>
           </p:nvPr>
@@ -2425,7 +2661,7 @@
           </a:prstGeom>
         </p:spPr>
         <p:txBody>
-          <a:bodyPr anchorCtr="0" anchor="b" bIns="91425" lIns="91425" rIns="91425" wrap="square" tIns="91425"/>
+          <a:bodyPr wrap="square" lIns="91425" tIns="91425" rIns="91425" bIns="91425" anchor="b" anchorCtr="0"/>
           <a:lstStyle>
             <a:lvl1pPr lvl="0" algn="ctr">
               <a:spcBef>
@@ -2491,15 +2727,19 @@
               <a:defRPr sz="5200"/>
             </a:lvl9pPr>
           </a:lstStyle>
-          <a:p/>
+          <a:p>
+            <a:endParaRPr/>
+          </a:p>
         </p:txBody>
       </p:sp>
       <p:sp>
         <p:nvSpPr>
           <p:cNvPr id="11" name="Shape 11"/>
-          <p:cNvSpPr txBox="1"/>
+          <p:cNvSpPr txBox="1">
+            <a:spLocks noGrp="1"/>
+          </p:cNvSpPr>
           <p:nvPr>
-            <p:ph idx="1" type="subTitle"/>
+            <p:ph type="subTitle" idx="1"/>
           </p:nvPr>
         </p:nvSpPr>
         <p:spPr>
@@ -2512,7 +2752,7 @@
           </a:prstGeom>
         </p:spPr>
         <p:txBody>
-          <a:bodyPr anchorCtr="0" anchor="t" bIns="91425" lIns="91425" rIns="91425" wrap="square" tIns="91425"/>
+          <a:bodyPr wrap="square" lIns="91425" tIns="91425" rIns="91425" bIns="91425" anchor="t" anchorCtr="0"/>
           <a:lstStyle>
             <a:lvl1pPr lvl="0" algn="ctr">
               <a:lnSpc>
@@ -2641,15 +2881,19 @@
               <a:defRPr sz="2800"/>
             </a:lvl9pPr>
           </a:lstStyle>
-          <a:p/>
+          <a:p>
+            <a:endParaRPr/>
+          </a:p>
         </p:txBody>
       </p:sp>
       <p:sp>
         <p:nvSpPr>
           <p:cNvPr id="12" name="Shape 12"/>
-          <p:cNvSpPr txBox="1"/>
+          <p:cNvSpPr txBox="1">
+            <a:spLocks noGrp="1"/>
+          </p:cNvSpPr>
           <p:nvPr>
-            <p:ph idx="12" type="sldNum"/>
+            <p:ph type="sldNum" idx="12"/>
           </p:nvPr>
         </p:nvSpPr>
         <p:spPr>
@@ -2662,7 +2906,7 @@
           </a:prstGeom>
         </p:spPr>
         <p:txBody>
-          <a:bodyPr anchorCtr="0" anchor="ctr" bIns="91425" lIns="91425" rIns="91425" wrap="square" tIns="91425">
+          <a:bodyPr wrap="square" lIns="91425" tIns="91425" rIns="91425" bIns="91425" anchor="ctr" anchorCtr="0">
             <a:noAutofit/>
           </a:bodyPr>
           <a:lstStyle/>
@@ -2675,8 +2919,9 @@
             </a:pPr>
             <a:fld id="{00000000-1234-1234-1234-123412341234}" type="slidenum">
               <a:rPr lang="en"/>
-              <a:t>‹#›</a:t>
+              <a:t>‹Nr.›</a:t>
             </a:fld>
+            <a:endParaRPr lang="en"/>
           </a:p>
         </p:txBody>
       </p:sp>
@@ -2689,11 +2934,11 @@
 </file>
 
 <file path=ppt/slideLayouts/slideLayout10.xml><?xml version="1.0" encoding="utf-8"?>
-<p:sldLayout xmlns:a="http://schemas.openxmlformats.org/drawingml/2006/main" xmlns:r="http://schemas.openxmlformats.org/officeDocument/2006/relationships" xmlns:mc="http://schemas.openxmlformats.org/markup-compatibility/2006" xmlns:mv="urn:schemas-microsoft-com:mac:vml" xmlns:p="http://schemas.openxmlformats.org/presentationml/2006/main" xmlns:c="http://schemas.openxmlformats.org/drawingml/2006/chart" xmlns:dgm="http://schemas.openxmlformats.org/drawingml/2006/diagram" xmlns:o="urn:schemas-microsoft-com:office:office" xmlns:v="urn:schemas-microsoft-com:vml" xmlns:pvml="urn:schemas-microsoft-com:office:powerpoint" xmlns:com="http://schemas.openxmlformats.org/drawingml/2006/compatibility" xmlns:p14="http://schemas.microsoft.com/office/powerpoint/2010/main" xmlns:p15="http://schemas.microsoft.com/office/powerpoint/2012/main">
+<p:sldLayout xmlns:a="http://schemas.openxmlformats.org/drawingml/2006/main" xmlns:r="http://schemas.openxmlformats.org/officeDocument/2006/relationships" xmlns:p="http://schemas.openxmlformats.org/presentationml/2006/main">
   <p:cSld name="Big number">
     <p:spTree>
       <p:nvGrpSpPr>
-        <p:cNvPr id="44" name="Shape 44"/>
+        <p:cNvPr id="1" name="Shape 44"/>
         <p:cNvGrpSpPr/>
         <p:nvPr/>
       </p:nvGrpSpPr>
@@ -2708,7 +2953,9 @@
       <p:sp>
         <p:nvSpPr>
           <p:cNvPr id="45" name="Shape 45"/>
-          <p:cNvSpPr txBox="1"/>
+          <p:cNvSpPr txBox="1">
+            <a:spLocks noGrp="1"/>
+          </p:cNvSpPr>
           <p:nvPr>
             <p:ph type="title"/>
           </p:nvPr>
@@ -2723,7 +2970,7 @@
           </a:prstGeom>
         </p:spPr>
         <p:txBody>
-          <a:bodyPr anchorCtr="0" anchor="b" bIns="91425" lIns="91425" rIns="91425" wrap="square" tIns="91425"/>
+          <a:bodyPr wrap="square" lIns="91425" tIns="91425" rIns="91425" bIns="91425" anchor="b" anchorCtr="0"/>
           <a:lstStyle>
             <a:lvl1pPr lvl="0" algn="ctr">
               <a:spcBef>
@@ -2789,15 +3036,19 @@
               <a:defRPr sz="12000"/>
             </a:lvl9pPr>
           </a:lstStyle>
-          <a:p/>
+          <a:p>
+            <a:endParaRPr/>
+          </a:p>
         </p:txBody>
       </p:sp>
       <p:sp>
         <p:nvSpPr>
           <p:cNvPr id="46" name="Shape 46"/>
-          <p:cNvSpPr txBox="1"/>
+          <p:cNvSpPr txBox="1">
+            <a:spLocks noGrp="1"/>
+          </p:cNvSpPr>
           <p:nvPr>
-            <p:ph idx="1" type="body"/>
+            <p:ph type="body" idx="1"/>
           </p:nvPr>
         </p:nvSpPr>
         <p:spPr>
@@ -2810,7 +3061,7 @@
           </a:prstGeom>
         </p:spPr>
         <p:txBody>
-          <a:bodyPr anchorCtr="0" anchor="t" bIns="91425" lIns="91425" rIns="91425" wrap="square" tIns="91425"/>
+          <a:bodyPr wrap="square" lIns="91425" tIns="91425" rIns="91425" bIns="91425" anchor="t" anchorCtr="0"/>
           <a:lstStyle>
             <a:lvl1pPr lvl="0" algn="ctr">
               <a:spcBef>
@@ -2867,15 +3118,19 @@
               <a:defRPr/>
             </a:lvl9pPr>
           </a:lstStyle>
-          <a:p/>
+          <a:p>
+            <a:endParaRPr/>
+          </a:p>
         </p:txBody>
       </p:sp>
       <p:sp>
         <p:nvSpPr>
           <p:cNvPr id="47" name="Shape 47"/>
-          <p:cNvSpPr txBox="1"/>
+          <p:cNvSpPr txBox="1">
+            <a:spLocks noGrp="1"/>
+          </p:cNvSpPr>
           <p:nvPr>
-            <p:ph idx="12" type="sldNum"/>
+            <p:ph type="sldNum" idx="12"/>
           </p:nvPr>
         </p:nvSpPr>
         <p:spPr>
@@ -2888,7 +3143,7 @@
           </a:prstGeom>
         </p:spPr>
         <p:txBody>
-          <a:bodyPr anchorCtr="0" anchor="ctr" bIns="91425" lIns="91425" rIns="91425" wrap="square" tIns="91425">
+          <a:bodyPr wrap="square" lIns="91425" tIns="91425" rIns="91425" bIns="91425" anchor="ctr" anchorCtr="0">
             <a:noAutofit/>
           </a:bodyPr>
           <a:lstStyle/>
@@ -2901,8 +3156,9 @@
             </a:pPr>
             <a:fld id="{00000000-1234-1234-1234-123412341234}" type="slidenum">
               <a:rPr lang="en"/>
-              <a:t>‹#›</a:t>
+              <a:t>‹Nr.›</a:t>
             </a:fld>
+            <a:endParaRPr lang="en"/>
           </a:p>
         </p:txBody>
       </p:sp>
@@ -2915,11 +3171,11 @@
 </file>
 
 <file path=ppt/slideLayouts/slideLayout11.xml><?xml version="1.0" encoding="utf-8"?>
-<p:sldLayout xmlns:a="http://schemas.openxmlformats.org/drawingml/2006/main" xmlns:r="http://schemas.openxmlformats.org/officeDocument/2006/relationships" xmlns:mc="http://schemas.openxmlformats.org/markup-compatibility/2006" xmlns:mv="urn:schemas-microsoft-com:mac:vml" xmlns:p="http://schemas.openxmlformats.org/presentationml/2006/main" xmlns:c="http://schemas.openxmlformats.org/drawingml/2006/chart" xmlns:dgm="http://schemas.openxmlformats.org/drawingml/2006/diagram" xmlns:o="urn:schemas-microsoft-com:office:office" xmlns:v="urn:schemas-microsoft-com:vml" xmlns:pvml="urn:schemas-microsoft-com:office:powerpoint" xmlns:com="http://schemas.openxmlformats.org/drawingml/2006/compatibility" xmlns:p14="http://schemas.microsoft.com/office/powerpoint/2010/main" xmlns:p15="http://schemas.microsoft.com/office/powerpoint/2012/main" type="blank">
+<p:sldLayout xmlns:a="http://schemas.openxmlformats.org/drawingml/2006/main" xmlns:r="http://schemas.openxmlformats.org/officeDocument/2006/relationships" xmlns:p="http://schemas.openxmlformats.org/presentationml/2006/main" type="blank">
   <p:cSld name="Blank">
     <p:spTree>
       <p:nvGrpSpPr>
-        <p:cNvPr id="48" name="Shape 48"/>
+        <p:cNvPr id="1" name="Shape 48"/>
         <p:cNvGrpSpPr/>
         <p:nvPr/>
       </p:nvGrpSpPr>
@@ -2934,9 +3190,11 @@
       <p:sp>
         <p:nvSpPr>
           <p:cNvPr id="49" name="Shape 49"/>
-          <p:cNvSpPr txBox="1"/>
+          <p:cNvSpPr txBox="1">
+            <a:spLocks noGrp="1"/>
+          </p:cNvSpPr>
           <p:nvPr>
-            <p:ph idx="12" type="sldNum"/>
+            <p:ph type="sldNum" idx="12"/>
           </p:nvPr>
         </p:nvSpPr>
         <p:spPr>
@@ -2949,7 +3207,7 @@
           </a:prstGeom>
         </p:spPr>
         <p:txBody>
-          <a:bodyPr anchorCtr="0" anchor="ctr" bIns="91425" lIns="91425" rIns="91425" wrap="square" tIns="91425">
+          <a:bodyPr wrap="square" lIns="91425" tIns="91425" rIns="91425" bIns="91425" anchor="ctr" anchorCtr="0">
             <a:noAutofit/>
           </a:bodyPr>
           <a:lstStyle/>
@@ -2962,8 +3220,9 @@
             </a:pPr>
             <a:fld id="{00000000-1234-1234-1234-123412341234}" type="slidenum">
               <a:rPr lang="en"/>
-              <a:t>‹#›</a:t>
+              <a:t>‹Nr.›</a:t>
             </a:fld>
+            <a:endParaRPr lang="en"/>
           </a:p>
         </p:txBody>
       </p:sp>
@@ -2976,11 +3235,11 @@
 </file>
 
 <file path=ppt/slideLayouts/slideLayout2.xml><?xml version="1.0" encoding="utf-8"?>
-<p:sldLayout xmlns:a="http://schemas.openxmlformats.org/drawingml/2006/main" xmlns:r="http://schemas.openxmlformats.org/officeDocument/2006/relationships" xmlns:mc="http://schemas.openxmlformats.org/markup-compatibility/2006" xmlns:mv="urn:schemas-microsoft-com:mac:vml" xmlns:p="http://schemas.openxmlformats.org/presentationml/2006/main" xmlns:c="http://schemas.openxmlformats.org/drawingml/2006/chart" xmlns:dgm="http://schemas.openxmlformats.org/drawingml/2006/diagram" xmlns:o="urn:schemas-microsoft-com:office:office" xmlns:v="urn:schemas-microsoft-com:vml" xmlns:pvml="urn:schemas-microsoft-com:office:powerpoint" xmlns:com="http://schemas.openxmlformats.org/drawingml/2006/compatibility" xmlns:p14="http://schemas.microsoft.com/office/powerpoint/2010/main" xmlns:p15="http://schemas.microsoft.com/office/powerpoint/2012/main" type="secHead">
+<p:sldLayout xmlns:a="http://schemas.openxmlformats.org/drawingml/2006/main" xmlns:r="http://schemas.openxmlformats.org/officeDocument/2006/relationships" xmlns:p="http://schemas.openxmlformats.org/presentationml/2006/main" type="secHead">
   <p:cSld name="Section header">
     <p:spTree>
       <p:nvGrpSpPr>
-        <p:cNvPr id="13" name="Shape 13"/>
+        <p:cNvPr id="1" name="Shape 13"/>
         <p:cNvGrpSpPr/>
         <p:nvPr/>
       </p:nvGrpSpPr>
@@ -2995,7 +3254,9 @@
       <p:sp>
         <p:nvSpPr>
           <p:cNvPr id="14" name="Shape 14"/>
-          <p:cNvSpPr txBox="1"/>
+          <p:cNvSpPr txBox="1">
+            <a:spLocks noGrp="1"/>
+          </p:cNvSpPr>
           <p:nvPr>
             <p:ph type="title"/>
           </p:nvPr>
@@ -3010,7 +3271,7 @@
           </a:prstGeom>
         </p:spPr>
         <p:txBody>
-          <a:bodyPr anchorCtr="0" anchor="ctr" bIns="91425" lIns="91425" rIns="91425" wrap="square" tIns="91425"/>
+          <a:bodyPr wrap="square" lIns="91425" tIns="91425" rIns="91425" bIns="91425" anchor="ctr" anchorCtr="0"/>
           <a:lstStyle>
             <a:lvl1pPr lvl="0" algn="ctr">
               <a:spcBef>
@@ -3076,15 +3337,19 @@
               <a:defRPr sz="3600"/>
             </a:lvl9pPr>
           </a:lstStyle>
-          <a:p/>
+          <a:p>
+            <a:endParaRPr/>
+          </a:p>
         </p:txBody>
       </p:sp>
       <p:sp>
         <p:nvSpPr>
           <p:cNvPr id="15" name="Shape 15"/>
-          <p:cNvSpPr txBox="1"/>
+          <p:cNvSpPr txBox="1">
+            <a:spLocks noGrp="1"/>
+          </p:cNvSpPr>
           <p:nvPr>
-            <p:ph idx="12" type="sldNum"/>
+            <p:ph type="sldNum" idx="12"/>
           </p:nvPr>
         </p:nvSpPr>
         <p:spPr>
@@ -3097,7 +3362,7 @@
           </a:prstGeom>
         </p:spPr>
         <p:txBody>
-          <a:bodyPr anchorCtr="0" anchor="ctr" bIns="91425" lIns="91425" rIns="91425" wrap="square" tIns="91425">
+          <a:bodyPr wrap="square" lIns="91425" tIns="91425" rIns="91425" bIns="91425" anchor="ctr" anchorCtr="0">
             <a:noAutofit/>
           </a:bodyPr>
           <a:lstStyle/>
@@ -3110,8 +3375,9 @@
             </a:pPr>
             <a:fld id="{00000000-1234-1234-1234-123412341234}" type="slidenum">
               <a:rPr lang="en"/>
-              <a:t>‹#›</a:t>
+              <a:t>‹Nr.›</a:t>
             </a:fld>
+            <a:endParaRPr lang="en"/>
           </a:p>
         </p:txBody>
       </p:sp>
@@ -3124,11 +3390,11 @@
 </file>
 
 <file path=ppt/slideLayouts/slideLayout3.xml><?xml version="1.0" encoding="utf-8"?>
-<p:sldLayout xmlns:a="http://schemas.openxmlformats.org/drawingml/2006/main" xmlns:r="http://schemas.openxmlformats.org/officeDocument/2006/relationships" xmlns:mc="http://schemas.openxmlformats.org/markup-compatibility/2006" xmlns:mv="urn:schemas-microsoft-com:mac:vml" xmlns:p="http://schemas.openxmlformats.org/presentationml/2006/main" xmlns:c="http://schemas.openxmlformats.org/drawingml/2006/chart" xmlns:dgm="http://schemas.openxmlformats.org/drawingml/2006/diagram" xmlns:o="urn:schemas-microsoft-com:office:office" xmlns:v="urn:schemas-microsoft-com:vml" xmlns:pvml="urn:schemas-microsoft-com:office:powerpoint" xmlns:com="http://schemas.openxmlformats.org/drawingml/2006/compatibility" xmlns:p14="http://schemas.microsoft.com/office/powerpoint/2010/main" xmlns:p15="http://schemas.microsoft.com/office/powerpoint/2012/main" type="tx">
+<p:sldLayout xmlns:a="http://schemas.openxmlformats.org/drawingml/2006/main" xmlns:r="http://schemas.openxmlformats.org/officeDocument/2006/relationships" xmlns:p="http://schemas.openxmlformats.org/presentationml/2006/main" type="tx">
   <p:cSld name="Title and body">
     <p:spTree>
       <p:nvGrpSpPr>
-        <p:cNvPr id="16" name="Shape 16"/>
+        <p:cNvPr id="1" name="Shape 16"/>
         <p:cNvGrpSpPr/>
         <p:nvPr/>
       </p:nvGrpSpPr>
@@ -3143,7 +3409,9 @@
       <p:sp>
         <p:nvSpPr>
           <p:cNvPr id="17" name="Shape 17"/>
-          <p:cNvSpPr txBox="1"/>
+          <p:cNvSpPr txBox="1">
+            <a:spLocks noGrp="1"/>
+          </p:cNvSpPr>
           <p:nvPr>
             <p:ph type="title"/>
           </p:nvPr>
@@ -3158,7 +3426,7 @@
           </a:prstGeom>
         </p:spPr>
         <p:txBody>
-          <a:bodyPr anchorCtr="0" anchor="t" bIns="91425" lIns="91425" rIns="91425" wrap="square" tIns="91425"/>
+          <a:bodyPr wrap="square" lIns="91425" tIns="91425" rIns="91425" bIns="91425" anchor="t" anchorCtr="0"/>
           <a:lstStyle>
             <a:lvl1pPr lvl="0">
               <a:spcBef>
@@ -3215,15 +3483,19 @@
               <a:defRPr/>
             </a:lvl9pPr>
           </a:lstStyle>
-          <a:p/>
+          <a:p>
+            <a:endParaRPr/>
+          </a:p>
         </p:txBody>
       </p:sp>
       <p:sp>
         <p:nvSpPr>
           <p:cNvPr id="18" name="Shape 18"/>
-          <p:cNvSpPr txBox="1"/>
+          <p:cNvSpPr txBox="1">
+            <a:spLocks noGrp="1"/>
+          </p:cNvSpPr>
           <p:nvPr>
-            <p:ph idx="1" type="body"/>
+            <p:ph type="body" idx="1"/>
           </p:nvPr>
         </p:nvSpPr>
         <p:spPr>
@@ -3236,7 +3508,7 @@
           </a:prstGeom>
         </p:spPr>
         <p:txBody>
-          <a:bodyPr anchorCtr="0" anchor="t" bIns="91425" lIns="91425" rIns="91425" wrap="square" tIns="91425"/>
+          <a:bodyPr wrap="square" lIns="91425" tIns="91425" rIns="91425" bIns="91425" anchor="t" anchorCtr="0"/>
           <a:lstStyle>
             <a:lvl1pPr lvl="0">
               <a:spcBef>
@@ -3293,15 +3565,19 @@
               <a:defRPr/>
             </a:lvl9pPr>
           </a:lstStyle>
-          <a:p/>
+          <a:p>
+            <a:endParaRPr/>
+          </a:p>
         </p:txBody>
       </p:sp>
       <p:sp>
         <p:nvSpPr>
           <p:cNvPr id="19" name="Shape 19"/>
-          <p:cNvSpPr txBox="1"/>
+          <p:cNvSpPr txBox="1">
+            <a:spLocks noGrp="1"/>
+          </p:cNvSpPr>
           <p:nvPr>
-            <p:ph idx="12" type="sldNum"/>
+            <p:ph type="sldNum" idx="12"/>
           </p:nvPr>
         </p:nvSpPr>
         <p:spPr>
@@ -3314,7 +3590,7 @@
           </a:prstGeom>
         </p:spPr>
         <p:txBody>
-          <a:bodyPr anchorCtr="0" anchor="ctr" bIns="91425" lIns="91425" rIns="91425" wrap="square" tIns="91425">
+          <a:bodyPr wrap="square" lIns="91425" tIns="91425" rIns="91425" bIns="91425" anchor="ctr" anchorCtr="0">
             <a:noAutofit/>
           </a:bodyPr>
           <a:lstStyle/>
@@ -3327,8 +3603,9 @@
             </a:pPr>
             <a:fld id="{00000000-1234-1234-1234-123412341234}" type="slidenum">
               <a:rPr lang="en"/>
-              <a:t>‹#›</a:t>
+              <a:t>‹Nr.›</a:t>
             </a:fld>
+            <a:endParaRPr lang="en"/>
           </a:p>
         </p:txBody>
       </p:sp>
@@ -3341,11 +3618,11 @@
 </file>
 
 <file path=ppt/slideLayouts/slideLayout4.xml><?xml version="1.0" encoding="utf-8"?>
-<p:sldLayout xmlns:a="http://schemas.openxmlformats.org/drawingml/2006/main" xmlns:r="http://schemas.openxmlformats.org/officeDocument/2006/relationships" xmlns:mc="http://schemas.openxmlformats.org/markup-compatibility/2006" xmlns:mv="urn:schemas-microsoft-com:mac:vml" xmlns:p="http://schemas.openxmlformats.org/presentationml/2006/main" xmlns:c="http://schemas.openxmlformats.org/drawingml/2006/chart" xmlns:dgm="http://schemas.openxmlformats.org/drawingml/2006/diagram" xmlns:o="urn:schemas-microsoft-com:office:office" xmlns:v="urn:schemas-microsoft-com:vml" xmlns:pvml="urn:schemas-microsoft-com:office:powerpoint" xmlns:com="http://schemas.openxmlformats.org/drawingml/2006/compatibility" xmlns:p14="http://schemas.microsoft.com/office/powerpoint/2010/main" xmlns:p15="http://schemas.microsoft.com/office/powerpoint/2012/main" type="twoColTx">
+<p:sldLayout xmlns:a="http://schemas.openxmlformats.org/drawingml/2006/main" xmlns:r="http://schemas.openxmlformats.org/officeDocument/2006/relationships" xmlns:p="http://schemas.openxmlformats.org/presentationml/2006/main" type="twoColTx">
   <p:cSld name="Title and two columns">
     <p:spTree>
       <p:nvGrpSpPr>
-        <p:cNvPr id="20" name="Shape 20"/>
+        <p:cNvPr id="1" name="Shape 20"/>
         <p:cNvGrpSpPr/>
         <p:nvPr/>
       </p:nvGrpSpPr>
@@ -3360,7 +3637,9 @@
       <p:sp>
         <p:nvSpPr>
           <p:cNvPr id="21" name="Shape 21"/>
-          <p:cNvSpPr txBox="1"/>
+          <p:cNvSpPr txBox="1">
+            <a:spLocks noGrp="1"/>
+          </p:cNvSpPr>
           <p:nvPr>
             <p:ph type="title"/>
           </p:nvPr>
@@ -3375,7 +3654,7 @@
           </a:prstGeom>
         </p:spPr>
         <p:txBody>
-          <a:bodyPr anchorCtr="0" anchor="t" bIns="91425" lIns="91425" rIns="91425" wrap="square" tIns="91425"/>
+          <a:bodyPr wrap="square" lIns="91425" tIns="91425" rIns="91425" bIns="91425" anchor="t" anchorCtr="0"/>
           <a:lstStyle>
             <a:lvl1pPr lvl="0">
               <a:spcBef>
@@ -3432,15 +3711,19 @@
               <a:defRPr/>
             </a:lvl9pPr>
           </a:lstStyle>
-          <a:p/>
+          <a:p>
+            <a:endParaRPr/>
+          </a:p>
         </p:txBody>
       </p:sp>
       <p:sp>
         <p:nvSpPr>
           <p:cNvPr id="22" name="Shape 22"/>
-          <p:cNvSpPr txBox="1"/>
+          <p:cNvSpPr txBox="1">
+            <a:spLocks noGrp="1"/>
+          </p:cNvSpPr>
           <p:nvPr>
-            <p:ph idx="1" type="body"/>
+            <p:ph type="body" idx="1"/>
           </p:nvPr>
         </p:nvSpPr>
         <p:spPr>
@@ -3453,7 +3736,7 @@
           </a:prstGeom>
         </p:spPr>
         <p:txBody>
-          <a:bodyPr anchorCtr="0" anchor="t" bIns="91425" lIns="91425" rIns="91425" wrap="square" tIns="91425"/>
+          <a:bodyPr wrap="square" lIns="91425" tIns="91425" rIns="91425" bIns="91425" anchor="t" anchorCtr="0"/>
           <a:lstStyle>
             <a:lvl1pPr lvl="0">
               <a:spcBef>
@@ -3519,15 +3802,19 @@
               <a:defRPr sz="1200"/>
             </a:lvl9pPr>
           </a:lstStyle>
-          <a:p/>
+          <a:p>
+            <a:endParaRPr/>
+          </a:p>
         </p:txBody>
       </p:sp>
       <p:sp>
         <p:nvSpPr>
           <p:cNvPr id="23" name="Shape 23"/>
-          <p:cNvSpPr txBox="1"/>
+          <p:cNvSpPr txBox="1">
+            <a:spLocks noGrp="1"/>
+          </p:cNvSpPr>
           <p:nvPr>
-            <p:ph idx="2" type="body"/>
+            <p:ph type="body" idx="2"/>
           </p:nvPr>
         </p:nvSpPr>
         <p:spPr>
@@ -3540,7 +3827,7 @@
           </a:prstGeom>
         </p:spPr>
         <p:txBody>
-          <a:bodyPr anchorCtr="0" anchor="t" bIns="91425" lIns="91425" rIns="91425" wrap="square" tIns="91425"/>
+          <a:bodyPr wrap="square" lIns="91425" tIns="91425" rIns="91425" bIns="91425" anchor="t" anchorCtr="0"/>
           <a:lstStyle>
             <a:lvl1pPr lvl="0">
               <a:spcBef>
@@ -3606,15 +3893,19 @@
               <a:defRPr sz="1200"/>
             </a:lvl9pPr>
           </a:lstStyle>
-          <a:p/>
+          <a:p>
+            <a:endParaRPr/>
+          </a:p>
         </p:txBody>
       </p:sp>
       <p:sp>
         <p:nvSpPr>
           <p:cNvPr id="24" name="Shape 24"/>
-          <p:cNvSpPr txBox="1"/>
+          <p:cNvSpPr txBox="1">
+            <a:spLocks noGrp="1"/>
+          </p:cNvSpPr>
           <p:nvPr>
-            <p:ph idx="12" type="sldNum"/>
+            <p:ph type="sldNum" idx="12"/>
           </p:nvPr>
         </p:nvSpPr>
         <p:spPr>
@@ -3627,7 +3918,7 @@
           </a:prstGeom>
         </p:spPr>
         <p:txBody>
-          <a:bodyPr anchorCtr="0" anchor="ctr" bIns="91425" lIns="91425" rIns="91425" wrap="square" tIns="91425">
+          <a:bodyPr wrap="square" lIns="91425" tIns="91425" rIns="91425" bIns="91425" anchor="ctr" anchorCtr="0">
             <a:noAutofit/>
           </a:bodyPr>
           <a:lstStyle/>
@@ -3640,8 +3931,9 @@
             </a:pPr>
             <a:fld id="{00000000-1234-1234-1234-123412341234}" type="slidenum">
               <a:rPr lang="en"/>
-              <a:t>‹#›</a:t>
+              <a:t>‹Nr.›</a:t>
             </a:fld>
+            <a:endParaRPr lang="en"/>
           </a:p>
         </p:txBody>
       </p:sp>
@@ -3654,11 +3946,11 @@
 </file>
 
 <file path=ppt/slideLayouts/slideLayout5.xml><?xml version="1.0" encoding="utf-8"?>
-<p:sldLayout xmlns:a="http://schemas.openxmlformats.org/drawingml/2006/main" xmlns:r="http://schemas.openxmlformats.org/officeDocument/2006/relationships" xmlns:mc="http://schemas.openxmlformats.org/markup-compatibility/2006" xmlns:mv="urn:schemas-microsoft-com:mac:vml" xmlns:p="http://schemas.openxmlformats.org/presentationml/2006/main" xmlns:c="http://schemas.openxmlformats.org/drawingml/2006/chart" xmlns:dgm="http://schemas.openxmlformats.org/drawingml/2006/diagram" xmlns:o="urn:schemas-microsoft-com:office:office" xmlns:v="urn:schemas-microsoft-com:vml" xmlns:pvml="urn:schemas-microsoft-com:office:powerpoint" xmlns:com="http://schemas.openxmlformats.org/drawingml/2006/compatibility" xmlns:p14="http://schemas.microsoft.com/office/powerpoint/2010/main" xmlns:p15="http://schemas.microsoft.com/office/powerpoint/2012/main" type="titleOnly">
+<p:sldLayout xmlns:a="http://schemas.openxmlformats.org/drawingml/2006/main" xmlns:r="http://schemas.openxmlformats.org/officeDocument/2006/relationships" xmlns:p="http://schemas.openxmlformats.org/presentationml/2006/main" type="titleOnly">
   <p:cSld name="Title only">
     <p:spTree>
       <p:nvGrpSpPr>
-        <p:cNvPr id="25" name="Shape 25"/>
+        <p:cNvPr id="1" name="Shape 25"/>
         <p:cNvGrpSpPr/>
         <p:nvPr/>
       </p:nvGrpSpPr>
@@ -3673,7 +3965,9 @@
       <p:sp>
         <p:nvSpPr>
           <p:cNvPr id="26" name="Shape 26"/>
-          <p:cNvSpPr txBox="1"/>
+          <p:cNvSpPr txBox="1">
+            <a:spLocks noGrp="1"/>
+          </p:cNvSpPr>
           <p:nvPr>
             <p:ph type="title"/>
           </p:nvPr>
@@ -3688,7 +3982,7 @@
           </a:prstGeom>
         </p:spPr>
         <p:txBody>
-          <a:bodyPr anchorCtr="0" anchor="t" bIns="91425" lIns="91425" rIns="91425" wrap="square" tIns="91425"/>
+          <a:bodyPr wrap="square" lIns="91425" tIns="91425" rIns="91425" bIns="91425" anchor="t" anchorCtr="0"/>
           <a:lstStyle>
             <a:lvl1pPr lvl="0">
               <a:spcBef>
@@ -3745,15 +4039,19 @@
               <a:defRPr/>
             </a:lvl9pPr>
           </a:lstStyle>
-          <a:p/>
+          <a:p>
+            <a:endParaRPr/>
+          </a:p>
         </p:txBody>
       </p:sp>
       <p:sp>
         <p:nvSpPr>
           <p:cNvPr id="27" name="Shape 27"/>
-          <p:cNvSpPr txBox="1"/>
+          <p:cNvSpPr txBox="1">
+            <a:spLocks noGrp="1"/>
+          </p:cNvSpPr>
           <p:nvPr>
-            <p:ph idx="12" type="sldNum"/>
+            <p:ph type="sldNum" idx="12"/>
           </p:nvPr>
         </p:nvSpPr>
         <p:spPr>
@@ -3766,7 +4064,7 @@
           </a:prstGeom>
         </p:spPr>
         <p:txBody>
-          <a:bodyPr anchorCtr="0" anchor="ctr" bIns="91425" lIns="91425" rIns="91425" wrap="square" tIns="91425">
+          <a:bodyPr wrap="square" lIns="91425" tIns="91425" rIns="91425" bIns="91425" anchor="ctr" anchorCtr="0">
             <a:noAutofit/>
           </a:bodyPr>
           <a:lstStyle/>
@@ -3779,8 +4077,9 @@
             </a:pPr>
             <a:fld id="{00000000-1234-1234-1234-123412341234}" type="slidenum">
               <a:rPr lang="en"/>
-              <a:t>‹#›</a:t>
+              <a:t>‹Nr.›</a:t>
             </a:fld>
+            <a:endParaRPr lang="en"/>
           </a:p>
         </p:txBody>
       </p:sp>
@@ -3793,11 +4092,11 @@
 </file>
 
 <file path=ppt/slideLayouts/slideLayout6.xml><?xml version="1.0" encoding="utf-8"?>
-<p:sldLayout xmlns:a="http://schemas.openxmlformats.org/drawingml/2006/main" xmlns:r="http://schemas.openxmlformats.org/officeDocument/2006/relationships" xmlns:mc="http://schemas.openxmlformats.org/markup-compatibility/2006" xmlns:mv="urn:schemas-microsoft-com:mac:vml" xmlns:p="http://schemas.openxmlformats.org/presentationml/2006/main" xmlns:c="http://schemas.openxmlformats.org/drawingml/2006/chart" xmlns:dgm="http://schemas.openxmlformats.org/drawingml/2006/diagram" xmlns:o="urn:schemas-microsoft-com:office:office" xmlns:v="urn:schemas-microsoft-com:vml" xmlns:pvml="urn:schemas-microsoft-com:office:powerpoint" xmlns:com="http://schemas.openxmlformats.org/drawingml/2006/compatibility" xmlns:p14="http://schemas.microsoft.com/office/powerpoint/2010/main" xmlns:p15="http://schemas.microsoft.com/office/powerpoint/2012/main">
+<p:sldLayout xmlns:a="http://schemas.openxmlformats.org/drawingml/2006/main" xmlns:r="http://schemas.openxmlformats.org/officeDocument/2006/relationships" xmlns:p="http://schemas.openxmlformats.org/presentationml/2006/main">
   <p:cSld name="One column text">
     <p:spTree>
       <p:nvGrpSpPr>
-        <p:cNvPr id="28" name="Shape 28"/>
+        <p:cNvPr id="1" name="Shape 28"/>
         <p:cNvGrpSpPr/>
         <p:nvPr/>
       </p:nvGrpSpPr>
@@ -3812,7 +4111,9 @@
       <p:sp>
         <p:nvSpPr>
           <p:cNvPr id="29" name="Shape 29"/>
-          <p:cNvSpPr txBox="1"/>
+          <p:cNvSpPr txBox="1">
+            <a:spLocks noGrp="1"/>
+          </p:cNvSpPr>
           <p:nvPr>
             <p:ph type="title"/>
           </p:nvPr>
@@ -3827,7 +4128,7 @@
           </a:prstGeom>
         </p:spPr>
         <p:txBody>
-          <a:bodyPr anchorCtr="0" anchor="b" bIns="91425" lIns="91425" rIns="91425" wrap="square" tIns="91425"/>
+          <a:bodyPr wrap="square" lIns="91425" tIns="91425" rIns="91425" bIns="91425" anchor="b" anchorCtr="0"/>
           <a:lstStyle>
             <a:lvl1pPr lvl="0">
               <a:spcBef>
@@ -3893,15 +4194,19 @@
               <a:defRPr sz="2400"/>
             </a:lvl9pPr>
           </a:lstStyle>
-          <a:p/>
+          <a:p>
+            <a:endParaRPr/>
+          </a:p>
         </p:txBody>
       </p:sp>
       <p:sp>
         <p:nvSpPr>
           <p:cNvPr id="30" name="Shape 30"/>
-          <p:cNvSpPr txBox="1"/>
+          <p:cNvSpPr txBox="1">
+            <a:spLocks noGrp="1"/>
+          </p:cNvSpPr>
           <p:nvPr>
-            <p:ph idx="1" type="body"/>
+            <p:ph type="body" idx="1"/>
           </p:nvPr>
         </p:nvSpPr>
         <p:spPr>
@@ -3914,7 +4219,7 @@
           </a:prstGeom>
         </p:spPr>
         <p:txBody>
-          <a:bodyPr anchorCtr="0" anchor="t" bIns="91425" lIns="91425" rIns="91425" wrap="square" tIns="91425"/>
+          <a:bodyPr wrap="square" lIns="91425" tIns="91425" rIns="91425" bIns="91425" anchor="t" anchorCtr="0"/>
           <a:lstStyle>
             <a:lvl1pPr lvl="0">
               <a:spcBef>
@@ -3980,15 +4285,19 @@
               <a:defRPr sz="1200"/>
             </a:lvl9pPr>
           </a:lstStyle>
-          <a:p/>
+          <a:p>
+            <a:endParaRPr/>
+          </a:p>
         </p:txBody>
       </p:sp>
       <p:sp>
         <p:nvSpPr>
           <p:cNvPr id="31" name="Shape 31"/>
-          <p:cNvSpPr txBox="1"/>
+          <p:cNvSpPr txBox="1">
+            <a:spLocks noGrp="1"/>
+          </p:cNvSpPr>
           <p:nvPr>
-            <p:ph idx="12" type="sldNum"/>
+            <p:ph type="sldNum" idx="12"/>
           </p:nvPr>
         </p:nvSpPr>
         <p:spPr>
@@ -4001,7 +4310,7 @@
           </a:prstGeom>
         </p:spPr>
         <p:txBody>
-          <a:bodyPr anchorCtr="0" anchor="ctr" bIns="91425" lIns="91425" rIns="91425" wrap="square" tIns="91425">
+          <a:bodyPr wrap="square" lIns="91425" tIns="91425" rIns="91425" bIns="91425" anchor="ctr" anchorCtr="0">
             <a:noAutofit/>
           </a:bodyPr>
           <a:lstStyle/>
@@ -4014,8 +4323,9 @@
             </a:pPr>
             <a:fld id="{00000000-1234-1234-1234-123412341234}" type="slidenum">
               <a:rPr lang="en"/>
-              <a:t>‹#›</a:t>
+              <a:t>‹Nr.›</a:t>
             </a:fld>
+            <a:endParaRPr lang="en"/>
           </a:p>
         </p:txBody>
       </p:sp>
@@ -4028,11 +4338,11 @@
 </file>
 
 <file path=ppt/slideLayouts/slideLayout7.xml><?xml version="1.0" encoding="utf-8"?>
-<p:sldLayout xmlns:a="http://schemas.openxmlformats.org/drawingml/2006/main" xmlns:r="http://schemas.openxmlformats.org/officeDocument/2006/relationships" xmlns:mc="http://schemas.openxmlformats.org/markup-compatibility/2006" xmlns:mv="urn:schemas-microsoft-com:mac:vml" xmlns:p="http://schemas.openxmlformats.org/presentationml/2006/main" xmlns:c="http://schemas.openxmlformats.org/drawingml/2006/chart" xmlns:dgm="http://schemas.openxmlformats.org/drawingml/2006/diagram" xmlns:o="urn:schemas-microsoft-com:office:office" xmlns:v="urn:schemas-microsoft-com:vml" xmlns:pvml="urn:schemas-microsoft-com:office:powerpoint" xmlns:com="http://schemas.openxmlformats.org/drawingml/2006/compatibility" xmlns:p14="http://schemas.microsoft.com/office/powerpoint/2010/main" xmlns:p15="http://schemas.microsoft.com/office/powerpoint/2012/main">
+<p:sldLayout xmlns:a="http://schemas.openxmlformats.org/drawingml/2006/main" xmlns:r="http://schemas.openxmlformats.org/officeDocument/2006/relationships" xmlns:p="http://schemas.openxmlformats.org/presentationml/2006/main">
   <p:cSld name="Main point">
     <p:spTree>
       <p:nvGrpSpPr>
-        <p:cNvPr id="32" name="Shape 32"/>
+        <p:cNvPr id="1" name="Shape 32"/>
         <p:cNvGrpSpPr/>
         <p:nvPr/>
       </p:nvGrpSpPr>
@@ -4047,7 +4357,9 @@
       <p:sp>
         <p:nvSpPr>
           <p:cNvPr id="33" name="Shape 33"/>
-          <p:cNvSpPr txBox="1"/>
+          <p:cNvSpPr txBox="1">
+            <a:spLocks noGrp="1"/>
+          </p:cNvSpPr>
           <p:nvPr>
             <p:ph type="title"/>
           </p:nvPr>
@@ -4062,7 +4374,7 @@
           </a:prstGeom>
         </p:spPr>
         <p:txBody>
-          <a:bodyPr anchorCtr="0" anchor="ctr" bIns="91425" lIns="91425" rIns="91425" wrap="square" tIns="91425"/>
+          <a:bodyPr wrap="square" lIns="91425" tIns="91425" rIns="91425" bIns="91425" anchor="ctr" anchorCtr="0"/>
           <a:lstStyle>
             <a:lvl1pPr lvl="0">
               <a:spcBef>
@@ -4128,15 +4440,19 @@
               <a:defRPr sz="4800"/>
             </a:lvl9pPr>
           </a:lstStyle>
-          <a:p/>
+          <a:p>
+            <a:endParaRPr/>
+          </a:p>
         </p:txBody>
       </p:sp>
       <p:sp>
         <p:nvSpPr>
           <p:cNvPr id="34" name="Shape 34"/>
-          <p:cNvSpPr txBox="1"/>
+          <p:cNvSpPr txBox="1">
+            <a:spLocks noGrp="1"/>
+          </p:cNvSpPr>
           <p:nvPr>
-            <p:ph idx="12" type="sldNum"/>
+            <p:ph type="sldNum" idx="12"/>
           </p:nvPr>
         </p:nvSpPr>
         <p:spPr>
@@ -4149,7 +4465,7 @@
           </a:prstGeom>
         </p:spPr>
         <p:txBody>
-          <a:bodyPr anchorCtr="0" anchor="ctr" bIns="91425" lIns="91425" rIns="91425" wrap="square" tIns="91425">
+          <a:bodyPr wrap="square" lIns="91425" tIns="91425" rIns="91425" bIns="91425" anchor="ctr" anchorCtr="0">
             <a:noAutofit/>
           </a:bodyPr>
           <a:lstStyle/>
@@ -4162,8 +4478,9 @@
             </a:pPr>
             <a:fld id="{00000000-1234-1234-1234-123412341234}" type="slidenum">
               <a:rPr lang="en"/>
-              <a:t>‹#›</a:t>
+              <a:t>‹Nr.›</a:t>
             </a:fld>
+            <a:endParaRPr lang="en"/>
           </a:p>
         </p:txBody>
       </p:sp>
@@ -4176,11 +4493,11 @@
 </file>
 
 <file path=ppt/slideLayouts/slideLayout8.xml><?xml version="1.0" encoding="utf-8"?>
-<p:sldLayout xmlns:a="http://schemas.openxmlformats.org/drawingml/2006/main" xmlns:r="http://schemas.openxmlformats.org/officeDocument/2006/relationships" xmlns:mc="http://schemas.openxmlformats.org/markup-compatibility/2006" xmlns:mv="urn:schemas-microsoft-com:mac:vml" xmlns:p="http://schemas.openxmlformats.org/presentationml/2006/main" xmlns:c="http://schemas.openxmlformats.org/drawingml/2006/chart" xmlns:dgm="http://schemas.openxmlformats.org/drawingml/2006/diagram" xmlns:o="urn:schemas-microsoft-com:office:office" xmlns:v="urn:schemas-microsoft-com:vml" xmlns:pvml="urn:schemas-microsoft-com:office:powerpoint" xmlns:com="http://schemas.openxmlformats.org/drawingml/2006/compatibility" xmlns:p14="http://schemas.microsoft.com/office/powerpoint/2010/main" xmlns:p15="http://schemas.microsoft.com/office/powerpoint/2012/main">
+<p:sldLayout xmlns:a="http://schemas.openxmlformats.org/drawingml/2006/main" xmlns:r="http://schemas.openxmlformats.org/officeDocument/2006/relationships" xmlns:p="http://schemas.openxmlformats.org/presentationml/2006/main">
   <p:cSld name="Section title and description">
     <p:spTree>
       <p:nvGrpSpPr>
-        <p:cNvPr id="35" name="Shape 35"/>
+        <p:cNvPr id="1" name="Shape 35"/>
         <p:cNvGrpSpPr/>
         <p:nvPr/>
       </p:nvGrpSpPr>
@@ -4214,7 +4531,7 @@
           </a:ln>
         </p:spPr>
         <p:txBody>
-          <a:bodyPr anchorCtr="0" anchor="ctr" bIns="91425" lIns="91425" rIns="91425" wrap="square" tIns="91425">
+          <a:bodyPr wrap="square" lIns="91425" tIns="91425" rIns="91425" bIns="91425" anchor="ctr" anchorCtr="0">
             <a:noAutofit/>
           </a:bodyPr>
           <a:lstStyle/>
@@ -4225,9 +4542,6 @@
               </a:spcBef>
               <a:buNone/>
             </a:pPr>
-            <a:r>
-              <a:t/>
-            </a:r>
             <a:endParaRPr/>
           </a:p>
         </p:txBody>
@@ -4235,7 +4549,9 @@
       <p:sp>
         <p:nvSpPr>
           <p:cNvPr id="37" name="Shape 37"/>
-          <p:cNvSpPr txBox="1"/>
+          <p:cNvSpPr txBox="1">
+            <a:spLocks noGrp="1"/>
+          </p:cNvSpPr>
           <p:nvPr>
             <p:ph type="title"/>
           </p:nvPr>
@@ -4250,7 +4566,7 @@
           </a:prstGeom>
         </p:spPr>
         <p:txBody>
-          <a:bodyPr anchorCtr="0" anchor="b" bIns="91425" lIns="91425" rIns="91425" wrap="square" tIns="91425"/>
+          <a:bodyPr wrap="square" lIns="91425" tIns="91425" rIns="91425" bIns="91425" anchor="b" anchorCtr="0"/>
           <a:lstStyle>
             <a:lvl1pPr lvl="0" algn="ctr">
               <a:spcBef>
@@ -4316,15 +4632,19 @@
               <a:defRPr sz="4200"/>
             </a:lvl9pPr>
           </a:lstStyle>
-          <a:p/>
+          <a:p>
+            <a:endParaRPr/>
+          </a:p>
         </p:txBody>
       </p:sp>
       <p:sp>
         <p:nvSpPr>
           <p:cNvPr id="38" name="Shape 38"/>
-          <p:cNvSpPr txBox="1"/>
+          <p:cNvSpPr txBox="1">
+            <a:spLocks noGrp="1"/>
+          </p:cNvSpPr>
           <p:nvPr>
-            <p:ph idx="1" type="subTitle"/>
+            <p:ph type="subTitle" idx="1"/>
           </p:nvPr>
         </p:nvSpPr>
         <p:spPr>
@@ -4337,7 +4657,7 @@
           </a:prstGeom>
         </p:spPr>
         <p:txBody>
-          <a:bodyPr anchorCtr="0" anchor="t" bIns="91425" lIns="91425" rIns="91425" wrap="square" tIns="91425"/>
+          <a:bodyPr wrap="square" lIns="91425" tIns="91425" rIns="91425" bIns="91425" anchor="t" anchorCtr="0"/>
           <a:lstStyle>
             <a:lvl1pPr lvl="0" algn="ctr">
               <a:lnSpc>
@@ -4466,15 +4786,19 @@
               <a:defRPr sz="2100"/>
             </a:lvl9pPr>
           </a:lstStyle>
-          <a:p/>
+          <a:p>
+            <a:endParaRPr/>
+          </a:p>
         </p:txBody>
       </p:sp>
       <p:sp>
         <p:nvSpPr>
           <p:cNvPr id="39" name="Shape 39"/>
-          <p:cNvSpPr txBox="1"/>
+          <p:cNvSpPr txBox="1">
+            <a:spLocks noGrp="1"/>
+          </p:cNvSpPr>
           <p:nvPr>
-            <p:ph idx="2" type="body"/>
+            <p:ph type="body" idx="2"/>
           </p:nvPr>
         </p:nvSpPr>
         <p:spPr>
@@ -4487,7 +4811,7 @@
           </a:prstGeom>
         </p:spPr>
         <p:txBody>
-          <a:bodyPr anchorCtr="0" anchor="ctr" bIns="91425" lIns="91425" rIns="91425" wrap="square" tIns="91425"/>
+          <a:bodyPr wrap="square" lIns="91425" tIns="91425" rIns="91425" bIns="91425" anchor="ctr" anchorCtr="0"/>
           <a:lstStyle>
             <a:lvl1pPr lvl="0">
               <a:spcBef>
@@ -4544,15 +4868,19 @@
               <a:defRPr/>
             </a:lvl9pPr>
           </a:lstStyle>
-          <a:p/>
+          <a:p>
+            <a:endParaRPr/>
+          </a:p>
         </p:txBody>
       </p:sp>
       <p:sp>
         <p:nvSpPr>
           <p:cNvPr id="40" name="Shape 40"/>
-          <p:cNvSpPr txBox="1"/>
+          <p:cNvSpPr txBox="1">
+            <a:spLocks noGrp="1"/>
+          </p:cNvSpPr>
           <p:nvPr>
-            <p:ph idx="12" type="sldNum"/>
+            <p:ph type="sldNum" idx="12"/>
           </p:nvPr>
         </p:nvSpPr>
         <p:spPr>
@@ -4565,7 +4893,7 @@
           </a:prstGeom>
         </p:spPr>
         <p:txBody>
-          <a:bodyPr anchorCtr="0" anchor="ctr" bIns="91425" lIns="91425" rIns="91425" wrap="square" tIns="91425">
+          <a:bodyPr wrap="square" lIns="91425" tIns="91425" rIns="91425" bIns="91425" anchor="ctr" anchorCtr="0">
             <a:noAutofit/>
           </a:bodyPr>
           <a:lstStyle/>
@@ -4578,8 +4906,9 @@
             </a:pPr>
             <a:fld id="{00000000-1234-1234-1234-123412341234}" type="slidenum">
               <a:rPr lang="en"/>
-              <a:t>‹#›</a:t>
+              <a:t>‹Nr.›</a:t>
             </a:fld>
+            <a:endParaRPr lang="en"/>
           </a:p>
         </p:txBody>
       </p:sp>
@@ -4592,11 +4921,11 @@
 </file>
 
 <file path=ppt/slideLayouts/slideLayout9.xml><?xml version="1.0" encoding="utf-8"?>
-<p:sldLayout xmlns:a="http://schemas.openxmlformats.org/drawingml/2006/main" xmlns:r="http://schemas.openxmlformats.org/officeDocument/2006/relationships" xmlns:mc="http://schemas.openxmlformats.org/markup-compatibility/2006" xmlns:mv="urn:schemas-microsoft-com:mac:vml" xmlns:p="http://schemas.openxmlformats.org/presentationml/2006/main" xmlns:c="http://schemas.openxmlformats.org/drawingml/2006/chart" xmlns:dgm="http://schemas.openxmlformats.org/drawingml/2006/diagram" xmlns:o="urn:schemas-microsoft-com:office:office" xmlns:v="urn:schemas-microsoft-com:vml" xmlns:pvml="urn:schemas-microsoft-com:office:powerpoint" xmlns:com="http://schemas.openxmlformats.org/drawingml/2006/compatibility" xmlns:p14="http://schemas.microsoft.com/office/powerpoint/2010/main" xmlns:p15="http://schemas.microsoft.com/office/powerpoint/2012/main">
+<p:sldLayout xmlns:a="http://schemas.openxmlformats.org/drawingml/2006/main" xmlns:r="http://schemas.openxmlformats.org/officeDocument/2006/relationships" xmlns:p="http://schemas.openxmlformats.org/presentationml/2006/main">
   <p:cSld name="Caption">
     <p:spTree>
       <p:nvGrpSpPr>
-        <p:cNvPr id="41" name="Shape 41"/>
+        <p:cNvPr id="1" name="Shape 41"/>
         <p:cNvGrpSpPr/>
         <p:nvPr/>
       </p:nvGrpSpPr>
@@ -4611,9 +4940,11 @@
       <p:sp>
         <p:nvSpPr>
           <p:cNvPr id="42" name="Shape 42"/>
-          <p:cNvSpPr txBox="1"/>
+          <p:cNvSpPr txBox="1">
+            <a:spLocks noGrp="1"/>
+          </p:cNvSpPr>
           <p:nvPr>
-            <p:ph idx="1" type="body"/>
+            <p:ph type="body" idx="1"/>
           </p:nvPr>
         </p:nvSpPr>
         <p:spPr>
@@ -4626,7 +4957,7 @@
           </a:prstGeom>
         </p:spPr>
         <p:txBody>
-          <a:bodyPr anchorCtr="0" anchor="ctr" bIns="91425" lIns="91425" rIns="91425" wrap="square" tIns="91425"/>
+          <a:bodyPr wrap="square" lIns="91425" tIns="91425" rIns="91425" bIns="91425" anchor="ctr" anchorCtr="0"/>
           <a:lstStyle>
             <a:lvl1pPr lvl="0">
               <a:lnSpc>
@@ -4642,15 +4973,19 @@
               <a:defRPr/>
             </a:lvl1pPr>
           </a:lstStyle>
-          <a:p/>
+          <a:p>
+            <a:endParaRPr/>
+          </a:p>
         </p:txBody>
       </p:sp>
       <p:sp>
         <p:nvSpPr>
           <p:cNvPr id="43" name="Shape 43"/>
-          <p:cNvSpPr txBox="1"/>
+          <p:cNvSpPr txBox="1">
+            <a:spLocks noGrp="1"/>
+          </p:cNvSpPr>
           <p:nvPr>
-            <p:ph idx="12" type="sldNum"/>
+            <p:ph type="sldNum" idx="12"/>
           </p:nvPr>
         </p:nvSpPr>
         <p:spPr>
@@ -4663,7 +4998,7 @@
           </a:prstGeom>
         </p:spPr>
         <p:txBody>
-          <a:bodyPr anchorCtr="0" anchor="ctr" bIns="91425" lIns="91425" rIns="91425" wrap="square" tIns="91425">
+          <a:bodyPr wrap="square" lIns="91425" tIns="91425" rIns="91425" bIns="91425" anchor="ctr" anchorCtr="0">
             <a:noAutofit/>
           </a:bodyPr>
           <a:lstStyle/>
@@ -4676,8 +5011,9 @@
             </a:pPr>
             <a:fld id="{00000000-1234-1234-1234-123412341234}" type="slidenum">
               <a:rPr lang="en"/>
-              <a:t>‹#›</a:t>
+              <a:t>‹Nr.›</a:t>
             </a:fld>
+            <a:endParaRPr lang="en"/>
           </a:p>
         </p:txBody>
       </p:sp>
@@ -4690,18 +5026,19 @@
 </file>
 
 <file path=ppt/slideMasters/slideMaster1.xml><?xml version="1.0" encoding="utf-8"?>
-<p:sldMaster xmlns:a="http://schemas.openxmlformats.org/drawingml/2006/main" xmlns:r="http://schemas.openxmlformats.org/officeDocument/2006/relationships" xmlns:mc="http://schemas.openxmlformats.org/markup-compatibility/2006" xmlns:mv="urn:schemas-microsoft-com:mac:vml" xmlns:p="http://schemas.openxmlformats.org/presentationml/2006/main" xmlns:c="http://schemas.openxmlformats.org/drawingml/2006/chart" xmlns:dgm="http://schemas.openxmlformats.org/drawingml/2006/diagram" xmlns:o="urn:schemas-microsoft-com:office:office" xmlns:v="urn:schemas-microsoft-com:vml" xmlns:pvml="urn:schemas-microsoft-com:office:powerpoint" xmlns:com="http://schemas.openxmlformats.org/drawingml/2006/compatibility" xmlns:p14="http://schemas.microsoft.com/office/powerpoint/2010/main" xmlns:p15="http://schemas.microsoft.com/office/powerpoint/2012/main">
+<p:sldMaster xmlns:a="http://schemas.openxmlformats.org/drawingml/2006/main" xmlns:r="http://schemas.openxmlformats.org/officeDocument/2006/relationships" xmlns:p="http://schemas.openxmlformats.org/presentationml/2006/main">
   <p:cSld name="simple-light-2">
     <p:bg>
       <p:bgPr>
         <a:solidFill>
           <a:schemeClr val="lt1"/>
         </a:solidFill>
+        <a:effectLst/>
       </p:bgPr>
     </p:bg>
     <p:spTree>
       <p:nvGrpSpPr>
-        <p:cNvPr id="5" name="Shape 5"/>
+        <p:cNvPr id="1" name="Shape 5"/>
         <p:cNvGrpSpPr/>
         <p:nvPr/>
       </p:nvGrpSpPr>
@@ -4716,7 +5053,9 @@
       <p:sp>
         <p:nvSpPr>
           <p:cNvPr id="6" name="Shape 6"/>
-          <p:cNvSpPr txBox="1"/>
+          <p:cNvSpPr txBox="1">
+            <a:spLocks noGrp="1"/>
+          </p:cNvSpPr>
           <p:nvPr>
             <p:ph type="title"/>
           </p:nvPr>
@@ -4735,7 +5074,7 @@
           </a:ln>
         </p:spPr>
         <p:txBody>
-          <a:bodyPr anchorCtr="0" anchor="t" bIns="91425" lIns="91425" rIns="91425" wrap="square" tIns="91425"/>
+          <a:bodyPr wrap="square" lIns="91425" tIns="91425" rIns="91425" bIns="91425" anchor="t" anchorCtr="0"/>
           <a:lstStyle>
             <a:lvl1pPr lvl="0">
               <a:spcBef>
@@ -4873,15 +5212,19 @@
               </a:defRPr>
             </a:lvl9pPr>
           </a:lstStyle>
-          <a:p/>
+          <a:p>
+            <a:endParaRPr/>
+          </a:p>
         </p:txBody>
       </p:sp>
       <p:sp>
         <p:nvSpPr>
           <p:cNvPr id="7" name="Shape 7"/>
-          <p:cNvSpPr txBox="1"/>
+          <p:cNvSpPr txBox="1">
+            <a:spLocks noGrp="1"/>
+          </p:cNvSpPr>
           <p:nvPr>
-            <p:ph idx="1" type="body"/>
+            <p:ph type="body" idx="1"/>
           </p:nvPr>
         </p:nvSpPr>
         <p:spPr>
@@ -4898,7 +5241,7 @@
           </a:ln>
         </p:spPr>
         <p:txBody>
-          <a:bodyPr anchorCtr="0" anchor="t" bIns="91425" lIns="91425" rIns="91425" wrap="square" tIns="91425"/>
+          <a:bodyPr wrap="square" lIns="91425" tIns="91425" rIns="91425" bIns="91425" anchor="t" anchorCtr="0"/>
           <a:lstStyle>
             <a:lvl1pPr lvl="0">
               <a:lnSpc>
@@ -5082,15 +5425,19 @@
               </a:defRPr>
             </a:lvl9pPr>
           </a:lstStyle>
-          <a:p/>
+          <a:p>
+            <a:endParaRPr/>
+          </a:p>
         </p:txBody>
       </p:sp>
       <p:sp>
         <p:nvSpPr>
           <p:cNvPr id="8" name="Shape 8"/>
-          <p:cNvSpPr txBox="1"/>
+          <p:cNvSpPr txBox="1">
+            <a:spLocks noGrp="1"/>
+          </p:cNvSpPr>
           <p:nvPr>
-            <p:ph idx="12" type="sldNum"/>
+            <p:ph type="sldNum" idx="12"/>
           </p:nvPr>
         </p:nvSpPr>
         <p:spPr>
@@ -5107,7 +5454,7 @@
           </a:ln>
         </p:spPr>
         <p:txBody>
-          <a:bodyPr anchorCtr="0" anchor="ctr" bIns="91425" lIns="91425" rIns="91425" wrap="square" tIns="91425">
+          <a:bodyPr wrap="square" lIns="91425" tIns="91425" rIns="91425" bIns="91425" anchor="ctr" anchorCtr="0">
             <a:noAutofit/>
           </a:bodyPr>
           <a:lstStyle/>
@@ -5124,14 +5471,19 @@
                   <a:schemeClr val="dk2"/>
                 </a:solidFill>
               </a:rPr>
-              <a:t>‹#›</a:t>
+              <a:t>‹Nr.›</a:t>
             </a:fld>
+            <a:endParaRPr lang="en" sz="1000">
+              <a:solidFill>
+                <a:schemeClr val="dk2"/>
+              </a:solidFill>
+            </a:endParaRPr>
           </a:p>
         </p:txBody>
       </p:sp>
     </p:spTree>
   </p:cSld>
-  <p:clrMap accent1="accent1" accent2="accent2" accent3="accent3" accent4="accent4" accent5="accent5" accent6="accent6" bg1="lt1" bg2="dk2" tx1="dk1" tx2="lt2" folHlink="folHlink" hlink="hlink"/>
+  <p:clrMap bg1="lt1" tx1="dk1" bg2="dk2" tx2="lt2" accent1="accent1" accent2="accent2" accent3="accent3" accent4="accent4" accent5="accent5" accent6="accent6" hlink="hlink" folHlink="folHlink"/>
   <p:sldLayoutIdLst>
     <p:sldLayoutId id="2147483648" r:id="rId1"/>
     <p:sldLayoutId id="2147483649" r:id="rId2"/>
@@ -5145,10 +5497,10 @@
     <p:sldLayoutId id="2147483657" r:id="rId10"/>
     <p:sldLayoutId id="2147483658" r:id="rId11"/>
   </p:sldLayoutIdLst>
-  <p:hf dt="0" ftr="0" hdr="0" sldNum="0"/>
+  <p:hf sldNum="0" hdr="0" ftr="0" dt="0"/>
   <p:txStyles>
     <p:titleStyle>
-      <a:defPPr lvl="0" marR="0" rtl="0" algn="l">
+      <a:defPPr marR="0" lvl="0" algn="l" rtl="0">
         <a:lnSpc>
           <a:spcPct val="100000"/>
         </a:lnSpc>
@@ -5159,7 +5511,7 @@
           <a:spcPts val="0"/>
         </a:spcAft>
       </a:defPPr>
-      <a:lvl1pPr lvl="0" marR="0" rtl="0" algn="l">
+      <a:lvl1pPr marR="0" lvl="0" algn="l" rtl="0">
         <a:lnSpc>
           <a:spcPct val="100000"/>
         </a:lnSpc>
@@ -5170,7 +5522,7 @@
           <a:spcPts val="0"/>
         </a:spcAft>
         <a:buNone/>
-        <a:defRPr b="0" i="0" sz="1400" u="none" cap="none" strike="noStrike">
+        <a:defRPr sz="1400" b="0" i="0" u="none" strike="noStrike" cap="none">
           <a:solidFill>
             <a:srgbClr val="000000"/>
           </a:solidFill>
@@ -5182,7 +5534,7 @@
       </a:lvl1pPr>
     </p:titleStyle>
     <p:bodyStyle>
-      <a:defPPr lvl="0" marR="0" rtl="0" algn="l">
+      <a:defPPr marR="0" lvl="0" algn="l" rtl="0">
         <a:lnSpc>
           <a:spcPct val="100000"/>
         </a:lnSpc>
@@ -5193,7 +5545,7 @@
           <a:spcPts val="0"/>
         </a:spcAft>
       </a:defPPr>
-      <a:lvl1pPr lvl="0" marR="0" rtl="0" algn="l">
+      <a:lvl1pPr marR="0" lvl="0" algn="l" rtl="0">
         <a:lnSpc>
           <a:spcPct val="100000"/>
         </a:lnSpc>
@@ -5204,7 +5556,7 @@
           <a:spcPts val="0"/>
         </a:spcAft>
         <a:buNone/>
-        <a:defRPr b="0" i="0" sz="1400" u="none" cap="none" strike="noStrike">
+        <a:defRPr sz="1400" b="0" i="0" u="none" strike="noStrike" cap="none">
           <a:solidFill>
             <a:srgbClr val="000000"/>
           </a:solidFill>
@@ -5214,7 +5566,7 @@
           <a:sym typeface="Arial"/>
         </a:defRPr>
       </a:lvl1pPr>
-      <a:lvl2pPr lvl="1" marR="0" rtl="0" algn="l">
+      <a:lvl2pPr marR="0" lvl="1" algn="l" rtl="0">
         <a:lnSpc>
           <a:spcPct val="100000"/>
         </a:lnSpc>
@@ -5225,7 +5577,7 @@
           <a:spcPts val="0"/>
         </a:spcAft>
         <a:buNone/>
-        <a:defRPr b="0" i="0" sz="1400" u="none" cap="none" strike="noStrike">
+        <a:defRPr sz="1400" b="0" i="0" u="none" strike="noStrike" cap="none">
           <a:solidFill>
             <a:srgbClr val="000000"/>
           </a:solidFill>
@@ -5235,7 +5587,7 @@
           <a:sym typeface="Arial"/>
         </a:defRPr>
       </a:lvl2pPr>
-      <a:lvl3pPr lvl="2" marR="0" rtl="0" algn="l">
+      <a:lvl3pPr marR="0" lvl="2" algn="l" rtl="0">
         <a:lnSpc>
           <a:spcPct val="100000"/>
         </a:lnSpc>
@@ -5246,7 +5598,7 @@
           <a:spcPts val="0"/>
         </a:spcAft>
         <a:buNone/>
-        <a:defRPr b="0" i="0" sz="1400" u="none" cap="none" strike="noStrike">
+        <a:defRPr sz="1400" b="0" i="0" u="none" strike="noStrike" cap="none">
           <a:solidFill>
             <a:srgbClr val="000000"/>
           </a:solidFill>
@@ -5256,7 +5608,7 @@
           <a:sym typeface="Arial"/>
         </a:defRPr>
       </a:lvl3pPr>
-      <a:lvl4pPr lvl="3" marR="0" rtl="0" algn="l">
+      <a:lvl4pPr marR="0" lvl="3" algn="l" rtl="0">
         <a:lnSpc>
           <a:spcPct val="100000"/>
         </a:lnSpc>
@@ -5267,7 +5619,7 @@
           <a:spcPts val="0"/>
         </a:spcAft>
         <a:buNone/>
-        <a:defRPr b="0" i="0" sz="1400" u="none" cap="none" strike="noStrike">
+        <a:defRPr sz="1400" b="0" i="0" u="none" strike="noStrike" cap="none">
           <a:solidFill>
             <a:srgbClr val="000000"/>
           </a:solidFill>
@@ -5277,7 +5629,7 @@
           <a:sym typeface="Arial"/>
         </a:defRPr>
       </a:lvl4pPr>
-      <a:lvl5pPr lvl="4" marR="0" rtl="0" algn="l">
+      <a:lvl5pPr marR="0" lvl="4" algn="l" rtl="0">
         <a:lnSpc>
           <a:spcPct val="100000"/>
         </a:lnSpc>
@@ -5288,7 +5640,7 @@
           <a:spcPts val="0"/>
         </a:spcAft>
         <a:buNone/>
-        <a:defRPr b="0" i="0" sz="1400" u="none" cap="none" strike="noStrike">
+        <a:defRPr sz="1400" b="0" i="0" u="none" strike="noStrike" cap="none">
           <a:solidFill>
             <a:srgbClr val="000000"/>
           </a:solidFill>
@@ -5298,7 +5650,7 @@
           <a:sym typeface="Arial"/>
         </a:defRPr>
       </a:lvl5pPr>
-      <a:lvl6pPr lvl="5" marR="0" rtl="0" algn="l">
+      <a:lvl6pPr marR="0" lvl="5" algn="l" rtl="0">
         <a:lnSpc>
           <a:spcPct val="100000"/>
         </a:lnSpc>
@@ -5309,7 +5661,7 @@
           <a:spcPts val="0"/>
         </a:spcAft>
         <a:buNone/>
-        <a:defRPr b="0" i="0" sz="1400" u="none" cap="none" strike="noStrike">
+        <a:defRPr sz="1400" b="0" i="0" u="none" strike="noStrike" cap="none">
           <a:solidFill>
             <a:srgbClr val="000000"/>
           </a:solidFill>
@@ -5319,7 +5671,7 @@
           <a:sym typeface="Arial"/>
         </a:defRPr>
       </a:lvl6pPr>
-      <a:lvl7pPr lvl="6" marR="0" rtl="0" algn="l">
+      <a:lvl7pPr marR="0" lvl="6" algn="l" rtl="0">
         <a:lnSpc>
           <a:spcPct val="100000"/>
         </a:lnSpc>
@@ -5330,7 +5682,7 @@
           <a:spcPts val="0"/>
         </a:spcAft>
         <a:buNone/>
-        <a:defRPr b="0" i="0" sz="1400" u="none" cap="none" strike="noStrike">
+        <a:defRPr sz="1400" b="0" i="0" u="none" strike="noStrike" cap="none">
           <a:solidFill>
             <a:srgbClr val="000000"/>
           </a:solidFill>
@@ -5340,7 +5692,7 @@
           <a:sym typeface="Arial"/>
         </a:defRPr>
       </a:lvl7pPr>
-      <a:lvl8pPr lvl="7" marR="0" rtl="0" algn="l">
+      <a:lvl8pPr marR="0" lvl="7" algn="l" rtl="0">
         <a:lnSpc>
           <a:spcPct val="100000"/>
         </a:lnSpc>
@@ -5351,7 +5703,7 @@
           <a:spcPts val="0"/>
         </a:spcAft>
         <a:buNone/>
-        <a:defRPr b="0" i="0" sz="1400" u="none" cap="none" strike="noStrike">
+        <a:defRPr sz="1400" b="0" i="0" u="none" strike="noStrike" cap="none">
           <a:solidFill>
             <a:srgbClr val="000000"/>
           </a:solidFill>
@@ -5361,7 +5713,7 @@
           <a:sym typeface="Arial"/>
         </a:defRPr>
       </a:lvl8pPr>
-      <a:lvl9pPr lvl="8" marR="0" rtl="0" algn="l">
+      <a:lvl9pPr marR="0" lvl="8" algn="l" rtl="0">
         <a:lnSpc>
           <a:spcPct val="100000"/>
         </a:lnSpc>
@@ -5372,7 +5724,7 @@
           <a:spcPts val="0"/>
         </a:spcAft>
         <a:buNone/>
-        <a:defRPr b="0" i="0" sz="1400" u="none" cap="none" strike="noStrike">
+        <a:defRPr sz="1400" b="0" i="0" u="none" strike="noStrike" cap="none">
           <a:solidFill>
             <a:srgbClr val="000000"/>
           </a:solidFill>
@@ -5384,7 +5736,7 @@
       </a:lvl9pPr>
     </p:bodyStyle>
     <p:otherStyle>
-      <a:defPPr lvl="0" marR="0" rtl="0" algn="l">
+      <a:defPPr marR="0" lvl="0" algn="l" rtl="0">
         <a:lnSpc>
           <a:spcPct val="100000"/>
         </a:lnSpc>
@@ -5395,7 +5747,7 @@
           <a:spcPts val="0"/>
         </a:spcAft>
       </a:defPPr>
-      <a:lvl1pPr lvl="0" marR="0" rtl="0" algn="l">
+      <a:lvl1pPr marR="0" lvl="0" algn="l" rtl="0">
         <a:lnSpc>
           <a:spcPct val="100000"/>
         </a:lnSpc>
@@ -5406,7 +5758,7 @@
           <a:spcPts val="0"/>
         </a:spcAft>
         <a:buNone/>
-        <a:defRPr b="0" i="0" sz="1400" u="none" cap="none" strike="noStrike">
+        <a:defRPr sz="1400" b="0" i="0" u="none" strike="noStrike" cap="none">
           <a:solidFill>
             <a:srgbClr val="000000"/>
           </a:solidFill>
@@ -5416,7 +5768,7 @@
           <a:sym typeface="Arial"/>
         </a:defRPr>
       </a:lvl1pPr>
-      <a:lvl2pPr lvl="1" marR="0" rtl="0" algn="l">
+      <a:lvl2pPr marR="0" lvl="1" algn="l" rtl="0">
         <a:lnSpc>
           <a:spcPct val="100000"/>
         </a:lnSpc>
@@ -5427,7 +5779,7 @@
           <a:spcPts val="0"/>
         </a:spcAft>
         <a:buNone/>
-        <a:defRPr b="0" i="0" sz="1400" u="none" cap="none" strike="noStrike">
+        <a:defRPr sz="1400" b="0" i="0" u="none" strike="noStrike" cap="none">
           <a:solidFill>
             <a:srgbClr val="000000"/>
           </a:solidFill>
@@ -5437,7 +5789,7 @@
           <a:sym typeface="Arial"/>
         </a:defRPr>
       </a:lvl2pPr>
-      <a:lvl3pPr lvl="2" marR="0" rtl="0" algn="l">
+      <a:lvl3pPr marR="0" lvl="2" algn="l" rtl="0">
         <a:lnSpc>
           <a:spcPct val="100000"/>
         </a:lnSpc>
@@ -5448,7 +5800,7 @@
           <a:spcPts val="0"/>
         </a:spcAft>
         <a:buNone/>
-        <a:defRPr b="0" i="0" sz="1400" u="none" cap="none" strike="noStrike">
+        <a:defRPr sz="1400" b="0" i="0" u="none" strike="noStrike" cap="none">
           <a:solidFill>
             <a:srgbClr val="000000"/>
           </a:solidFill>
@@ -5458,7 +5810,7 @@
           <a:sym typeface="Arial"/>
         </a:defRPr>
       </a:lvl3pPr>
-      <a:lvl4pPr lvl="3" marR="0" rtl="0" algn="l">
+      <a:lvl4pPr marR="0" lvl="3" algn="l" rtl="0">
         <a:lnSpc>
           <a:spcPct val="100000"/>
         </a:lnSpc>
@@ -5469,7 +5821,7 @@
           <a:spcPts val="0"/>
         </a:spcAft>
         <a:buNone/>
-        <a:defRPr b="0" i="0" sz="1400" u="none" cap="none" strike="noStrike">
+        <a:defRPr sz="1400" b="0" i="0" u="none" strike="noStrike" cap="none">
           <a:solidFill>
             <a:srgbClr val="000000"/>
           </a:solidFill>
@@ -5479,7 +5831,7 @@
           <a:sym typeface="Arial"/>
         </a:defRPr>
       </a:lvl4pPr>
-      <a:lvl5pPr lvl="4" marR="0" rtl="0" algn="l">
+      <a:lvl5pPr marR="0" lvl="4" algn="l" rtl="0">
         <a:lnSpc>
           <a:spcPct val="100000"/>
         </a:lnSpc>
@@ -5490,7 +5842,7 @@
           <a:spcPts val="0"/>
         </a:spcAft>
         <a:buNone/>
-        <a:defRPr b="0" i="0" sz="1400" u="none" cap="none" strike="noStrike">
+        <a:defRPr sz="1400" b="0" i="0" u="none" strike="noStrike" cap="none">
           <a:solidFill>
             <a:srgbClr val="000000"/>
           </a:solidFill>
@@ -5500,7 +5852,7 @@
           <a:sym typeface="Arial"/>
         </a:defRPr>
       </a:lvl5pPr>
-      <a:lvl6pPr lvl="5" marR="0" rtl="0" algn="l">
+      <a:lvl6pPr marR="0" lvl="5" algn="l" rtl="0">
         <a:lnSpc>
           <a:spcPct val="100000"/>
         </a:lnSpc>
@@ -5511,7 +5863,7 @@
           <a:spcPts val="0"/>
         </a:spcAft>
         <a:buNone/>
-        <a:defRPr b="0" i="0" sz="1400" u="none" cap="none" strike="noStrike">
+        <a:defRPr sz="1400" b="0" i="0" u="none" strike="noStrike" cap="none">
           <a:solidFill>
             <a:srgbClr val="000000"/>
           </a:solidFill>
@@ -5521,7 +5873,7 @@
           <a:sym typeface="Arial"/>
         </a:defRPr>
       </a:lvl6pPr>
-      <a:lvl7pPr lvl="6" marR="0" rtl="0" algn="l">
+      <a:lvl7pPr marR="0" lvl="6" algn="l" rtl="0">
         <a:lnSpc>
           <a:spcPct val="100000"/>
         </a:lnSpc>
@@ -5532,7 +5884,7 @@
           <a:spcPts val="0"/>
         </a:spcAft>
         <a:buNone/>
-        <a:defRPr b="0" i="0" sz="1400" u="none" cap="none" strike="noStrike">
+        <a:defRPr sz="1400" b="0" i="0" u="none" strike="noStrike" cap="none">
           <a:solidFill>
             <a:srgbClr val="000000"/>
           </a:solidFill>
@@ -5542,7 +5894,7 @@
           <a:sym typeface="Arial"/>
         </a:defRPr>
       </a:lvl7pPr>
-      <a:lvl8pPr lvl="7" marR="0" rtl="0" algn="l">
+      <a:lvl8pPr marR="0" lvl="7" algn="l" rtl="0">
         <a:lnSpc>
           <a:spcPct val="100000"/>
         </a:lnSpc>
@@ -5553,7 +5905,7 @@
           <a:spcPts val="0"/>
         </a:spcAft>
         <a:buNone/>
-        <a:defRPr b="0" i="0" sz="1400" u="none" cap="none" strike="noStrike">
+        <a:defRPr sz="1400" b="0" i="0" u="none" strike="noStrike" cap="none">
           <a:solidFill>
             <a:srgbClr val="000000"/>
           </a:solidFill>
@@ -5563,7 +5915,7 @@
           <a:sym typeface="Arial"/>
         </a:defRPr>
       </a:lvl8pPr>
-      <a:lvl9pPr lvl="8" marR="0" rtl="0" algn="l">
+      <a:lvl9pPr marR="0" lvl="8" algn="l" rtl="0">
         <a:lnSpc>
           <a:spcPct val="100000"/>
         </a:lnSpc>
@@ -5574,7 +5926,7 @@
           <a:spcPts val="0"/>
         </a:spcAft>
         <a:buNone/>
-        <a:defRPr b="0" i="0" sz="1400" u="none" cap="none" strike="noStrike">
+        <a:defRPr sz="1400" b="0" i="0" u="none" strike="noStrike" cap="none">
           <a:solidFill>
             <a:srgbClr val="000000"/>
           </a:solidFill>
@@ -5590,11 +5942,11 @@
 </file>
 
 <file path=ppt/slides/slide1.xml><?xml version="1.0" encoding="utf-8"?>
-<p:sld xmlns:a="http://schemas.openxmlformats.org/drawingml/2006/main" xmlns:r="http://schemas.openxmlformats.org/officeDocument/2006/relationships" xmlns:mc="http://schemas.openxmlformats.org/markup-compatibility/2006" xmlns:mv="urn:schemas-microsoft-com:mac:vml" xmlns:p="http://schemas.openxmlformats.org/presentationml/2006/main" xmlns:c="http://schemas.openxmlformats.org/drawingml/2006/chart" xmlns:dgm="http://schemas.openxmlformats.org/drawingml/2006/diagram" xmlns:o="urn:schemas-microsoft-com:office:office" xmlns:v="urn:schemas-microsoft-com:vml" xmlns:pvml="urn:schemas-microsoft-com:office:powerpoint" xmlns:com="http://schemas.openxmlformats.org/drawingml/2006/compatibility" xmlns:p14="http://schemas.microsoft.com/office/powerpoint/2010/main" xmlns:p15="http://schemas.microsoft.com/office/powerpoint/2012/main">
+<p:sld xmlns:a="http://schemas.openxmlformats.org/drawingml/2006/main" xmlns:r="http://schemas.openxmlformats.org/officeDocument/2006/relationships" xmlns:p="http://schemas.openxmlformats.org/presentationml/2006/main">
   <p:cSld>
     <p:spTree>
       <p:nvGrpSpPr>
-        <p:cNvPr id="53" name="Shape 53"/>
+        <p:cNvPr id="1" name="Shape 53"/>
         <p:cNvGrpSpPr/>
         <p:nvPr/>
       </p:nvGrpSpPr>
@@ -5609,7 +5961,9 @@
       <p:sp>
         <p:nvSpPr>
           <p:cNvPr id="54" name="Shape 54"/>
-          <p:cNvSpPr txBox="1"/>
+          <p:cNvSpPr txBox="1">
+            <a:spLocks noGrp="1"/>
+          </p:cNvSpPr>
           <p:nvPr>
             <p:ph type="ctrTitle"/>
           </p:nvPr>
@@ -5624,7 +5978,7 @@
           </a:prstGeom>
         </p:spPr>
         <p:txBody>
-          <a:bodyPr anchorCtr="0" anchor="b" bIns="91425" lIns="91425" rIns="91425" wrap="square" tIns="91425">
+          <a:bodyPr wrap="square" lIns="91425" tIns="91425" rIns="91425" bIns="91425" anchor="b" anchorCtr="0">
             <a:noAutofit/>
           </a:bodyPr>
           <a:lstStyle/>
@@ -5645,9 +5999,11 @@
       <p:sp>
         <p:nvSpPr>
           <p:cNvPr id="55" name="Shape 55"/>
-          <p:cNvSpPr txBox="1"/>
+          <p:cNvSpPr txBox="1">
+            <a:spLocks noGrp="1"/>
+          </p:cNvSpPr>
           <p:nvPr>
-            <p:ph idx="1" type="subTitle"/>
+            <p:ph type="subTitle" idx="1"/>
           </p:nvPr>
         </p:nvSpPr>
         <p:spPr>
@@ -5660,7 +6016,7 @@
           </a:prstGeom>
         </p:spPr>
         <p:txBody>
-          <a:bodyPr anchorCtr="0" anchor="t" bIns="91425" lIns="91425" rIns="91425" wrap="square" tIns="91425">
+          <a:bodyPr wrap="square" lIns="91425" tIns="91425" rIns="91425" bIns="91425" anchor="t" anchorCtr="0">
             <a:noAutofit/>
           </a:bodyPr>
           <a:lstStyle/>
@@ -5683,15 +6039,22 @@
   <p:clrMapOvr>
     <a:masterClrMapping/>
   </p:clrMapOvr>
+  <p:timing>
+    <p:tnLst>
+      <p:par>
+        <p:cTn id="1" dur="indefinite" restart="never" nodeType="tmRoot"/>
+      </p:par>
+    </p:tnLst>
+  </p:timing>
 </p:sld>
 </file>
 
 <file path=ppt/slides/slide10.xml><?xml version="1.0" encoding="utf-8"?>
-<p:sld xmlns:a="http://schemas.openxmlformats.org/drawingml/2006/main" xmlns:r="http://schemas.openxmlformats.org/officeDocument/2006/relationships" xmlns:mc="http://schemas.openxmlformats.org/markup-compatibility/2006" xmlns:mv="urn:schemas-microsoft-com:mac:vml" xmlns:p="http://schemas.openxmlformats.org/presentationml/2006/main" xmlns:c="http://schemas.openxmlformats.org/drawingml/2006/chart" xmlns:dgm="http://schemas.openxmlformats.org/drawingml/2006/diagram" xmlns:o="urn:schemas-microsoft-com:office:office" xmlns:v="urn:schemas-microsoft-com:vml" xmlns:pvml="urn:schemas-microsoft-com:office:powerpoint" xmlns:com="http://schemas.openxmlformats.org/drawingml/2006/compatibility" xmlns:p14="http://schemas.microsoft.com/office/powerpoint/2010/main" xmlns:p15="http://schemas.microsoft.com/office/powerpoint/2012/main">
+<p:sld xmlns:a="http://schemas.openxmlformats.org/drawingml/2006/main" xmlns:r="http://schemas.openxmlformats.org/officeDocument/2006/relationships" xmlns:p="http://schemas.openxmlformats.org/presentationml/2006/main">
   <p:cSld>
     <p:spTree>
       <p:nvGrpSpPr>
-        <p:cNvPr id="107" name="Shape 107"/>
+        <p:cNvPr id="1" name="Shape 107"/>
         <p:cNvGrpSpPr/>
         <p:nvPr/>
       </p:nvGrpSpPr>
@@ -5706,7 +6069,9 @@
       <p:sp>
         <p:nvSpPr>
           <p:cNvPr id="108" name="Shape 108"/>
-          <p:cNvSpPr txBox="1"/>
+          <p:cNvSpPr txBox="1">
+            <a:spLocks noGrp="1"/>
+          </p:cNvSpPr>
           <p:nvPr>
             <p:ph type="title"/>
           </p:nvPr>
@@ -5721,7 +6086,7 @@
           </a:prstGeom>
         </p:spPr>
         <p:txBody>
-          <a:bodyPr anchorCtr="0" anchor="t" bIns="91425" lIns="91425" rIns="91425" wrap="square" tIns="91425">
+          <a:bodyPr wrap="square" lIns="91425" tIns="91425" rIns="91425" bIns="91425" anchor="t" anchorCtr="0">
             <a:noAutofit/>
           </a:bodyPr>
           <a:lstStyle/>
@@ -5732,9 +6097,6 @@
               </a:spcBef>
               <a:buNone/>
             </a:pPr>
-            <a:r>
-              <a:t/>
-            </a:r>
             <a:endParaRPr/>
           </a:p>
         </p:txBody>
@@ -5742,9 +6104,11 @@
       <p:sp>
         <p:nvSpPr>
           <p:cNvPr id="109" name="Shape 109"/>
-          <p:cNvSpPr txBox="1"/>
+          <p:cNvSpPr txBox="1">
+            <a:spLocks noGrp="1"/>
+          </p:cNvSpPr>
           <p:nvPr>
-            <p:ph idx="1" type="body"/>
+            <p:ph type="body" idx="1"/>
           </p:nvPr>
         </p:nvSpPr>
         <p:spPr>
@@ -5757,7 +6121,7 @@
           </a:prstGeom>
         </p:spPr>
         <p:txBody>
-          <a:bodyPr anchorCtr="0" anchor="t" bIns="91425" lIns="91425" rIns="91425" wrap="square" tIns="91425">
+          <a:bodyPr wrap="square" lIns="91425" tIns="91425" rIns="91425" bIns="91425" anchor="t" anchorCtr="0">
             <a:noAutofit/>
           </a:bodyPr>
           <a:lstStyle/>
@@ -5796,11 +6160,11 @@
 </file>
 
 <file path=ppt/slides/slide11.xml><?xml version="1.0" encoding="utf-8"?>
-<p:sld xmlns:a="http://schemas.openxmlformats.org/drawingml/2006/main" xmlns:r="http://schemas.openxmlformats.org/officeDocument/2006/relationships" xmlns:mc="http://schemas.openxmlformats.org/markup-compatibility/2006" xmlns:mv="urn:schemas-microsoft-com:mac:vml" xmlns:p="http://schemas.openxmlformats.org/presentationml/2006/main" xmlns:c="http://schemas.openxmlformats.org/drawingml/2006/chart" xmlns:dgm="http://schemas.openxmlformats.org/drawingml/2006/diagram" xmlns:o="urn:schemas-microsoft-com:office:office" xmlns:v="urn:schemas-microsoft-com:vml" xmlns:pvml="urn:schemas-microsoft-com:office:powerpoint" xmlns:com="http://schemas.openxmlformats.org/drawingml/2006/compatibility" xmlns:p14="http://schemas.microsoft.com/office/powerpoint/2010/main" xmlns:p15="http://schemas.microsoft.com/office/powerpoint/2012/main">
+<p:sld xmlns:a="http://schemas.openxmlformats.org/drawingml/2006/main" xmlns:r="http://schemas.openxmlformats.org/officeDocument/2006/relationships" xmlns:p="http://schemas.openxmlformats.org/presentationml/2006/main">
   <p:cSld>
     <p:spTree>
       <p:nvGrpSpPr>
-        <p:cNvPr id="113" name="Shape 113"/>
+        <p:cNvPr id="1" name="Shape 113"/>
         <p:cNvGrpSpPr/>
         <p:nvPr/>
       </p:nvGrpSpPr>
@@ -5815,7 +6179,9 @@
       <p:sp>
         <p:nvSpPr>
           <p:cNvPr id="114" name="Shape 114"/>
-          <p:cNvSpPr txBox="1"/>
+          <p:cNvSpPr txBox="1">
+            <a:spLocks noGrp="1"/>
+          </p:cNvSpPr>
           <p:nvPr>
             <p:ph type="title"/>
           </p:nvPr>
@@ -5830,7 +6196,7 @@
           </a:prstGeom>
         </p:spPr>
         <p:txBody>
-          <a:bodyPr anchorCtr="0" anchor="t" bIns="91425" lIns="91425" rIns="91425" wrap="square" tIns="91425">
+          <a:bodyPr wrap="square" lIns="91425" tIns="91425" rIns="91425" bIns="91425" anchor="t" anchorCtr="0">
             <a:noAutofit/>
           </a:bodyPr>
           <a:lstStyle/>
@@ -5841,9 +6207,6 @@
               </a:spcBef>
               <a:buNone/>
             </a:pPr>
-            <a:r>
-              <a:t/>
-            </a:r>
             <a:endParaRPr/>
           </a:p>
         </p:txBody>
@@ -5851,9 +6214,11 @@
       <p:sp>
         <p:nvSpPr>
           <p:cNvPr id="115" name="Shape 115"/>
-          <p:cNvSpPr txBox="1"/>
+          <p:cNvSpPr txBox="1">
+            <a:spLocks noGrp="1"/>
+          </p:cNvSpPr>
           <p:nvPr>
-            <p:ph idx="1" type="body"/>
+            <p:ph type="body" idx="1"/>
           </p:nvPr>
         </p:nvSpPr>
         <p:spPr>
@@ -5866,7 +6231,7 @@
           </a:prstGeom>
         </p:spPr>
         <p:txBody>
-          <a:bodyPr anchorCtr="0" anchor="t" bIns="91425" lIns="91425" rIns="91425" wrap="square" tIns="91425">
+          <a:bodyPr wrap="square" lIns="91425" tIns="91425" rIns="91425" bIns="91425" anchor="t" anchorCtr="0">
             <a:noAutofit/>
           </a:bodyPr>
           <a:lstStyle/>
@@ -5929,11 +6294,11 @@
 </file>
 
 <file path=ppt/slides/slide12.xml><?xml version="1.0" encoding="utf-8"?>
-<p:sld xmlns:a="http://schemas.openxmlformats.org/drawingml/2006/main" xmlns:r="http://schemas.openxmlformats.org/officeDocument/2006/relationships" xmlns:mc="http://schemas.openxmlformats.org/markup-compatibility/2006" xmlns:mv="urn:schemas-microsoft-com:mac:vml" xmlns:p="http://schemas.openxmlformats.org/presentationml/2006/main" xmlns:c="http://schemas.openxmlformats.org/drawingml/2006/chart" xmlns:dgm="http://schemas.openxmlformats.org/drawingml/2006/diagram" xmlns:o="urn:schemas-microsoft-com:office:office" xmlns:v="urn:schemas-microsoft-com:vml" xmlns:pvml="urn:schemas-microsoft-com:office:powerpoint" xmlns:com="http://schemas.openxmlformats.org/drawingml/2006/compatibility" xmlns:p14="http://schemas.microsoft.com/office/powerpoint/2010/main" xmlns:p15="http://schemas.microsoft.com/office/powerpoint/2012/main">
+<p:sld xmlns:a="http://schemas.openxmlformats.org/drawingml/2006/main" xmlns:r="http://schemas.openxmlformats.org/officeDocument/2006/relationships" xmlns:p="http://schemas.openxmlformats.org/presentationml/2006/main">
   <p:cSld>
     <p:spTree>
       <p:nvGrpSpPr>
-        <p:cNvPr id="119" name="Shape 119"/>
+        <p:cNvPr id="1" name="Shape 119"/>
         <p:cNvGrpSpPr/>
         <p:nvPr/>
       </p:nvGrpSpPr>
@@ -5948,7 +6313,9 @@
       <p:sp>
         <p:nvSpPr>
           <p:cNvPr id="120" name="Shape 120"/>
-          <p:cNvSpPr txBox="1"/>
+          <p:cNvSpPr txBox="1">
+            <a:spLocks noGrp="1"/>
+          </p:cNvSpPr>
           <p:nvPr>
             <p:ph type="title"/>
           </p:nvPr>
@@ -5963,7 +6330,7 @@
           </a:prstGeom>
         </p:spPr>
         <p:txBody>
-          <a:bodyPr anchorCtr="0" anchor="t" bIns="91425" lIns="91425" rIns="91425" wrap="square" tIns="91425">
+          <a:bodyPr wrap="square" lIns="91425" tIns="91425" rIns="91425" bIns="91425" anchor="t" anchorCtr="0">
             <a:noAutofit/>
           </a:bodyPr>
           <a:lstStyle/>
@@ -5974,9 +6341,6 @@
               </a:spcBef>
               <a:buNone/>
             </a:pPr>
-            <a:r>
-              <a:t/>
-            </a:r>
             <a:endParaRPr/>
           </a:p>
         </p:txBody>
@@ -5984,9 +6348,11 @@
       <p:sp>
         <p:nvSpPr>
           <p:cNvPr id="121" name="Shape 121"/>
-          <p:cNvSpPr txBox="1"/>
+          <p:cNvSpPr txBox="1">
+            <a:spLocks noGrp="1"/>
+          </p:cNvSpPr>
           <p:nvPr>
-            <p:ph idx="1" type="body"/>
+            <p:ph type="body" idx="1"/>
           </p:nvPr>
         </p:nvSpPr>
         <p:spPr>
@@ -5999,7 +6365,7 @@
           </a:prstGeom>
         </p:spPr>
         <p:txBody>
-          <a:bodyPr anchorCtr="0" anchor="t" bIns="91425" lIns="91425" rIns="91425" wrap="square" tIns="91425">
+          <a:bodyPr wrap="square" lIns="91425" tIns="91425" rIns="91425" bIns="91425" anchor="t" anchorCtr="0">
             <a:noAutofit/>
           </a:bodyPr>
           <a:lstStyle/>
@@ -6026,11 +6392,11 @@
 </file>
 
 <file path=ppt/slides/slide13.xml><?xml version="1.0" encoding="utf-8"?>
-<p:sld xmlns:a="http://schemas.openxmlformats.org/drawingml/2006/main" xmlns:r="http://schemas.openxmlformats.org/officeDocument/2006/relationships" xmlns:mc="http://schemas.openxmlformats.org/markup-compatibility/2006" xmlns:mv="urn:schemas-microsoft-com:mac:vml" xmlns:p="http://schemas.openxmlformats.org/presentationml/2006/main" xmlns:c="http://schemas.openxmlformats.org/drawingml/2006/chart" xmlns:dgm="http://schemas.openxmlformats.org/drawingml/2006/diagram" xmlns:o="urn:schemas-microsoft-com:office:office" xmlns:v="urn:schemas-microsoft-com:vml" xmlns:pvml="urn:schemas-microsoft-com:office:powerpoint" xmlns:com="http://schemas.openxmlformats.org/drawingml/2006/compatibility" xmlns:p14="http://schemas.microsoft.com/office/powerpoint/2010/main" xmlns:p15="http://schemas.microsoft.com/office/powerpoint/2012/main">
+<p:sld xmlns:a="http://schemas.openxmlformats.org/drawingml/2006/main" xmlns:r="http://schemas.openxmlformats.org/officeDocument/2006/relationships" xmlns:p="http://schemas.openxmlformats.org/presentationml/2006/main">
   <p:cSld>
     <p:spTree>
       <p:nvGrpSpPr>
-        <p:cNvPr id="125" name="Shape 125"/>
+        <p:cNvPr id="1" name="Shape 125"/>
         <p:cNvGrpSpPr/>
         <p:nvPr/>
       </p:nvGrpSpPr>
@@ -6045,7 +6411,9 @@
       <p:sp>
         <p:nvSpPr>
           <p:cNvPr id="126" name="Shape 126"/>
-          <p:cNvSpPr txBox="1"/>
+          <p:cNvSpPr txBox="1">
+            <a:spLocks noGrp="1"/>
+          </p:cNvSpPr>
           <p:nvPr>
             <p:ph type="title"/>
           </p:nvPr>
@@ -6060,7 +6428,7 @@
           </a:prstGeom>
         </p:spPr>
         <p:txBody>
-          <a:bodyPr anchorCtr="0" anchor="t" bIns="91425" lIns="91425" rIns="91425" wrap="square" tIns="91425">
+          <a:bodyPr wrap="square" lIns="91425" tIns="91425" rIns="91425" bIns="91425" anchor="t" anchorCtr="0">
             <a:noAutofit/>
           </a:bodyPr>
           <a:lstStyle/>
@@ -6071,9 +6439,6 @@
               </a:spcBef>
               <a:buNone/>
             </a:pPr>
-            <a:r>
-              <a:t/>
-            </a:r>
             <a:endParaRPr/>
           </a:p>
         </p:txBody>
@@ -6081,9 +6446,11 @@
       <p:sp>
         <p:nvSpPr>
           <p:cNvPr id="127" name="Shape 127"/>
-          <p:cNvSpPr txBox="1"/>
+          <p:cNvSpPr txBox="1">
+            <a:spLocks noGrp="1"/>
+          </p:cNvSpPr>
           <p:nvPr>
-            <p:ph idx="1" type="body"/>
+            <p:ph type="body" idx="1"/>
           </p:nvPr>
         </p:nvSpPr>
         <p:spPr>
@@ -6096,7 +6463,7 @@
           </a:prstGeom>
         </p:spPr>
         <p:txBody>
-          <a:bodyPr anchorCtr="0" anchor="t" bIns="91425" lIns="91425" rIns="91425" wrap="square" tIns="91425">
+          <a:bodyPr wrap="square" lIns="91425" tIns="91425" rIns="91425" bIns="91425" anchor="t" anchorCtr="0">
             <a:noAutofit/>
           </a:bodyPr>
           <a:lstStyle/>
@@ -6131,9 +6498,6 @@
               </a:spcBef>
               <a:buNone/>
             </a:pPr>
-            <a:r>
-              <a:t/>
-            </a:r>
             <a:endParaRPr/>
           </a:p>
         </p:txBody>
@@ -6147,11 +6511,11 @@
 </file>
 
 <file path=ppt/slides/slide14.xml><?xml version="1.0" encoding="utf-8"?>
-<p:sld xmlns:a="http://schemas.openxmlformats.org/drawingml/2006/main" xmlns:r="http://schemas.openxmlformats.org/officeDocument/2006/relationships" xmlns:mc="http://schemas.openxmlformats.org/markup-compatibility/2006" xmlns:mv="urn:schemas-microsoft-com:mac:vml" xmlns:p="http://schemas.openxmlformats.org/presentationml/2006/main" xmlns:c="http://schemas.openxmlformats.org/drawingml/2006/chart" xmlns:dgm="http://schemas.openxmlformats.org/drawingml/2006/diagram" xmlns:o="urn:schemas-microsoft-com:office:office" xmlns:v="urn:schemas-microsoft-com:vml" xmlns:pvml="urn:schemas-microsoft-com:office:powerpoint" xmlns:com="http://schemas.openxmlformats.org/drawingml/2006/compatibility" xmlns:p14="http://schemas.microsoft.com/office/powerpoint/2010/main" xmlns:p15="http://schemas.microsoft.com/office/powerpoint/2012/main">
+<p:sld xmlns:a="http://schemas.openxmlformats.org/drawingml/2006/main" xmlns:r="http://schemas.openxmlformats.org/officeDocument/2006/relationships" xmlns:p="http://schemas.openxmlformats.org/presentationml/2006/main">
   <p:cSld>
     <p:spTree>
       <p:nvGrpSpPr>
-        <p:cNvPr id="131" name="Shape 131"/>
+        <p:cNvPr id="1" name="Shape 131"/>
         <p:cNvGrpSpPr/>
         <p:nvPr/>
       </p:nvGrpSpPr>
@@ -6166,7 +6530,9 @@
       <p:sp>
         <p:nvSpPr>
           <p:cNvPr id="132" name="Shape 132"/>
-          <p:cNvSpPr txBox="1"/>
+          <p:cNvSpPr txBox="1">
+            <a:spLocks noGrp="1"/>
+          </p:cNvSpPr>
           <p:nvPr>
             <p:ph type="title"/>
           </p:nvPr>
@@ -6181,7 +6547,7 @@
           </a:prstGeom>
         </p:spPr>
         <p:txBody>
-          <a:bodyPr anchorCtr="0" anchor="t" bIns="91425" lIns="91425" rIns="91425" wrap="square" tIns="91425">
+          <a:bodyPr wrap="square" lIns="91425" tIns="91425" rIns="91425" bIns="91425" anchor="t" anchorCtr="0">
             <a:noAutofit/>
           </a:bodyPr>
           <a:lstStyle/>
@@ -6192,9 +6558,6 @@
               </a:spcBef>
               <a:buNone/>
             </a:pPr>
-            <a:r>
-              <a:t/>
-            </a:r>
             <a:endParaRPr/>
           </a:p>
         </p:txBody>
@@ -6202,9 +6565,11 @@
       <p:sp>
         <p:nvSpPr>
           <p:cNvPr id="133" name="Shape 133"/>
-          <p:cNvSpPr txBox="1"/>
+          <p:cNvSpPr txBox="1">
+            <a:spLocks noGrp="1"/>
+          </p:cNvSpPr>
           <p:nvPr>
-            <p:ph idx="1" type="body"/>
+            <p:ph type="body" idx="1"/>
           </p:nvPr>
         </p:nvSpPr>
         <p:spPr>
@@ -6217,7 +6582,7 @@
           </a:prstGeom>
         </p:spPr>
         <p:txBody>
-          <a:bodyPr anchorCtr="0" anchor="t" bIns="91425" lIns="91425" rIns="91425" wrap="square" tIns="91425">
+          <a:bodyPr wrap="square" lIns="91425" tIns="91425" rIns="91425" bIns="91425" anchor="t" anchorCtr="0">
             <a:noAutofit/>
           </a:bodyPr>
           <a:lstStyle/>
@@ -6244,11 +6609,11 @@
 </file>
 
 <file path=ppt/slides/slide15.xml><?xml version="1.0" encoding="utf-8"?>
-<p:sld xmlns:a="http://schemas.openxmlformats.org/drawingml/2006/main" xmlns:r="http://schemas.openxmlformats.org/officeDocument/2006/relationships" xmlns:mc="http://schemas.openxmlformats.org/markup-compatibility/2006" xmlns:mv="urn:schemas-microsoft-com:mac:vml" xmlns:p="http://schemas.openxmlformats.org/presentationml/2006/main" xmlns:c="http://schemas.openxmlformats.org/drawingml/2006/chart" xmlns:dgm="http://schemas.openxmlformats.org/drawingml/2006/diagram" xmlns:o="urn:schemas-microsoft-com:office:office" xmlns:v="urn:schemas-microsoft-com:vml" xmlns:pvml="urn:schemas-microsoft-com:office:powerpoint" xmlns:com="http://schemas.openxmlformats.org/drawingml/2006/compatibility" xmlns:p14="http://schemas.microsoft.com/office/powerpoint/2010/main" xmlns:p15="http://schemas.microsoft.com/office/powerpoint/2012/main">
+<p:sld xmlns:a="http://schemas.openxmlformats.org/drawingml/2006/main" xmlns:r="http://schemas.openxmlformats.org/officeDocument/2006/relationships" xmlns:p="http://schemas.openxmlformats.org/presentationml/2006/main">
   <p:cSld>
     <p:spTree>
       <p:nvGrpSpPr>
-        <p:cNvPr id="137" name="Shape 137"/>
+        <p:cNvPr id="1" name="Shape 137"/>
         <p:cNvGrpSpPr/>
         <p:nvPr/>
       </p:nvGrpSpPr>
@@ -6263,7 +6628,9 @@
       <p:sp>
         <p:nvSpPr>
           <p:cNvPr id="138" name="Shape 138"/>
-          <p:cNvSpPr txBox="1"/>
+          <p:cNvSpPr txBox="1">
+            <a:spLocks noGrp="1"/>
+          </p:cNvSpPr>
           <p:nvPr>
             <p:ph type="title"/>
           </p:nvPr>
@@ -6278,7 +6645,7 @@
           </a:prstGeom>
         </p:spPr>
         <p:txBody>
-          <a:bodyPr anchorCtr="0" anchor="t" bIns="91425" lIns="91425" rIns="91425" wrap="square" tIns="91425">
+          <a:bodyPr wrap="square" lIns="91425" tIns="91425" rIns="91425" bIns="91425" anchor="t" anchorCtr="0">
             <a:noAutofit/>
           </a:bodyPr>
           <a:lstStyle/>
@@ -6289,9 +6656,6 @@
               </a:spcBef>
               <a:buNone/>
             </a:pPr>
-            <a:r>
-              <a:t/>
-            </a:r>
             <a:endParaRPr/>
           </a:p>
         </p:txBody>
@@ -6299,9 +6663,11 @@
       <p:sp>
         <p:nvSpPr>
           <p:cNvPr id="139" name="Shape 139"/>
-          <p:cNvSpPr txBox="1"/>
+          <p:cNvSpPr txBox="1">
+            <a:spLocks noGrp="1"/>
+          </p:cNvSpPr>
           <p:nvPr>
-            <p:ph idx="1" type="body"/>
+            <p:ph type="body" idx="1"/>
           </p:nvPr>
         </p:nvSpPr>
         <p:spPr>
@@ -6314,7 +6680,7 @@
           </a:prstGeom>
         </p:spPr>
         <p:txBody>
-          <a:bodyPr anchorCtr="0" anchor="t" bIns="91425" lIns="91425" rIns="91425" wrap="square" tIns="91425">
+          <a:bodyPr wrap="square" lIns="91425" tIns="91425" rIns="91425" bIns="91425" anchor="t" anchorCtr="0">
             <a:noAutofit/>
           </a:bodyPr>
           <a:lstStyle/>
@@ -6326,8 +6692,916 @@
               <a:buNone/>
             </a:pPr>
             <a:r>
-              <a:rPr lang="en"/>
-              <a:t>Ejemplos sobre el condicional Primer ejemplo: Verdad implica verdad, es cierto. Como hemos visto, si p y q son verdad, entonces p q es verdad. Por ejemplo, sea p: "la Tierra es redonda", y q: "3x5=15". La fórmula p q dice que: "Si la Tierra es redonda, entonces 3x5=15". Fíjate que los dos enunciados p y q de este ejemplo no tienen nada que ver entre ellos. Pero con p q no queremos decir (no decimos) que hay una relación causal entre ambos enunciados. En el caso de p q siendo p: "la Tierra es redonda", y q: "3x5=15" solamente decimos que el enunciado "Si la Tierra es redonda, entonces 3x5=15" es lógicamente verdadero. Segundo ejemplo: Verdad no puede implicar falsedad. Si p es un enunciado verdadero y q falso, entonces p q es falso. Por ejemplo: "Cuando hay sol, voy al monte" En este caso p: "Hace sol" y q: "voy al monte". En otras palabras, podemos reformular nuestra frase como "Si está haciendo sol, entonces estoy en el monte". Pero hay muchos días que hace sol (p es verdadero) en los que no voy al monte (q es falso). En esos días el enunciado p q es claramente falso. Fíjate que hemos interpretado "Cuando p, q" como "Si p, entonces q". Tercer ejemplo: la falsedad implica cualquier cosa. </a:t>
+              <a:rPr lang="en" sz="1400" dirty="0" err="1"/>
+              <a:t>Ejemplos</a:t>
+            </a:r>
+            <a:r>
+              <a:rPr lang="en" sz="1400" dirty="0"/>
+              <a:t> </a:t>
+            </a:r>
+            <a:r>
+              <a:rPr lang="en" sz="1400" dirty="0" err="1"/>
+              <a:t>sobre</a:t>
+            </a:r>
+            <a:r>
+              <a:rPr lang="en" sz="1400" dirty="0"/>
+              <a:t> el </a:t>
+            </a:r>
+            <a:r>
+              <a:rPr lang="en" sz="1400" dirty="0" err="1"/>
+              <a:t>condicional</a:t>
+            </a:r>
+            <a:r>
+              <a:rPr lang="en" sz="1400" dirty="0"/>
+              <a:t> Primer </a:t>
+            </a:r>
+            <a:r>
+              <a:rPr lang="en" sz="1400" dirty="0" err="1"/>
+              <a:t>ejemplo</a:t>
+            </a:r>
+            <a:r>
+              <a:rPr lang="en" sz="1400" dirty="0"/>
+              <a:t>: </a:t>
+            </a:r>
+            <a:r>
+              <a:rPr lang="en" sz="1400" dirty="0" err="1"/>
+              <a:t>Verdad</a:t>
+            </a:r>
+            <a:r>
+              <a:rPr lang="en" sz="1400" dirty="0"/>
+              <a:t> </a:t>
+            </a:r>
+            <a:r>
+              <a:rPr lang="en" sz="1400" dirty="0" err="1"/>
+              <a:t>implica</a:t>
+            </a:r>
+            <a:r>
+              <a:rPr lang="en" sz="1400" dirty="0"/>
+              <a:t> </a:t>
+            </a:r>
+            <a:r>
+              <a:rPr lang="en" sz="1400" dirty="0" err="1"/>
+              <a:t>verdad</a:t>
+            </a:r>
+            <a:r>
+              <a:rPr lang="en" sz="1400" dirty="0"/>
+              <a:t>, </a:t>
+            </a:r>
+            <a:r>
+              <a:rPr lang="en" sz="1400" dirty="0" err="1"/>
+              <a:t>es</a:t>
+            </a:r>
+            <a:r>
+              <a:rPr lang="en" sz="1400" dirty="0"/>
+              <a:t> </a:t>
+            </a:r>
+            <a:r>
+              <a:rPr lang="en" sz="1400" dirty="0" err="1"/>
+              <a:t>cierto</a:t>
+            </a:r>
+            <a:r>
+              <a:rPr lang="en" sz="1400" dirty="0"/>
+              <a:t>. Como </a:t>
+            </a:r>
+            <a:r>
+              <a:rPr lang="en" sz="1400" dirty="0" err="1"/>
+              <a:t>hemos</a:t>
+            </a:r>
+            <a:r>
+              <a:rPr lang="en" sz="1400" dirty="0"/>
+              <a:t> </a:t>
+            </a:r>
+            <a:r>
+              <a:rPr lang="en" sz="1400" dirty="0" err="1"/>
+              <a:t>visto</a:t>
+            </a:r>
+            <a:r>
+              <a:rPr lang="en" sz="1400" dirty="0"/>
+              <a:t>, </a:t>
+            </a:r>
+            <a:r>
+              <a:rPr lang="en" sz="1400" dirty="0" err="1"/>
+              <a:t>si</a:t>
+            </a:r>
+            <a:r>
+              <a:rPr lang="en" sz="1400" dirty="0"/>
+              <a:t> p y q son </a:t>
+            </a:r>
+            <a:r>
+              <a:rPr lang="en" sz="1400" dirty="0" err="1"/>
+              <a:t>verdad</a:t>
+            </a:r>
+            <a:r>
+              <a:rPr lang="en" sz="1400" dirty="0"/>
+              <a:t>, </a:t>
+            </a:r>
+            <a:r>
+              <a:rPr lang="en" sz="1400" dirty="0" err="1"/>
+              <a:t>entonces</a:t>
+            </a:r>
+            <a:r>
+              <a:rPr lang="en" sz="1400" dirty="0"/>
+              <a:t> p q </a:t>
+            </a:r>
+            <a:r>
+              <a:rPr lang="en" sz="1400" dirty="0" err="1"/>
+              <a:t>es</a:t>
+            </a:r>
+            <a:r>
+              <a:rPr lang="en" sz="1400" dirty="0"/>
+              <a:t> </a:t>
+            </a:r>
+            <a:r>
+              <a:rPr lang="en" sz="1400" dirty="0" err="1"/>
+              <a:t>verdad</a:t>
+            </a:r>
+            <a:r>
+              <a:rPr lang="en" sz="1400" dirty="0"/>
+              <a:t>. </a:t>
+            </a:r>
+            <a:r>
+              <a:rPr lang="en" sz="1400" dirty="0" err="1"/>
+              <a:t>Por</a:t>
+            </a:r>
+            <a:r>
+              <a:rPr lang="en" sz="1400" dirty="0"/>
+              <a:t> </a:t>
+            </a:r>
+            <a:r>
+              <a:rPr lang="en" sz="1400" dirty="0" err="1"/>
+              <a:t>ejemplo</a:t>
+            </a:r>
+            <a:r>
+              <a:rPr lang="en" sz="1400" dirty="0"/>
+              <a:t>, sea p: "la Tierra </a:t>
+            </a:r>
+            <a:r>
+              <a:rPr lang="en" sz="1400" dirty="0" err="1"/>
+              <a:t>es</a:t>
+            </a:r>
+            <a:r>
+              <a:rPr lang="en" sz="1400" dirty="0"/>
+              <a:t> </a:t>
+            </a:r>
+            <a:r>
+              <a:rPr lang="en" sz="1400" dirty="0" err="1"/>
+              <a:t>redonda</a:t>
+            </a:r>
+            <a:r>
+              <a:rPr lang="en" sz="1400" dirty="0"/>
+              <a:t>", y q: "3x5=15". La </a:t>
+            </a:r>
+            <a:r>
+              <a:rPr lang="en" sz="1400" dirty="0" err="1"/>
+              <a:t>fórmula</a:t>
+            </a:r>
+            <a:r>
+              <a:rPr lang="en" sz="1400" dirty="0"/>
+              <a:t> p q dice que: "Si la Tierra </a:t>
+            </a:r>
+            <a:r>
+              <a:rPr lang="en" sz="1400" dirty="0" err="1"/>
+              <a:t>es</a:t>
+            </a:r>
+            <a:r>
+              <a:rPr lang="en" sz="1400" dirty="0"/>
+              <a:t> </a:t>
+            </a:r>
+            <a:r>
+              <a:rPr lang="en" sz="1400" dirty="0" err="1"/>
+              <a:t>redonda</a:t>
+            </a:r>
+            <a:r>
+              <a:rPr lang="en" sz="1400" dirty="0"/>
+              <a:t>, </a:t>
+            </a:r>
+            <a:r>
+              <a:rPr lang="en" sz="1400" dirty="0" err="1"/>
+              <a:t>entonces</a:t>
+            </a:r>
+            <a:r>
+              <a:rPr lang="en" sz="1400" dirty="0"/>
+              <a:t> 3x5=15". </a:t>
+            </a:r>
+            <a:r>
+              <a:rPr lang="en" sz="1400" dirty="0" err="1"/>
+              <a:t>Fíjate</a:t>
+            </a:r>
+            <a:r>
+              <a:rPr lang="en" sz="1400" dirty="0"/>
+              <a:t> que </a:t>
+            </a:r>
+            <a:r>
+              <a:rPr lang="en" sz="1400" dirty="0" err="1"/>
+              <a:t>los</a:t>
+            </a:r>
+            <a:r>
+              <a:rPr lang="en" sz="1400" dirty="0"/>
+              <a:t> dos </a:t>
+            </a:r>
+            <a:r>
+              <a:rPr lang="en" sz="1400" dirty="0" err="1"/>
+              <a:t>enunciados</a:t>
+            </a:r>
+            <a:r>
+              <a:rPr lang="en" sz="1400" dirty="0"/>
+              <a:t> p y q de </a:t>
+            </a:r>
+            <a:r>
+              <a:rPr lang="en" sz="1400" dirty="0" err="1"/>
+              <a:t>este</a:t>
+            </a:r>
+            <a:r>
+              <a:rPr lang="en" sz="1400" dirty="0"/>
+              <a:t> </a:t>
+            </a:r>
+            <a:r>
+              <a:rPr lang="en" sz="1400" dirty="0" err="1"/>
+              <a:t>ejemplo</a:t>
+            </a:r>
+            <a:r>
+              <a:rPr lang="en" sz="1400" dirty="0"/>
+              <a:t> no </a:t>
+            </a:r>
+            <a:r>
+              <a:rPr lang="en" sz="1400" dirty="0" err="1"/>
+              <a:t>tienen</a:t>
+            </a:r>
+            <a:r>
+              <a:rPr lang="en" sz="1400" dirty="0"/>
+              <a:t> nada que </a:t>
+            </a:r>
+            <a:r>
+              <a:rPr lang="en" sz="1400" dirty="0" err="1"/>
+              <a:t>ver</a:t>
+            </a:r>
+            <a:r>
+              <a:rPr lang="en" sz="1400" dirty="0"/>
+              <a:t> entre </a:t>
+            </a:r>
+            <a:r>
+              <a:rPr lang="en" sz="1400" dirty="0" err="1"/>
+              <a:t>ellos</a:t>
+            </a:r>
+            <a:r>
+              <a:rPr lang="en" sz="1400" dirty="0"/>
+              <a:t>. Pero con p q no </a:t>
+            </a:r>
+            <a:r>
+              <a:rPr lang="en" sz="1400" dirty="0" err="1"/>
+              <a:t>queremos</a:t>
+            </a:r>
+            <a:r>
+              <a:rPr lang="en" sz="1400" dirty="0"/>
+              <a:t> </a:t>
+            </a:r>
+            <a:r>
+              <a:rPr lang="en" sz="1400" dirty="0" err="1"/>
+              <a:t>decir</a:t>
+            </a:r>
+            <a:r>
+              <a:rPr lang="en" sz="1400" dirty="0"/>
+              <a:t> (no </a:t>
+            </a:r>
+            <a:r>
+              <a:rPr lang="en" sz="1400" dirty="0" err="1"/>
+              <a:t>decimos</a:t>
+            </a:r>
+            <a:r>
+              <a:rPr lang="en" sz="1400" dirty="0"/>
+              <a:t>) que hay </a:t>
+            </a:r>
+            <a:r>
+              <a:rPr lang="en" sz="1400" dirty="0" err="1"/>
+              <a:t>una</a:t>
+            </a:r>
+            <a:r>
+              <a:rPr lang="en" sz="1400" dirty="0"/>
+              <a:t> </a:t>
+            </a:r>
+            <a:r>
+              <a:rPr lang="en" sz="1400" dirty="0" err="1"/>
+              <a:t>relación</a:t>
+            </a:r>
+            <a:r>
+              <a:rPr lang="en" sz="1400" dirty="0"/>
+              <a:t> causal entre ambos </a:t>
+            </a:r>
+            <a:r>
+              <a:rPr lang="en" sz="1400" dirty="0" err="1"/>
+              <a:t>enunciados</a:t>
+            </a:r>
+            <a:r>
+              <a:rPr lang="en" sz="1400" dirty="0"/>
+              <a:t>. </a:t>
+            </a:r>
+            <a:r>
+              <a:rPr lang="en" sz="1400" dirty="0" err="1"/>
+              <a:t>En</a:t>
+            </a:r>
+            <a:r>
+              <a:rPr lang="en" sz="1400" dirty="0"/>
+              <a:t> el </a:t>
+            </a:r>
+            <a:r>
+              <a:rPr lang="en" sz="1400" dirty="0" err="1"/>
+              <a:t>caso</a:t>
+            </a:r>
+            <a:r>
+              <a:rPr lang="en" sz="1400" dirty="0"/>
+              <a:t> de p q </a:t>
+            </a:r>
+            <a:r>
+              <a:rPr lang="en" sz="1400" dirty="0" err="1"/>
+              <a:t>siendo</a:t>
+            </a:r>
+            <a:r>
+              <a:rPr lang="en" sz="1400" dirty="0"/>
+              <a:t> p: "la Tierra </a:t>
+            </a:r>
+            <a:r>
+              <a:rPr lang="en" sz="1400" dirty="0" err="1"/>
+              <a:t>es</a:t>
+            </a:r>
+            <a:r>
+              <a:rPr lang="en" sz="1400" dirty="0"/>
+              <a:t> </a:t>
+            </a:r>
+            <a:r>
+              <a:rPr lang="en" sz="1400" dirty="0" err="1"/>
+              <a:t>redonda</a:t>
+            </a:r>
+            <a:r>
+              <a:rPr lang="en" sz="1400" dirty="0"/>
+              <a:t>", y q: "3x5=15" </a:t>
+            </a:r>
+            <a:r>
+              <a:rPr lang="en" sz="1400" dirty="0" err="1"/>
+              <a:t>solamente</a:t>
+            </a:r>
+            <a:r>
+              <a:rPr lang="en" sz="1400" dirty="0"/>
+              <a:t> </a:t>
+            </a:r>
+            <a:r>
+              <a:rPr lang="en" sz="1400" dirty="0" err="1"/>
+              <a:t>decimos</a:t>
+            </a:r>
+            <a:r>
+              <a:rPr lang="en" sz="1400" dirty="0"/>
+              <a:t> que el </a:t>
+            </a:r>
+            <a:r>
+              <a:rPr lang="en" sz="1400" dirty="0" err="1"/>
+              <a:t>enunciado</a:t>
+            </a:r>
+            <a:r>
+              <a:rPr lang="en" sz="1400" dirty="0"/>
+              <a:t> "Si la Tierra </a:t>
+            </a:r>
+            <a:r>
+              <a:rPr lang="en" sz="1400" dirty="0" err="1"/>
+              <a:t>es</a:t>
+            </a:r>
+            <a:r>
+              <a:rPr lang="en" sz="1400" dirty="0"/>
+              <a:t> </a:t>
+            </a:r>
+            <a:r>
+              <a:rPr lang="en" sz="1400" dirty="0" err="1"/>
+              <a:t>redonda</a:t>
+            </a:r>
+            <a:r>
+              <a:rPr lang="en" sz="1400" dirty="0"/>
+              <a:t>, </a:t>
+            </a:r>
+            <a:r>
+              <a:rPr lang="en" sz="1400" dirty="0" err="1"/>
+              <a:t>entonces</a:t>
+            </a:r>
+            <a:r>
+              <a:rPr lang="en" sz="1400" dirty="0"/>
+              <a:t> 3x5=15" </a:t>
+            </a:r>
+            <a:r>
+              <a:rPr lang="en" sz="1400" dirty="0" err="1"/>
+              <a:t>es</a:t>
+            </a:r>
+            <a:r>
+              <a:rPr lang="en" sz="1400" dirty="0"/>
+              <a:t> </a:t>
+            </a:r>
+            <a:r>
+              <a:rPr lang="en" sz="1400" dirty="0" err="1"/>
+              <a:t>lógicamente</a:t>
+            </a:r>
+            <a:r>
+              <a:rPr lang="en" sz="1400" dirty="0"/>
+              <a:t> </a:t>
+            </a:r>
+            <a:r>
+              <a:rPr lang="en" sz="1400" dirty="0" err="1"/>
+              <a:t>verdadero</a:t>
+            </a:r>
+            <a:r>
+              <a:rPr lang="en" sz="1400" dirty="0"/>
+              <a:t>. Segundo </a:t>
+            </a:r>
+            <a:r>
+              <a:rPr lang="en" sz="1400" dirty="0" err="1"/>
+              <a:t>ejemplo</a:t>
+            </a:r>
+            <a:r>
+              <a:rPr lang="en" sz="1400" dirty="0"/>
+              <a:t>: </a:t>
+            </a:r>
+            <a:r>
+              <a:rPr lang="en" sz="1400" dirty="0" err="1"/>
+              <a:t>Verdad</a:t>
+            </a:r>
+            <a:r>
+              <a:rPr lang="en" sz="1400" dirty="0"/>
+              <a:t> no </a:t>
+            </a:r>
+            <a:r>
+              <a:rPr lang="en" sz="1400" dirty="0" err="1"/>
+              <a:t>puede</a:t>
+            </a:r>
+            <a:r>
+              <a:rPr lang="en" sz="1400" dirty="0"/>
+              <a:t> </a:t>
+            </a:r>
+            <a:r>
+              <a:rPr lang="en" sz="1400" dirty="0" err="1"/>
+              <a:t>implicar</a:t>
+            </a:r>
+            <a:r>
+              <a:rPr lang="en" sz="1400" dirty="0"/>
+              <a:t> </a:t>
+            </a:r>
+            <a:r>
+              <a:rPr lang="en" sz="1400" dirty="0" err="1"/>
+              <a:t>falsedad</a:t>
+            </a:r>
+            <a:r>
+              <a:rPr lang="en" sz="1400" dirty="0"/>
+              <a:t>. Si p </a:t>
+            </a:r>
+            <a:r>
+              <a:rPr lang="en" sz="1400" dirty="0" err="1"/>
+              <a:t>es</a:t>
+            </a:r>
+            <a:r>
+              <a:rPr lang="en" sz="1400" dirty="0"/>
+              <a:t> un </a:t>
+            </a:r>
+            <a:r>
+              <a:rPr lang="en" sz="1400" dirty="0" err="1"/>
+              <a:t>enunciado</a:t>
+            </a:r>
+            <a:r>
+              <a:rPr lang="en" sz="1400" dirty="0"/>
+              <a:t> </a:t>
+            </a:r>
+            <a:r>
+              <a:rPr lang="en" sz="1400" dirty="0" err="1"/>
+              <a:t>verdadero</a:t>
+            </a:r>
+            <a:r>
+              <a:rPr lang="en" sz="1400" dirty="0"/>
+              <a:t> y q </a:t>
+            </a:r>
+            <a:r>
+              <a:rPr lang="en" sz="1400" dirty="0" err="1"/>
+              <a:t>falso</a:t>
+            </a:r>
+            <a:r>
+              <a:rPr lang="en" sz="1400" dirty="0"/>
+              <a:t>, </a:t>
+            </a:r>
+            <a:r>
+              <a:rPr lang="en" sz="1400" dirty="0" err="1"/>
+              <a:t>entonces</a:t>
+            </a:r>
+            <a:r>
+              <a:rPr lang="en" sz="1400" dirty="0"/>
+              <a:t> p q </a:t>
+            </a:r>
+            <a:r>
+              <a:rPr lang="en" sz="1400" dirty="0" err="1"/>
+              <a:t>es</a:t>
+            </a:r>
+            <a:r>
+              <a:rPr lang="en" sz="1400" dirty="0"/>
+              <a:t> </a:t>
+            </a:r>
+            <a:r>
+              <a:rPr lang="en" sz="1400" dirty="0" err="1"/>
+              <a:t>falso</a:t>
+            </a:r>
+            <a:r>
+              <a:rPr lang="en" sz="1400" dirty="0"/>
+              <a:t>. </a:t>
+            </a:r>
+            <a:r>
+              <a:rPr lang="en" sz="1400" dirty="0" err="1"/>
+              <a:t>Por</a:t>
+            </a:r>
+            <a:r>
+              <a:rPr lang="en" sz="1400" dirty="0"/>
+              <a:t> </a:t>
+            </a:r>
+            <a:r>
+              <a:rPr lang="en" sz="1400" dirty="0" err="1"/>
+              <a:t>ejemplo</a:t>
+            </a:r>
+            <a:r>
+              <a:rPr lang="en" sz="1400" dirty="0"/>
+              <a:t>: "</a:t>
+            </a:r>
+            <a:r>
+              <a:rPr lang="en" sz="1400" dirty="0" err="1"/>
+              <a:t>Cuando</a:t>
+            </a:r>
+            <a:r>
+              <a:rPr lang="en" sz="1400" dirty="0"/>
+              <a:t> hay sol, </a:t>
+            </a:r>
+            <a:r>
+              <a:rPr lang="en" sz="1400" dirty="0" err="1"/>
+              <a:t>voy</a:t>
+            </a:r>
+            <a:r>
+              <a:rPr lang="en" sz="1400" dirty="0"/>
+              <a:t> al monte" </a:t>
+            </a:r>
+            <a:r>
+              <a:rPr lang="en" sz="1400" dirty="0" err="1"/>
+              <a:t>En</a:t>
+            </a:r>
+            <a:r>
+              <a:rPr lang="en" sz="1400" dirty="0"/>
+              <a:t> </a:t>
+            </a:r>
+            <a:r>
+              <a:rPr lang="en" sz="1400" dirty="0" err="1"/>
+              <a:t>este</a:t>
+            </a:r>
+            <a:r>
+              <a:rPr lang="en" sz="1400" dirty="0"/>
+              <a:t> </a:t>
+            </a:r>
+            <a:r>
+              <a:rPr lang="en" sz="1400" dirty="0" err="1"/>
+              <a:t>caso</a:t>
+            </a:r>
+            <a:r>
+              <a:rPr lang="en" sz="1400" dirty="0"/>
+              <a:t> p: "</a:t>
+            </a:r>
+            <a:r>
+              <a:rPr lang="en" sz="1400" dirty="0" err="1"/>
+              <a:t>Hace</a:t>
+            </a:r>
+            <a:r>
+              <a:rPr lang="en" sz="1400" dirty="0"/>
+              <a:t> sol" y q: "</a:t>
+            </a:r>
+            <a:r>
+              <a:rPr lang="en" sz="1400" dirty="0" err="1"/>
+              <a:t>voy</a:t>
+            </a:r>
+            <a:r>
+              <a:rPr lang="en" sz="1400" dirty="0"/>
+              <a:t> al monte". </a:t>
+            </a:r>
+            <a:r>
+              <a:rPr lang="en" sz="1400" dirty="0" err="1"/>
+              <a:t>En</a:t>
+            </a:r>
+            <a:r>
+              <a:rPr lang="en" sz="1400" dirty="0"/>
+              <a:t> </a:t>
+            </a:r>
+            <a:r>
+              <a:rPr lang="en" sz="1400" dirty="0" err="1"/>
+              <a:t>otras</a:t>
+            </a:r>
+            <a:r>
+              <a:rPr lang="en" sz="1400" dirty="0"/>
+              <a:t> palabras, </a:t>
+            </a:r>
+            <a:r>
+              <a:rPr lang="en" sz="1400" dirty="0" err="1"/>
+              <a:t>podemos</a:t>
+            </a:r>
+            <a:r>
+              <a:rPr lang="en" sz="1400" dirty="0"/>
+              <a:t> </a:t>
+            </a:r>
+            <a:r>
+              <a:rPr lang="en" sz="1400" dirty="0" err="1"/>
+              <a:t>reformular</a:t>
+            </a:r>
+            <a:r>
+              <a:rPr lang="en" sz="1400" dirty="0"/>
+              <a:t> </a:t>
+            </a:r>
+            <a:r>
+              <a:rPr lang="en" sz="1400" dirty="0" err="1"/>
+              <a:t>nuestra</a:t>
+            </a:r>
+            <a:r>
+              <a:rPr lang="en" sz="1400" dirty="0"/>
+              <a:t> </a:t>
+            </a:r>
+            <a:r>
+              <a:rPr lang="en" sz="1400" dirty="0" err="1"/>
+              <a:t>frase</a:t>
+            </a:r>
+            <a:r>
+              <a:rPr lang="en" sz="1400" dirty="0"/>
+              <a:t> </a:t>
+            </a:r>
+            <a:r>
+              <a:rPr lang="en" sz="1400" dirty="0" err="1"/>
+              <a:t>como</a:t>
+            </a:r>
+            <a:r>
+              <a:rPr lang="en" sz="1400" dirty="0"/>
+              <a:t> "Si </a:t>
+            </a:r>
+            <a:r>
+              <a:rPr lang="en" sz="1400" dirty="0" err="1"/>
+              <a:t>está</a:t>
+            </a:r>
+            <a:r>
+              <a:rPr lang="en" sz="1400" dirty="0"/>
+              <a:t> </a:t>
+            </a:r>
+            <a:r>
+              <a:rPr lang="en" sz="1400" dirty="0" err="1"/>
+              <a:t>haciendo</a:t>
+            </a:r>
+            <a:r>
+              <a:rPr lang="en" sz="1400" dirty="0"/>
+              <a:t> sol, </a:t>
+            </a:r>
+            <a:r>
+              <a:rPr lang="en" sz="1400" dirty="0" err="1"/>
+              <a:t>entonces</a:t>
+            </a:r>
+            <a:r>
+              <a:rPr lang="en" sz="1400" dirty="0"/>
+              <a:t> </a:t>
+            </a:r>
+            <a:r>
+              <a:rPr lang="en" sz="1400" dirty="0" err="1"/>
+              <a:t>estoy</a:t>
+            </a:r>
+            <a:r>
+              <a:rPr lang="en" sz="1400" dirty="0"/>
+              <a:t> </a:t>
+            </a:r>
+            <a:r>
+              <a:rPr lang="en" sz="1400" dirty="0" err="1"/>
+              <a:t>en</a:t>
+            </a:r>
+            <a:r>
+              <a:rPr lang="en" sz="1400" dirty="0"/>
+              <a:t> el monte". Pero hay </a:t>
+            </a:r>
+            <a:r>
+              <a:rPr lang="en" sz="1400" dirty="0" err="1"/>
+              <a:t>muchos</a:t>
+            </a:r>
+            <a:r>
+              <a:rPr lang="en" sz="1400" dirty="0"/>
+              <a:t> </a:t>
+            </a:r>
+            <a:r>
+              <a:rPr lang="en" sz="1400" dirty="0" err="1"/>
+              <a:t>días</a:t>
+            </a:r>
+            <a:r>
+              <a:rPr lang="en" sz="1400" dirty="0"/>
+              <a:t> que </a:t>
+            </a:r>
+            <a:r>
+              <a:rPr lang="en" sz="1400" dirty="0" err="1"/>
+              <a:t>hace</a:t>
+            </a:r>
+            <a:r>
+              <a:rPr lang="en" sz="1400" dirty="0"/>
+              <a:t> sol (p </a:t>
+            </a:r>
+            <a:r>
+              <a:rPr lang="en" sz="1400" dirty="0" err="1"/>
+              <a:t>es</a:t>
+            </a:r>
+            <a:r>
+              <a:rPr lang="en" sz="1400" dirty="0"/>
+              <a:t> </a:t>
+            </a:r>
+            <a:r>
+              <a:rPr lang="en" sz="1400" dirty="0" err="1"/>
+              <a:t>verdadero</a:t>
+            </a:r>
+            <a:r>
+              <a:rPr lang="en" sz="1400" dirty="0"/>
+              <a:t>) </a:t>
+            </a:r>
+            <a:r>
+              <a:rPr lang="en" sz="1400" dirty="0" err="1"/>
+              <a:t>en</a:t>
+            </a:r>
+            <a:r>
+              <a:rPr lang="en" sz="1400" dirty="0"/>
+              <a:t> </a:t>
+            </a:r>
+            <a:r>
+              <a:rPr lang="en" sz="1400" dirty="0" err="1"/>
+              <a:t>los</a:t>
+            </a:r>
+            <a:r>
+              <a:rPr lang="en" sz="1400" dirty="0"/>
+              <a:t> que no </a:t>
+            </a:r>
+            <a:r>
+              <a:rPr lang="en" sz="1400" dirty="0" err="1"/>
+              <a:t>voy</a:t>
+            </a:r>
+            <a:r>
+              <a:rPr lang="en" sz="1400" dirty="0"/>
+              <a:t> al monte (q </a:t>
+            </a:r>
+            <a:r>
+              <a:rPr lang="en" sz="1400" dirty="0" err="1"/>
+              <a:t>es</a:t>
+            </a:r>
+            <a:r>
+              <a:rPr lang="en" sz="1400" dirty="0"/>
+              <a:t> </a:t>
+            </a:r>
+            <a:r>
+              <a:rPr lang="en" sz="1400" dirty="0" err="1"/>
+              <a:t>falso</a:t>
+            </a:r>
+            <a:r>
+              <a:rPr lang="en" sz="1400" dirty="0"/>
+              <a:t>). </a:t>
+            </a:r>
+            <a:r>
+              <a:rPr lang="en" sz="1400" dirty="0" err="1"/>
+              <a:t>En</a:t>
+            </a:r>
+            <a:r>
+              <a:rPr lang="en" sz="1400" dirty="0"/>
+              <a:t> </a:t>
+            </a:r>
+            <a:r>
+              <a:rPr lang="en" sz="1400" dirty="0" err="1"/>
+              <a:t>esos</a:t>
+            </a:r>
+            <a:r>
+              <a:rPr lang="en" sz="1400" dirty="0"/>
+              <a:t> </a:t>
+            </a:r>
+            <a:r>
+              <a:rPr lang="en" sz="1400" dirty="0" err="1"/>
+              <a:t>días</a:t>
+            </a:r>
+            <a:r>
+              <a:rPr lang="en" sz="1400" dirty="0"/>
+              <a:t> el </a:t>
+            </a:r>
+            <a:r>
+              <a:rPr lang="en" sz="1400" dirty="0" err="1"/>
+              <a:t>enunciado</a:t>
+            </a:r>
+            <a:r>
+              <a:rPr lang="en" sz="1400" dirty="0"/>
+              <a:t> p q </a:t>
+            </a:r>
+            <a:r>
+              <a:rPr lang="en" sz="1400" dirty="0" err="1"/>
+              <a:t>es</a:t>
+            </a:r>
+            <a:r>
+              <a:rPr lang="en" sz="1400" dirty="0"/>
+              <a:t> </a:t>
+            </a:r>
+            <a:r>
+              <a:rPr lang="en" sz="1400" dirty="0" err="1"/>
+              <a:t>claramente</a:t>
+            </a:r>
+            <a:r>
+              <a:rPr lang="en" sz="1400" dirty="0"/>
+              <a:t> </a:t>
+            </a:r>
+            <a:r>
+              <a:rPr lang="en" sz="1400" dirty="0" err="1"/>
+              <a:t>falso</a:t>
+            </a:r>
+            <a:r>
+              <a:rPr lang="en" sz="1400" dirty="0"/>
+              <a:t>. </a:t>
+            </a:r>
+            <a:r>
+              <a:rPr lang="en" sz="1400" dirty="0" err="1"/>
+              <a:t>Fíjate</a:t>
+            </a:r>
+            <a:r>
+              <a:rPr lang="en" sz="1400" dirty="0"/>
+              <a:t> que </a:t>
+            </a:r>
+            <a:r>
+              <a:rPr lang="en" sz="1400" dirty="0" err="1"/>
+              <a:t>hemos</a:t>
+            </a:r>
+            <a:r>
+              <a:rPr lang="en" sz="1400" dirty="0"/>
+              <a:t> </a:t>
+            </a:r>
+            <a:r>
+              <a:rPr lang="en" sz="1400" dirty="0" err="1"/>
+              <a:t>interpretado</a:t>
+            </a:r>
+            <a:r>
+              <a:rPr lang="en" sz="1400" dirty="0"/>
+              <a:t> "</a:t>
+            </a:r>
+            <a:r>
+              <a:rPr lang="en" sz="1400" dirty="0" err="1"/>
+              <a:t>Cuando</a:t>
+            </a:r>
+            <a:r>
+              <a:rPr lang="en" sz="1400" dirty="0"/>
+              <a:t> p, q" </a:t>
+            </a:r>
+            <a:r>
+              <a:rPr lang="en" sz="1400" dirty="0" err="1"/>
+              <a:t>como</a:t>
+            </a:r>
+            <a:r>
+              <a:rPr lang="en" sz="1400" dirty="0"/>
+              <a:t> "Si p, </a:t>
+            </a:r>
+            <a:r>
+              <a:rPr lang="en" sz="1400" dirty="0" err="1"/>
+              <a:t>entonces</a:t>
+            </a:r>
+            <a:r>
+              <a:rPr lang="en" sz="1400" dirty="0"/>
+              <a:t> q". </a:t>
+            </a:r>
+            <a:r>
+              <a:rPr lang="en" sz="1400" dirty="0" err="1"/>
+              <a:t>Tercer</a:t>
+            </a:r>
+            <a:r>
+              <a:rPr lang="en" sz="1400" dirty="0"/>
+              <a:t> </a:t>
+            </a:r>
+            <a:r>
+              <a:rPr lang="en" sz="1400" dirty="0" err="1"/>
+              <a:t>ejemplo</a:t>
+            </a:r>
+            <a:r>
+              <a:rPr lang="en" sz="1400" dirty="0"/>
+              <a:t>: la </a:t>
+            </a:r>
+            <a:r>
+              <a:rPr lang="en" sz="1400" dirty="0" err="1"/>
+              <a:t>falsedad</a:t>
+            </a:r>
+            <a:r>
+              <a:rPr lang="en" sz="1400" dirty="0"/>
+              <a:t> </a:t>
+            </a:r>
+            <a:r>
+              <a:rPr lang="en" sz="1400" dirty="0" err="1"/>
+              <a:t>implica</a:t>
+            </a:r>
+            <a:r>
+              <a:rPr lang="en" sz="1400" dirty="0"/>
+              <a:t> </a:t>
+            </a:r>
+            <a:r>
+              <a:rPr lang="en" sz="1400" dirty="0" err="1"/>
+              <a:t>cualquier</a:t>
+            </a:r>
+            <a:r>
+              <a:rPr lang="en" sz="1400" dirty="0"/>
+              <a:t> </a:t>
+            </a:r>
+            <a:r>
+              <a:rPr lang="en" sz="1400" dirty="0" err="1"/>
+              <a:t>cosa</a:t>
+            </a:r>
+            <a:r>
+              <a:rPr lang="en" sz="1400" dirty="0"/>
+              <a:t>. </a:t>
             </a:r>
           </a:p>
         </p:txBody>
@@ -6341,11 +7615,11 @@
 </file>
 
 <file path=ppt/slides/slide16.xml><?xml version="1.0" encoding="utf-8"?>
-<p:sld xmlns:a="http://schemas.openxmlformats.org/drawingml/2006/main" xmlns:r="http://schemas.openxmlformats.org/officeDocument/2006/relationships" xmlns:mc="http://schemas.openxmlformats.org/markup-compatibility/2006" xmlns:mv="urn:schemas-microsoft-com:mac:vml" xmlns:p="http://schemas.openxmlformats.org/presentationml/2006/main" xmlns:c="http://schemas.openxmlformats.org/drawingml/2006/chart" xmlns:dgm="http://schemas.openxmlformats.org/drawingml/2006/diagram" xmlns:o="urn:schemas-microsoft-com:office:office" xmlns:v="urn:schemas-microsoft-com:vml" xmlns:pvml="urn:schemas-microsoft-com:office:powerpoint" xmlns:com="http://schemas.openxmlformats.org/drawingml/2006/compatibility" xmlns:p14="http://schemas.microsoft.com/office/powerpoint/2010/main" xmlns:p15="http://schemas.microsoft.com/office/powerpoint/2012/main">
+<p:sld xmlns:a="http://schemas.openxmlformats.org/drawingml/2006/main" xmlns:r="http://schemas.openxmlformats.org/officeDocument/2006/relationships" xmlns:p="http://schemas.openxmlformats.org/presentationml/2006/main">
   <p:cSld>
     <p:spTree>
       <p:nvGrpSpPr>
-        <p:cNvPr id="143" name="Shape 143"/>
+        <p:cNvPr id="1" name="Shape 143"/>
         <p:cNvGrpSpPr/>
         <p:nvPr/>
       </p:nvGrpSpPr>
@@ -6360,7 +7634,9 @@
       <p:sp>
         <p:nvSpPr>
           <p:cNvPr id="144" name="Shape 144"/>
-          <p:cNvSpPr txBox="1"/>
+          <p:cNvSpPr txBox="1">
+            <a:spLocks noGrp="1"/>
+          </p:cNvSpPr>
           <p:nvPr>
             <p:ph type="title"/>
           </p:nvPr>
@@ -6375,7 +7651,7 @@
           </a:prstGeom>
         </p:spPr>
         <p:txBody>
-          <a:bodyPr anchorCtr="0" anchor="t" bIns="91425" lIns="91425" rIns="91425" wrap="square" tIns="91425">
+          <a:bodyPr wrap="square" lIns="91425" tIns="91425" rIns="91425" bIns="91425" anchor="t" anchorCtr="0">
             <a:noAutofit/>
           </a:bodyPr>
           <a:lstStyle/>
@@ -6386,9 +7662,6 @@
               </a:spcBef>
               <a:buNone/>
             </a:pPr>
-            <a:r>
-              <a:t/>
-            </a:r>
             <a:endParaRPr/>
           </a:p>
         </p:txBody>
@@ -6396,9 +7669,11 @@
       <p:sp>
         <p:nvSpPr>
           <p:cNvPr id="145" name="Shape 145"/>
-          <p:cNvSpPr txBox="1"/>
+          <p:cNvSpPr txBox="1">
+            <a:spLocks noGrp="1"/>
+          </p:cNvSpPr>
           <p:nvPr>
-            <p:ph idx="1" type="body"/>
+            <p:ph type="body" idx="1"/>
           </p:nvPr>
         </p:nvSpPr>
         <p:spPr>
@@ -6411,7 +7686,7 @@
           </a:prstGeom>
         </p:spPr>
         <p:txBody>
-          <a:bodyPr anchorCtr="0" anchor="t" bIns="91425" lIns="91425" rIns="91425" wrap="square" tIns="91425">
+          <a:bodyPr wrap="square" lIns="91425" tIns="91425" rIns="91425" bIns="91425" anchor="t" anchorCtr="0">
             <a:noAutofit/>
           </a:bodyPr>
           <a:lstStyle/>
@@ -6438,11 +7713,11 @@
 </file>
 
 <file path=ppt/slides/slide17.xml><?xml version="1.0" encoding="utf-8"?>
-<p:sld xmlns:a="http://schemas.openxmlformats.org/drawingml/2006/main" xmlns:r="http://schemas.openxmlformats.org/officeDocument/2006/relationships" xmlns:mc="http://schemas.openxmlformats.org/markup-compatibility/2006" xmlns:mv="urn:schemas-microsoft-com:mac:vml" xmlns:p="http://schemas.openxmlformats.org/presentationml/2006/main" xmlns:c="http://schemas.openxmlformats.org/drawingml/2006/chart" xmlns:dgm="http://schemas.openxmlformats.org/drawingml/2006/diagram" xmlns:o="urn:schemas-microsoft-com:office:office" xmlns:v="urn:schemas-microsoft-com:vml" xmlns:pvml="urn:schemas-microsoft-com:office:powerpoint" xmlns:com="http://schemas.openxmlformats.org/drawingml/2006/compatibility" xmlns:p14="http://schemas.microsoft.com/office/powerpoint/2010/main" xmlns:p15="http://schemas.microsoft.com/office/powerpoint/2012/main">
+<p:sld xmlns:a="http://schemas.openxmlformats.org/drawingml/2006/main" xmlns:r="http://schemas.openxmlformats.org/officeDocument/2006/relationships" xmlns:p="http://schemas.openxmlformats.org/presentationml/2006/main">
   <p:cSld>
     <p:spTree>
       <p:nvGrpSpPr>
-        <p:cNvPr id="149" name="Shape 149"/>
+        <p:cNvPr id="1" name="Shape 149"/>
         <p:cNvGrpSpPr/>
         <p:nvPr/>
       </p:nvGrpSpPr>
@@ -6457,7 +7732,9 @@
       <p:sp>
         <p:nvSpPr>
           <p:cNvPr id="150" name="Shape 150"/>
-          <p:cNvSpPr txBox="1"/>
+          <p:cNvSpPr txBox="1">
+            <a:spLocks noGrp="1"/>
+          </p:cNvSpPr>
           <p:nvPr>
             <p:ph type="title"/>
           </p:nvPr>
@@ -6472,7 +7749,7 @@
           </a:prstGeom>
         </p:spPr>
         <p:txBody>
-          <a:bodyPr anchorCtr="0" anchor="t" bIns="91425" lIns="91425" rIns="91425" wrap="square" tIns="91425">
+          <a:bodyPr wrap="square" lIns="91425" tIns="91425" rIns="91425" bIns="91425" anchor="t" anchorCtr="0">
             <a:noAutofit/>
           </a:bodyPr>
           <a:lstStyle/>
@@ -6483,9 +7760,6 @@
               </a:spcBef>
               <a:buNone/>
             </a:pPr>
-            <a:r>
-              <a:t/>
-            </a:r>
             <a:endParaRPr/>
           </a:p>
         </p:txBody>
@@ -6493,9 +7767,11 @@
       <p:sp>
         <p:nvSpPr>
           <p:cNvPr id="151" name="Shape 151"/>
-          <p:cNvSpPr txBox="1"/>
+          <p:cNvSpPr txBox="1">
+            <a:spLocks noGrp="1"/>
+          </p:cNvSpPr>
           <p:nvPr>
-            <p:ph idx="1" type="body"/>
+            <p:ph type="body" idx="1"/>
           </p:nvPr>
         </p:nvSpPr>
         <p:spPr>
@@ -6508,7 +7784,7 @@
           </a:prstGeom>
         </p:spPr>
         <p:txBody>
-          <a:bodyPr anchorCtr="0" anchor="t" bIns="91425" lIns="91425" rIns="91425" wrap="square" tIns="91425">
+          <a:bodyPr wrap="square" lIns="91425" tIns="91425" rIns="91425" bIns="91425" anchor="t" anchorCtr="0">
             <a:noAutofit/>
           </a:bodyPr>
           <a:lstStyle/>
@@ -6520,8 +7796,732 @@
               <a:buNone/>
             </a:pPr>
             <a:r>
-              <a:rPr lang="en"/>
-              <a:t>Propiedades de los enunciados condicionales Ya hemos visto que tanto la conjunción como la disyunción tienen la propiedad conmutativa, es decir el orden de los enunciados de las conjunciones o de las disyunciones no altera su valor de verdad: es lo mismo p q que q p, y también es lo mismo p q que q p. El recíproco del implicador Pero, ¿ocurre lo mismo con el implicador? ¿Es lo mismo p q que q p? La respuesta es que no. Veámoslo con cierto detenimiento. Se dice que q p es el recíproco de p q. El implicador no tiene la propiedad conmutativa y esto se aprecia en la comparación de las tablas de verdad de p q y de su recíproco q p: Valores diferentes P q p q q p V V V V V F F V F V V F F F V V Veámoslo con un ejemplo: Sea p el enunciado "Llueve", y q: "El  suelo está mojado", siendo, por consiguiente p q "Si llueve, entonces el suelo está mojado". Veamos el recíproco de este enunciado: q p: "Si el suelo está mojado, entonces llueve". Vemos que los dos enunciados no son lógicamente equivalentes, pues si p es verdadero, y q falso: </a:t>
+              <a:rPr lang="en" sz="1400" dirty="0" err="1"/>
+              <a:t>Propiedades</a:t>
+            </a:r>
+            <a:r>
+              <a:rPr lang="en" sz="1400" dirty="0"/>
+              <a:t> de </a:t>
+            </a:r>
+            <a:r>
+              <a:rPr lang="en" sz="1400" dirty="0" err="1"/>
+              <a:t>los</a:t>
+            </a:r>
+            <a:r>
+              <a:rPr lang="en" sz="1400" dirty="0"/>
+              <a:t> </a:t>
+            </a:r>
+            <a:r>
+              <a:rPr lang="en" sz="1400" dirty="0" err="1"/>
+              <a:t>enunciados</a:t>
+            </a:r>
+            <a:r>
+              <a:rPr lang="en" sz="1400" dirty="0"/>
+              <a:t> </a:t>
+            </a:r>
+            <a:r>
+              <a:rPr lang="en" sz="1400" dirty="0" err="1"/>
+              <a:t>condicionales</a:t>
+            </a:r>
+            <a:r>
+              <a:rPr lang="en" sz="1400" dirty="0"/>
+              <a:t> </a:t>
+            </a:r>
+            <a:r>
+              <a:rPr lang="en" sz="1400" dirty="0" err="1"/>
+              <a:t>Ya</a:t>
+            </a:r>
+            <a:r>
+              <a:rPr lang="en" sz="1400" dirty="0"/>
+              <a:t> </a:t>
+            </a:r>
+            <a:r>
+              <a:rPr lang="en" sz="1400" dirty="0" err="1"/>
+              <a:t>hemos</a:t>
+            </a:r>
+            <a:r>
+              <a:rPr lang="en" sz="1400" dirty="0"/>
+              <a:t> </a:t>
+            </a:r>
+            <a:r>
+              <a:rPr lang="en" sz="1400" dirty="0" err="1"/>
+              <a:t>visto</a:t>
+            </a:r>
+            <a:r>
+              <a:rPr lang="en" sz="1400" dirty="0"/>
+              <a:t> que </a:t>
+            </a:r>
+            <a:r>
+              <a:rPr lang="en" sz="1400" dirty="0" err="1"/>
+              <a:t>tanto</a:t>
+            </a:r>
+            <a:r>
+              <a:rPr lang="en" sz="1400" dirty="0"/>
+              <a:t> la </a:t>
+            </a:r>
+            <a:r>
+              <a:rPr lang="en" sz="1400" dirty="0" err="1"/>
+              <a:t>conjunción</a:t>
+            </a:r>
+            <a:r>
+              <a:rPr lang="en" sz="1400" dirty="0"/>
+              <a:t> </a:t>
+            </a:r>
+            <a:r>
+              <a:rPr lang="en" sz="1400" dirty="0" err="1"/>
+              <a:t>como</a:t>
+            </a:r>
+            <a:r>
+              <a:rPr lang="en" sz="1400" dirty="0"/>
+              <a:t> la </a:t>
+            </a:r>
+            <a:r>
+              <a:rPr lang="en" sz="1400" dirty="0" err="1"/>
+              <a:t>disyunción</a:t>
+            </a:r>
+            <a:r>
+              <a:rPr lang="en" sz="1400" dirty="0"/>
+              <a:t> </a:t>
+            </a:r>
+            <a:r>
+              <a:rPr lang="en" sz="1400" dirty="0" err="1"/>
+              <a:t>tienen</a:t>
+            </a:r>
+            <a:r>
+              <a:rPr lang="en" sz="1400" dirty="0"/>
+              <a:t> la </a:t>
+            </a:r>
+            <a:r>
+              <a:rPr lang="en" sz="1400" dirty="0" err="1"/>
+              <a:t>propiedad</a:t>
+            </a:r>
+            <a:r>
+              <a:rPr lang="en" sz="1400" dirty="0"/>
+              <a:t> </a:t>
+            </a:r>
+            <a:r>
+              <a:rPr lang="en" sz="1400" dirty="0" err="1"/>
+              <a:t>conmutativa</a:t>
+            </a:r>
+            <a:r>
+              <a:rPr lang="en" sz="1400" dirty="0"/>
+              <a:t>, </a:t>
+            </a:r>
+            <a:r>
+              <a:rPr lang="en" sz="1400" dirty="0" err="1"/>
+              <a:t>es</a:t>
+            </a:r>
+            <a:r>
+              <a:rPr lang="en" sz="1400" dirty="0"/>
+              <a:t> </a:t>
+            </a:r>
+            <a:r>
+              <a:rPr lang="en" sz="1400" dirty="0" err="1"/>
+              <a:t>decir</a:t>
+            </a:r>
+            <a:r>
+              <a:rPr lang="en" sz="1400" dirty="0"/>
+              <a:t> el </a:t>
+            </a:r>
+            <a:r>
+              <a:rPr lang="en" sz="1400" dirty="0" err="1"/>
+              <a:t>orden</a:t>
+            </a:r>
+            <a:r>
+              <a:rPr lang="en" sz="1400" dirty="0"/>
+              <a:t> de </a:t>
+            </a:r>
+            <a:r>
+              <a:rPr lang="en" sz="1400" dirty="0" err="1"/>
+              <a:t>los</a:t>
+            </a:r>
+            <a:r>
+              <a:rPr lang="en" sz="1400" dirty="0"/>
+              <a:t> </a:t>
+            </a:r>
+            <a:r>
+              <a:rPr lang="en" sz="1400" dirty="0" err="1"/>
+              <a:t>enunciados</a:t>
+            </a:r>
+            <a:r>
+              <a:rPr lang="en" sz="1400" dirty="0"/>
+              <a:t> de las </a:t>
+            </a:r>
+            <a:r>
+              <a:rPr lang="en" sz="1400" dirty="0" err="1"/>
+              <a:t>conjunciones</a:t>
+            </a:r>
+            <a:r>
+              <a:rPr lang="en" sz="1400" dirty="0"/>
+              <a:t> o de las </a:t>
+            </a:r>
+            <a:r>
+              <a:rPr lang="en" sz="1400" dirty="0" err="1"/>
+              <a:t>disyunciones</a:t>
+            </a:r>
+            <a:r>
+              <a:rPr lang="en" sz="1400" dirty="0"/>
+              <a:t> no </a:t>
+            </a:r>
+            <a:r>
+              <a:rPr lang="en" sz="1400" dirty="0" err="1"/>
+              <a:t>altera</a:t>
+            </a:r>
+            <a:r>
+              <a:rPr lang="en" sz="1400" dirty="0"/>
+              <a:t> </a:t>
+            </a:r>
+            <a:r>
+              <a:rPr lang="en" sz="1400" dirty="0" err="1"/>
+              <a:t>su</a:t>
+            </a:r>
+            <a:r>
+              <a:rPr lang="en" sz="1400" dirty="0"/>
+              <a:t> valor de </a:t>
+            </a:r>
+            <a:r>
+              <a:rPr lang="en" sz="1400" dirty="0" err="1"/>
+              <a:t>verdad</a:t>
+            </a:r>
+            <a:r>
+              <a:rPr lang="en" sz="1400" dirty="0"/>
+              <a:t>: </a:t>
+            </a:r>
+            <a:r>
+              <a:rPr lang="en" sz="1400" dirty="0" err="1"/>
+              <a:t>es</a:t>
+            </a:r>
+            <a:r>
+              <a:rPr lang="en" sz="1400" dirty="0"/>
+              <a:t> lo </a:t>
+            </a:r>
+            <a:r>
+              <a:rPr lang="en" sz="1400" dirty="0" err="1"/>
+              <a:t>mismo</a:t>
+            </a:r>
+            <a:r>
+              <a:rPr lang="en" sz="1400" dirty="0"/>
+              <a:t> p q que q p, y </a:t>
+            </a:r>
+            <a:r>
+              <a:rPr lang="en" sz="1400" dirty="0" err="1"/>
+              <a:t>también</a:t>
+            </a:r>
+            <a:r>
+              <a:rPr lang="en" sz="1400" dirty="0"/>
+              <a:t> </a:t>
+            </a:r>
+            <a:r>
+              <a:rPr lang="en" sz="1400" dirty="0" err="1"/>
+              <a:t>es</a:t>
+            </a:r>
+            <a:r>
+              <a:rPr lang="en" sz="1400" dirty="0"/>
+              <a:t> lo </a:t>
+            </a:r>
+            <a:r>
+              <a:rPr lang="en" sz="1400" dirty="0" err="1"/>
+              <a:t>mismo</a:t>
+            </a:r>
+            <a:r>
+              <a:rPr lang="en" sz="1400" dirty="0"/>
+              <a:t> p q que q p. El </a:t>
+            </a:r>
+            <a:r>
+              <a:rPr lang="en" sz="1400" dirty="0" err="1"/>
+              <a:t>recíproco</a:t>
+            </a:r>
+            <a:r>
+              <a:rPr lang="en" sz="1400" dirty="0"/>
+              <a:t> del </a:t>
+            </a:r>
+            <a:r>
+              <a:rPr lang="en" sz="1400" dirty="0" err="1"/>
+              <a:t>implicador</a:t>
+            </a:r>
+            <a:r>
+              <a:rPr lang="en" sz="1400" dirty="0"/>
+              <a:t> Pero, ¿</a:t>
+            </a:r>
+            <a:r>
+              <a:rPr lang="en" sz="1400" dirty="0" err="1"/>
+              <a:t>ocurre</a:t>
+            </a:r>
+            <a:r>
+              <a:rPr lang="en" sz="1400" dirty="0"/>
+              <a:t> lo </a:t>
+            </a:r>
+            <a:r>
+              <a:rPr lang="en" sz="1400" dirty="0" err="1"/>
+              <a:t>mismo</a:t>
+            </a:r>
+            <a:r>
+              <a:rPr lang="en" sz="1400" dirty="0"/>
+              <a:t> con el </a:t>
+            </a:r>
+            <a:r>
+              <a:rPr lang="en" sz="1400" dirty="0" err="1"/>
+              <a:t>implicador</a:t>
+            </a:r>
+            <a:r>
+              <a:rPr lang="en" sz="1400" dirty="0"/>
+              <a:t>? ¿</a:t>
+            </a:r>
+            <a:r>
+              <a:rPr lang="en" sz="1400" dirty="0" err="1"/>
+              <a:t>Es</a:t>
+            </a:r>
+            <a:r>
+              <a:rPr lang="en" sz="1400" dirty="0"/>
+              <a:t> lo </a:t>
+            </a:r>
+            <a:r>
+              <a:rPr lang="en" sz="1400" dirty="0" err="1"/>
+              <a:t>mismo</a:t>
+            </a:r>
+            <a:r>
+              <a:rPr lang="en" sz="1400" dirty="0"/>
+              <a:t> p q que q p? La </a:t>
+            </a:r>
+            <a:r>
+              <a:rPr lang="en" sz="1400" dirty="0" err="1"/>
+              <a:t>respuesta</a:t>
+            </a:r>
+            <a:r>
+              <a:rPr lang="en" sz="1400" dirty="0"/>
+              <a:t> </a:t>
+            </a:r>
+            <a:r>
+              <a:rPr lang="en" sz="1400" dirty="0" err="1"/>
+              <a:t>es</a:t>
+            </a:r>
+            <a:r>
+              <a:rPr lang="en" sz="1400" dirty="0"/>
+              <a:t> que no. </a:t>
+            </a:r>
+            <a:r>
+              <a:rPr lang="en" sz="1400" dirty="0" err="1"/>
+              <a:t>Veámoslo</a:t>
+            </a:r>
+            <a:r>
+              <a:rPr lang="en" sz="1400" dirty="0"/>
+              <a:t> con </a:t>
+            </a:r>
+            <a:r>
+              <a:rPr lang="en" sz="1400" dirty="0" err="1"/>
+              <a:t>cierto</a:t>
+            </a:r>
+            <a:r>
+              <a:rPr lang="en" sz="1400" dirty="0"/>
+              <a:t> </a:t>
+            </a:r>
+            <a:r>
+              <a:rPr lang="en" sz="1400" dirty="0" err="1"/>
+              <a:t>detenimiento</a:t>
+            </a:r>
+            <a:r>
+              <a:rPr lang="en" sz="1400" dirty="0"/>
+              <a:t>. Se dice que q p </a:t>
+            </a:r>
+            <a:r>
+              <a:rPr lang="en" sz="1400" dirty="0" err="1"/>
+              <a:t>es</a:t>
+            </a:r>
+            <a:r>
+              <a:rPr lang="en" sz="1400" dirty="0"/>
+              <a:t> el </a:t>
+            </a:r>
+            <a:r>
+              <a:rPr lang="en" sz="1400" dirty="0" err="1"/>
+              <a:t>recíproco</a:t>
+            </a:r>
+            <a:r>
+              <a:rPr lang="en" sz="1400" dirty="0"/>
+              <a:t> de p q. El </a:t>
+            </a:r>
+            <a:r>
+              <a:rPr lang="en" sz="1400" dirty="0" err="1"/>
+              <a:t>implicador</a:t>
+            </a:r>
+            <a:r>
+              <a:rPr lang="en" sz="1400" dirty="0"/>
+              <a:t> no </a:t>
+            </a:r>
+            <a:r>
+              <a:rPr lang="en" sz="1400" dirty="0" err="1"/>
+              <a:t>tiene</a:t>
+            </a:r>
+            <a:r>
+              <a:rPr lang="en" sz="1400" dirty="0"/>
+              <a:t> la </a:t>
+            </a:r>
+            <a:r>
+              <a:rPr lang="en" sz="1400" dirty="0" err="1"/>
+              <a:t>propiedad</a:t>
+            </a:r>
+            <a:r>
+              <a:rPr lang="en" sz="1400" dirty="0"/>
+              <a:t> </a:t>
+            </a:r>
+            <a:r>
+              <a:rPr lang="en" sz="1400" dirty="0" err="1"/>
+              <a:t>conmutativa</a:t>
+            </a:r>
+            <a:r>
+              <a:rPr lang="en" sz="1400" dirty="0"/>
+              <a:t> y </a:t>
+            </a:r>
+            <a:r>
+              <a:rPr lang="en" sz="1400" dirty="0" err="1"/>
+              <a:t>esto</a:t>
+            </a:r>
+            <a:r>
+              <a:rPr lang="en" sz="1400" dirty="0"/>
+              <a:t> se </a:t>
+            </a:r>
+            <a:r>
+              <a:rPr lang="en" sz="1400" dirty="0" err="1"/>
+              <a:t>aprecia</a:t>
+            </a:r>
+            <a:r>
+              <a:rPr lang="en" sz="1400" dirty="0"/>
+              <a:t> </a:t>
+            </a:r>
+            <a:r>
+              <a:rPr lang="en" sz="1400" dirty="0" err="1"/>
+              <a:t>en</a:t>
+            </a:r>
+            <a:r>
+              <a:rPr lang="en" sz="1400" dirty="0"/>
+              <a:t> la </a:t>
+            </a:r>
+            <a:r>
+              <a:rPr lang="en" sz="1400" dirty="0" err="1"/>
+              <a:t>comparación</a:t>
+            </a:r>
+            <a:r>
+              <a:rPr lang="en" sz="1400" dirty="0"/>
+              <a:t> de las </a:t>
+            </a:r>
+            <a:r>
+              <a:rPr lang="en" sz="1400" dirty="0" err="1"/>
+              <a:t>tablas</a:t>
+            </a:r>
+            <a:r>
+              <a:rPr lang="en" sz="1400" dirty="0"/>
+              <a:t> de </a:t>
+            </a:r>
+            <a:r>
+              <a:rPr lang="en" sz="1400" dirty="0" err="1"/>
+              <a:t>verdad</a:t>
+            </a:r>
+            <a:r>
+              <a:rPr lang="en" sz="1400" dirty="0"/>
+              <a:t> de p q y de </a:t>
+            </a:r>
+            <a:r>
+              <a:rPr lang="en" sz="1400" dirty="0" err="1"/>
+              <a:t>su</a:t>
+            </a:r>
+            <a:r>
+              <a:rPr lang="en" sz="1400" dirty="0"/>
+              <a:t> </a:t>
+            </a:r>
+            <a:r>
+              <a:rPr lang="en" sz="1400" dirty="0" err="1"/>
+              <a:t>recíproco</a:t>
+            </a:r>
+            <a:r>
+              <a:rPr lang="en" sz="1400" dirty="0"/>
+              <a:t> q p: </a:t>
+            </a:r>
+            <a:r>
+              <a:rPr lang="en" sz="1400" dirty="0" err="1"/>
+              <a:t>Valores</a:t>
+            </a:r>
+            <a:r>
+              <a:rPr lang="en" sz="1400" dirty="0"/>
+              <a:t> </a:t>
+            </a:r>
+            <a:r>
+              <a:rPr lang="en" sz="1400" dirty="0" err="1"/>
+              <a:t>diferentes</a:t>
+            </a:r>
+            <a:r>
+              <a:rPr lang="en" sz="1400" dirty="0"/>
+              <a:t> P q p q q p V V V V V F F V F V V F F F V V </a:t>
+            </a:r>
+            <a:r>
+              <a:rPr lang="en" sz="1400" dirty="0" err="1"/>
+              <a:t>Veámoslo</a:t>
+            </a:r>
+            <a:r>
+              <a:rPr lang="en" sz="1400" dirty="0"/>
+              <a:t> con un </a:t>
+            </a:r>
+            <a:r>
+              <a:rPr lang="en" sz="1400" dirty="0" err="1"/>
+              <a:t>ejemplo</a:t>
+            </a:r>
+            <a:r>
+              <a:rPr lang="en" sz="1400" dirty="0"/>
+              <a:t>: Sea p el </a:t>
+            </a:r>
+            <a:r>
+              <a:rPr lang="en" sz="1400" dirty="0" err="1"/>
+              <a:t>enunciado</a:t>
+            </a:r>
+            <a:r>
+              <a:rPr lang="en" sz="1400" dirty="0"/>
+              <a:t> "</a:t>
+            </a:r>
+            <a:r>
+              <a:rPr lang="en" sz="1400" dirty="0" err="1"/>
+              <a:t>Llueve</a:t>
+            </a:r>
+            <a:r>
+              <a:rPr lang="en" sz="1400" dirty="0"/>
+              <a:t>", y q: "El  </a:t>
+            </a:r>
+            <a:r>
+              <a:rPr lang="en" sz="1400" dirty="0" err="1"/>
+              <a:t>suelo</a:t>
+            </a:r>
+            <a:r>
+              <a:rPr lang="en" sz="1400" dirty="0"/>
+              <a:t> </a:t>
+            </a:r>
+            <a:r>
+              <a:rPr lang="en" sz="1400" dirty="0" err="1"/>
+              <a:t>está</a:t>
+            </a:r>
+            <a:r>
+              <a:rPr lang="en" sz="1400" dirty="0"/>
+              <a:t> </a:t>
+            </a:r>
+            <a:r>
+              <a:rPr lang="en" sz="1400" dirty="0" err="1"/>
+              <a:t>mojado</a:t>
+            </a:r>
+            <a:r>
+              <a:rPr lang="en" sz="1400" dirty="0"/>
+              <a:t>", </a:t>
+            </a:r>
+            <a:r>
+              <a:rPr lang="en" sz="1400" dirty="0" err="1"/>
+              <a:t>siendo</a:t>
+            </a:r>
+            <a:r>
+              <a:rPr lang="en" sz="1400" dirty="0"/>
+              <a:t>, </a:t>
+            </a:r>
+            <a:r>
+              <a:rPr lang="en" sz="1400" dirty="0" err="1"/>
+              <a:t>por</a:t>
+            </a:r>
+            <a:r>
+              <a:rPr lang="en" sz="1400" dirty="0"/>
+              <a:t> </a:t>
+            </a:r>
+            <a:r>
+              <a:rPr lang="en" sz="1400" dirty="0" err="1"/>
+              <a:t>consiguiente</a:t>
+            </a:r>
+            <a:r>
+              <a:rPr lang="en" sz="1400" dirty="0"/>
+              <a:t> p q "Si </a:t>
+            </a:r>
+            <a:r>
+              <a:rPr lang="en" sz="1400" dirty="0" err="1"/>
+              <a:t>llueve</a:t>
+            </a:r>
+            <a:r>
+              <a:rPr lang="en" sz="1400" dirty="0"/>
+              <a:t>, </a:t>
+            </a:r>
+            <a:r>
+              <a:rPr lang="en" sz="1400" dirty="0" err="1"/>
+              <a:t>entonces</a:t>
+            </a:r>
+            <a:r>
+              <a:rPr lang="en" sz="1400" dirty="0"/>
+              <a:t> el </a:t>
+            </a:r>
+            <a:r>
+              <a:rPr lang="en" sz="1400" dirty="0" err="1"/>
+              <a:t>suelo</a:t>
+            </a:r>
+            <a:r>
+              <a:rPr lang="en" sz="1400" dirty="0"/>
+              <a:t> </a:t>
+            </a:r>
+            <a:r>
+              <a:rPr lang="en" sz="1400" dirty="0" err="1"/>
+              <a:t>está</a:t>
+            </a:r>
+            <a:r>
+              <a:rPr lang="en" sz="1400" dirty="0"/>
+              <a:t> </a:t>
+            </a:r>
+            <a:r>
+              <a:rPr lang="en" sz="1400" dirty="0" err="1"/>
+              <a:t>mojado</a:t>
+            </a:r>
+            <a:r>
+              <a:rPr lang="en" sz="1400" dirty="0"/>
+              <a:t>". </a:t>
+            </a:r>
+            <a:r>
+              <a:rPr lang="en" sz="1400" dirty="0" err="1"/>
+              <a:t>Veamos</a:t>
+            </a:r>
+            <a:r>
+              <a:rPr lang="en" sz="1400" dirty="0"/>
+              <a:t> el </a:t>
+            </a:r>
+            <a:r>
+              <a:rPr lang="en" sz="1400" dirty="0" err="1"/>
+              <a:t>recíproco</a:t>
+            </a:r>
+            <a:r>
+              <a:rPr lang="en" sz="1400" dirty="0"/>
+              <a:t> de </a:t>
+            </a:r>
+            <a:r>
+              <a:rPr lang="en" sz="1400" dirty="0" err="1"/>
+              <a:t>este</a:t>
+            </a:r>
+            <a:r>
+              <a:rPr lang="en" sz="1400" dirty="0"/>
+              <a:t> </a:t>
+            </a:r>
+            <a:r>
+              <a:rPr lang="en" sz="1400" dirty="0" err="1"/>
+              <a:t>enunciado</a:t>
+            </a:r>
+            <a:r>
+              <a:rPr lang="en" sz="1400" dirty="0"/>
+              <a:t>: q p: "Si el </a:t>
+            </a:r>
+            <a:r>
+              <a:rPr lang="en" sz="1400" dirty="0" err="1"/>
+              <a:t>suelo</a:t>
+            </a:r>
+            <a:r>
+              <a:rPr lang="en" sz="1400" dirty="0"/>
+              <a:t> </a:t>
+            </a:r>
+            <a:r>
+              <a:rPr lang="en" sz="1400" dirty="0" err="1"/>
+              <a:t>está</a:t>
+            </a:r>
+            <a:r>
+              <a:rPr lang="en" sz="1400" dirty="0"/>
+              <a:t> </a:t>
+            </a:r>
+            <a:r>
+              <a:rPr lang="en" sz="1400" dirty="0" err="1"/>
+              <a:t>mojado</a:t>
+            </a:r>
+            <a:r>
+              <a:rPr lang="en" sz="1400" dirty="0"/>
+              <a:t>, </a:t>
+            </a:r>
+            <a:r>
+              <a:rPr lang="en" sz="1400" dirty="0" err="1"/>
+              <a:t>entonces</a:t>
+            </a:r>
+            <a:r>
+              <a:rPr lang="en" sz="1400" dirty="0"/>
+              <a:t> </a:t>
+            </a:r>
+            <a:r>
+              <a:rPr lang="en" sz="1400" dirty="0" err="1"/>
+              <a:t>llueve</a:t>
+            </a:r>
+            <a:r>
+              <a:rPr lang="en" sz="1400" dirty="0"/>
+              <a:t>". </a:t>
+            </a:r>
+            <a:r>
+              <a:rPr lang="en" sz="1400" dirty="0" err="1"/>
+              <a:t>Vemos</a:t>
+            </a:r>
+            <a:r>
+              <a:rPr lang="en" sz="1400" dirty="0"/>
+              <a:t> que </a:t>
+            </a:r>
+            <a:r>
+              <a:rPr lang="en" sz="1400" dirty="0" err="1"/>
+              <a:t>los</a:t>
+            </a:r>
+            <a:r>
+              <a:rPr lang="en" sz="1400" dirty="0"/>
+              <a:t> dos </a:t>
+            </a:r>
+            <a:r>
+              <a:rPr lang="en" sz="1400" dirty="0" err="1"/>
+              <a:t>enunciados</a:t>
+            </a:r>
+            <a:r>
+              <a:rPr lang="en" sz="1400" dirty="0"/>
+              <a:t> no son </a:t>
+            </a:r>
+            <a:r>
+              <a:rPr lang="en" sz="1400" dirty="0" err="1"/>
+              <a:t>lógicamente</a:t>
+            </a:r>
+            <a:r>
+              <a:rPr lang="en" sz="1400" dirty="0"/>
+              <a:t> </a:t>
+            </a:r>
+            <a:r>
+              <a:rPr lang="en" sz="1400" dirty="0" err="1"/>
+              <a:t>equivalentes</a:t>
+            </a:r>
+            <a:r>
+              <a:rPr lang="en" sz="1400" dirty="0"/>
+              <a:t>, </a:t>
+            </a:r>
+            <a:r>
+              <a:rPr lang="en" sz="1400" dirty="0" err="1"/>
+              <a:t>pues</a:t>
+            </a:r>
+            <a:r>
+              <a:rPr lang="en" sz="1400" dirty="0"/>
+              <a:t> </a:t>
+            </a:r>
+            <a:r>
+              <a:rPr lang="en" sz="1400" dirty="0" err="1"/>
+              <a:t>si</a:t>
+            </a:r>
+            <a:r>
+              <a:rPr lang="en" sz="1400" dirty="0"/>
+              <a:t> p </a:t>
+            </a:r>
+            <a:r>
+              <a:rPr lang="en" sz="1400" dirty="0" err="1"/>
+              <a:t>es</a:t>
+            </a:r>
+            <a:r>
+              <a:rPr lang="en" sz="1400" dirty="0"/>
+              <a:t> </a:t>
+            </a:r>
+            <a:r>
+              <a:rPr lang="en" sz="1400" dirty="0" err="1"/>
+              <a:t>verdadero</a:t>
+            </a:r>
+            <a:r>
+              <a:rPr lang="en" sz="1400" dirty="0"/>
+              <a:t>, y q </a:t>
+            </a:r>
+            <a:r>
+              <a:rPr lang="en" sz="1400" dirty="0" err="1"/>
+              <a:t>falso</a:t>
+            </a:r>
+            <a:r>
+              <a:rPr lang="en" sz="1400" dirty="0"/>
+              <a:t>: </a:t>
             </a:r>
           </a:p>
         </p:txBody>
@@ -6535,11 +8535,11 @@
 </file>
 
 <file path=ppt/slides/slide18.xml><?xml version="1.0" encoding="utf-8"?>
-<p:sld xmlns:a="http://schemas.openxmlformats.org/drawingml/2006/main" xmlns:r="http://schemas.openxmlformats.org/officeDocument/2006/relationships" xmlns:mc="http://schemas.openxmlformats.org/markup-compatibility/2006" xmlns:mv="urn:schemas-microsoft-com:mac:vml" xmlns:p="http://schemas.openxmlformats.org/presentationml/2006/main" xmlns:c="http://schemas.openxmlformats.org/drawingml/2006/chart" xmlns:dgm="http://schemas.openxmlformats.org/drawingml/2006/diagram" xmlns:o="urn:schemas-microsoft-com:office:office" xmlns:v="urn:schemas-microsoft-com:vml" xmlns:pvml="urn:schemas-microsoft-com:office:powerpoint" xmlns:com="http://schemas.openxmlformats.org/drawingml/2006/compatibility" xmlns:p14="http://schemas.microsoft.com/office/powerpoint/2010/main" xmlns:p15="http://schemas.microsoft.com/office/powerpoint/2012/main">
+<p:sld xmlns:a="http://schemas.openxmlformats.org/drawingml/2006/main" xmlns:r="http://schemas.openxmlformats.org/officeDocument/2006/relationships" xmlns:p="http://schemas.openxmlformats.org/presentationml/2006/main">
   <p:cSld>
     <p:spTree>
       <p:nvGrpSpPr>
-        <p:cNvPr id="155" name="Shape 155"/>
+        <p:cNvPr id="1" name="Shape 155"/>
         <p:cNvGrpSpPr/>
         <p:nvPr/>
       </p:nvGrpSpPr>
@@ -6554,7 +8554,9 @@
       <p:sp>
         <p:nvSpPr>
           <p:cNvPr id="156" name="Shape 156"/>
-          <p:cNvSpPr txBox="1"/>
+          <p:cNvSpPr txBox="1">
+            <a:spLocks noGrp="1"/>
+          </p:cNvSpPr>
           <p:nvPr>
             <p:ph type="title"/>
           </p:nvPr>
@@ -6569,7 +8571,7 @@
           </a:prstGeom>
         </p:spPr>
         <p:txBody>
-          <a:bodyPr anchorCtr="0" anchor="t" bIns="91425" lIns="91425" rIns="91425" wrap="square" tIns="91425">
+          <a:bodyPr wrap="square" lIns="91425" tIns="91425" rIns="91425" bIns="91425" anchor="t" anchorCtr="0">
             <a:noAutofit/>
           </a:bodyPr>
           <a:lstStyle/>
@@ -6580,9 +8582,6 @@
               </a:spcBef>
               <a:buNone/>
             </a:pPr>
-            <a:r>
-              <a:t/>
-            </a:r>
             <a:endParaRPr/>
           </a:p>
         </p:txBody>
@@ -6590,9 +8589,11 @@
       <p:sp>
         <p:nvSpPr>
           <p:cNvPr id="157" name="Shape 157"/>
-          <p:cNvSpPr txBox="1"/>
+          <p:cNvSpPr txBox="1">
+            <a:spLocks noGrp="1"/>
+          </p:cNvSpPr>
           <p:nvPr>
-            <p:ph idx="1" type="body"/>
+            <p:ph type="body" idx="1"/>
           </p:nvPr>
         </p:nvSpPr>
         <p:spPr>
@@ -6605,7 +8606,7 @@
           </a:prstGeom>
         </p:spPr>
         <p:txBody>
-          <a:bodyPr anchorCtr="0" anchor="t" bIns="91425" lIns="91425" rIns="91425" wrap="square" tIns="91425">
+          <a:bodyPr wrap="square" lIns="91425" tIns="91425" rIns="91425" bIns="91425" anchor="t" anchorCtr="0">
             <a:noAutofit/>
           </a:bodyPr>
           <a:lstStyle/>
@@ -6632,11 +8633,11 @@
 </file>
 
 <file path=ppt/slides/slide19.xml><?xml version="1.0" encoding="utf-8"?>
-<p:sld xmlns:a="http://schemas.openxmlformats.org/drawingml/2006/main" xmlns:r="http://schemas.openxmlformats.org/officeDocument/2006/relationships" xmlns:mc="http://schemas.openxmlformats.org/markup-compatibility/2006" xmlns:mv="urn:schemas-microsoft-com:mac:vml" xmlns:p="http://schemas.openxmlformats.org/presentationml/2006/main" xmlns:c="http://schemas.openxmlformats.org/drawingml/2006/chart" xmlns:dgm="http://schemas.openxmlformats.org/drawingml/2006/diagram" xmlns:o="urn:schemas-microsoft-com:office:office" xmlns:v="urn:schemas-microsoft-com:vml" xmlns:pvml="urn:schemas-microsoft-com:office:powerpoint" xmlns:com="http://schemas.openxmlformats.org/drawingml/2006/compatibility" xmlns:p14="http://schemas.microsoft.com/office/powerpoint/2010/main" xmlns:p15="http://schemas.microsoft.com/office/powerpoint/2012/main">
+<p:sld xmlns:a="http://schemas.openxmlformats.org/drawingml/2006/main" xmlns:r="http://schemas.openxmlformats.org/officeDocument/2006/relationships" xmlns:p="http://schemas.openxmlformats.org/presentationml/2006/main">
   <p:cSld>
     <p:spTree>
       <p:nvGrpSpPr>
-        <p:cNvPr id="161" name="Shape 161"/>
+        <p:cNvPr id="1" name="Shape 161"/>
         <p:cNvGrpSpPr/>
         <p:nvPr/>
       </p:nvGrpSpPr>
@@ -6651,7 +8652,9 @@
       <p:sp>
         <p:nvSpPr>
           <p:cNvPr id="162" name="Shape 162"/>
-          <p:cNvSpPr txBox="1"/>
+          <p:cNvSpPr txBox="1">
+            <a:spLocks noGrp="1"/>
+          </p:cNvSpPr>
           <p:nvPr>
             <p:ph type="title"/>
           </p:nvPr>
@@ -6666,7 +8669,7 @@
           </a:prstGeom>
         </p:spPr>
         <p:txBody>
-          <a:bodyPr anchorCtr="0" anchor="t" bIns="91425" lIns="91425" rIns="91425" wrap="square" tIns="91425">
+          <a:bodyPr wrap="square" lIns="91425" tIns="91425" rIns="91425" bIns="91425" anchor="t" anchorCtr="0">
             <a:noAutofit/>
           </a:bodyPr>
           <a:lstStyle/>
@@ -6677,9 +8680,6 @@
               </a:spcBef>
               <a:buNone/>
             </a:pPr>
-            <a:r>
-              <a:t/>
-            </a:r>
             <a:endParaRPr/>
           </a:p>
         </p:txBody>
@@ -6687,9 +8687,11 @@
       <p:sp>
         <p:nvSpPr>
           <p:cNvPr id="163" name="Shape 163"/>
-          <p:cNvSpPr txBox="1"/>
+          <p:cNvSpPr txBox="1">
+            <a:spLocks noGrp="1"/>
+          </p:cNvSpPr>
           <p:nvPr>
-            <p:ph idx="1" type="body"/>
+            <p:ph type="body" idx="1"/>
           </p:nvPr>
         </p:nvSpPr>
         <p:spPr>
@@ -6702,7 +8704,7 @@
           </a:prstGeom>
         </p:spPr>
         <p:txBody>
-          <a:bodyPr anchorCtr="0" anchor="t" bIns="91425" lIns="91425" rIns="91425" wrap="square" tIns="91425">
+          <a:bodyPr wrap="square" lIns="91425" tIns="91425" rIns="91425" bIns="91425" anchor="t" anchorCtr="0">
             <a:noAutofit/>
           </a:bodyPr>
           <a:lstStyle/>
@@ -6729,11 +8731,11 @@
 </file>
 
 <file path=ppt/slides/slide2.xml><?xml version="1.0" encoding="utf-8"?>
-<p:sld xmlns:a="http://schemas.openxmlformats.org/drawingml/2006/main" xmlns:r="http://schemas.openxmlformats.org/officeDocument/2006/relationships" xmlns:mc="http://schemas.openxmlformats.org/markup-compatibility/2006" xmlns:mv="urn:schemas-microsoft-com:mac:vml" xmlns:p="http://schemas.openxmlformats.org/presentationml/2006/main" xmlns:c="http://schemas.openxmlformats.org/drawingml/2006/chart" xmlns:dgm="http://schemas.openxmlformats.org/drawingml/2006/diagram" xmlns:o="urn:schemas-microsoft-com:office:office" xmlns:v="urn:schemas-microsoft-com:vml" xmlns:pvml="urn:schemas-microsoft-com:office:powerpoint" xmlns:com="http://schemas.openxmlformats.org/drawingml/2006/compatibility" xmlns:p14="http://schemas.microsoft.com/office/powerpoint/2010/main" xmlns:p15="http://schemas.microsoft.com/office/powerpoint/2012/main">
+<p:sld xmlns:a="http://schemas.openxmlformats.org/drawingml/2006/main" xmlns:r="http://schemas.openxmlformats.org/officeDocument/2006/relationships" xmlns:p="http://schemas.openxmlformats.org/presentationml/2006/main">
   <p:cSld>
     <p:spTree>
       <p:nvGrpSpPr>
-        <p:cNvPr id="59" name="Shape 59"/>
+        <p:cNvPr id="1" name="Shape 59"/>
         <p:cNvGrpSpPr/>
         <p:nvPr/>
       </p:nvGrpSpPr>
@@ -6748,7 +8750,9 @@
       <p:sp>
         <p:nvSpPr>
           <p:cNvPr id="60" name="Shape 60"/>
-          <p:cNvSpPr txBox="1"/>
+          <p:cNvSpPr txBox="1">
+            <a:spLocks noGrp="1"/>
+          </p:cNvSpPr>
           <p:nvPr>
             <p:ph type="title"/>
           </p:nvPr>
@@ -6763,7 +8767,7 @@
           </a:prstGeom>
         </p:spPr>
         <p:txBody>
-          <a:bodyPr anchorCtr="0" anchor="t" bIns="91425" lIns="91425" rIns="91425" wrap="square" tIns="91425">
+          <a:bodyPr wrap="square" lIns="91425" tIns="91425" rIns="91425" bIns="91425" anchor="t" anchorCtr="0">
             <a:noAutofit/>
           </a:bodyPr>
           <a:lstStyle/>
@@ -6784,9 +8788,11 @@
       <p:sp>
         <p:nvSpPr>
           <p:cNvPr id="61" name="Shape 61"/>
-          <p:cNvSpPr txBox="1"/>
+          <p:cNvSpPr txBox="1">
+            <a:spLocks noGrp="1"/>
+          </p:cNvSpPr>
           <p:nvPr>
-            <p:ph idx="1" type="body"/>
+            <p:ph type="body" idx="1"/>
           </p:nvPr>
         </p:nvSpPr>
         <p:spPr>
@@ -6799,7 +8805,7 @@
           </a:prstGeom>
         </p:spPr>
         <p:txBody>
-          <a:bodyPr anchorCtr="0" anchor="t" bIns="91425" lIns="91425" rIns="91425" wrap="square" tIns="91425">
+          <a:bodyPr wrap="square" lIns="91425" tIns="91425" rIns="91425" bIns="91425" anchor="t" anchorCtr="0">
             <a:noAutofit/>
           </a:bodyPr>
           <a:lstStyle/>
@@ -6906,15 +8912,22 @@
   <p:clrMapOvr>
     <a:masterClrMapping/>
   </p:clrMapOvr>
+  <p:timing>
+    <p:tnLst>
+      <p:par>
+        <p:cTn id="1" dur="indefinite" restart="never" nodeType="tmRoot"/>
+      </p:par>
+    </p:tnLst>
+  </p:timing>
 </p:sld>
 </file>
 
 <file path=ppt/slides/slide20.xml><?xml version="1.0" encoding="utf-8"?>
-<p:sld xmlns:a="http://schemas.openxmlformats.org/drawingml/2006/main" xmlns:r="http://schemas.openxmlformats.org/officeDocument/2006/relationships" xmlns:mc="http://schemas.openxmlformats.org/markup-compatibility/2006" xmlns:mv="urn:schemas-microsoft-com:mac:vml" xmlns:p="http://schemas.openxmlformats.org/presentationml/2006/main" xmlns:c="http://schemas.openxmlformats.org/drawingml/2006/chart" xmlns:dgm="http://schemas.openxmlformats.org/drawingml/2006/diagram" xmlns:o="urn:schemas-microsoft-com:office:office" xmlns:v="urn:schemas-microsoft-com:vml" xmlns:pvml="urn:schemas-microsoft-com:office:powerpoint" xmlns:com="http://schemas.openxmlformats.org/drawingml/2006/compatibility" xmlns:p14="http://schemas.microsoft.com/office/powerpoint/2010/main" xmlns:p15="http://schemas.microsoft.com/office/powerpoint/2012/main">
+<p:sld xmlns:a="http://schemas.openxmlformats.org/drawingml/2006/main" xmlns:r="http://schemas.openxmlformats.org/officeDocument/2006/relationships" xmlns:p="http://schemas.openxmlformats.org/presentationml/2006/main">
   <p:cSld>
     <p:spTree>
       <p:nvGrpSpPr>
-        <p:cNvPr id="167" name="Shape 167"/>
+        <p:cNvPr id="1" name="Shape 167"/>
         <p:cNvGrpSpPr/>
         <p:nvPr/>
       </p:nvGrpSpPr>
@@ -6929,7 +8942,9 @@
       <p:sp>
         <p:nvSpPr>
           <p:cNvPr id="168" name="Shape 168"/>
-          <p:cNvSpPr txBox="1"/>
+          <p:cNvSpPr txBox="1">
+            <a:spLocks noGrp="1"/>
+          </p:cNvSpPr>
           <p:nvPr>
             <p:ph type="title"/>
           </p:nvPr>
@@ -6944,7 +8959,7 @@
           </a:prstGeom>
         </p:spPr>
         <p:txBody>
-          <a:bodyPr anchorCtr="0" anchor="t" bIns="91425" lIns="91425" rIns="91425" wrap="square" tIns="91425">
+          <a:bodyPr wrap="square" lIns="91425" tIns="91425" rIns="91425" bIns="91425" anchor="t" anchorCtr="0">
             <a:noAutofit/>
           </a:bodyPr>
           <a:lstStyle/>
@@ -6955,9 +8970,6 @@
               </a:spcBef>
               <a:buNone/>
             </a:pPr>
-            <a:r>
-              <a:t/>
-            </a:r>
             <a:endParaRPr/>
           </a:p>
         </p:txBody>
@@ -6965,9 +8977,11 @@
       <p:sp>
         <p:nvSpPr>
           <p:cNvPr id="169" name="Shape 169"/>
-          <p:cNvSpPr txBox="1"/>
+          <p:cNvSpPr txBox="1">
+            <a:spLocks noGrp="1"/>
+          </p:cNvSpPr>
           <p:nvPr>
-            <p:ph idx="1" type="body"/>
+            <p:ph type="body" idx="1"/>
           </p:nvPr>
         </p:nvSpPr>
         <p:spPr>
@@ -6980,7 +8994,7 @@
           </a:prstGeom>
         </p:spPr>
         <p:txBody>
-          <a:bodyPr anchorCtr="0" anchor="t" bIns="91425" lIns="91425" rIns="91425" wrap="square" tIns="91425">
+          <a:bodyPr wrap="square" lIns="91425" tIns="91425" rIns="91425" bIns="91425" anchor="t" anchorCtr="0">
             <a:noAutofit/>
           </a:bodyPr>
           <a:lstStyle/>
@@ -6992,8 +9006,1232 @@
               <a:buNone/>
             </a:pPr>
             <a:r>
-              <a:rPr lang="en"/>
-              <a:t>El bicondicional (o coimplicación) Ya hemos comprobado que p q no es lo mismo que q p. Puede ocurrir, sin embargo, que tanto p q como q p sean verdaderos. Por ejemplo, si p:"La Tierra es cúbica", y q:"El Sol es un planeta", entonces tanto p q como q p son verdaderos, porque tanto p como q son falsos. Es necesario tener esto en cuenta para entender bien el concepto de bicondicional Mediante el bicondicional lo que queremos decir es que un enunciado es a la vez condición necesaria y suficiente para otro. Así, si digo que p: "apruebo Filosofía" y q: "saco un 5 o más en el examen de Lógica" la fórmula p q significa "apruebo Filosofía si y sólo si saco un 5 o más en el examen de Lógica". Con este "si y sólo si" quiero poner de manifiesto tres cosas: 1. Al introducir el primer condicional "si" (en "si y sólo si"), introduzco el antecedente, y por tanto afirmo que p q, (es decir aprobaré Filosofía si saco 5 o más en el examen de Lógica), 2. Al introducir "sólo si" (en "si y sólo si"), introduzco el consecuente, buscando comunicar que q p, (es decir, que si saco un 5 o más en el examen de Lógica, entonces apruebo la Filosofía), y 3. Al utilizar el conectivo "y" (en "si y sólo si"), quiero comunicar la conjunción de p q con q p. Así pues, el enunciado "apruebo Filosofía si y sólo si saco un 5 o más en el examen de Lógica" se puede formalizar de dos formas equivalentes: (p q) (q p), o bien p q. </a:t>
+              <a:rPr lang="en" sz="1400" dirty="0"/>
+              <a:t>El </a:t>
+            </a:r>
+            <a:r>
+              <a:rPr lang="en" sz="1400" dirty="0" err="1"/>
+              <a:t>bicondicional</a:t>
+            </a:r>
+            <a:r>
+              <a:rPr lang="en" sz="1400" dirty="0"/>
+              <a:t> (o </a:t>
+            </a:r>
+            <a:r>
+              <a:rPr lang="en" sz="1400" dirty="0" err="1"/>
+              <a:t>coimplicación</a:t>
+            </a:r>
+            <a:r>
+              <a:rPr lang="en" sz="1400" dirty="0"/>
+              <a:t>) </a:t>
+            </a:r>
+            <a:r>
+              <a:rPr lang="en" sz="1400" dirty="0" err="1"/>
+              <a:t>Ya</a:t>
+            </a:r>
+            <a:r>
+              <a:rPr lang="en" sz="1400" dirty="0"/>
+              <a:t> </a:t>
+            </a:r>
+            <a:r>
+              <a:rPr lang="en" sz="1400" dirty="0" err="1"/>
+              <a:t>hemos</a:t>
+            </a:r>
+            <a:r>
+              <a:rPr lang="en" sz="1400" dirty="0"/>
+              <a:t> </a:t>
+            </a:r>
+            <a:r>
+              <a:rPr lang="en" sz="1400" dirty="0" err="1"/>
+              <a:t>comprobado</a:t>
+            </a:r>
+            <a:r>
+              <a:rPr lang="en" sz="1400" dirty="0"/>
+              <a:t> que p q no </a:t>
+            </a:r>
+            <a:r>
+              <a:rPr lang="en" sz="1400" dirty="0" err="1"/>
+              <a:t>es</a:t>
+            </a:r>
+            <a:r>
+              <a:rPr lang="en" sz="1400" dirty="0"/>
+              <a:t> lo </a:t>
+            </a:r>
+            <a:r>
+              <a:rPr lang="en" sz="1400" dirty="0" err="1"/>
+              <a:t>mismo</a:t>
+            </a:r>
+            <a:r>
+              <a:rPr lang="en" sz="1400" dirty="0"/>
+              <a:t> que q p. </a:t>
+            </a:r>
+            <a:r>
+              <a:rPr lang="en" sz="1400" dirty="0" err="1"/>
+              <a:t>Puede</a:t>
+            </a:r>
+            <a:r>
+              <a:rPr lang="en" sz="1400" dirty="0"/>
+              <a:t> </a:t>
+            </a:r>
+            <a:r>
+              <a:rPr lang="en" sz="1400" dirty="0" err="1"/>
+              <a:t>ocurrir</a:t>
+            </a:r>
+            <a:r>
+              <a:rPr lang="en" sz="1400" dirty="0"/>
+              <a:t>, sin embargo, que </a:t>
+            </a:r>
+            <a:r>
+              <a:rPr lang="en" sz="1400" dirty="0" err="1"/>
+              <a:t>tanto</a:t>
+            </a:r>
+            <a:r>
+              <a:rPr lang="en" sz="1400" dirty="0"/>
+              <a:t> p q </a:t>
+            </a:r>
+            <a:r>
+              <a:rPr lang="en" sz="1400" dirty="0" err="1"/>
+              <a:t>como</a:t>
+            </a:r>
+            <a:r>
+              <a:rPr lang="en" sz="1400" dirty="0"/>
+              <a:t> q p </a:t>
+            </a:r>
+            <a:r>
+              <a:rPr lang="en" sz="1400" dirty="0" err="1"/>
+              <a:t>sean</a:t>
+            </a:r>
+            <a:r>
+              <a:rPr lang="en" sz="1400" dirty="0"/>
+              <a:t> </a:t>
+            </a:r>
+            <a:r>
+              <a:rPr lang="en" sz="1400" dirty="0" err="1"/>
+              <a:t>verdaderos</a:t>
+            </a:r>
+            <a:r>
+              <a:rPr lang="en" sz="1400" dirty="0"/>
+              <a:t>. </a:t>
+            </a:r>
+            <a:r>
+              <a:rPr lang="en" sz="1400" dirty="0" err="1"/>
+              <a:t>Por</a:t>
+            </a:r>
+            <a:r>
+              <a:rPr lang="en" sz="1400" dirty="0"/>
+              <a:t> </a:t>
+            </a:r>
+            <a:r>
+              <a:rPr lang="en" sz="1400" dirty="0" err="1"/>
+              <a:t>ejemplo</a:t>
+            </a:r>
+            <a:r>
+              <a:rPr lang="en" sz="1400" dirty="0"/>
+              <a:t>, </a:t>
+            </a:r>
+            <a:r>
+              <a:rPr lang="en" sz="1400" dirty="0" err="1"/>
+              <a:t>si</a:t>
+            </a:r>
+            <a:r>
+              <a:rPr lang="en" sz="1400" dirty="0"/>
+              <a:t> </a:t>
+            </a:r>
+            <a:r>
+              <a:rPr lang="en" sz="1400" dirty="0" err="1"/>
+              <a:t>p:"La</a:t>
+            </a:r>
+            <a:r>
+              <a:rPr lang="en" sz="1400" dirty="0"/>
+              <a:t> Tierra </a:t>
+            </a:r>
+            <a:r>
+              <a:rPr lang="en" sz="1400" dirty="0" err="1"/>
+              <a:t>es</a:t>
+            </a:r>
+            <a:r>
+              <a:rPr lang="en" sz="1400" dirty="0"/>
+              <a:t> </a:t>
+            </a:r>
+            <a:r>
+              <a:rPr lang="en" sz="1400" dirty="0" err="1"/>
+              <a:t>cúbica</a:t>
+            </a:r>
+            <a:r>
+              <a:rPr lang="en" sz="1400" dirty="0"/>
+              <a:t>", y </a:t>
+            </a:r>
+            <a:r>
+              <a:rPr lang="en" sz="1400" dirty="0" err="1"/>
+              <a:t>q:"El</a:t>
+            </a:r>
+            <a:r>
+              <a:rPr lang="en" sz="1400" dirty="0"/>
+              <a:t> Sol </a:t>
+            </a:r>
+            <a:r>
+              <a:rPr lang="en" sz="1400" dirty="0" err="1"/>
+              <a:t>es</a:t>
+            </a:r>
+            <a:r>
+              <a:rPr lang="en" sz="1400" dirty="0"/>
+              <a:t> un </a:t>
+            </a:r>
+            <a:r>
+              <a:rPr lang="en" sz="1400" dirty="0" err="1"/>
+              <a:t>planeta</a:t>
+            </a:r>
+            <a:r>
+              <a:rPr lang="en" sz="1400" dirty="0"/>
+              <a:t>", </a:t>
+            </a:r>
+            <a:r>
+              <a:rPr lang="en" sz="1400" dirty="0" err="1"/>
+              <a:t>entonces</a:t>
+            </a:r>
+            <a:r>
+              <a:rPr lang="en" sz="1400" dirty="0"/>
+              <a:t> </a:t>
+            </a:r>
+            <a:r>
+              <a:rPr lang="en" sz="1400" dirty="0" err="1"/>
+              <a:t>tanto</a:t>
+            </a:r>
+            <a:r>
+              <a:rPr lang="en" sz="1400" dirty="0"/>
+              <a:t> p q </a:t>
+            </a:r>
+            <a:r>
+              <a:rPr lang="en" sz="1400" dirty="0" err="1"/>
+              <a:t>como</a:t>
+            </a:r>
+            <a:r>
+              <a:rPr lang="en" sz="1400" dirty="0"/>
+              <a:t> q p son </a:t>
+            </a:r>
+            <a:r>
+              <a:rPr lang="en" sz="1400" dirty="0" err="1"/>
+              <a:t>verdaderos</a:t>
+            </a:r>
+            <a:r>
+              <a:rPr lang="en" sz="1400" dirty="0"/>
+              <a:t>, </a:t>
+            </a:r>
+            <a:r>
+              <a:rPr lang="en" sz="1400" dirty="0" err="1"/>
+              <a:t>porque</a:t>
+            </a:r>
+            <a:r>
+              <a:rPr lang="en" sz="1400" dirty="0"/>
+              <a:t> </a:t>
+            </a:r>
+            <a:r>
+              <a:rPr lang="en" sz="1400" dirty="0" err="1"/>
+              <a:t>tanto</a:t>
+            </a:r>
+            <a:r>
+              <a:rPr lang="en" sz="1400" dirty="0"/>
+              <a:t> p </a:t>
+            </a:r>
+            <a:r>
+              <a:rPr lang="en" sz="1400" dirty="0" err="1"/>
+              <a:t>como</a:t>
+            </a:r>
+            <a:r>
+              <a:rPr lang="en" sz="1400" dirty="0"/>
+              <a:t> q son </a:t>
+            </a:r>
+            <a:r>
+              <a:rPr lang="en" sz="1400" dirty="0" err="1"/>
+              <a:t>falsos</a:t>
+            </a:r>
+            <a:r>
+              <a:rPr lang="en" sz="1400" dirty="0"/>
+              <a:t>. </a:t>
+            </a:r>
+            <a:r>
+              <a:rPr lang="en" sz="1400" dirty="0" err="1"/>
+              <a:t>Es</a:t>
+            </a:r>
+            <a:r>
+              <a:rPr lang="en" sz="1400" dirty="0"/>
+              <a:t> </a:t>
+            </a:r>
+            <a:r>
+              <a:rPr lang="en" sz="1400" dirty="0" err="1"/>
+              <a:t>necesario</a:t>
+            </a:r>
+            <a:r>
+              <a:rPr lang="en" sz="1400" dirty="0"/>
+              <a:t> </a:t>
+            </a:r>
+            <a:r>
+              <a:rPr lang="en" sz="1400" dirty="0" err="1"/>
+              <a:t>tener</a:t>
+            </a:r>
+            <a:r>
+              <a:rPr lang="en" sz="1400" dirty="0"/>
+              <a:t> </a:t>
+            </a:r>
+            <a:r>
+              <a:rPr lang="en" sz="1400" dirty="0" err="1"/>
+              <a:t>esto</a:t>
+            </a:r>
+            <a:r>
+              <a:rPr lang="en" sz="1400" dirty="0"/>
+              <a:t> </a:t>
+            </a:r>
+            <a:r>
+              <a:rPr lang="en" sz="1400" dirty="0" err="1"/>
+              <a:t>en</a:t>
+            </a:r>
+            <a:r>
+              <a:rPr lang="en" sz="1400" dirty="0"/>
+              <a:t> </a:t>
+            </a:r>
+            <a:r>
+              <a:rPr lang="en" sz="1400" dirty="0" err="1"/>
+              <a:t>cuenta</a:t>
+            </a:r>
+            <a:r>
+              <a:rPr lang="en" sz="1400" dirty="0"/>
+              <a:t> para </a:t>
+            </a:r>
+            <a:r>
+              <a:rPr lang="en" sz="1400" dirty="0" err="1"/>
+              <a:t>entender</a:t>
+            </a:r>
+            <a:r>
+              <a:rPr lang="en" sz="1400" dirty="0"/>
+              <a:t> </a:t>
+            </a:r>
+            <a:r>
+              <a:rPr lang="en" sz="1400" dirty="0" err="1"/>
+              <a:t>bien</a:t>
+            </a:r>
+            <a:r>
+              <a:rPr lang="en" sz="1400" dirty="0"/>
+              <a:t> el </a:t>
+            </a:r>
+            <a:r>
+              <a:rPr lang="en" sz="1400" dirty="0" err="1"/>
+              <a:t>concepto</a:t>
+            </a:r>
+            <a:r>
+              <a:rPr lang="en" sz="1400" dirty="0"/>
+              <a:t> de </a:t>
+            </a:r>
+            <a:r>
+              <a:rPr lang="en" sz="1400" dirty="0" err="1"/>
+              <a:t>bicondicional</a:t>
+            </a:r>
+            <a:r>
+              <a:rPr lang="en" sz="1400" dirty="0"/>
+              <a:t> Mediante el </a:t>
+            </a:r>
+            <a:r>
+              <a:rPr lang="en" sz="1400" dirty="0" err="1"/>
+              <a:t>bicondicional</a:t>
+            </a:r>
+            <a:r>
+              <a:rPr lang="en" sz="1400" dirty="0"/>
+              <a:t> lo que </a:t>
+            </a:r>
+            <a:r>
+              <a:rPr lang="en" sz="1400" dirty="0" err="1"/>
+              <a:t>queremos</a:t>
+            </a:r>
+            <a:r>
+              <a:rPr lang="en" sz="1400" dirty="0"/>
+              <a:t> </a:t>
+            </a:r>
+            <a:r>
+              <a:rPr lang="en" sz="1400" dirty="0" err="1"/>
+              <a:t>decir</a:t>
+            </a:r>
+            <a:r>
+              <a:rPr lang="en" sz="1400" dirty="0"/>
+              <a:t> </a:t>
+            </a:r>
+            <a:r>
+              <a:rPr lang="en" sz="1400" dirty="0" err="1"/>
+              <a:t>es</a:t>
+            </a:r>
+            <a:r>
+              <a:rPr lang="en" sz="1400" dirty="0"/>
+              <a:t> que un </a:t>
+            </a:r>
+            <a:r>
+              <a:rPr lang="en" sz="1400" dirty="0" err="1"/>
+              <a:t>enunciado</a:t>
+            </a:r>
+            <a:r>
+              <a:rPr lang="en" sz="1400" dirty="0"/>
+              <a:t> </a:t>
+            </a:r>
+            <a:r>
+              <a:rPr lang="en" sz="1400" dirty="0" err="1"/>
+              <a:t>es</a:t>
+            </a:r>
+            <a:r>
+              <a:rPr lang="en" sz="1400" dirty="0"/>
+              <a:t> a la </a:t>
+            </a:r>
+            <a:r>
+              <a:rPr lang="en" sz="1400" dirty="0" err="1"/>
+              <a:t>vez</a:t>
+            </a:r>
+            <a:r>
+              <a:rPr lang="en" sz="1400" dirty="0"/>
+              <a:t> </a:t>
+            </a:r>
+            <a:r>
+              <a:rPr lang="en" sz="1400" dirty="0" err="1"/>
+              <a:t>condición</a:t>
+            </a:r>
+            <a:r>
+              <a:rPr lang="en" sz="1400" dirty="0"/>
+              <a:t> </a:t>
+            </a:r>
+            <a:r>
+              <a:rPr lang="en" sz="1400" dirty="0" err="1"/>
+              <a:t>necesaria</a:t>
+            </a:r>
+            <a:r>
+              <a:rPr lang="en" sz="1400" dirty="0"/>
+              <a:t> y </a:t>
+            </a:r>
+            <a:r>
+              <a:rPr lang="en" sz="1400" dirty="0" err="1"/>
+              <a:t>suficiente</a:t>
+            </a:r>
+            <a:r>
+              <a:rPr lang="en" sz="1400" dirty="0"/>
+              <a:t> para </a:t>
+            </a:r>
+            <a:r>
+              <a:rPr lang="en" sz="1400" dirty="0" err="1"/>
+              <a:t>otro</a:t>
+            </a:r>
+            <a:r>
+              <a:rPr lang="en" sz="1400" dirty="0"/>
+              <a:t>. </a:t>
+            </a:r>
+            <a:r>
+              <a:rPr lang="en" sz="1400" dirty="0" err="1"/>
+              <a:t>Así</a:t>
+            </a:r>
+            <a:r>
+              <a:rPr lang="en" sz="1400" dirty="0"/>
+              <a:t>, </a:t>
+            </a:r>
+            <a:r>
+              <a:rPr lang="en" sz="1400" dirty="0" err="1"/>
+              <a:t>si</a:t>
+            </a:r>
+            <a:r>
+              <a:rPr lang="en" sz="1400" dirty="0"/>
+              <a:t> </a:t>
+            </a:r>
+            <a:r>
+              <a:rPr lang="en" sz="1400" dirty="0" err="1"/>
+              <a:t>digo</a:t>
+            </a:r>
+            <a:r>
+              <a:rPr lang="en" sz="1400" dirty="0"/>
+              <a:t> que p: "</a:t>
+            </a:r>
+            <a:r>
+              <a:rPr lang="en" sz="1400" dirty="0" err="1"/>
+              <a:t>apruebo</a:t>
+            </a:r>
+            <a:r>
+              <a:rPr lang="en" sz="1400" dirty="0"/>
+              <a:t> </a:t>
+            </a:r>
+            <a:r>
+              <a:rPr lang="en" sz="1400" dirty="0" err="1"/>
+              <a:t>Filosofía</a:t>
+            </a:r>
+            <a:r>
+              <a:rPr lang="en" sz="1400" dirty="0"/>
+              <a:t>" y q: "</a:t>
+            </a:r>
+            <a:r>
+              <a:rPr lang="en" sz="1400" dirty="0" err="1"/>
+              <a:t>saco</a:t>
+            </a:r>
+            <a:r>
+              <a:rPr lang="en" sz="1400" dirty="0"/>
+              <a:t> un 5 o </a:t>
+            </a:r>
+            <a:r>
+              <a:rPr lang="en" sz="1400" dirty="0" err="1"/>
+              <a:t>más</a:t>
+            </a:r>
+            <a:r>
+              <a:rPr lang="en" sz="1400" dirty="0"/>
+              <a:t> </a:t>
+            </a:r>
+            <a:r>
+              <a:rPr lang="en" sz="1400" dirty="0" err="1"/>
+              <a:t>en</a:t>
+            </a:r>
+            <a:r>
+              <a:rPr lang="en" sz="1400" dirty="0"/>
+              <a:t> el </a:t>
+            </a:r>
+            <a:r>
+              <a:rPr lang="en" sz="1400" dirty="0" err="1"/>
+              <a:t>examen</a:t>
+            </a:r>
+            <a:r>
+              <a:rPr lang="en" sz="1400" dirty="0"/>
+              <a:t> de </a:t>
+            </a:r>
+            <a:r>
+              <a:rPr lang="en" sz="1400" dirty="0" err="1"/>
+              <a:t>Lógica</a:t>
+            </a:r>
+            <a:r>
+              <a:rPr lang="en" sz="1400" dirty="0"/>
+              <a:t>" la </a:t>
+            </a:r>
+            <a:r>
+              <a:rPr lang="en" sz="1400" dirty="0" err="1"/>
+              <a:t>fórmula</a:t>
+            </a:r>
+            <a:r>
+              <a:rPr lang="en" sz="1400" dirty="0"/>
+              <a:t> p q </a:t>
+            </a:r>
+            <a:r>
+              <a:rPr lang="en" sz="1400" dirty="0" err="1"/>
+              <a:t>significa</a:t>
+            </a:r>
+            <a:r>
+              <a:rPr lang="en" sz="1400" dirty="0"/>
+              <a:t> "</a:t>
+            </a:r>
+            <a:r>
+              <a:rPr lang="en" sz="1400" dirty="0" err="1"/>
+              <a:t>apruebo</a:t>
+            </a:r>
+            <a:r>
+              <a:rPr lang="en" sz="1400" dirty="0"/>
+              <a:t> </a:t>
+            </a:r>
+            <a:r>
+              <a:rPr lang="en" sz="1400" dirty="0" err="1"/>
+              <a:t>Filosofía</a:t>
+            </a:r>
+            <a:r>
+              <a:rPr lang="en" sz="1400" dirty="0"/>
+              <a:t> </a:t>
+            </a:r>
+            <a:r>
+              <a:rPr lang="en" sz="1400" dirty="0" err="1"/>
+              <a:t>si</a:t>
+            </a:r>
+            <a:r>
+              <a:rPr lang="en" sz="1400" dirty="0"/>
+              <a:t> y </a:t>
+            </a:r>
+            <a:r>
+              <a:rPr lang="en" sz="1400" dirty="0" err="1"/>
+              <a:t>sólo</a:t>
+            </a:r>
+            <a:r>
+              <a:rPr lang="en" sz="1400" dirty="0"/>
+              <a:t> </a:t>
+            </a:r>
+            <a:r>
+              <a:rPr lang="en" sz="1400" dirty="0" err="1"/>
+              <a:t>si</a:t>
+            </a:r>
+            <a:r>
+              <a:rPr lang="en" sz="1400" dirty="0"/>
+              <a:t> </a:t>
+            </a:r>
+            <a:r>
+              <a:rPr lang="en" sz="1400" dirty="0" err="1"/>
+              <a:t>saco</a:t>
+            </a:r>
+            <a:r>
+              <a:rPr lang="en" sz="1400" dirty="0"/>
+              <a:t> un 5 o </a:t>
+            </a:r>
+            <a:r>
+              <a:rPr lang="en" sz="1400" dirty="0" err="1"/>
+              <a:t>más</a:t>
+            </a:r>
+            <a:r>
+              <a:rPr lang="en" sz="1400" dirty="0"/>
+              <a:t> </a:t>
+            </a:r>
+            <a:r>
+              <a:rPr lang="en" sz="1400" dirty="0" err="1"/>
+              <a:t>en</a:t>
+            </a:r>
+            <a:r>
+              <a:rPr lang="en" sz="1400" dirty="0"/>
+              <a:t> el </a:t>
+            </a:r>
+            <a:r>
+              <a:rPr lang="en" sz="1400" dirty="0" err="1"/>
+              <a:t>examen</a:t>
+            </a:r>
+            <a:r>
+              <a:rPr lang="en" sz="1400" dirty="0"/>
+              <a:t> de </a:t>
+            </a:r>
+            <a:r>
+              <a:rPr lang="en" sz="1400" dirty="0" err="1"/>
+              <a:t>Lógica</a:t>
+            </a:r>
+            <a:r>
+              <a:rPr lang="en" sz="1400" dirty="0"/>
+              <a:t>". Con </a:t>
+            </a:r>
+            <a:r>
+              <a:rPr lang="en" sz="1400" dirty="0" err="1"/>
+              <a:t>este</a:t>
+            </a:r>
+            <a:r>
+              <a:rPr lang="en" sz="1400" dirty="0"/>
+              <a:t> "</a:t>
+            </a:r>
+            <a:r>
+              <a:rPr lang="en" sz="1400" dirty="0" err="1"/>
+              <a:t>si</a:t>
+            </a:r>
+            <a:r>
+              <a:rPr lang="en" sz="1400" dirty="0"/>
+              <a:t> y </a:t>
+            </a:r>
+            <a:r>
+              <a:rPr lang="en" sz="1400" dirty="0" err="1"/>
+              <a:t>sólo</a:t>
+            </a:r>
+            <a:r>
+              <a:rPr lang="en" sz="1400" dirty="0"/>
+              <a:t> </a:t>
+            </a:r>
+            <a:r>
+              <a:rPr lang="en" sz="1400" dirty="0" err="1"/>
+              <a:t>si</a:t>
+            </a:r>
+            <a:r>
+              <a:rPr lang="en" sz="1400" dirty="0"/>
+              <a:t>" </a:t>
+            </a:r>
+            <a:r>
+              <a:rPr lang="en" sz="1400" dirty="0" err="1"/>
+              <a:t>quiero</a:t>
+            </a:r>
+            <a:r>
+              <a:rPr lang="en" sz="1400" dirty="0"/>
+              <a:t> </a:t>
+            </a:r>
+            <a:r>
+              <a:rPr lang="en" sz="1400" dirty="0" err="1"/>
+              <a:t>poner</a:t>
+            </a:r>
+            <a:r>
+              <a:rPr lang="en" sz="1400" dirty="0"/>
+              <a:t> de </a:t>
+            </a:r>
+            <a:r>
+              <a:rPr lang="en" sz="1400" dirty="0" err="1"/>
+              <a:t>manifiesto</a:t>
+            </a:r>
+            <a:r>
+              <a:rPr lang="en" sz="1400" dirty="0"/>
+              <a:t> </a:t>
+            </a:r>
+            <a:r>
+              <a:rPr lang="en" sz="1400" dirty="0" err="1"/>
+              <a:t>tres</a:t>
+            </a:r>
+            <a:r>
+              <a:rPr lang="en" sz="1400" dirty="0"/>
+              <a:t> </a:t>
+            </a:r>
+            <a:r>
+              <a:rPr lang="en" sz="1400" dirty="0" err="1"/>
+              <a:t>cosas</a:t>
+            </a:r>
+            <a:r>
+              <a:rPr lang="en" sz="1400" dirty="0"/>
+              <a:t>: 1. Al </a:t>
+            </a:r>
+            <a:r>
+              <a:rPr lang="en" sz="1400" dirty="0" err="1"/>
+              <a:t>introducir</a:t>
+            </a:r>
+            <a:r>
+              <a:rPr lang="en" sz="1400" dirty="0"/>
+              <a:t> el primer </a:t>
+            </a:r>
+            <a:r>
+              <a:rPr lang="en" sz="1400" dirty="0" err="1"/>
+              <a:t>condicional</a:t>
+            </a:r>
+            <a:r>
+              <a:rPr lang="en" sz="1400" dirty="0"/>
+              <a:t> "</a:t>
+            </a:r>
+            <a:r>
+              <a:rPr lang="en" sz="1400" dirty="0" err="1"/>
+              <a:t>si</a:t>
+            </a:r>
+            <a:r>
+              <a:rPr lang="en" sz="1400" dirty="0"/>
+              <a:t>" (</a:t>
+            </a:r>
+            <a:r>
+              <a:rPr lang="en" sz="1400" dirty="0" err="1"/>
+              <a:t>en</a:t>
+            </a:r>
+            <a:r>
+              <a:rPr lang="en" sz="1400" dirty="0"/>
+              <a:t> "</a:t>
+            </a:r>
+            <a:r>
+              <a:rPr lang="en" sz="1400" dirty="0" err="1"/>
+              <a:t>si</a:t>
+            </a:r>
+            <a:r>
+              <a:rPr lang="en" sz="1400" dirty="0"/>
+              <a:t> y </a:t>
+            </a:r>
+            <a:r>
+              <a:rPr lang="en" sz="1400" dirty="0" err="1"/>
+              <a:t>sólo</a:t>
+            </a:r>
+            <a:r>
+              <a:rPr lang="en" sz="1400" dirty="0"/>
+              <a:t> </a:t>
+            </a:r>
+            <a:r>
+              <a:rPr lang="en" sz="1400" dirty="0" err="1"/>
+              <a:t>si</a:t>
+            </a:r>
+            <a:r>
+              <a:rPr lang="en" sz="1400" dirty="0"/>
+              <a:t>"), </a:t>
+            </a:r>
+            <a:r>
+              <a:rPr lang="en" sz="1400" dirty="0" err="1"/>
+              <a:t>introduzco</a:t>
+            </a:r>
+            <a:r>
+              <a:rPr lang="en" sz="1400" dirty="0"/>
+              <a:t> el </a:t>
+            </a:r>
+            <a:r>
+              <a:rPr lang="en" sz="1400" dirty="0" err="1"/>
+              <a:t>antecedente</a:t>
+            </a:r>
+            <a:r>
+              <a:rPr lang="en" sz="1400" dirty="0"/>
+              <a:t>, y </a:t>
+            </a:r>
+            <a:r>
+              <a:rPr lang="en" sz="1400" dirty="0" err="1"/>
+              <a:t>por</a:t>
+            </a:r>
+            <a:r>
+              <a:rPr lang="en" sz="1400" dirty="0"/>
+              <a:t> </a:t>
+            </a:r>
+            <a:r>
+              <a:rPr lang="en" sz="1400" dirty="0" err="1"/>
+              <a:t>tanto</a:t>
+            </a:r>
+            <a:r>
+              <a:rPr lang="en" sz="1400" dirty="0"/>
+              <a:t> </a:t>
+            </a:r>
+            <a:r>
+              <a:rPr lang="en" sz="1400" dirty="0" err="1"/>
+              <a:t>afirmo</a:t>
+            </a:r>
+            <a:r>
+              <a:rPr lang="en" sz="1400" dirty="0"/>
+              <a:t> que p q, (</a:t>
+            </a:r>
+            <a:r>
+              <a:rPr lang="en" sz="1400" dirty="0" err="1"/>
+              <a:t>es</a:t>
+            </a:r>
+            <a:r>
+              <a:rPr lang="en" sz="1400" dirty="0"/>
+              <a:t> </a:t>
+            </a:r>
+            <a:r>
+              <a:rPr lang="en" sz="1400" dirty="0" err="1"/>
+              <a:t>decir</a:t>
+            </a:r>
+            <a:r>
+              <a:rPr lang="en" sz="1400" dirty="0"/>
+              <a:t> </a:t>
+            </a:r>
+            <a:r>
+              <a:rPr lang="en" sz="1400" dirty="0" err="1"/>
+              <a:t>aprobaré</a:t>
+            </a:r>
+            <a:r>
+              <a:rPr lang="en" sz="1400" dirty="0"/>
+              <a:t> </a:t>
+            </a:r>
+            <a:r>
+              <a:rPr lang="en" sz="1400" dirty="0" err="1"/>
+              <a:t>Filosofía</a:t>
+            </a:r>
+            <a:r>
+              <a:rPr lang="en" sz="1400" dirty="0"/>
+              <a:t> </a:t>
+            </a:r>
+            <a:r>
+              <a:rPr lang="en" sz="1400" dirty="0" err="1"/>
+              <a:t>si</a:t>
+            </a:r>
+            <a:r>
+              <a:rPr lang="en" sz="1400" dirty="0"/>
+              <a:t> </a:t>
+            </a:r>
+            <a:r>
+              <a:rPr lang="en" sz="1400" dirty="0" err="1"/>
+              <a:t>saco</a:t>
+            </a:r>
+            <a:r>
+              <a:rPr lang="en" sz="1400" dirty="0"/>
+              <a:t> 5 o </a:t>
+            </a:r>
+            <a:r>
+              <a:rPr lang="en" sz="1400" dirty="0" err="1"/>
+              <a:t>más</a:t>
+            </a:r>
+            <a:r>
+              <a:rPr lang="en" sz="1400" dirty="0"/>
+              <a:t> </a:t>
+            </a:r>
+            <a:r>
+              <a:rPr lang="en" sz="1400" dirty="0" err="1"/>
+              <a:t>en</a:t>
+            </a:r>
+            <a:r>
+              <a:rPr lang="en" sz="1400" dirty="0"/>
+              <a:t> el </a:t>
+            </a:r>
+            <a:r>
+              <a:rPr lang="en" sz="1400" dirty="0" err="1"/>
+              <a:t>examen</a:t>
+            </a:r>
+            <a:r>
+              <a:rPr lang="en" sz="1400" dirty="0"/>
+              <a:t> de </a:t>
+            </a:r>
+            <a:r>
+              <a:rPr lang="en" sz="1400" dirty="0" err="1"/>
+              <a:t>Lógica</a:t>
+            </a:r>
+            <a:r>
+              <a:rPr lang="en" sz="1400" dirty="0"/>
+              <a:t>), 2. Al </a:t>
+            </a:r>
+            <a:r>
+              <a:rPr lang="en" sz="1400" dirty="0" err="1"/>
+              <a:t>introducir</a:t>
+            </a:r>
+            <a:r>
+              <a:rPr lang="en" sz="1400" dirty="0"/>
+              <a:t> "</a:t>
+            </a:r>
+            <a:r>
+              <a:rPr lang="en" sz="1400" dirty="0" err="1"/>
+              <a:t>sólo</a:t>
+            </a:r>
+            <a:r>
+              <a:rPr lang="en" sz="1400" dirty="0"/>
+              <a:t> </a:t>
+            </a:r>
+            <a:r>
+              <a:rPr lang="en" sz="1400" dirty="0" err="1"/>
+              <a:t>si</a:t>
+            </a:r>
+            <a:r>
+              <a:rPr lang="en" sz="1400" dirty="0"/>
+              <a:t>" (</a:t>
+            </a:r>
+            <a:r>
+              <a:rPr lang="en" sz="1400" dirty="0" err="1"/>
+              <a:t>en</a:t>
+            </a:r>
+            <a:r>
+              <a:rPr lang="en" sz="1400" dirty="0"/>
+              <a:t> "</a:t>
+            </a:r>
+            <a:r>
+              <a:rPr lang="en" sz="1400" dirty="0" err="1"/>
+              <a:t>si</a:t>
+            </a:r>
+            <a:r>
+              <a:rPr lang="en" sz="1400" dirty="0"/>
+              <a:t> y </a:t>
+            </a:r>
+            <a:r>
+              <a:rPr lang="en" sz="1400" dirty="0" err="1"/>
+              <a:t>sólo</a:t>
+            </a:r>
+            <a:r>
+              <a:rPr lang="en" sz="1400" dirty="0"/>
+              <a:t> </a:t>
+            </a:r>
+            <a:r>
+              <a:rPr lang="en" sz="1400" dirty="0" err="1"/>
+              <a:t>si</a:t>
+            </a:r>
+            <a:r>
+              <a:rPr lang="en" sz="1400" dirty="0"/>
+              <a:t>"), </a:t>
+            </a:r>
+            <a:r>
+              <a:rPr lang="en" sz="1400" dirty="0" err="1"/>
+              <a:t>introduzco</a:t>
+            </a:r>
+            <a:r>
+              <a:rPr lang="en" sz="1400" dirty="0"/>
+              <a:t> el </a:t>
+            </a:r>
+            <a:r>
+              <a:rPr lang="en" sz="1400" dirty="0" err="1"/>
+              <a:t>consecuente</a:t>
+            </a:r>
+            <a:r>
+              <a:rPr lang="en" sz="1400" dirty="0"/>
+              <a:t>, </a:t>
+            </a:r>
+            <a:r>
+              <a:rPr lang="en" sz="1400" dirty="0" err="1"/>
+              <a:t>buscando</a:t>
+            </a:r>
+            <a:r>
+              <a:rPr lang="en" sz="1400" dirty="0"/>
+              <a:t> </a:t>
+            </a:r>
+            <a:r>
+              <a:rPr lang="en" sz="1400" dirty="0" err="1"/>
+              <a:t>comunicar</a:t>
+            </a:r>
+            <a:r>
+              <a:rPr lang="en" sz="1400" dirty="0"/>
+              <a:t> que q p, (</a:t>
+            </a:r>
+            <a:r>
+              <a:rPr lang="en" sz="1400" dirty="0" err="1"/>
+              <a:t>es</a:t>
+            </a:r>
+            <a:r>
+              <a:rPr lang="en" sz="1400" dirty="0"/>
+              <a:t> </a:t>
+            </a:r>
+            <a:r>
+              <a:rPr lang="en" sz="1400" dirty="0" err="1"/>
+              <a:t>decir</a:t>
+            </a:r>
+            <a:r>
+              <a:rPr lang="en" sz="1400" dirty="0"/>
+              <a:t>, que </a:t>
+            </a:r>
+            <a:r>
+              <a:rPr lang="en" sz="1400" dirty="0" err="1"/>
+              <a:t>si</a:t>
+            </a:r>
+            <a:r>
+              <a:rPr lang="en" sz="1400" dirty="0"/>
+              <a:t> </a:t>
+            </a:r>
+            <a:r>
+              <a:rPr lang="en" sz="1400" dirty="0" err="1"/>
+              <a:t>saco</a:t>
+            </a:r>
+            <a:r>
+              <a:rPr lang="en" sz="1400" dirty="0"/>
+              <a:t> un 5 o </a:t>
+            </a:r>
+            <a:r>
+              <a:rPr lang="en" sz="1400" dirty="0" err="1"/>
+              <a:t>más</a:t>
+            </a:r>
+            <a:r>
+              <a:rPr lang="en" sz="1400" dirty="0"/>
+              <a:t> </a:t>
+            </a:r>
+            <a:r>
+              <a:rPr lang="en" sz="1400" dirty="0" err="1"/>
+              <a:t>en</a:t>
+            </a:r>
+            <a:r>
+              <a:rPr lang="en" sz="1400" dirty="0"/>
+              <a:t> el </a:t>
+            </a:r>
+            <a:r>
+              <a:rPr lang="en" sz="1400" dirty="0" err="1"/>
+              <a:t>examen</a:t>
+            </a:r>
+            <a:r>
+              <a:rPr lang="en" sz="1400" dirty="0"/>
+              <a:t> de </a:t>
+            </a:r>
+            <a:r>
+              <a:rPr lang="en" sz="1400" dirty="0" err="1"/>
+              <a:t>Lógica</a:t>
+            </a:r>
+            <a:r>
+              <a:rPr lang="en" sz="1400" dirty="0"/>
+              <a:t>, </a:t>
+            </a:r>
+            <a:r>
+              <a:rPr lang="en" sz="1400" dirty="0" err="1"/>
+              <a:t>entonces</a:t>
+            </a:r>
+            <a:r>
+              <a:rPr lang="en" sz="1400" dirty="0"/>
+              <a:t> </a:t>
+            </a:r>
+            <a:r>
+              <a:rPr lang="en" sz="1400" dirty="0" err="1"/>
+              <a:t>apruebo</a:t>
+            </a:r>
+            <a:r>
+              <a:rPr lang="en" sz="1400" dirty="0"/>
+              <a:t> la </a:t>
+            </a:r>
+            <a:r>
+              <a:rPr lang="en" sz="1400" dirty="0" err="1"/>
+              <a:t>Filosofía</a:t>
+            </a:r>
+            <a:r>
+              <a:rPr lang="en" sz="1400" dirty="0"/>
+              <a:t>), y 3. Al </a:t>
+            </a:r>
+            <a:r>
+              <a:rPr lang="en" sz="1400" dirty="0" err="1"/>
+              <a:t>utilizar</a:t>
+            </a:r>
+            <a:r>
+              <a:rPr lang="en" sz="1400" dirty="0"/>
+              <a:t> el </a:t>
+            </a:r>
+            <a:r>
+              <a:rPr lang="en" sz="1400" dirty="0" err="1"/>
+              <a:t>conectivo</a:t>
+            </a:r>
+            <a:r>
+              <a:rPr lang="en" sz="1400" dirty="0"/>
+              <a:t> "y" (</a:t>
+            </a:r>
+            <a:r>
+              <a:rPr lang="en" sz="1400" dirty="0" err="1"/>
+              <a:t>en</a:t>
+            </a:r>
+            <a:r>
+              <a:rPr lang="en" sz="1400" dirty="0"/>
+              <a:t> "</a:t>
+            </a:r>
+            <a:r>
+              <a:rPr lang="en" sz="1400" dirty="0" err="1"/>
+              <a:t>si</a:t>
+            </a:r>
+            <a:r>
+              <a:rPr lang="en" sz="1400" dirty="0"/>
+              <a:t> y </a:t>
+            </a:r>
+            <a:r>
+              <a:rPr lang="en" sz="1400" dirty="0" err="1"/>
+              <a:t>sólo</a:t>
+            </a:r>
+            <a:r>
+              <a:rPr lang="en" sz="1400" dirty="0"/>
+              <a:t> </a:t>
+            </a:r>
+            <a:r>
+              <a:rPr lang="en" sz="1400" dirty="0" err="1"/>
+              <a:t>si</a:t>
+            </a:r>
+            <a:r>
+              <a:rPr lang="en" sz="1400" dirty="0"/>
+              <a:t>"), </a:t>
+            </a:r>
+            <a:r>
+              <a:rPr lang="en" sz="1400" dirty="0" err="1"/>
+              <a:t>quiero</a:t>
+            </a:r>
+            <a:r>
+              <a:rPr lang="en" sz="1400" dirty="0"/>
+              <a:t> </a:t>
+            </a:r>
+            <a:r>
+              <a:rPr lang="en" sz="1400" dirty="0" err="1"/>
+              <a:t>comunicar</a:t>
+            </a:r>
+            <a:r>
+              <a:rPr lang="en" sz="1400" dirty="0"/>
+              <a:t> la </a:t>
+            </a:r>
+            <a:r>
+              <a:rPr lang="en" sz="1400" dirty="0" err="1"/>
+              <a:t>conjunción</a:t>
+            </a:r>
+            <a:r>
+              <a:rPr lang="en" sz="1400" dirty="0"/>
+              <a:t> de p q con q p. </a:t>
+            </a:r>
+            <a:r>
+              <a:rPr lang="en" sz="1400" dirty="0" err="1"/>
+              <a:t>Así</a:t>
+            </a:r>
+            <a:r>
+              <a:rPr lang="en" sz="1400" dirty="0"/>
+              <a:t> </a:t>
+            </a:r>
+            <a:r>
+              <a:rPr lang="en" sz="1400" dirty="0" err="1"/>
+              <a:t>pues</a:t>
+            </a:r>
+            <a:r>
+              <a:rPr lang="en" sz="1400" dirty="0"/>
+              <a:t>, el </a:t>
+            </a:r>
+            <a:r>
+              <a:rPr lang="en" sz="1400" dirty="0" err="1"/>
+              <a:t>enunciado</a:t>
+            </a:r>
+            <a:r>
+              <a:rPr lang="en" sz="1400" dirty="0"/>
+              <a:t> "</a:t>
+            </a:r>
+            <a:r>
+              <a:rPr lang="en" sz="1400" dirty="0" err="1"/>
+              <a:t>apruebo</a:t>
+            </a:r>
+            <a:r>
+              <a:rPr lang="en" sz="1400" dirty="0"/>
+              <a:t> </a:t>
+            </a:r>
+            <a:r>
+              <a:rPr lang="en" sz="1400" dirty="0" err="1"/>
+              <a:t>Filosofía</a:t>
+            </a:r>
+            <a:r>
+              <a:rPr lang="en" sz="1400" dirty="0"/>
+              <a:t> </a:t>
+            </a:r>
+            <a:r>
+              <a:rPr lang="en" sz="1400" dirty="0" err="1"/>
+              <a:t>si</a:t>
+            </a:r>
+            <a:r>
+              <a:rPr lang="en" sz="1400" dirty="0"/>
+              <a:t> y </a:t>
+            </a:r>
+            <a:r>
+              <a:rPr lang="en" sz="1400" dirty="0" err="1"/>
+              <a:t>sólo</a:t>
+            </a:r>
+            <a:r>
+              <a:rPr lang="en" sz="1400" dirty="0"/>
+              <a:t> </a:t>
+            </a:r>
+            <a:r>
+              <a:rPr lang="en" sz="1400" dirty="0" err="1"/>
+              <a:t>si</a:t>
+            </a:r>
+            <a:r>
+              <a:rPr lang="en" sz="1400" dirty="0"/>
+              <a:t> </a:t>
+            </a:r>
+            <a:r>
+              <a:rPr lang="en" sz="1400" dirty="0" err="1"/>
+              <a:t>saco</a:t>
+            </a:r>
+            <a:r>
+              <a:rPr lang="en" sz="1400" dirty="0"/>
+              <a:t> un 5 o </a:t>
+            </a:r>
+            <a:r>
+              <a:rPr lang="en" sz="1400" dirty="0" err="1"/>
+              <a:t>más</a:t>
+            </a:r>
+            <a:r>
+              <a:rPr lang="en" sz="1400" dirty="0"/>
+              <a:t> </a:t>
+            </a:r>
+            <a:r>
+              <a:rPr lang="en" sz="1400" dirty="0" err="1"/>
+              <a:t>en</a:t>
+            </a:r>
+            <a:r>
+              <a:rPr lang="en" sz="1400" dirty="0"/>
+              <a:t> el </a:t>
+            </a:r>
+            <a:r>
+              <a:rPr lang="en" sz="1400" dirty="0" err="1"/>
+              <a:t>examen</a:t>
+            </a:r>
+            <a:r>
+              <a:rPr lang="en" sz="1400" dirty="0"/>
+              <a:t> de </a:t>
+            </a:r>
+            <a:r>
+              <a:rPr lang="en" sz="1400" dirty="0" err="1"/>
+              <a:t>Lógica</a:t>
+            </a:r>
+            <a:r>
+              <a:rPr lang="en" sz="1400" dirty="0"/>
+              <a:t>" se </a:t>
+            </a:r>
+            <a:r>
+              <a:rPr lang="en" sz="1400" dirty="0" err="1"/>
+              <a:t>puede</a:t>
+            </a:r>
+            <a:r>
+              <a:rPr lang="en" sz="1400" dirty="0"/>
+              <a:t> </a:t>
+            </a:r>
+            <a:r>
+              <a:rPr lang="en" sz="1400" dirty="0" err="1"/>
+              <a:t>formalizar</a:t>
+            </a:r>
+            <a:r>
+              <a:rPr lang="en" sz="1400" dirty="0"/>
+              <a:t> de dos </a:t>
+            </a:r>
+            <a:r>
+              <a:rPr lang="en" sz="1400" dirty="0" err="1"/>
+              <a:t>formas</a:t>
+            </a:r>
+            <a:r>
+              <a:rPr lang="en" sz="1400" dirty="0"/>
+              <a:t> </a:t>
+            </a:r>
+            <a:r>
+              <a:rPr lang="en" sz="1400" dirty="0" err="1"/>
+              <a:t>equivalentes</a:t>
+            </a:r>
+            <a:r>
+              <a:rPr lang="en" sz="1400" dirty="0"/>
+              <a:t>: (p q) (q p), o </a:t>
+            </a:r>
+            <a:r>
+              <a:rPr lang="en" sz="1400" dirty="0" err="1"/>
+              <a:t>bien</a:t>
+            </a:r>
+            <a:r>
+              <a:rPr lang="en" sz="1400" dirty="0"/>
+              <a:t> p q. </a:t>
             </a:r>
           </a:p>
         </p:txBody>
@@ -7007,11 +10245,11 @@
 </file>
 
 <file path=ppt/slides/slide21.xml><?xml version="1.0" encoding="utf-8"?>
-<p:sld xmlns:a="http://schemas.openxmlformats.org/drawingml/2006/main" xmlns:r="http://schemas.openxmlformats.org/officeDocument/2006/relationships" xmlns:mc="http://schemas.openxmlformats.org/markup-compatibility/2006" xmlns:mv="urn:schemas-microsoft-com:mac:vml" xmlns:p="http://schemas.openxmlformats.org/presentationml/2006/main" xmlns:c="http://schemas.openxmlformats.org/drawingml/2006/chart" xmlns:dgm="http://schemas.openxmlformats.org/drawingml/2006/diagram" xmlns:o="urn:schemas-microsoft-com:office:office" xmlns:v="urn:schemas-microsoft-com:vml" xmlns:pvml="urn:schemas-microsoft-com:office:powerpoint" xmlns:com="http://schemas.openxmlformats.org/drawingml/2006/compatibility" xmlns:p14="http://schemas.microsoft.com/office/powerpoint/2010/main" xmlns:p15="http://schemas.microsoft.com/office/powerpoint/2012/main">
+<p:sld xmlns:a="http://schemas.openxmlformats.org/drawingml/2006/main" xmlns:r="http://schemas.openxmlformats.org/officeDocument/2006/relationships" xmlns:p="http://schemas.openxmlformats.org/presentationml/2006/main">
   <p:cSld>
     <p:spTree>
       <p:nvGrpSpPr>
-        <p:cNvPr id="173" name="Shape 173"/>
+        <p:cNvPr id="1" name="Shape 173"/>
         <p:cNvGrpSpPr/>
         <p:nvPr/>
       </p:nvGrpSpPr>
@@ -7026,7 +10264,9 @@
       <p:sp>
         <p:nvSpPr>
           <p:cNvPr id="174" name="Shape 174"/>
-          <p:cNvSpPr txBox="1"/>
+          <p:cNvSpPr txBox="1">
+            <a:spLocks noGrp="1"/>
+          </p:cNvSpPr>
           <p:nvPr>
             <p:ph type="title"/>
           </p:nvPr>
@@ -7041,7 +10281,7 @@
           </a:prstGeom>
         </p:spPr>
         <p:txBody>
-          <a:bodyPr anchorCtr="0" anchor="t" bIns="91425" lIns="91425" rIns="91425" wrap="square" tIns="91425">
+          <a:bodyPr wrap="square" lIns="91425" tIns="91425" rIns="91425" bIns="91425" anchor="t" anchorCtr="0">
             <a:noAutofit/>
           </a:bodyPr>
           <a:lstStyle/>
@@ -7052,9 +10292,6 @@
               </a:spcBef>
               <a:buNone/>
             </a:pPr>
-            <a:r>
-              <a:t/>
-            </a:r>
             <a:endParaRPr/>
           </a:p>
         </p:txBody>
@@ -7062,9 +10299,11 @@
       <p:sp>
         <p:nvSpPr>
           <p:cNvPr id="175" name="Shape 175"/>
-          <p:cNvSpPr txBox="1"/>
+          <p:cNvSpPr txBox="1">
+            <a:spLocks noGrp="1"/>
+          </p:cNvSpPr>
           <p:nvPr>
-            <p:ph idx="1" type="body"/>
+            <p:ph type="body" idx="1"/>
           </p:nvPr>
         </p:nvSpPr>
         <p:spPr>
@@ -7077,7 +10316,7 @@
           </a:prstGeom>
         </p:spPr>
         <p:txBody>
-          <a:bodyPr anchorCtr="0" anchor="t" bIns="91425" lIns="91425" rIns="91425" wrap="square" tIns="91425">
+          <a:bodyPr wrap="square" lIns="91425" tIns="91425" rIns="91425" bIns="91425" anchor="t" anchorCtr="0">
             <a:noAutofit/>
           </a:bodyPr>
           <a:lstStyle/>
@@ -7104,11 +10343,11 @@
 </file>
 
 <file path=ppt/slides/slide3.xml><?xml version="1.0" encoding="utf-8"?>
-<p:sld xmlns:a="http://schemas.openxmlformats.org/drawingml/2006/main" xmlns:r="http://schemas.openxmlformats.org/officeDocument/2006/relationships" xmlns:mc="http://schemas.openxmlformats.org/markup-compatibility/2006" xmlns:mv="urn:schemas-microsoft-com:mac:vml" xmlns:p="http://schemas.openxmlformats.org/presentationml/2006/main" xmlns:c="http://schemas.openxmlformats.org/drawingml/2006/chart" xmlns:dgm="http://schemas.openxmlformats.org/drawingml/2006/diagram" xmlns:o="urn:schemas-microsoft-com:office:office" xmlns:v="urn:schemas-microsoft-com:vml" xmlns:pvml="urn:schemas-microsoft-com:office:powerpoint" xmlns:com="http://schemas.openxmlformats.org/drawingml/2006/compatibility" xmlns:p14="http://schemas.microsoft.com/office/powerpoint/2010/main" xmlns:p15="http://schemas.microsoft.com/office/powerpoint/2012/main">
+<p:sld xmlns:a="http://schemas.openxmlformats.org/drawingml/2006/main" xmlns:r="http://schemas.openxmlformats.org/officeDocument/2006/relationships" xmlns:p="http://schemas.openxmlformats.org/presentationml/2006/main">
   <p:cSld>
     <p:spTree>
       <p:nvGrpSpPr>
-        <p:cNvPr id="65" name="Shape 65"/>
+        <p:cNvPr id="1" name="Shape 65"/>
         <p:cNvGrpSpPr/>
         <p:nvPr/>
       </p:nvGrpSpPr>
@@ -7123,7 +10362,9 @@
       <p:sp>
         <p:nvSpPr>
           <p:cNvPr id="66" name="Shape 66"/>
-          <p:cNvSpPr txBox="1"/>
+          <p:cNvSpPr txBox="1">
+            <a:spLocks noGrp="1"/>
+          </p:cNvSpPr>
           <p:nvPr>
             <p:ph type="title"/>
           </p:nvPr>
@@ -7138,7 +10379,7 @@
           </a:prstGeom>
         </p:spPr>
         <p:txBody>
-          <a:bodyPr anchorCtr="0" anchor="t" bIns="91425" lIns="91425" rIns="91425" wrap="square" tIns="91425">
+          <a:bodyPr wrap="square" lIns="91425" tIns="91425" rIns="91425" bIns="91425" anchor="t" anchorCtr="0">
             <a:noAutofit/>
           </a:bodyPr>
           <a:lstStyle/>
@@ -7159,9 +10400,11 @@
       <p:sp>
         <p:nvSpPr>
           <p:cNvPr id="67" name="Shape 67"/>
-          <p:cNvSpPr txBox="1"/>
+          <p:cNvSpPr txBox="1">
+            <a:spLocks noGrp="1"/>
+          </p:cNvSpPr>
           <p:nvPr>
-            <p:ph idx="1" type="body"/>
+            <p:ph type="body" idx="1"/>
           </p:nvPr>
         </p:nvSpPr>
         <p:spPr>
@@ -7174,7 +10417,7 @@
           </a:prstGeom>
         </p:spPr>
         <p:txBody>
-          <a:bodyPr anchorCtr="0" anchor="t" bIns="91425" lIns="91425" rIns="91425" wrap="square" tIns="91425">
+          <a:bodyPr wrap="square" lIns="91425" tIns="91425" rIns="91425" bIns="91425" anchor="t" anchorCtr="0">
             <a:noAutofit/>
           </a:bodyPr>
           <a:lstStyle/>
@@ -7185,9 +10428,6 @@
               </a:spcBef>
               <a:buNone/>
             </a:pPr>
-            <a:r>
-              <a:t/>
-            </a:r>
             <a:endParaRPr>
               <a:solidFill>
                 <a:srgbClr val="000000"/>
@@ -7217,9 +10457,6 @@
               </a:spcBef>
               <a:buNone/>
             </a:pPr>
-            <a:r>
-              <a:t/>
-            </a:r>
             <a:endParaRPr>
               <a:solidFill>
                 <a:srgbClr val="000000"/>
@@ -7249,9 +10486,6 @@
               </a:spcBef>
               <a:buNone/>
             </a:pPr>
-            <a:r>
-              <a:t/>
-            </a:r>
             <a:endParaRPr>
               <a:solidFill>
                 <a:srgbClr val="000000"/>
@@ -7265,9 +10499,6 @@
               </a:spcBef>
               <a:buNone/>
             </a:pPr>
-            <a:r>
-              <a:t/>
-            </a:r>
             <a:endParaRPr/>
           </a:p>
         </p:txBody>
@@ -7277,15 +10508,22 @@
   <p:clrMapOvr>
     <a:masterClrMapping/>
   </p:clrMapOvr>
+  <p:timing>
+    <p:tnLst>
+      <p:par>
+        <p:cTn id="1" dur="indefinite" restart="never" nodeType="tmRoot"/>
+      </p:par>
+    </p:tnLst>
+  </p:timing>
 </p:sld>
 </file>
 
 <file path=ppt/slides/slide4.xml><?xml version="1.0" encoding="utf-8"?>
-<p:sld xmlns:a="http://schemas.openxmlformats.org/drawingml/2006/main" xmlns:r="http://schemas.openxmlformats.org/officeDocument/2006/relationships" xmlns:mc="http://schemas.openxmlformats.org/markup-compatibility/2006" xmlns:mv="urn:schemas-microsoft-com:mac:vml" xmlns:p="http://schemas.openxmlformats.org/presentationml/2006/main" xmlns:c="http://schemas.openxmlformats.org/drawingml/2006/chart" xmlns:dgm="http://schemas.openxmlformats.org/drawingml/2006/diagram" xmlns:o="urn:schemas-microsoft-com:office:office" xmlns:v="urn:schemas-microsoft-com:vml" xmlns:pvml="urn:schemas-microsoft-com:office:powerpoint" xmlns:com="http://schemas.openxmlformats.org/drawingml/2006/compatibility" xmlns:p14="http://schemas.microsoft.com/office/powerpoint/2010/main" xmlns:p15="http://schemas.microsoft.com/office/powerpoint/2012/main">
+<p:sld xmlns:a="http://schemas.openxmlformats.org/drawingml/2006/main" xmlns:r="http://schemas.openxmlformats.org/officeDocument/2006/relationships" xmlns:p="http://schemas.openxmlformats.org/presentationml/2006/main">
   <p:cSld>
     <p:spTree>
       <p:nvGrpSpPr>
-        <p:cNvPr id="71" name="Shape 71"/>
+        <p:cNvPr id="1" name="Shape 71"/>
         <p:cNvGrpSpPr/>
         <p:nvPr/>
       </p:nvGrpSpPr>
@@ -7300,7 +10538,9 @@
       <p:sp>
         <p:nvSpPr>
           <p:cNvPr id="72" name="Shape 72"/>
-          <p:cNvSpPr txBox="1"/>
+          <p:cNvSpPr txBox="1">
+            <a:spLocks noGrp="1"/>
+          </p:cNvSpPr>
           <p:nvPr>
             <p:ph type="title"/>
           </p:nvPr>
@@ -7315,7 +10555,7 @@
           </a:prstGeom>
         </p:spPr>
         <p:txBody>
-          <a:bodyPr anchorCtr="0" anchor="t" bIns="91425" lIns="91425" rIns="91425" wrap="square" tIns="91425">
+          <a:bodyPr wrap="square" lIns="91425" tIns="91425" rIns="91425" bIns="91425" anchor="t" anchorCtr="0">
             <a:noAutofit/>
           </a:bodyPr>
           <a:lstStyle/>
@@ -7336,9 +10576,11 @@
       <p:sp>
         <p:nvSpPr>
           <p:cNvPr id="73" name="Shape 73"/>
-          <p:cNvSpPr txBox="1"/>
+          <p:cNvSpPr txBox="1">
+            <a:spLocks noGrp="1"/>
+          </p:cNvSpPr>
           <p:nvPr>
-            <p:ph idx="1" type="body"/>
+            <p:ph type="body" idx="1"/>
           </p:nvPr>
         </p:nvSpPr>
         <p:spPr>
@@ -7351,7 +10593,7 @@
           </a:prstGeom>
         </p:spPr>
         <p:txBody>
-          <a:bodyPr anchorCtr="0" anchor="t" bIns="91425" lIns="91425" rIns="91425" wrap="square" tIns="91425">
+          <a:bodyPr wrap="square" lIns="91425" tIns="91425" rIns="91425" bIns="91425" anchor="t" anchorCtr="0">
             <a:noAutofit/>
           </a:bodyPr>
           <a:lstStyle/>
@@ -7458,15 +10700,22 @@
   <p:clrMapOvr>
     <a:masterClrMapping/>
   </p:clrMapOvr>
+  <p:timing>
+    <p:tnLst>
+      <p:par>
+        <p:cTn id="1" dur="indefinite" restart="never" nodeType="tmRoot"/>
+      </p:par>
+    </p:tnLst>
+  </p:timing>
 </p:sld>
 </file>
 
 <file path=ppt/slides/slide5.xml><?xml version="1.0" encoding="utf-8"?>
-<p:sld xmlns:a="http://schemas.openxmlformats.org/drawingml/2006/main" xmlns:r="http://schemas.openxmlformats.org/officeDocument/2006/relationships" xmlns:mc="http://schemas.openxmlformats.org/markup-compatibility/2006" xmlns:mv="urn:schemas-microsoft-com:mac:vml" xmlns:p="http://schemas.openxmlformats.org/presentationml/2006/main" xmlns:c="http://schemas.openxmlformats.org/drawingml/2006/chart" xmlns:dgm="http://schemas.openxmlformats.org/drawingml/2006/diagram" xmlns:o="urn:schemas-microsoft-com:office:office" xmlns:v="urn:schemas-microsoft-com:vml" xmlns:pvml="urn:schemas-microsoft-com:office:powerpoint" xmlns:com="http://schemas.openxmlformats.org/drawingml/2006/compatibility" xmlns:p14="http://schemas.microsoft.com/office/powerpoint/2010/main" xmlns:p15="http://schemas.microsoft.com/office/powerpoint/2012/main">
+<p:sld xmlns:a="http://schemas.openxmlformats.org/drawingml/2006/main" xmlns:r="http://schemas.openxmlformats.org/officeDocument/2006/relationships" xmlns:p="http://schemas.openxmlformats.org/presentationml/2006/main">
   <p:cSld>
     <p:spTree>
       <p:nvGrpSpPr>
-        <p:cNvPr id="77" name="Shape 77"/>
+        <p:cNvPr id="1" name="Shape 77"/>
         <p:cNvGrpSpPr/>
         <p:nvPr/>
       </p:nvGrpSpPr>
@@ -7481,7 +10730,9 @@
       <p:sp>
         <p:nvSpPr>
           <p:cNvPr id="78" name="Shape 78"/>
-          <p:cNvSpPr txBox="1"/>
+          <p:cNvSpPr txBox="1">
+            <a:spLocks noGrp="1"/>
+          </p:cNvSpPr>
           <p:nvPr>
             <p:ph type="title"/>
           </p:nvPr>
@@ -7496,7 +10747,7 @@
           </a:prstGeom>
         </p:spPr>
         <p:txBody>
-          <a:bodyPr anchorCtr="0" anchor="t" bIns="91425" lIns="91425" rIns="91425" wrap="square" tIns="91425">
+          <a:bodyPr wrap="square" lIns="91425" tIns="91425" rIns="91425" bIns="91425" anchor="t" anchorCtr="0">
             <a:noAutofit/>
           </a:bodyPr>
           <a:lstStyle/>
@@ -7528,9 +10779,11 @@
       <p:sp>
         <p:nvSpPr>
           <p:cNvPr id="79" name="Shape 79"/>
-          <p:cNvSpPr txBox="1"/>
+          <p:cNvSpPr txBox="1">
+            <a:spLocks noGrp="1"/>
+          </p:cNvSpPr>
           <p:nvPr>
-            <p:ph idx="1" type="body"/>
+            <p:ph type="body" idx="1"/>
           </p:nvPr>
         </p:nvSpPr>
         <p:spPr>
@@ -7543,7 +10796,7 @@
           </a:prstGeom>
         </p:spPr>
         <p:txBody>
-          <a:bodyPr anchorCtr="0" anchor="t" bIns="91425" lIns="91425" rIns="91425" wrap="square" tIns="91425">
+          <a:bodyPr wrap="square" lIns="91425" tIns="91425" rIns="91425" bIns="91425" anchor="t" anchorCtr="0">
             <a:noAutofit/>
           </a:bodyPr>
           <a:lstStyle/>
@@ -7634,15 +10887,22 @@
   <p:clrMapOvr>
     <a:masterClrMapping/>
   </p:clrMapOvr>
+  <p:timing>
+    <p:tnLst>
+      <p:par>
+        <p:cTn id="1" dur="indefinite" restart="never" nodeType="tmRoot"/>
+      </p:par>
+    </p:tnLst>
+  </p:timing>
 </p:sld>
 </file>
 
 <file path=ppt/slides/slide6.xml><?xml version="1.0" encoding="utf-8"?>
-<p:sld xmlns:a="http://schemas.openxmlformats.org/drawingml/2006/main" xmlns:r="http://schemas.openxmlformats.org/officeDocument/2006/relationships" xmlns:mc="http://schemas.openxmlformats.org/markup-compatibility/2006" xmlns:mv="urn:schemas-microsoft-com:mac:vml" xmlns:p="http://schemas.openxmlformats.org/presentationml/2006/main" xmlns:c="http://schemas.openxmlformats.org/drawingml/2006/chart" xmlns:dgm="http://schemas.openxmlformats.org/drawingml/2006/diagram" xmlns:o="urn:schemas-microsoft-com:office:office" xmlns:v="urn:schemas-microsoft-com:vml" xmlns:pvml="urn:schemas-microsoft-com:office:powerpoint" xmlns:com="http://schemas.openxmlformats.org/drawingml/2006/compatibility" xmlns:p14="http://schemas.microsoft.com/office/powerpoint/2010/main" xmlns:p15="http://schemas.microsoft.com/office/powerpoint/2012/main">
+<p:sld xmlns:a="http://schemas.openxmlformats.org/drawingml/2006/main" xmlns:r="http://schemas.openxmlformats.org/officeDocument/2006/relationships" xmlns:p="http://schemas.openxmlformats.org/presentationml/2006/main">
   <p:cSld>
     <p:spTree>
       <p:nvGrpSpPr>
-        <p:cNvPr id="83" name="Shape 83"/>
+        <p:cNvPr id="1" name="Shape 83"/>
         <p:cNvGrpSpPr/>
         <p:nvPr/>
       </p:nvGrpSpPr>
@@ -7657,7 +10917,9 @@
       <p:sp>
         <p:nvSpPr>
           <p:cNvPr id="84" name="Shape 84"/>
-          <p:cNvSpPr txBox="1"/>
+          <p:cNvSpPr txBox="1">
+            <a:spLocks noGrp="1"/>
+          </p:cNvSpPr>
           <p:nvPr>
             <p:ph type="title"/>
           </p:nvPr>
@@ -7672,7 +10934,7 @@
           </a:prstGeom>
         </p:spPr>
         <p:txBody>
-          <a:bodyPr anchorCtr="0" anchor="t" bIns="91425" lIns="91425" rIns="91425" wrap="square" tIns="91425">
+          <a:bodyPr wrap="square" lIns="91425" tIns="91425" rIns="91425" bIns="91425" anchor="t" anchorCtr="0">
             <a:noAutofit/>
           </a:bodyPr>
           <a:lstStyle/>
@@ -7708,9 +10970,11 @@
       <p:sp>
         <p:nvSpPr>
           <p:cNvPr id="85" name="Shape 85"/>
-          <p:cNvSpPr txBox="1"/>
+          <p:cNvSpPr txBox="1">
+            <a:spLocks noGrp="1"/>
+          </p:cNvSpPr>
           <p:nvPr>
-            <p:ph idx="1" type="body"/>
+            <p:ph type="body" idx="1"/>
           </p:nvPr>
         </p:nvSpPr>
         <p:spPr>
@@ -7723,7 +10987,7 @@
           </a:prstGeom>
         </p:spPr>
         <p:txBody>
-          <a:bodyPr anchorCtr="0" anchor="t" bIns="91425" lIns="91425" rIns="91425" wrap="square" tIns="91425">
+          <a:bodyPr wrap="square" lIns="91425" tIns="91425" rIns="91425" bIns="91425" anchor="t" anchorCtr="0">
             <a:noAutofit/>
           </a:bodyPr>
           <a:lstStyle/>
@@ -7744,7 +11008,7 @@
             </a:r>
           </a:p>
           <a:p>
-            <a:pPr indent="457200" lvl="0" marL="1828800" rtl="0">
+            <a:pPr marL="1828800" lvl="0" indent="457200" rtl="0">
               <a:spcBef>
                 <a:spcPts val="0"/>
               </a:spcBef>
@@ -7760,7 +11024,7 @@
             </a:r>
           </a:p>
           <a:p>
-            <a:pPr indent="0" lvl="0" marL="0" rtl="0">
+            <a:pPr marL="0" lvl="0" indent="0" rtl="0">
               <a:spcBef>
                 <a:spcPts val="0"/>
               </a:spcBef>
@@ -7776,7 +11040,7 @@
             </a:r>
           </a:p>
           <a:p>
-            <a:pPr indent="0" lvl="0" marL="2286000">
+            <a:pPr marL="2286000" lvl="0" indent="0">
               <a:spcBef>
                 <a:spcPts val="0"/>
               </a:spcBef>
@@ -7807,7 +11071,7 @@
               <a:t>y si convenimos que x no represente necesariamente al número 5, sino a un número cualquiera, entonces al enunciado x &gt; 3 se le denomina </a:t>
             </a:r>
             <a:r>
-              <a:rPr b="1" lang="en">
+              <a:rPr lang="en" b="1">
                 <a:solidFill>
                   <a:srgbClr val="000000"/>
                 </a:solidFill>
@@ -7822,15 +11086,22 @@
   <p:clrMapOvr>
     <a:masterClrMapping/>
   </p:clrMapOvr>
+  <p:timing>
+    <p:tnLst>
+      <p:par>
+        <p:cTn id="1" dur="indefinite" restart="never" nodeType="tmRoot"/>
+      </p:par>
+    </p:tnLst>
+  </p:timing>
 </p:sld>
 </file>
 
 <file path=ppt/slides/slide7.xml><?xml version="1.0" encoding="utf-8"?>
-<p:sld xmlns:a="http://schemas.openxmlformats.org/drawingml/2006/main" xmlns:r="http://schemas.openxmlformats.org/officeDocument/2006/relationships" xmlns:mc="http://schemas.openxmlformats.org/markup-compatibility/2006" xmlns:mv="urn:schemas-microsoft-com:mac:vml" xmlns:p="http://schemas.openxmlformats.org/presentationml/2006/main" xmlns:c="http://schemas.openxmlformats.org/drawingml/2006/chart" xmlns:dgm="http://schemas.openxmlformats.org/drawingml/2006/diagram" xmlns:o="urn:schemas-microsoft-com:office:office" xmlns:v="urn:schemas-microsoft-com:vml" xmlns:pvml="urn:schemas-microsoft-com:office:powerpoint" xmlns:com="http://schemas.openxmlformats.org/drawingml/2006/compatibility" xmlns:p14="http://schemas.microsoft.com/office/powerpoint/2010/main" xmlns:p15="http://schemas.microsoft.com/office/powerpoint/2012/main">
+<p:sld xmlns:a="http://schemas.openxmlformats.org/drawingml/2006/main" xmlns:r="http://schemas.openxmlformats.org/officeDocument/2006/relationships" xmlns:p="http://schemas.openxmlformats.org/presentationml/2006/main">
   <p:cSld>
     <p:spTree>
       <p:nvGrpSpPr>
-        <p:cNvPr id="89" name="Shape 89"/>
+        <p:cNvPr id="1" name="Shape 89"/>
         <p:cNvGrpSpPr/>
         <p:nvPr/>
       </p:nvGrpSpPr>
@@ -7845,7 +11116,9 @@
       <p:sp>
         <p:nvSpPr>
           <p:cNvPr id="90" name="Shape 90"/>
-          <p:cNvSpPr txBox="1"/>
+          <p:cNvSpPr txBox="1">
+            <a:spLocks noGrp="1"/>
+          </p:cNvSpPr>
           <p:nvPr>
             <p:ph type="title"/>
           </p:nvPr>
@@ -7860,7 +11133,7 @@
           </a:prstGeom>
         </p:spPr>
         <p:txBody>
-          <a:bodyPr anchorCtr="0" anchor="t" bIns="91425" lIns="91425" rIns="91425" wrap="square" tIns="91425">
+          <a:bodyPr wrap="square" lIns="91425" tIns="91425" rIns="91425" bIns="91425" anchor="t" anchorCtr="0">
             <a:noAutofit/>
           </a:bodyPr>
           <a:lstStyle/>
@@ -7871,9 +11144,6 @@
               </a:spcBef>
               <a:buNone/>
             </a:pPr>
-            <a:r>
-              <a:t/>
-            </a:r>
             <a:endParaRPr/>
           </a:p>
         </p:txBody>
@@ -7881,9 +11151,11 @@
       <p:sp>
         <p:nvSpPr>
           <p:cNvPr id="91" name="Shape 91"/>
-          <p:cNvSpPr txBox="1"/>
+          <p:cNvSpPr txBox="1">
+            <a:spLocks noGrp="1"/>
+          </p:cNvSpPr>
           <p:nvPr>
-            <p:ph idx="1" type="body"/>
+            <p:ph type="body" idx="1"/>
           </p:nvPr>
         </p:nvSpPr>
         <p:spPr>
@@ -7896,7 +11168,7 @@
           </a:prstGeom>
         </p:spPr>
         <p:txBody>
-          <a:bodyPr anchorCtr="0" anchor="t" bIns="91425" lIns="91425" rIns="91425" wrap="square" tIns="91425">
+          <a:bodyPr wrap="square" lIns="91425" tIns="91425" rIns="91425" bIns="91425" anchor="t" anchorCtr="0">
             <a:noAutofit/>
           </a:bodyPr>
           <a:lstStyle/>
@@ -7908,8 +11180,20 @@
               <a:buNone/>
             </a:pPr>
             <a:r>
-              <a:rPr lang="en"/>
-              <a:t>Clasificación de las Proposiciones </a:t>
+              <a:rPr lang="en" sz="1400" dirty="0" err="1"/>
+              <a:t>Clasificación</a:t>
+            </a:r>
+            <a:r>
+              <a:rPr lang="en" sz="1400" dirty="0"/>
+              <a:t> de las </a:t>
+            </a:r>
+            <a:r>
+              <a:rPr lang="en" sz="1400" dirty="0" err="1"/>
+              <a:t>Proposiciones</a:t>
+            </a:r>
+            <a:r>
+              <a:rPr lang="en" sz="1400" dirty="0"/>
+              <a:t> </a:t>
             </a:r>
           </a:p>
           <a:p>
@@ -7920,8 +11204,844 @@
               <a:buNone/>
             </a:pPr>
             <a:r>
-              <a:rPr lang="en"/>
-              <a:t>Aquellas proposiciones que constan o se las puede representar por una sola variable, se llaman proposiciones simples o atómicas. Por ejemplo, sea la proposición "p: 3 + 6 = 9" es una proposición simple o atómica. Cuando una proposición consta de dos o más enunciados simples, se le llama proposición compuesta o molecular. Así, por ejemplo: Encontramos dos enunciados. El primero (p) nos afirma que Pitágoras era griego y el segundo (q) que Pitágoras era geómetra No es necesario conocer si una afirmación es verdadera o falsa (es decir, su valor de verdad) para saber que es una proposición. Por ejemplo: “Hay vida extraterrestre” es una proposición, independientemente de que algunos crean que es verdadera y otros que es falsa, puesto que claramente o bien existe vida extraterrestre o bien no existe. Nuestro sencillo estudio de las proposiciones no tratará de establecer el valor de verdad de una proposición dada, lo que muchas veces es tarea de los científicos (“el universo se originó en la gran explosión”), los filósofos (“pienso, por lo tanto existo”), los jueces, o las novias y novios (“te quiero…”). </a:t>
+              <a:rPr lang="en" sz="1400" dirty="0" err="1"/>
+              <a:t>Aquellas</a:t>
+            </a:r>
+            <a:r>
+              <a:rPr lang="en" sz="1400" dirty="0"/>
+              <a:t> </a:t>
+            </a:r>
+            <a:r>
+              <a:rPr lang="en" sz="1400" dirty="0" err="1"/>
+              <a:t>proposiciones</a:t>
+            </a:r>
+            <a:r>
+              <a:rPr lang="en" sz="1400" dirty="0"/>
+              <a:t> que </a:t>
+            </a:r>
+            <a:r>
+              <a:rPr lang="en" sz="1400" dirty="0" err="1"/>
+              <a:t>constan</a:t>
+            </a:r>
+            <a:r>
+              <a:rPr lang="en" sz="1400" dirty="0"/>
+              <a:t> o se las </a:t>
+            </a:r>
+            <a:r>
+              <a:rPr lang="en" sz="1400" dirty="0" err="1"/>
+              <a:t>puede</a:t>
+            </a:r>
+            <a:r>
+              <a:rPr lang="en" sz="1400" dirty="0"/>
+              <a:t> </a:t>
+            </a:r>
+            <a:r>
+              <a:rPr lang="en" sz="1400" dirty="0" err="1"/>
+              <a:t>representar</a:t>
+            </a:r>
+            <a:r>
+              <a:rPr lang="en" sz="1400" dirty="0"/>
+              <a:t> </a:t>
+            </a:r>
+            <a:r>
+              <a:rPr lang="en" sz="1400" dirty="0" err="1"/>
+              <a:t>por</a:t>
+            </a:r>
+            <a:r>
+              <a:rPr lang="en" sz="1400" dirty="0"/>
+              <a:t> </a:t>
+            </a:r>
+            <a:r>
+              <a:rPr lang="en" sz="1400" dirty="0" err="1"/>
+              <a:t>una</a:t>
+            </a:r>
+            <a:r>
+              <a:rPr lang="en" sz="1400" dirty="0"/>
+              <a:t> sola variable, se </a:t>
+            </a:r>
+            <a:r>
+              <a:rPr lang="en" sz="1400" dirty="0" err="1"/>
+              <a:t>llaman</a:t>
+            </a:r>
+            <a:r>
+              <a:rPr lang="en" sz="1400" dirty="0"/>
+              <a:t> </a:t>
+            </a:r>
+            <a:r>
+              <a:rPr lang="en" sz="1400" dirty="0" err="1"/>
+              <a:t>proposiciones</a:t>
+            </a:r>
+            <a:r>
+              <a:rPr lang="en" sz="1400" dirty="0"/>
+              <a:t> simples o </a:t>
+            </a:r>
+            <a:r>
+              <a:rPr lang="en" sz="1400" dirty="0" err="1"/>
+              <a:t>atómicas</a:t>
+            </a:r>
+            <a:r>
+              <a:rPr lang="en" sz="1400" dirty="0"/>
+              <a:t>. </a:t>
+            </a:r>
+            <a:r>
+              <a:rPr lang="en" sz="1400" dirty="0" err="1"/>
+              <a:t>Por</a:t>
+            </a:r>
+            <a:r>
+              <a:rPr lang="en" sz="1400" dirty="0"/>
+              <a:t> </a:t>
+            </a:r>
+            <a:r>
+              <a:rPr lang="en" sz="1400" dirty="0" err="1"/>
+              <a:t>ejemplo</a:t>
+            </a:r>
+            <a:r>
+              <a:rPr lang="en" sz="1400" dirty="0"/>
+              <a:t>, sea la </a:t>
+            </a:r>
+            <a:r>
+              <a:rPr lang="en" sz="1400" dirty="0" err="1"/>
+              <a:t>proposición</a:t>
+            </a:r>
+            <a:r>
+              <a:rPr lang="en" sz="1400" dirty="0"/>
+              <a:t> "p: 3 + 6 = 9" </a:t>
+            </a:r>
+            <a:r>
+              <a:rPr lang="en" sz="1400" dirty="0" err="1"/>
+              <a:t>es</a:t>
+            </a:r>
+            <a:r>
+              <a:rPr lang="en" sz="1400" dirty="0"/>
+              <a:t> </a:t>
+            </a:r>
+            <a:r>
+              <a:rPr lang="en" sz="1400" dirty="0" err="1"/>
+              <a:t>una</a:t>
+            </a:r>
+            <a:r>
+              <a:rPr lang="en" sz="1400" dirty="0"/>
+              <a:t> </a:t>
+            </a:r>
+            <a:r>
+              <a:rPr lang="en" sz="1400" dirty="0" err="1"/>
+              <a:t>proposición</a:t>
+            </a:r>
+            <a:r>
+              <a:rPr lang="en" sz="1400" dirty="0"/>
+              <a:t> simple o </a:t>
+            </a:r>
+            <a:r>
+              <a:rPr lang="en" sz="1400" dirty="0" err="1"/>
+              <a:t>atómica</a:t>
+            </a:r>
+            <a:r>
+              <a:rPr lang="en" sz="1400" dirty="0"/>
+              <a:t>. </a:t>
+            </a:r>
+            <a:r>
+              <a:rPr lang="en" sz="1400" dirty="0" err="1"/>
+              <a:t>Cuando</a:t>
+            </a:r>
+            <a:r>
+              <a:rPr lang="en" sz="1400" dirty="0"/>
+              <a:t> </a:t>
+            </a:r>
+            <a:r>
+              <a:rPr lang="en" sz="1400" dirty="0" err="1"/>
+              <a:t>una</a:t>
+            </a:r>
+            <a:r>
+              <a:rPr lang="en" sz="1400" dirty="0"/>
+              <a:t> </a:t>
+            </a:r>
+            <a:r>
+              <a:rPr lang="en" sz="1400" dirty="0" err="1"/>
+              <a:t>proposición</a:t>
+            </a:r>
+            <a:r>
+              <a:rPr lang="en" sz="1400" dirty="0"/>
+              <a:t> </a:t>
+            </a:r>
+            <a:r>
+              <a:rPr lang="en" sz="1400" dirty="0" err="1"/>
+              <a:t>consta</a:t>
+            </a:r>
+            <a:r>
+              <a:rPr lang="en" sz="1400" dirty="0"/>
+              <a:t> de dos o </a:t>
+            </a:r>
+            <a:r>
+              <a:rPr lang="en" sz="1400" dirty="0" err="1"/>
+              <a:t>más</a:t>
+            </a:r>
+            <a:r>
+              <a:rPr lang="en" sz="1400" dirty="0"/>
+              <a:t> </a:t>
+            </a:r>
+            <a:r>
+              <a:rPr lang="en" sz="1400" dirty="0" err="1"/>
+              <a:t>enunciados</a:t>
+            </a:r>
+            <a:r>
+              <a:rPr lang="en" sz="1400" dirty="0"/>
+              <a:t> simples, se le llama </a:t>
+            </a:r>
+            <a:r>
+              <a:rPr lang="en" sz="1400" dirty="0" err="1"/>
+              <a:t>proposición</a:t>
+            </a:r>
+            <a:r>
+              <a:rPr lang="en" sz="1400" dirty="0"/>
+              <a:t> </a:t>
+            </a:r>
+            <a:r>
+              <a:rPr lang="en" sz="1400" dirty="0" err="1"/>
+              <a:t>compuesta</a:t>
+            </a:r>
+            <a:r>
+              <a:rPr lang="en" sz="1400" dirty="0"/>
+              <a:t> o molecular. </a:t>
+            </a:r>
+            <a:r>
+              <a:rPr lang="en" sz="1400" dirty="0" err="1"/>
+              <a:t>Así</a:t>
+            </a:r>
+            <a:r>
+              <a:rPr lang="en" sz="1400" dirty="0"/>
+              <a:t>, </a:t>
+            </a:r>
+            <a:r>
+              <a:rPr lang="en" sz="1400" dirty="0" err="1"/>
+              <a:t>por</a:t>
+            </a:r>
+            <a:r>
+              <a:rPr lang="en" sz="1400" dirty="0"/>
+              <a:t> </a:t>
+            </a:r>
+            <a:r>
+              <a:rPr lang="en" sz="1400" dirty="0" err="1"/>
+              <a:t>ejemplo</a:t>
+            </a:r>
+            <a:r>
+              <a:rPr lang="en" sz="1400" dirty="0"/>
+              <a:t>: </a:t>
+            </a:r>
+            <a:r>
+              <a:rPr lang="en" sz="1400" dirty="0" err="1"/>
+              <a:t>Encontramos</a:t>
+            </a:r>
+            <a:r>
+              <a:rPr lang="en" sz="1400" dirty="0"/>
+              <a:t> dos </a:t>
+            </a:r>
+            <a:r>
+              <a:rPr lang="en" sz="1400" dirty="0" err="1"/>
+              <a:t>enunciados</a:t>
+            </a:r>
+            <a:r>
+              <a:rPr lang="en" sz="1400" dirty="0"/>
+              <a:t>. El primero (p) </a:t>
+            </a:r>
+            <a:r>
+              <a:rPr lang="en" sz="1400" dirty="0" err="1"/>
+              <a:t>nos</a:t>
+            </a:r>
+            <a:r>
+              <a:rPr lang="en" sz="1400" dirty="0"/>
+              <a:t> </a:t>
+            </a:r>
+            <a:r>
+              <a:rPr lang="en" sz="1400" dirty="0" err="1"/>
+              <a:t>afirma</a:t>
+            </a:r>
+            <a:r>
+              <a:rPr lang="en" sz="1400" dirty="0"/>
+              <a:t> que </a:t>
+            </a:r>
+            <a:r>
+              <a:rPr lang="en" sz="1400" dirty="0" err="1"/>
+              <a:t>Pitágoras</a:t>
+            </a:r>
+            <a:r>
+              <a:rPr lang="en" sz="1400" dirty="0"/>
+              <a:t> era </a:t>
+            </a:r>
+            <a:r>
+              <a:rPr lang="en" sz="1400" dirty="0" err="1"/>
+              <a:t>griego</a:t>
+            </a:r>
+            <a:r>
+              <a:rPr lang="en" sz="1400" dirty="0"/>
+              <a:t> y el </a:t>
+            </a:r>
+            <a:r>
+              <a:rPr lang="en" sz="1400" dirty="0" err="1"/>
+              <a:t>segundo</a:t>
+            </a:r>
+            <a:r>
+              <a:rPr lang="en" sz="1400" dirty="0"/>
+              <a:t> (q) que </a:t>
+            </a:r>
+            <a:r>
+              <a:rPr lang="en" sz="1400" dirty="0" err="1"/>
+              <a:t>Pitágoras</a:t>
+            </a:r>
+            <a:r>
+              <a:rPr lang="en" sz="1400" dirty="0"/>
+              <a:t> era </a:t>
+            </a:r>
+            <a:r>
+              <a:rPr lang="en" sz="1400" dirty="0" err="1"/>
+              <a:t>geómetra</a:t>
+            </a:r>
+            <a:r>
+              <a:rPr lang="en" sz="1400" dirty="0"/>
+              <a:t> No </a:t>
+            </a:r>
+            <a:r>
+              <a:rPr lang="en" sz="1400" dirty="0" err="1"/>
+              <a:t>es</a:t>
+            </a:r>
+            <a:r>
+              <a:rPr lang="en" sz="1400" dirty="0"/>
+              <a:t> </a:t>
+            </a:r>
+            <a:r>
+              <a:rPr lang="en" sz="1400" dirty="0" err="1"/>
+              <a:t>necesario</a:t>
+            </a:r>
+            <a:r>
+              <a:rPr lang="en" sz="1400" dirty="0"/>
+              <a:t> </a:t>
+            </a:r>
+            <a:r>
+              <a:rPr lang="en" sz="1400" dirty="0" err="1"/>
+              <a:t>conocer</a:t>
+            </a:r>
+            <a:r>
+              <a:rPr lang="en" sz="1400" dirty="0"/>
+              <a:t> </a:t>
+            </a:r>
+            <a:r>
+              <a:rPr lang="en" sz="1400" dirty="0" err="1"/>
+              <a:t>si</a:t>
+            </a:r>
+            <a:r>
+              <a:rPr lang="en" sz="1400" dirty="0"/>
+              <a:t> </a:t>
+            </a:r>
+            <a:r>
+              <a:rPr lang="en" sz="1400" dirty="0" err="1"/>
+              <a:t>una</a:t>
+            </a:r>
+            <a:r>
+              <a:rPr lang="en" sz="1400" dirty="0"/>
+              <a:t> </a:t>
+            </a:r>
+            <a:r>
+              <a:rPr lang="en" sz="1400" dirty="0" err="1"/>
+              <a:t>afirmación</a:t>
+            </a:r>
+            <a:r>
+              <a:rPr lang="en" sz="1400" dirty="0"/>
+              <a:t> </a:t>
+            </a:r>
+            <a:r>
+              <a:rPr lang="en" sz="1400" dirty="0" err="1"/>
+              <a:t>es</a:t>
+            </a:r>
+            <a:r>
+              <a:rPr lang="en" sz="1400" dirty="0"/>
+              <a:t> </a:t>
+            </a:r>
+            <a:r>
+              <a:rPr lang="en" sz="1400" dirty="0" err="1"/>
+              <a:t>verdadera</a:t>
+            </a:r>
+            <a:r>
+              <a:rPr lang="en" sz="1400" dirty="0"/>
+              <a:t> o falsa (</a:t>
+            </a:r>
+            <a:r>
+              <a:rPr lang="en" sz="1400" dirty="0" err="1"/>
+              <a:t>es</a:t>
+            </a:r>
+            <a:r>
+              <a:rPr lang="en" sz="1400" dirty="0"/>
+              <a:t> </a:t>
+            </a:r>
+            <a:r>
+              <a:rPr lang="en" sz="1400" dirty="0" err="1"/>
+              <a:t>decir</a:t>
+            </a:r>
+            <a:r>
+              <a:rPr lang="en" sz="1400" dirty="0"/>
+              <a:t>, </a:t>
+            </a:r>
+            <a:r>
+              <a:rPr lang="en" sz="1400" dirty="0" err="1"/>
+              <a:t>su</a:t>
+            </a:r>
+            <a:r>
+              <a:rPr lang="en" sz="1400" dirty="0"/>
+              <a:t> valor de </a:t>
+            </a:r>
+            <a:r>
+              <a:rPr lang="en" sz="1400" dirty="0" err="1"/>
+              <a:t>verdad</a:t>
+            </a:r>
+            <a:r>
+              <a:rPr lang="en" sz="1400" dirty="0"/>
+              <a:t>) para saber que </a:t>
+            </a:r>
+            <a:r>
+              <a:rPr lang="en" sz="1400" dirty="0" err="1"/>
+              <a:t>es</a:t>
+            </a:r>
+            <a:r>
+              <a:rPr lang="en" sz="1400" dirty="0"/>
+              <a:t> </a:t>
+            </a:r>
+            <a:r>
+              <a:rPr lang="en" sz="1400" dirty="0" err="1"/>
+              <a:t>una</a:t>
+            </a:r>
+            <a:r>
+              <a:rPr lang="en" sz="1400" dirty="0"/>
+              <a:t> </a:t>
+            </a:r>
+            <a:r>
+              <a:rPr lang="en" sz="1400" dirty="0" err="1"/>
+              <a:t>proposición</a:t>
+            </a:r>
+            <a:r>
+              <a:rPr lang="en" sz="1400" dirty="0"/>
+              <a:t>. </a:t>
+            </a:r>
+            <a:r>
+              <a:rPr lang="en" sz="1400" dirty="0" err="1"/>
+              <a:t>Por</a:t>
+            </a:r>
+            <a:r>
+              <a:rPr lang="en" sz="1400" dirty="0"/>
+              <a:t> </a:t>
+            </a:r>
+            <a:r>
+              <a:rPr lang="en" sz="1400" dirty="0" err="1"/>
+              <a:t>ejemplo</a:t>
+            </a:r>
+            <a:r>
+              <a:rPr lang="en" sz="1400" dirty="0"/>
+              <a:t>: “Hay </a:t>
+            </a:r>
+            <a:r>
+              <a:rPr lang="en" sz="1400" dirty="0" err="1"/>
+              <a:t>vida</a:t>
+            </a:r>
+            <a:r>
+              <a:rPr lang="en" sz="1400" dirty="0"/>
+              <a:t> </a:t>
+            </a:r>
+            <a:r>
+              <a:rPr lang="en" sz="1400" dirty="0" err="1"/>
+              <a:t>extraterrestre</a:t>
+            </a:r>
+            <a:r>
+              <a:rPr lang="en" sz="1400" dirty="0"/>
+              <a:t>” </a:t>
+            </a:r>
+            <a:r>
+              <a:rPr lang="en" sz="1400" dirty="0" err="1"/>
+              <a:t>es</a:t>
+            </a:r>
+            <a:r>
+              <a:rPr lang="en" sz="1400" dirty="0"/>
+              <a:t> </a:t>
+            </a:r>
+            <a:r>
+              <a:rPr lang="en" sz="1400" dirty="0" err="1"/>
+              <a:t>una</a:t>
+            </a:r>
+            <a:r>
+              <a:rPr lang="en" sz="1400" dirty="0"/>
+              <a:t> </a:t>
+            </a:r>
+            <a:r>
+              <a:rPr lang="en" sz="1400" dirty="0" err="1"/>
+              <a:t>proposición</a:t>
+            </a:r>
+            <a:r>
+              <a:rPr lang="en" sz="1400" dirty="0"/>
+              <a:t>, </a:t>
+            </a:r>
+            <a:r>
+              <a:rPr lang="en" sz="1400" dirty="0" err="1"/>
+              <a:t>independientemente</a:t>
+            </a:r>
+            <a:r>
+              <a:rPr lang="en" sz="1400" dirty="0"/>
+              <a:t> de que </a:t>
+            </a:r>
+            <a:r>
+              <a:rPr lang="en" sz="1400" dirty="0" err="1"/>
+              <a:t>algunos</a:t>
+            </a:r>
+            <a:r>
+              <a:rPr lang="en" sz="1400" dirty="0"/>
+              <a:t> </a:t>
+            </a:r>
+            <a:r>
+              <a:rPr lang="en" sz="1400" dirty="0" err="1"/>
+              <a:t>crean</a:t>
+            </a:r>
+            <a:r>
+              <a:rPr lang="en" sz="1400" dirty="0"/>
+              <a:t> que </a:t>
+            </a:r>
+            <a:r>
+              <a:rPr lang="en" sz="1400" dirty="0" err="1"/>
+              <a:t>es</a:t>
+            </a:r>
+            <a:r>
+              <a:rPr lang="en" sz="1400" dirty="0"/>
+              <a:t> </a:t>
+            </a:r>
+            <a:r>
+              <a:rPr lang="en" sz="1400" dirty="0" err="1"/>
+              <a:t>verdadera</a:t>
+            </a:r>
+            <a:r>
+              <a:rPr lang="en" sz="1400" dirty="0"/>
+              <a:t> y </a:t>
+            </a:r>
+            <a:r>
+              <a:rPr lang="en" sz="1400" dirty="0" err="1"/>
+              <a:t>otros</a:t>
+            </a:r>
+            <a:r>
+              <a:rPr lang="en" sz="1400" dirty="0"/>
+              <a:t> que </a:t>
+            </a:r>
+            <a:r>
+              <a:rPr lang="en" sz="1400" dirty="0" err="1"/>
+              <a:t>es</a:t>
+            </a:r>
+            <a:r>
+              <a:rPr lang="en" sz="1400" dirty="0"/>
+              <a:t> falsa, </a:t>
+            </a:r>
+            <a:r>
+              <a:rPr lang="en" sz="1400" dirty="0" err="1"/>
+              <a:t>puesto</a:t>
+            </a:r>
+            <a:r>
+              <a:rPr lang="en" sz="1400" dirty="0"/>
+              <a:t> que </a:t>
+            </a:r>
+            <a:r>
+              <a:rPr lang="en" sz="1400" dirty="0" err="1"/>
+              <a:t>claramente</a:t>
+            </a:r>
+            <a:r>
+              <a:rPr lang="en" sz="1400" dirty="0"/>
+              <a:t> o </a:t>
+            </a:r>
+            <a:r>
+              <a:rPr lang="en" sz="1400" dirty="0" err="1"/>
+              <a:t>bien</a:t>
+            </a:r>
+            <a:r>
+              <a:rPr lang="en" sz="1400" dirty="0"/>
+              <a:t> </a:t>
+            </a:r>
+            <a:r>
+              <a:rPr lang="en" sz="1400" dirty="0" err="1"/>
+              <a:t>existe</a:t>
+            </a:r>
+            <a:r>
+              <a:rPr lang="en" sz="1400" dirty="0"/>
+              <a:t> </a:t>
+            </a:r>
+            <a:r>
+              <a:rPr lang="en" sz="1400" dirty="0" err="1"/>
+              <a:t>vida</a:t>
+            </a:r>
+            <a:r>
+              <a:rPr lang="en" sz="1400" dirty="0"/>
+              <a:t> </a:t>
+            </a:r>
+            <a:r>
+              <a:rPr lang="en" sz="1400" dirty="0" err="1"/>
+              <a:t>extraterrestre</a:t>
+            </a:r>
+            <a:r>
+              <a:rPr lang="en" sz="1400" dirty="0"/>
+              <a:t> o </a:t>
+            </a:r>
+            <a:r>
+              <a:rPr lang="en" sz="1400" dirty="0" err="1"/>
+              <a:t>bien</a:t>
+            </a:r>
+            <a:r>
+              <a:rPr lang="en" sz="1400" dirty="0"/>
+              <a:t> no </a:t>
+            </a:r>
+            <a:r>
+              <a:rPr lang="en" sz="1400" dirty="0" err="1"/>
+              <a:t>existe</a:t>
+            </a:r>
+            <a:r>
+              <a:rPr lang="en" sz="1400" dirty="0"/>
+              <a:t>. </a:t>
+            </a:r>
+            <a:r>
+              <a:rPr lang="en" sz="1400" dirty="0" err="1"/>
+              <a:t>Nuestro</a:t>
+            </a:r>
+            <a:r>
+              <a:rPr lang="en" sz="1400" dirty="0"/>
+              <a:t> </a:t>
+            </a:r>
+            <a:r>
+              <a:rPr lang="en" sz="1400" dirty="0" err="1"/>
+              <a:t>sencillo</a:t>
+            </a:r>
+            <a:r>
+              <a:rPr lang="en" sz="1400" dirty="0"/>
+              <a:t> </a:t>
+            </a:r>
+            <a:r>
+              <a:rPr lang="en" sz="1400" dirty="0" err="1"/>
+              <a:t>estudio</a:t>
+            </a:r>
+            <a:r>
+              <a:rPr lang="en" sz="1400" dirty="0"/>
+              <a:t> de las </a:t>
+            </a:r>
+            <a:r>
+              <a:rPr lang="en" sz="1400" dirty="0" err="1"/>
+              <a:t>proposiciones</a:t>
+            </a:r>
+            <a:r>
+              <a:rPr lang="en" sz="1400" dirty="0"/>
+              <a:t> no </a:t>
+            </a:r>
+            <a:r>
+              <a:rPr lang="en" sz="1400" dirty="0" err="1"/>
+              <a:t>tratará</a:t>
+            </a:r>
+            <a:r>
+              <a:rPr lang="en" sz="1400" dirty="0"/>
+              <a:t> de </a:t>
+            </a:r>
+            <a:r>
+              <a:rPr lang="en" sz="1400" dirty="0" err="1"/>
+              <a:t>establecer</a:t>
+            </a:r>
+            <a:r>
+              <a:rPr lang="en" sz="1400" dirty="0"/>
+              <a:t> el valor de </a:t>
+            </a:r>
+            <a:r>
+              <a:rPr lang="en" sz="1400" dirty="0" err="1"/>
+              <a:t>verdad</a:t>
+            </a:r>
+            <a:r>
+              <a:rPr lang="en" sz="1400" dirty="0"/>
+              <a:t> de </a:t>
+            </a:r>
+            <a:r>
+              <a:rPr lang="en" sz="1400" dirty="0" err="1"/>
+              <a:t>una</a:t>
+            </a:r>
+            <a:r>
+              <a:rPr lang="en" sz="1400" dirty="0"/>
+              <a:t> </a:t>
+            </a:r>
+            <a:r>
+              <a:rPr lang="en" sz="1400" dirty="0" err="1"/>
+              <a:t>proposición</a:t>
+            </a:r>
+            <a:r>
+              <a:rPr lang="en" sz="1400" dirty="0"/>
+              <a:t> dada, lo que </a:t>
+            </a:r>
+            <a:r>
+              <a:rPr lang="en" sz="1400" dirty="0" err="1"/>
+              <a:t>muchas</a:t>
+            </a:r>
+            <a:r>
+              <a:rPr lang="en" sz="1400" dirty="0"/>
+              <a:t> </a:t>
+            </a:r>
+            <a:r>
+              <a:rPr lang="en" sz="1400" dirty="0" err="1"/>
+              <a:t>veces</a:t>
+            </a:r>
+            <a:r>
+              <a:rPr lang="en" sz="1400" dirty="0"/>
+              <a:t> </a:t>
+            </a:r>
+            <a:r>
+              <a:rPr lang="en" sz="1400" dirty="0" err="1"/>
+              <a:t>es</a:t>
+            </a:r>
+            <a:r>
+              <a:rPr lang="en" sz="1400" dirty="0"/>
+              <a:t> </a:t>
+            </a:r>
+            <a:r>
+              <a:rPr lang="en" sz="1400" dirty="0" err="1"/>
+              <a:t>tarea</a:t>
+            </a:r>
+            <a:r>
+              <a:rPr lang="en" sz="1400" dirty="0"/>
+              <a:t> de </a:t>
+            </a:r>
+            <a:r>
+              <a:rPr lang="en" sz="1400" dirty="0" err="1"/>
+              <a:t>los</a:t>
+            </a:r>
+            <a:r>
+              <a:rPr lang="en" sz="1400" dirty="0"/>
+              <a:t> </a:t>
+            </a:r>
+            <a:r>
+              <a:rPr lang="en" sz="1400" dirty="0" err="1"/>
+              <a:t>científicos</a:t>
+            </a:r>
+            <a:r>
+              <a:rPr lang="en" sz="1400" dirty="0"/>
+              <a:t> (“el </a:t>
+            </a:r>
+            <a:r>
+              <a:rPr lang="en" sz="1400" dirty="0" err="1"/>
+              <a:t>universo</a:t>
+            </a:r>
+            <a:r>
+              <a:rPr lang="en" sz="1400" dirty="0"/>
+              <a:t> se </a:t>
+            </a:r>
+            <a:r>
+              <a:rPr lang="en" sz="1400" dirty="0" err="1"/>
+              <a:t>originó</a:t>
+            </a:r>
+            <a:r>
+              <a:rPr lang="en" sz="1400" dirty="0"/>
+              <a:t> </a:t>
+            </a:r>
+            <a:r>
+              <a:rPr lang="en" sz="1400" dirty="0" err="1"/>
+              <a:t>en</a:t>
+            </a:r>
+            <a:r>
+              <a:rPr lang="en" sz="1400" dirty="0"/>
+              <a:t> la gran </a:t>
+            </a:r>
+            <a:r>
+              <a:rPr lang="en" sz="1400" dirty="0" err="1"/>
+              <a:t>explosión</a:t>
+            </a:r>
+            <a:r>
+              <a:rPr lang="en" sz="1400" dirty="0"/>
+              <a:t>”), </a:t>
+            </a:r>
+            <a:r>
+              <a:rPr lang="en" sz="1400" dirty="0" err="1"/>
+              <a:t>los</a:t>
+            </a:r>
+            <a:r>
+              <a:rPr lang="en" sz="1400" dirty="0"/>
+              <a:t> </a:t>
+            </a:r>
+            <a:r>
+              <a:rPr lang="en" sz="1400" dirty="0" err="1"/>
+              <a:t>filósofos</a:t>
+            </a:r>
+            <a:r>
+              <a:rPr lang="en" sz="1400" dirty="0"/>
+              <a:t> (“</a:t>
+            </a:r>
+            <a:r>
+              <a:rPr lang="en" sz="1400" dirty="0" err="1"/>
+              <a:t>pienso</a:t>
+            </a:r>
+            <a:r>
+              <a:rPr lang="en" sz="1400" dirty="0"/>
+              <a:t>, </a:t>
+            </a:r>
+            <a:r>
+              <a:rPr lang="en" sz="1400" dirty="0" err="1"/>
+              <a:t>por</a:t>
+            </a:r>
+            <a:r>
+              <a:rPr lang="en" sz="1400" dirty="0"/>
+              <a:t> lo </a:t>
+            </a:r>
+            <a:r>
+              <a:rPr lang="en" sz="1400" dirty="0" err="1"/>
+              <a:t>tanto</a:t>
+            </a:r>
+            <a:r>
+              <a:rPr lang="en" sz="1400" dirty="0"/>
+              <a:t> </a:t>
+            </a:r>
+            <a:r>
+              <a:rPr lang="en" sz="1400" dirty="0" err="1"/>
+              <a:t>existo</a:t>
+            </a:r>
+            <a:r>
+              <a:rPr lang="en" sz="1400" dirty="0"/>
+              <a:t>”), </a:t>
+            </a:r>
+            <a:r>
+              <a:rPr lang="en" sz="1400" dirty="0" err="1"/>
+              <a:t>los</a:t>
+            </a:r>
+            <a:r>
+              <a:rPr lang="en" sz="1400" dirty="0"/>
+              <a:t> </a:t>
+            </a:r>
+            <a:r>
+              <a:rPr lang="en" sz="1400" dirty="0" err="1"/>
+              <a:t>jueces</a:t>
+            </a:r>
+            <a:r>
+              <a:rPr lang="en" sz="1400" dirty="0"/>
+              <a:t>, o las </a:t>
+            </a:r>
+            <a:r>
+              <a:rPr lang="en" sz="1400" dirty="0" err="1"/>
+              <a:t>novias</a:t>
+            </a:r>
+            <a:r>
+              <a:rPr lang="en" sz="1400" dirty="0"/>
+              <a:t> y </a:t>
+            </a:r>
+            <a:r>
+              <a:rPr lang="en" sz="1400" dirty="0" err="1"/>
+              <a:t>novios</a:t>
+            </a:r>
+            <a:r>
+              <a:rPr lang="en" sz="1400" dirty="0"/>
+              <a:t> (“</a:t>
+            </a:r>
+            <a:r>
+              <a:rPr lang="en" sz="1400" dirty="0" err="1"/>
+              <a:t>te</a:t>
+            </a:r>
+            <a:r>
+              <a:rPr lang="en" sz="1400" dirty="0"/>
+              <a:t> </a:t>
+            </a:r>
+            <a:r>
+              <a:rPr lang="en" sz="1400" dirty="0" err="1"/>
+              <a:t>quiero</a:t>
+            </a:r>
+            <a:r>
+              <a:rPr lang="en" sz="1400" dirty="0"/>
+              <a:t>…”). </a:t>
             </a:r>
           </a:p>
         </p:txBody>
@@ -7931,15 +12051,22 @@
   <p:clrMapOvr>
     <a:masterClrMapping/>
   </p:clrMapOvr>
+  <p:timing>
+    <p:tnLst>
+      <p:par>
+        <p:cTn id="1" dur="indefinite" restart="never" nodeType="tmRoot"/>
+      </p:par>
+    </p:tnLst>
+  </p:timing>
 </p:sld>
 </file>
 
 <file path=ppt/slides/slide8.xml><?xml version="1.0" encoding="utf-8"?>
-<p:sld xmlns:a="http://schemas.openxmlformats.org/drawingml/2006/main" xmlns:r="http://schemas.openxmlformats.org/officeDocument/2006/relationships" xmlns:mc="http://schemas.openxmlformats.org/markup-compatibility/2006" xmlns:mv="urn:schemas-microsoft-com:mac:vml" xmlns:p="http://schemas.openxmlformats.org/presentationml/2006/main" xmlns:c="http://schemas.openxmlformats.org/drawingml/2006/chart" xmlns:dgm="http://schemas.openxmlformats.org/drawingml/2006/diagram" xmlns:o="urn:schemas-microsoft-com:office:office" xmlns:v="urn:schemas-microsoft-com:vml" xmlns:pvml="urn:schemas-microsoft-com:office:powerpoint" xmlns:com="http://schemas.openxmlformats.org/drawingml/2006/compatibility" xmlns:p14="http://schemas.microsoft.com/office/powerpoint/2010/main" xmlns:p15="http://schemas.microsoft.com/office/powerpoint/2012/main">
+<p:sld xmlns:a="http://schemas.openxmlformats.org/drawingml/2006/main" xmlns:r="http://schemas.openxmlformats.org/officeDocument/2006/relationships" xmlns:p="http://schemas.openxmlformats.org/presentationml/2006/main">
   <p:cSld>
     <p:spTree>
       <p:nvGrpSpPr>
-        <p:cNvPr id="95" name="Shape 95"/>
+        <p:cNvPr id="1" name="Shape 95"/>
         <p:cNvGrpSpPr/>
         <p:nvPr/>
       </p:nvGrpSpPr>
@@ -7954,7 +12081,9 @@
       <p:sp>
         <p:nvSpPr>
           <p:cNvPr id="96" name="Shape 96"/>
-          <p:cNvSpPr txBox="1"/>
+          <p:cNvSpPr txBox="1">
+            <a:spLocks noGrp="1"/>
+          </p:cNvSpPr>
           <p:nvPr>
             <p:ph type="title"/>
           </p:nvPr>
@@ -7969,7 +12098,7 @@
           </a:prstGeom>
         </p:spPr>
         <p:txBody>
-          <a:bodyPr anchorCtr="0" anchor="t" bIns="91425" lIns="91425" rIns="91425" wrap="square" tIns="91425">
+          <a:bodyPr wrap="square" lIns="91425" tIns="91425" rIns="91425" bIns="91425" anchor="t" anchorCtr="0">
             <a:noAutofit/>
           </a:bodyPr>
           <a:lstStyle/>
@@ -7980,9 +12109,6 @@
               </a:spcBef>
               <a:buNone/>
             </a:pPr>
-            <a:r>
-              <a:t/>
-            </a:r>
             <a:endParaRPr/>
           </a:p>
         </p:txBody>
@@ -7990,9 +12116,11 @@
       <p:sp>
         <p:nvSpPr>
           <p:cNvPr id="97" name="Shape 97"/>
-          <p:cNvSpPr txBox="1"/>
+          <p:cNvSpPr txBox="1">
+            <a:spLocks noGrp="1"/>
+          </p:cNvSpPr>
           <p:nvPr>
-            <p:ph idx="1" type="body"/>
+            <p:ph type="body" idx="1"/>
           </p:nvPr>
         </p:nvSpPr>
         <p:spPr>
@@ -8005,7 +12133,7 @@
           </a:prstGeom>
         </p:spPr>
         <p:txBody>
-          <a:bodyPr anchorCtr="0" anchor="t" bIns="91425" lIns="91425" rIns="91425" wrap="square" tIns="91425">
+          <a:bodyPr wrap="square" lIns="91425" tIns="91425" rIns="91425" bIns="91425" anchor="t" anchorCtr="0">
             <a:noAutofit/>
           </a:bodyPr>
           <a:lstStyle/>
@@ -8028,15 +12156,22 @@
   <p:clrMapOvr>
     <a:masterClrMapping/>
   </p:clrMapOvr>
+  <p:timing>
+    <p:tnLst>
+      <p:par>
+        <p:cTn id="1" dur="indefinite" restart="never" nodeType="tmRoot"/>
+      </p:par>
+    </p:tnLst>
+  </p:timing>
 </p:sld>
 </file>
 
 <file path=ppt/slides/slide9.xml><?xml version="1.0" encoding="utf-8"?>
-<p:sld xmlns:a="http://schemas.openxmlformats.org/drawingml/2006/main" xmlns:r="http://schemas.openxmlformats.org/officeDocument/2006/relationships" xmlns:mc="http://schemas.openxmlformats.org/markup-compatibility/2006" xmlns:mv="urn:schemas-microsoft-com:mac:vml" xmlns:p="http://schemas.openxmlformats.org/presentationml/2006/main" xmlns:c="http://schemas.openxmlformats.org/drawingml/2006/chart" xmlns:dgm="http://schemas.openxmlformats.org/drawingml/2006/diagram" xmlns:o="urn:schemas-microsoft-com:office:office" xmlns:v="urn:schemas-microsoft-com:vml" xmlns:pvml="urn:schemas-microsoft-com:office:powerpoint" xmlns:com="http://schemas.openxmlformats.org/drawingml/2006/compatibility" xmlns:p14="http://schemas.microsoft.com/office/powerpoint/2010/main" xmlns:p15="http://schemas.microsoft.com/office/powerpoint/2012/main">
+<p:sld xmlns:a="http://schemas.openxmlformats.org/drawingml/2006/main" xmlns:r="http://schemas.openxmlformats.org/officeDocument/2006/relationships" xmlns:p="http://schemas.openxmlformats.org/presentationml/2006/main">
   <p:cSld>
     <p:spTree>
       <p:nvGrpSpPr>
-        <p:cNvPr id="101" name="Shape 101"/>
+        <p:cNvPr id="1" name="Shape 101"/>
         <p:cNvGrpSpPr/>
         <p:nvPr/>
       </p:nvGrpSpPr>
@@ -8051,7 +12186,9 @@
       <p:sp>
         <p:nvSpPr>
           <p:cNvPr id="102" name="Shape 102"/>
-          <p:cNvSpPr txBox="1"/>
+          <p:cNvSpPr txBox="1">
+            <a:spLocks noGrp="1"/>
+          </p:cNvSpPr>
           <p:nvPr>
             <p:ph type="title"/>
           </p:nvPr>
@@ -8066,7 +12203,7 @@
           </a:prstGeom>
         </p:spPr>
         <p:txBody>
-          <a:bodyPr anchorCtr="0" anchor="t" bIns="91425" lIns="91425" rIns="91425" wrap="square" tIns="91425">
+          <a:bodyPr wrap="square" lIns="91425" tIns="91425" rIns="91425" bIns="91425" anchor="t" anchorCtr="0">
             <a:noAutofit/>
           </a:bodyPr>
           <a:lstStyle/>
@@ -8077,9 +12214,6 @@
               </a:spcBef>
               <a:buNone/>
             </a:pPr>
-            <a:r>
-              <a:t/>
-            </a:r>
             <a:endParaRPr/>
           </a:p>
         </p:txBody>
@@ -8087,9 +12221,11 @@
       <p:sp>
         <p:nvSpPr>
           <p:cNvPr id="103" name="Shape 103"/>
-          <p:cNvSpPr txBox="1"/>
+          <p:cNvSpPr txBox="1">
+            <a:spLocks noGrp="1"/>
+          </p:cNvSpPr>
           <p:nvPr>
-            <p:ph idx="1" type="body"/>
+            <p:ph type="body" idx="1"/>
           </p:nvPr>
         </p:nvSpPr>
         <p:spPr>
@@ -8102,7 +12238,7 @@
           </a:prstGeom>
         </p:spPr>
         <p:txBody>
-          <a:bodyPr anchorCtr="0" anchor="t" bIns="91425" lIns="91425" rIns="91425" wrap="square" tIns="91425">
+          <a:bodyPr wrap="square" lIns="91425" tIns="91425" rIns="91425" bIns="91425" anchor="t" anchorCtr="0">
             <a:noAutofit/>
           </a:bodyPr>
           <a:lstStyle/>
@@ -8125,11 +12261,299 @@
   <p:clrMapOvr>
     <a:masterClrMapping/>
   </p:clrMapOvr>
+  <p:timing>
+    <p:tnLst>
+      <p:par>
+        <p:cTn id="1" dur="indefinite" restart="never" nodeType="tmRoot"/>
+      </p:par>
+    </p:tnLst>
+  </p:timing>
 </p:sld>
 </file>
 
 <file path=ppt/theme/theme1.xml><?xml version="1.0" encoding="utf-8"?>
-<a:theme xmlns:a="http://schemas.openxmlformats.org/drawingml/2006/main" xmlns:r="http://schemas.openxmlformats.org/officeDocument/2006/relationships" name="Custom Theme">
+<a:theme xmlns:a="http://schemas.openxmlformats.org/drawingml/2006/main" name="Simple Light">
+  <a:themeElements>
+    <a:clrScheme name="Simple Light">
+      <a:dk1>
+        <a:srgbClr val="000000"/>
+      </a:dk1>
+      <a:lt1>
+        <a:srgbClr val="FFFFFF"/>
+      </a:lt1>
+      <a:dk2>
+        <a:srgbClr val="595959"/>
+      </a:dk2>
+      <a:lt2>
+        <a:srgbClr val="EEEEEE"/>
+      </a:lt2>
+      <a:accent1>
+        <a:srgbClr val="FFAB40"/>
+      </a:accent1>
+      <a:accent2>
+        <a:srgbClr val="212121"/>
+      </a:accent2>
+      <a:accent3>
+        <a:srgbClr val="78909C"/>
+      </a:accent3>
+      <a:accent4>
+        <a:srgbClr val="FFAB40"/>
+      </a:accent4>
+      <a:accent5>
+        <a:srgbClr val="0097A7"/>
+      </a:accent5>
+      <a:accent6>
+        <a:srgbClr val="EEFF41"/>
+      </a:accent6>
+      <a:hlink>
+        <a:srgbClr val="0097A7"/>
+      </a:hlink>
+      <a:folHlink>
+        <a:srgbClr val="0097A7"/>
+      </a:folHlink>
+    </a:clrScheme>
+    <a:fontScheme name="Office">
+      <a:majorFont>
+        <a:latin typeface="Arial"/>
+        <a:ea typeface=""/>
+        <a:cs typeface=""/>
+        <a:font script="Jpan" typeface="ＭＳ Ｐゴシック"/>
+        <a:font script="Hang" typeface="맑은 고딕"/>
+        <a:font script="Hans" typeface="宋体"/>
+        <a:font script="Hant" typeface="新細明體"/>
+        <a:font script="Arab" typeface="Times New Roman"/>
+        <a:font script="Hebr" typeface="Times New Roman"/>
+        <a:font script="Thai" typeface="Angsana New"/>
+        <a:font script="Ethi" typeface="Nyala"/>
+        <a:font script="Beng" typeface="Vrinda"/>
+        <a:font script="Gujr" typeface="Shruti"/>
+        <a:font script="Khmr" typeface="MoolBoran"/>
+        <a:font script="Knda" typeface="Tunga"/>
+        <a:font script="Guru" typeface="Raavi"/>
+        <a:font script="Cans" typeface="Euphemia"/>
+        <a:font script="Cher" typeface="Plantagenet Cherokee"/>
+        <a:font script="Yiii" typeface="Microsoft Yi Baiti"/>
+        <a:font script="Tibt" typeface="Microsoft Himalaya"/>
+        <a:font script="Thaa" typeface="MV Boli"/>
+        <a:font script="Deva" typeface="Mangal"/>
+        <a:font script="Telu" typeface="Gautami"/>
+        <a:font script="Taml" typeface="Latha"/>
+        <a:font script="Syrc" typeface="Estrangelo Edessa"/>
+        <a:font script="Orya" typeface="Kalinga"/>
+        <a:font script="Mlym" typeface="Kartika"/>
+        <a:font script="Laoo" typeface="DokChampa"/>
+        <a:font script="Sinh" typeface="Iskoola Pota"/>
+        <a:font script="Mong" typeface="Mongolian Baiti"/>
+        <a:font script="Viet" typeface="Times New Roman"/>
+        <a:font script="Uigh" typeface="Microsoft Uighur"/>
+        <a:font script="Geor" typeface="Sylfaen"/>
+      </a:majorFont>
+      <a:minorFont>
+        <a:latin typeface="Arial"/>
+        <a:ea typeface=""/>
+        <a:cs typeface=""/>
+        <a:font script="Jpan" typeface="ＭＳ Ｐゴシック"/>
+        <a:font script="Hang" typeface="맑은 고딕"/>
+        <a:font script="Hans" typeface="宋体"/>
+        <a:font script="Hant" typeface="新細明體"/>
+        <a:font script="Arab" typeface="Arial"/>
+        <a:font script="Hebr" typeface="Arial"/>
+        <a:font script="Thai" typeface="Cordia New"/>
+        <a:font script="Ethi" typeface="Nyala"/>
+        <a:font script="Beng" typeface="Vrinda"/>
+        <a:font script="Gujr" typeface="Shruti"/>
+        <a:font script="Khmr" typeface="DaunPenh"/>
+        <a:font script="Knda" typeface="Tunga"/>
+        <a:font script="Guru" typeface="Raavi"/>
+        <a:font script="Cans" typeface="Euphemia"/>
+        <a:font script="Cher" typeface="Plantagenet Cherokee"/>
+        <a:font script="Yiii" typeface="Microsoft Yi Baiti"/>
+        <a:font script="Tibt" typeface="Microsoft Himalaya"/>
+        <a:font script="Thaa" typeface="MV Boli"/>
+        <a:font script="Deva" typeface="Mangal"/>
+        <a:font script="Telu" typeface="Gautami"/>
+        <a:font script="Taml" typeface="Latha"/>
+        <a:font script="Syrc" typeface="Estrangelo Edessa"/>
+        <a:font script="Orya" typeface="Kalinga"/>
+        <a:font script="Mlym" typeface="Kartika"/>
+        <a:font script="Laoo" typeface="DokChampa"/>
+        <a:font script="Sinh" typeface="Iskoola Pota"/>
+        <a:font script="Mong" typeface="Mongolian Baiti"/>
+        <a:font script="Viet" typeface="Arial"/>
+        <a:font script="Uigh" typeface="Microsoft Uighur"/>
+        <a:font script="Geor" typeface="Sylfaen"/>
+      </a:minorFont>
+    </a:fontScheme>
+    <a:fmtScheme name="Office">
+      <a:fillStyleLst>
+        <a:solidFill>
+          <a:schemeClr val="phClr"/>
+        </a:solidFill>
+        <a:gradFill rotWithShape="1">
+          <a:gsLst>
+            <a:gs pos="0">
+              <a:schemeClr val="phClr">
+                <a:tint val="50000"/>
+                <a:satMod val="300000"/>
+              </a:schemeClr>
+            </a:gs>
+            <a:gs pos="35000">
+              <a:schemeClr val="phClr">
+                <a:tint val="37000"/>
+                <a:satMod val="300000"/>
+              </a:schemeClr>
+            </a:gs>
+            <a:gs pos="100000">
+              <a:schemeClr val="phClr">
+                <a:tint val="15000"/>
+                <a:satMod val="350000"/>
+              </a:schemeClr>
+            </a:gs>
+          </a:gsLst>
+          <a:lin ang="16200000" scaled="1"/>
+        </a:gradFill>
+        <a:gradFill rotWithShape="1">
+          <a:gsLst>
+            <a:gs pos="0">
+              <a:schemeClr val="phClr">
+                <a:tint val="100000"/>
+                <a:shade val="100000"/>
+                <a:satMod val="130000"/>
+              </a:schemeClr>
+            </a:gs>
+            <a:gs pos="100000">
+              <a:schemeClr val="phClr">
+                <a:tint val="50000"/>
+                <a:shade val="100000"/>
+                <a:satMod val="350000"/>
+              </a:schemeClr>
+            </a:gs>
+          </a:gsLst>
+          <a:lin ang="16200000" scaled="0"/>
+        </a:gradFill>
+      </a:fillStyleLst>
+      <a:lnStyleLst>
+        <a:ln w="9525" cap="flat" cmpd="sng" algn="ctr">
+          <a:solidFill>
+            <a:schemeClr val="phClr">
+              <a:shade val="95000"/>
+              <a:satMod val="105000"/>
+            </a:schemeClr>
+          </a:solidFill>
+          <a:prstDash val="solid"/>
+        </a:ln>
+        <a:ln w="25400" cap="flat" cmpd="sng" algn="ctr">
+          <a:solidFill>
+            <a:schemeClr val="phClr"/>
+          </a:solidFill>
+          <a:prstDash val="solid"/>
+        </a:ln>
+        <a:ln w="38100" cap="flat" cmpd="sng" algn="ctr">
+          <a:solidFill>
+            <a:schemeClr val="phClr"/>
+          </a:solidFill>
+          <a:prstDash val="solid"/>
+        </a:ln>
+      </a:lnStyleLst>
+      <a:effectStyleLst>
+        <a:effectStyle>
+          <a:effectLst>
+            <a:outerShdw blurRad="40000" dist="20000" dir="5400000" rotWithShape="0">
+              <a:srgbClr val="000000">
+                <a:alpha val="38000"/>
+              </a:srgbClr>
+            </a:outerShdw>
+          </a:effectLst>
+        </a:effectStyle>
+        <a:effectStyle>
+          <a:effectLst>
+            <a:outerShdw blurRad="40000" dist="23000" dir="5400000" rotWithShape="0">
+              <a:srgbClr val="000000">
+                <a:alpha val="35000"/>
+              </a:srgbClr>
+            </a:outerShdw>
+          </a:effectLst>
+        </a:effectStyle>
+        <a:effectStyle>
+          <a:effectLst>
+            <a:outerShdw blurRad="40000" dist="23000" dir="5400000" rotWithShape="0">
+              <a:srgbClr val="000000">
+                <a:alpha val="35000"/>
+              </a:srgbClr>
+            </a:outerShdw>
+          </a:effectLst>
+          <a:scene3d>
+            <a:camera prst="orthographicFront">
+              <a:rot lat="0" lon="0" rev="0"/>
+            </a:camera>
+            <a:lightRig rig="threePt" dir="t">
+              <a:rot lat="0" lon="0" rev="1200000"/>
+            </a:lightRig>
+          </a:scene3d>
+          <a:sp3d>
+            <a:bevelT w="63500" h="25400"/>
+          </a:sp3d>
+        </a:effectStyle>
+      </a:effectStyleLst>
+      <a:bgFillStyleLst>
+        <a:solidFill>
+          <a:schemeClr val="phClr"/>
+        </a:solidFill>
+        <a:gradFill rotWithShape="1">
+          <a:gsLst>
+            <a:gs pos="0">
+              <a:schemeClr val="phClr">
+                <a:tint val="40000"/>
+                <a:satMod val="350000"/>
+              </a:schemeClr>
+            </a:gs>
+            <a:gs pos="40000">
+              <a:schemeClr val="phClr">
+                <a:tint val="45000"/>
+                <a:shade val="99000"/>
+                <a:satMod val="350000"/>
+              </a:schemeClr>
+            </a:gs>
+            <a:gs pos="100000">
+              <a:schemeClr val="phClr">
+                <a:shade val="20000"/>
+                <a:satMod val="255000"/>
+              </a:schemeClr>
+            </a:gs>
+          </a:gsLst>
+          <a:path path="circle">
+            <a:fillToRect l="50000" t="-80000" r="50000" b="180000"/>
+          </a:path>
+        </a:gradFill>
+        <a:gradFill rotWithShape="1">
+          <a:gsLst>
+            <a:gs pos="0">
+              <a:schemeClr val="phClr">
+                <a:tint val="80000"/>
+                <a:satMod val="300000"/>
+              </a:schemeClr>
+            </a:gs>
+            <a:gs pos="100000">
+              <a:schemeClr val="phClr">
+                <a:shade val="30000"/>
+                <a:satMod val="200000"/>
+              </a:schemeClr>
+            </a:gs>
+          </a:gsLst>
+          <a:path path="circle">
+            <a:fillToRect l="50000" t="50000" r="50000" b="50000"/>
+          </a:path>
+        </a:gradFill>
+      </a:bgFillStyleLst>
+    </a:fmtScheme>
+  </a:themeElements>
+  <a:objectDefaults/>
+  <a:extraClrSchemeLst/>
+</a:theme>
+</file>
+
+<file path=ppt/theme/theme2.xml><?xml version="1.0" encoding="utf-8"?>
+<a:theme xmlns:a="http://schemas.openxmlformats.org/drawingml/2006/main" name="Custom Theme">
   <a:themeElements>
     <a:clrScheme name="Default">
       <a:dk1>
@@ -8404,284 +12828,7 @@
       </a:bgFillStyleLst>
     </a:fmtScheme>
   </a:themeElements>
-</a:theme>
-</file>
-
-<file path=ppt/theme/theme2.xml><?xml version="1.0" encoding="utf-8"?>
-<a:theme xmlns:a="http://schemas.openxmlformats.org/drawingml/2006/main" xmlns:r="http://schemas.openxmlformats.org/officeDocument/2006/relationships" name="Simple Light">
-  <a:themeElements>
-    <a:clrScheme name="Simple Light">
-      <a:dk1>
-        <a:srgbClr val="000000"/>
-      </a:dk1>
-      <a:lt1>
-        <a:srgbClr val="FFFFFF"/>
-      </a:lt1>
-      <a:dk2>
-        <a:srgbClr val="595959"/>
-      </a:dk2>
-      <a:lt2>
-        <a:srgbClr val="EEEEEE"/>
-      </a:lt2>
-      <a:accent1>
-        <a:srgbClr val="FFAB40"/>
-      </a:accent1>
-      <a:accent2>
-        <a:srgbClr val="212121"/>
-      </a:accent2>
-      <a:accent3>
-        <a:srgbClr val="78909C"/>
-      </a:accent3>
-      <a:accent4>
-        <a:srgbClr val="FFAB40"/>
-      </a:accent4>
-      <a:accent5>
-        <a:srgbClr val="0097A7"/>
-      </a:accent5>
-      <a:accent6>
-        <a:srgbClr val="EEFF41"/>
-      </a:accent6>
-      <a:hlink>
-        <a:srgbClr val="0097A7"/>
-      </a:hlink>
-      <a:folHlink>
-        <a:srgbClr val="0097A7"/>
-      </a:folHlink>
-    </a:clrScheme>
-    <a:fontScheme name="Office">
-      <a:majorFont>
-        <a:latin typeface="Arial"/>
-        <a:ea typeface=""/>
-        <a:cs typeface=""/>
-        <a:font script="Jpan" typeface="ＭＳ Ｐゴシック"/>
-        <a:font script="Hang" typeface="맑은 고딕"/>
-        <a:font script="Hans" typeface="宋体"/>
-        <a:font script="Hant" typeface="新細明體"/>
-        <a:font script="Arab" typeface="Times New Roman"/>
-        <a:font script="Hebr" typeface="Times New Roman"/>
-        <a:font script="Thai" typeface="Angsana New"/>
-        <a:font script="Ethi" typeface="Nyala"/>
-        <a:font script="Beng" typeface="Vrinda"/>
-        <a:font script="Gujr" typeface="Shruti"/>
-        <a:font script="Khmr" typeface="MoolBoran"/>
-        <a:font script="Knda" typeface="Tunga"/>
-        <a:font script="Guru" typeface="Raavi"/>
-        <a:font script="Cans" typeface="Euphemia"/>
-        <a:font script="Cher" typeface="Plantagenet Cherokee"/>
-        <a:font script="Yiii" typeface="Microsoft Yi Baiti"/>
-        <a:font script="Tibt" typeface="Microsoft Himalaya"/>
-        <a:font script="Thaa" typeface="MV Boli"/>
-        <a:font script="Deva" typeface="Mangal"/>
-        <a:font script="Telu" typeface="Gautami"/>
-        <a:font script="Taml" typeface="Latha"/>
-        <a:font script="Syrc" typeface="Estrangelo Edessa"/>
-        <a:font script="Orya" typeface="Kalinga"/>
-        <a:font script="Mlym" typeface="Kartika"/>
-        <a:font script="Laoo" typeface="DokChampa"/>
-        <a:font script="Sinh" typeface="Iskoola Pota"/>
-        <a:font script="Mong" typeface="Mongolian Baiti"/>
-        <a:font script="Viet" typeface="Times New Roman"/>
-        <a:font script="Uigh" typeface="Microsoft Uighur"/>
-        <a:font script="Geor" typeface="Sylfaen"/>
-      </a:majorFont>
-      <a:minorFont>
-        <a:latin typeface="Arial"/>
-        <a:ea typeface=""/>
-        <a:cs typeface=""/>
-        <a:font script="Jpan" typeface="ＭＳ Ｐゴシック"/>
-        <a:font script="Hang" typeface="맑은 고딕"/>
-        <a:font script="Hans" typeface="宋体"/>
-        <a:font script="Hant" typeface="新細明體"/>
-        <a:font script="Arab" typeface="Arial"/>
-        <a:font script="Hebr" typeface="Arial"/>
-        <a:font script="Thai" typeface="Cordia New"/>
-        <a:font script="Ethi" typeface="Nyala"/>
-        <a:font script="Beng" typeface="Vrinda"/>
-        <a:font script="Gujr" typeface="Shruti"/>
-        <a:font script="Khmr" typeface="DaunPenh"/>
-        <a:font script="Knda" typeface="Tunga"/>
-        <a:font script="Guru" typeface="Raavi"/>
-        <a:font script="Cans" typeface="Euphemia"/>
-        <a:font script="Cher" typeface="Plantagenet Cherokee"/>
-        <a:font script="Yiii" typeface="Microsoft Yi Baiti"/>
-        <a:font script="Tibt" typeface="Microsoft Himalaya"/>
-        <a:font script="Thaa" typeface="MV Boli"/>
-        <a:font script="Deva" typeface="Mangal"/>
-        <a:font script="Telu" typeface="Gautami"/>
-        <a:font script="Taml" typeface="Latha"/>
-        <a:font script="Syrc" typeface="Estrangelo Edessa"/>
-        <a:font script="Orya" typeface="Kalinga"/>
-        <a:font script="Mlym" typeface="Kartika"/>
-        <a:font script="Laoo" typeface="DokChampa"/>
-        <a:font script="Sinh" typeface="Iskoola Pota"/>
-        <a:font script="Mong" typeface="Mongolian Baiti"/>
-        <a:font script="Viet" typeface="Arial"/>
-        <a:font script="Uigh" typeface="Microsoft Uighur"/>
-        <a:font script="Geor" typeface="Sylfaen"/>
-      </a:minorFont>
-    </a:fontScheme>
-    <a:fmtScheme name="Office">
-      <a:fillStyleLst>
-        <a:solidFill>
-          <a:schemeClr val="phClr"/>
-        </a:solidFill>
-        <a:gradFill rotWithShape="1">
-          <a:gsLst>
-            <a:gs pos="0">
-              <a:schemeClr val="phClr">
-                <a:tint val="50000"/>
-                <a:satMod val="300000"/>
-              </a:schemeClr>
-            </a:gs>
-            <a:gs pos="35000">
-              <a:schemeClr val="phClr">
-                <a:tint val="37000"/>
-                <a:satMod val="300000"/>
-              </a:schemeClr>
-            </a:gs>
-            <a:gs pos="100000">
-              <a:schemeClr val="phClr">
-                <a:tint val="15000"/>
-                <a:satMod val="350000"/>
-              </a:schemeClr>
-            </a:gs>
-          </a:gsLst>
-          <a:lin ang="16200000" scaled="1"/>
-        </a:gradFill>
-        <a:gradFill rotWithShape="1">
-          <a:gsLst>
-            <a:gs pos="0">
-              <a:schemeClr val="phClr">
-                <a:tint val="100000"/>
-                <a:shade val="100000"/>
-                <a:satMod val="130000"/>
-              </a:schemeClr>
-            </a:gs>
-            <a:gs pos="100000">
-              <a:schemeClr val="phClr">
-                <a:tint val="50000"/>
-                <a:shade val="100000"/>
-                <a:satMod val="350000"/>
-              </a:schemeClr>
-            </a:gs>
-          </a:gsLst>
-          <a:lin ang="16200000" scaled="0"/>
-        </a:gradFill>
-      </a:fillStyleLst>
-      <a:lnStyleLst>
-        <a:ln w="9525" cap="flat" cmpd="sng" algn="ctr">
-          <a:solidFill>
-            <a:schemeClr val="phClr">
-              <a:shade val="95000"/>
-              <a:satMod val="105000"/>
-            </a:schemeClr>
-          </a:solidFill>
-          <a:prstDash val="solid"/>
-        </a:ln>
-        <a:ln w="25400" cap="flat" cmpd="sng" algn="ctr">
-          <a:solidFill>
-            <a:schemeClr val="phClr"/>
-          </a:solidFill>
-          <a:prstDash val="solid"/>
-        </a:ln>
-        <a:ln w="38100" cap="flat" cmpd="sng" algn="ctr">
-          <a:solidFill>
-            <a:schemeClr val="phClr"/>
-          </a:solidFill>
-          <a:prstDash val="solid"/>
-        </a:ln>
-      </a:lnStyleLst>
-      <a:effectStyleLst>
-        <a:effectStyle>
-          <a:effectLst>
-            <a:outerShdw blurRad="40000" dist="20000" dir="5400000" rotWithShape="0">
-              <a:srgbClr val="000000">
-                <a:alpha val="38000"/>
-              </a:srgbClr>
-            </a:outerShdw>
-          </a:effectLst>
-        </a:effectStyle>
-        <a:effectStyle>
-          <a:effectLst>
-            <a:outerShdw blurRad="40000" dist="23000" dir="5400000" rotWithShape="0">
-              <a:srgbClr val="000000">
-                <a:alpha val="35000"/>
-              </a:srgbClr>
-            </a:outerShdw>
-          </a:effectLst>
-        </a:effectStyle>
-        <a:effectStyle>
-          <a:effectLst>
-            <a:outerShdw blurRad="40000" dist="23000" dir="5400000" rotWithShape="0">
-              <a:srgbClr val="000000">
-                <a:alpha val="35000"/>
-              </a:srgbClr>
-            </a:outerShdw>
-          </a:effectLst>
-          <a:scene3d>
-            <a:camera prst="orthographicFront">
-              <a:rot lat="0" lon="0" rev="0"/>
-            </a:camera>
-            <a:lightRig rig="threePt" dir="t">
-              <a:rot lat="0" lon="0" rev="1200000"/>
-            </a:lightRig>
-          </a:scene3d>
-          <a:sp3d>
-            <a:bevelT w="63500" h="25400"/>
-          </a:sp3d>
-        </a:effectStyle>
-      </a:effectStyleLst>
-      <a:bgFillStyleLst>
-        <a:solidFill>
-          <a:schemeClr val="phClr"/>
-        </a:solidFill>
-        <a:gradFill rotWithShape="1">
-          <a:gsLst>
-            <a:gs pos="0">
-              <a:schemeClr val="phClr">
-                <a:tint val="40000"/>
-                <a:satMod val="350000"/>
-              </a:schemeClr>
-            </a:gs>
-            <a:gs pos="40000">
-              <a:schemeClr val="phClr">
-                <a:tint val="45000"/>
-                <a:shade val="99000"/>
-                <a:satMod val="350000"/>
-              </a:schemeClr>
-            </a:gs>
-            <a:gs pos="100000">
-              <a:schemeClr val="phClr">
-                <a:shade val="20000"/>
-                <a:satMod val="255000"/>
-              </a:schemeClr>
-            </a:gs>
-          </a:gsLst>
-          <a:path path="circle">
-            <a:fillToRect l="50000" t="-80000" r="50000" b="180000"/>
-          </a:path>
-        </a:gradFill>
-        <a:gradFill rotWithShape="1">
-          <a:gsLst>
-            <a:gs pos="0">
-              <a:schemeClr val="phClr">
-                <a:tint val="80000"/>
-                <a:satMod val="300000"/>
-              </a:schemeClr>
-            </a:gs>
-            <a:gs pos="100000">
-              <a:schemeClr val="phClr">
-                <a:shade val="30000"/>
-                <a:satMod val="200000"/>
-              </a:schemeClr>
-            </a:gs>
-          </a:gsLst>
-          <a:path path="circle">
-            <a:fillToRect l="50000" t="50000" r="50000" b="50000"/>
-          </a:path>
-        </a:gradFill>
-      </a:bgFillStyleLst>
-    </a:fmtScheme>
-  </a:themeElements>
+  <a:objectDefaults/>
+  <a:extraClrSchemeLst/>
 </a:theme>
 </file>